--- a/JavaLecture/LectureFile/java 5강 배열_정답.pptx
+++ b/JavaLecture/LectureFile/java 5강 배열_정답.pptx
@@ -5,11 +5,11 @@
     <p:sldMasterId id="2147483648" r:id="rId1"/>
   </p:sldMasterIdLst>
   <p:notesMasterIdLst>
-    <p:notesMasterId r:id="rId26"/>
+    <p:notesMasterId r:id="rId30"/>
   </p:notesMasterIdLst>
   <p:sldIdLst>
     <p:sldId id="257" r:id="rId2"/>
-    <p:sldId id="258" r:id="rId3"/>
+    <p:sldId id="259" r:id="rId3"/>
     <p:sldId id="281" r:id="rId4"/>
     <p:sldId id="516" r:id="rId5"/>
     <p:sldId id="545" r:id="rId6"/>
@@ -23,15 +23,19 @@
     <p:sldId id="531" r:id="rId14"/>
     <p:sldId id="374" r:id="rId15"/>
     <p:sldId id="523" r:id="rId16"/>
-    <p:sldId id="533" r:id="rId17"/>
-    <p:sldId id="532" r:id="rId18"/>
-    <p:sldId id="385" r:id="rId19"/>
-    <p:sldId id="534" r:id="rId20"/>
-    <p:sldId id="535" r:id="rId21"/>
-    <p:sldId id="526" r:id="rId22"/>
-    <p:sldId id="482" r:id="rId23"/>
-    <p:sldId id="525" r:id="rId24"/>
-    <p:sldId id="275" r:id="rId25"/>
+    <p:sldId id="552" r:id="rId17"/>
+    <p:sldId id="533" r:id="rId18"/>
+    <p:sldId id="553" r:id="rId19"/>
+    <p:sldId id="532" r:id="rId20"/>
+    <p:sldId id="554" r:id="rId21"/>
+    <p:sldId id="385" r:id="rId22"/>
+    <p:sldId id="534" r:id="rId23"/>
+    <p:sldId id="555" r:id="rId24"/>
+    <p:sldId id="535" r:id="rId25"/>
+    <p:sldId id="526" r:id="rId26"/>
+    <p:sldId id="482" r:id="rId27"/>
+    <p:sldId id="525" r:id="rId28"/>
+    <p:sldId id="275" r:id="rId29"/>
   </p:sldIdLst>
   <p:sldSz cx="18288000" cy="10287000"/>
   <p:notesSz cx="7104063" cy="10234613"/>
@@ -231,7 +235,7 @@
           <a:p>
             <a:fld id="{D79F2C30-10E1-4C46-91DC-BBDB9629E720}" type="datetimeFigureOut">
               <a:rPr lang="ko-KR" altLang="en-US" smtClean="0"/>
-              <a:t>2023-11-21 Tuesday</a:t>
+              <a:t>2024-03-17</a:t>
             </a:fld>
             <a:endParaRPr lang="ko-KR" altLang="en-US"/>
           </a:p>
@@ -563,7 +567,7 @@
           <a:p>
             <a:fld id="{50FC2DCF-6074-47D8-9A40-8DDAA9ED0A57}" type="slidenum">
               <a:rPr lang="ko-KR" altLang="en-US" smtClean="0"/>
-              <a:t>22</a:t>
+              <a:t>26</a:t>
             </a:fld>
             <a:endParaRPr lang="ko-KR" altLang="en-US"/>
           </a:p>
@@ -775,7 +779,7 @@
           <a:p>
             <a:fld id="{F8166F1F-CE9B-4651-A6AA-CD717754106B}" type="datetimeFigureOut">
               <a:rPr lang="en-US" smtClean="0"/>
-              <a:t>11/21/2023</a:t>
+              <a:t>3/17/2024</a:t>
             </a:fld>
             <a:endParaRPr lang="en-US"/>
           </a:p>
@@ -978,7 +982,7 @@
           <a:p>
             <a:fld id="{A76116CE-C4A3-4A05-B2D7-7C2E9A889C0F}" type="datetimeFigureOut">
               <a:rPr lang="en-US" smtClean="0"/>
-              <a:t>11/21/2023</a:t>
+              <a:t>3/17/2024</a:t>
             </a:fld>
             <a:endParaRPr lang="en-US"/>
           </a:p>
@@ -1181,7 +1185,7 @@
           <a:p>
             <a:fld id="{A76116CE-C4A3-4A05-B2D7-7C2E9A889C0F}" type="datetimeFigureOut">
               <a:rPr lang="en-US" smtClean="0"/>
-              <a:t>11/21/2023</a:t>
+              <a:t>3/17/2024</a:t>
             </a:fld>
             <a:endParaRPr lang="en-US"/>
           </a:p>
@@ -1386,7 +1390,7 @@
           <a:p>
             <a:fld id="{A76116CE-C4A3-4A05-B2D7-7C2E9A889C0F}" type="datetimeFigureOut">
               <a:rPr lang="en-US" smtClean="0"/>
-              <a:t>11/21/2023</a:t>
+              <a:t>3/17/2024</a:t>
             </a:fld>
             <a:endParaRPr lang="en-US"/>
           </a:p>
@@ -1656,7 +1660,7 @@
           <a:p>
             <a:fld id="{A76116CE-C4A3-4A05-B2D7-7C2E9A889C0F}" type="datetimeFigureOut">
               <a:rPr lang="en-US" smtClean="0"/>
-              <a:t>11/21/2023</a:t>
+              <a:t>3/17/2024</a:t>
             </a:fld>
             <a:endParaRPr lang="en-US"/>
           </a:p>
@@ -1974,7 +1978,7 @@
           <a:p>
             <a:fld id="{A76116CE-C4A3-4A05-B2D7-7C2E9A889C0F}" type="datetimeFigureOut">
               <a:rPr lang="en-US" smtClean="0"/>
-              <a:t>11/21/2023</a:t>
+              <a:t>3/17/2024</a:t>
             </a:fld>
             <a:endParaRPr lang="en-US"/>
           </a:p>
@@ -2432,7 +2436,7 @@
           <a:p>
             <a:fld id="{A76116CE-C4A3-4A05-B2D7-7C2E9A889C0F}" type="datetimeFigureOut">
               <a:rPr lang="en-US" smtClean="0"/>
-              <a:t>11/21/2023</a:t>
+              <a:t>3/17/2024</a:t>
             </a:fld>
             <a:endParaRPr lang="en-US"/>
           </a:p>
@@ -2576,7 +2580,7 @@
           <a:p>
             <a:fld id="{A76116CE-C4A3-4A05-B2D7-7C2E9A889C0F}" type="datetimeFigureOut">
               <a:rPr lang="en-US" smtClean="0"/>
-              <a:t>11/21/2023</a:t>
+              <a:t>3/17/2024</a:t>
             </a:fld>
             <a:endParaRPr lang="en-US"/>
           </a:p>
@@ -2690,7 +2694,7 @@
           <a:p>
             <a:fld id="{A76116CE-C4A3-4A05-B2D7-7C2E9A889C0F}" type="datetimeFigureOut">
               <a:rPr lang="en-US" smtClean="0"/>
-              <a:t>11/21/2023</a:t>
+              <a:t>3/17/2024</a:t>
             </a:fld>
             <a:endParaRPr lang="en-US"/>
           </a:p>
@@ -2993,7 +2997,7 @@
           <a:p>
             <a:fld id="{A76116CE-C4A3-4A05-B2D7-7C2E9A889C0F}" type="datetimeFigureOut">
               <a:rPr lang="en-US" smtClean="0"/>
-              <a:t>11/21/2023</a:t>
+              <a:t>3/17/2024</a:t>
             </a:fld>
             <a:endParaRPr lang="en-US"/>
           </a:p>
@@ -3273,7 +3277,7 @@
           <a:p>
             <a:fld id="{A76116CE-C4A3-4A05-B2D7-7C2E9A889C0F}" type="datetimeFigureOut">
               <a:rPr lang="en-US" smtClean="0"/>
-              <a:t>11/21/2023</a:t>
+              <a:t>3/17/2024</a:t>
             </a:fld>
             <a:endParaRPr lang="en-US"/>
           </a:p>
@@ -4031,7 +4035,7 @@
           <p:cNvPr id="2" name="TextBox 1">
             <a:extLst>
               <a:ext uri="{FF2B5EF4-FFF2-40B4-BE49-F238E27FC236}">
-                <a16:creationId xmlns:a16="http://schemas.microsoft.com/office/drawing/2014/main" id="{E9A453A8-9968-67AB-7B4A-83EEB4662AA6}"/>
+                <a16:creationId xmlns:a16="http://schemas.microsoft.com/office/drawing/2014/main" xmlns="" id="{E9A453A8-9968-67AB-7B4A-83EEB4662AA6}"/>
               </a:ext>
             </a:extLst>
           </p:cNvPr>
@@ -4079,7 +4083,7 @@
           <p:cNvPr id="4" name="TextBox 3">
             <a:extLst>
               <a:ext uri="{FF2B5EF4-FFF2-40B4-BE49-F238E27FC236}">
-                <a16:creationId xmlns:a16="http://schemas.microsoft.com/office/drawing/2014/main" id="{F4B7A35A-8AAC-4622-64BC-CAD1472D4115}"/>
+                <a16:creationId xmlns:a16="http://schemas.microsoft.com/office/drawing/2014/main" xmlns="" id="{F4B7A35A-8AAC-4622-64BC-CAD1472D4115}"/>
               </a:ext>
             </a:extLst>
           </p:cNvPr>
@@ -4151,7 +4155,7 @@
           <p:cNvPr id="7" name="TextBox 6">
             <a:extLst>
               <a:ext uri="{FF2B5EF4-FFF2-40B4-BE49-F238E27FC236}">
-                <a16:creationId xmlns:a16="http://schemas.microsoft.com/office/drawing/2014/main" id="{3ACE900A-D779-4343-6623-8588B376F0A1}"/>
+                <a16:creationId xmlns:a16="http://schemas.microsoft.com/office/drawing/2014/main" xmlns="" id="{3ACE900A-D779-4343-6623-8588B376F0A1}"/>
               </a:ext>
             </a:extLst>
           </p:cNvPr>
@@ -4215,7 +4219,7 @@
           <p:cNvPr id="8" name="TextBox 7">
             <a:extLst>
               <a:ext uri="{FF2B5EF4-FFF2-40B4-BE49-F238E27FC236}">
-                <a16:creationId xmlns:a16="http://schemas.microsoft.com/office/drawing/2014/main" id="{1411E83A-6F3E-13BA-B84D-07D6B1588D85}"/>
+                <a16:creationId xmlns:a16="http://schemas.microsoft.com/office/drawing/2014/main" xmlns="" id="{1411E83A-6F3E-13BA-B84D-07D6B1588D85}"/>
               </a:ext>
             </a:extLst>
           </p:cNvPr>
@@ -4224,7 +4228,7 @@
         </p:nvSpPr>
         <p:spPr>
           <a:xfrm>
-            <a:off x="1447800" y="495300"/>
+            <a:off x="1447800" y="1028700"/>
             <a:ext cx="13106400" cy="1200329"/>
           </a:xfrm>
           <a:prstGeom prst="rect">
@@ -4239,17 +4243,17 @@
           <a:lstStyle/>
           <a:p>
             <a:r>
-              <a:rPr lang="en-US" altLang="ko-KR" sz="3600">
+              <a:rPr lang="en-US" altLang="ko-KR" sz="3600" dirty="0">
                 <a:solidFill>
                   <a:srgbClr val="4C50BC"/>
                 </a:solidFill>
                 <a:latin typeface="G마켓 산스 Medium" panose="02000000000000000000" pitchFamily="50" charset="-127"/>
                 <a:ea typeface="G마켓 산스 Medium" panose="02000000000000000000" pitchFamily="50" charset="-127"/>
               </a:rPr>
-              <a:t>1-4. int</a:t>
-            </a:r>
-            <a:r>
-              <a:rPr lang="ko-KR" altLang="en-US" sz="3600">
+              <a:t>int</a:t>
+            </a:r>
+            <a:r>
+              <a:rPr lang="ko-KR" altLang="en-US" sz="3600" dirty="0">
                 <a:solidFill>
                   <a:srgbClr val="4C50BC"/>
                 </a:solidFill>
@@ -4259,7 +4263,7 @@
               <a:t>타입 길이</a:t>
             </a:r>
             <a:r>
-              <a:rPr lang="en-US" altLang="ko-KR" sz="3600">
+              <a:rPr lang="en-US" altLang="ko-KR" sz="3600" dirty="0">
                 <a:solidFill>
                   <a:srgbClr val="4C50BC"/>
                 </a:solidFill>
@@ -4269,7 +4273,7 @@
               <a:t>10</a:t>
             </a:r>
             <a:r>
-              <a:rPr lang="ko-KR" altLang="en-US" sz="3600">
+              <a:rPr lang="ko-KR" altLang="en-US" sz="3600" dirty="0">
                 <a:solidFill>
                   <a:srgbClr val="4C50BC"/>
                 </a:solidFill>
@@ -4279,7 +4283,7 @@
               <a:t>의 배열에 </a:t>
             </a:r>
             <a:r>
-              <a:rPr lang="en-US" altLang="ko-KR" sz="3600">
+              <a:rPr lang="en-US" altLang="ko-KR" sz="3600" dirty="0">
                 <a:solidFill>
                   <a:srgbClr val="4C50BC"/>
                 </a:solidFill>
@@ -4289,16 +4293,56 @@
               <a:t>0~9 </a:t>
             </a:r>
             <a:r>
-              <a:rPr lang="ko-KR" altLang="en-US" sz="3600">
+              <a:rPr lang="ko-KR" altLang="en-US" sz="3600" dirty="0">
                 <a:solidFill>
                   <a:srgbClr val="4C50BC"/>
                 </a:solidFill>
                 <a:latin typeface="G마켓 산스 Medium" panose="02000000000000000000" pitchFamily="50" charset="-127"/>
                 <a:ea typeface="G마켓 산스 Medium" panose="02000000000000000000" pitchFamily="50" charset="-127"/>
               </a:rPr>
-              <a:t>까지의 랜덤한값을 넣은후 </a:t>
-            </a:r>
-            <a:endParaRPr lang="en-US" altLang="ko-KR" sz="3600">
+              <a:t>까지의 </a:t>
+            </a:r>
+            <a:r>
+              <a:rPr lang="ko-KR" altLang="en-US" sz="3600" dirty="0" err="1">
+                <a:solidFill>
+                  <a:srgbClr val="4C50BC"/>
+                </a:solidFill>
+                <a:latin typeface="G마켓 산스 Medium" panose="02000000000000000000" pitchFamily="50" charset="-127"/>
+                <a:ea typeface="G마켓 산스 Medium" panose="02000000000000000000" pitchFamily="50" charset="-127"/>
+              </a:rPr>
+              <a:t>랜덤한값을</a:t>
+            </a:r>
+            <a:r>
+              <a:rPr lang="ko-KR" altLang="en-US" sz="3600" dirty="0">
+                <a:solidFill>
+                  <a:srgbClr val="4C50BC"/>
+                </a:solidFill>
+                <a:latin typeface="G마켓 산스 Medium" panose="02000000000000000000" pitchFamily="50" charset="-127"/>
+                <a:ea typeface="G마켓 산스 Medium" panose="02000000000000000000" pitchFamily="50" charset="-127"/>
+              </a:rPr>
+              <a:t> </a:t>
+            </a:r>
+            <a:r>
+              <a:rPr lang="ko-KR" altLang="en-US" sz="3600" dirty="0" err="1">
+                <a:solidFill>
+                  <a:srgbClr val="4C50BC"/>
+                </a:solidFill>
+                <a:latin typeface="G마켓 산스 Medium" panose="02000000000000000000" pitchFamily="50" charset="-127"/>
+                <a:ea typeface="G마켓 산스 Medium" panose="02000000000000000000" pitchFamily="50" charset="-127"/>
+              </a:rPr>
+              <a:t>넣은후</a:t>
+            </a:r>
+            <a:r>
+              <a:rPr lang="ko-KR" altLang="en-US" sz="3600" dirty="0">
+                <a:solidFill>
+                  <a:srgbClr val="4C50BC"/>
+                </a:solidFill>
+                <a:latin typeface="G마켓 산스 Medium" panose="02000000000000000000" pitchFamily="50" charset="-127"/>
+                <a:ea typeface="G마켓 산스 Medium" panose="02000000000000000000" pitchFamily="50" charset="-127"/>
+              </a:rPr>
+              <a:t> </a:t>
+            </a:r>
+            <a:endParaRPr lang="en-US" altLang="ko-KR" sz="3600" dirty="0">
               <a:solidFill>
                 <a:srgbClr val="4C50BC"/>
               </a:solidFill>
@@ -4308,26 +4352,26 @@
           </a:p>
           <a:p>
             <a:r>
-              <a:rPr lang="ko-KR" altLang="en-US" sz="3600">
+              <a:rPr lang="ko-KR" altLang="en-US" sz="3600" dirty="0">
                 <a:solidFill>
                   <a:srgbClr val="4C50BC"/>
                 </a:solidFill>
                 <a:latin typeface="G마켓 산스 Medium" panose="02000000000000000000" pitchFamily="50" charset="-127"/>
                 <a:ea typeface="G마켓 산스 Medium" panose="02000000000000000000" pitchFamily="50" charset="-127"/>
               </a:rPr>
-              <a:t>오름차순으로 정렬하여보자</a:t>
-            </a:r>
-            <a:r>
-              <a:rPr lang="en-US" altLang="ko-KR" sz="3600">
-                <a:solidFill>
-                  <a:srgbClr val="FF0000"/>
-                </a:solidFill>
-                <a:latin typeface="G마켓 산스 Medium" panose="02000000000000000000" pitchFamily="50" charset="-127"/>
-                <a:ea typeface="G마켓 산스 Medium" panose="02000000000000000000" pitchFamily="50" charset="-127"/>
-              </a:rPr>
-              <a:t>(hard)</a:t>
-            </a:r>
-            <a:endParaRPr lang="ko-KR" altLang="en-US" sz="3600">
+              <a:t>오름차순으로 </a:t>
+            </a:r>
+            <a:r>
+              <a:rPr lang="ko-KR" altLang="en-US" sz="3600" dirty="0" err="1">
+                <a:solidFill>
+                  <a:srgbClr val="4C50BC"/>
+                </a:solidFill>
+                <a:latin typeface="G마켓 산스 Medium" panose="02000000000000000000" pitchFamily="50" charset="-127"/>
+                <a:ea typeface="G마켓 산스 Medium" panose="02000000000000000000" pitchFamily="50" charset="-127"/>
+              </a:rPr>
+              <a:t>정렬하여보자</a:t>
+            </a:r>
+            <a:endParaRPr lang="ko-KR" altLang="en-US" sz="3600" dirty="0">
               <a:solidFill>
                 <a:srgbClr val="FF0000"/>
               </a:solidFill>
@@ -4353,7 +4397,7 @@
         </p:blipFill>
         <p:spPr>
           <a:xfrm>
-            <a:off x="11049000" y="1695629"/>
+            <a:off x="11049000" y="2229029"/>
             <a:ext cx="5858216" cy="1525727"/>
           </a:xfrm>
           <a:prstGeom prst="rect">
@@ -4377,7 +4421,7 @@
         </p:blipFill>
         <p:spPr>
           <a:xfrm>
-            <a:off x="533400" y="1695629"/>
+            <a:off x="533400" y="2229029"/>
             <a:ext cx="10212636" cy="7848600"/>
           </a:xfrm>
           <a:prstGeom prst="rect">
@@ -4385,29 +4429,120 @@
           </a:prstGeom>
         </p:spPr>
       </p:pic>
-      <p:pic>
-        <p:nvPicPr>
-          <p:cNvPr id="6" name="그림 5"/>
-          <p:cNvPicPr>
-            <a:picLocks noChangeAspect="1"/>
-          </p:cNvPicPr>
-          <p:nvPr/>
-        </p:nvPicPr>
-        <p:blipFill rotWithShape="1">
-          <a:blip r:embed="rId4"/>
-          <a:srcRect t="39806" r="18"/>
-          <a:stretch/>
-        </p:blipFill>
-        <p:spPr>
-          <a:xfrm>
-            <a:off x="533400" y="4838700"/>
-            <a:ext cx="10210800" cy="4724400"/>
-          </a:xfrm>
-          <a:prstGeom prst="rect">
-            <a:avLst/>
-          </a:prstGeom>
-        </p:spPr>
-      </p:pic>
+      <p:sp>
+        <p:nvSpPr>
+          <p:cNvPr id="5" name="TextBox 4">
+            <a:extLst>
+              <a:ext uri="{FF2B5EF4-FFF2-40B4-BE49-F238E27FC236}">
+                <a16:creationId xmlns:a16="http://schemas.microsoft.com/office/drawing/2014/main" xmlns="" id="{C051A91C-F355-94FB-57B4-3819945B654F}"/>
+              </a:ext>
+            </a:extLst>
+          </p:cNvPr>
+          <p:cNvSpPr txBox="1"/>
+          <p:nvPr/>
+        </p:nvSpPr>
+        <p:spPr>
+          <a:xfrm>
+            <a:off x="304800" y="114300"/>
+            <a:ext cx="10972800" cy="923330"/>
+          </a:xfrm>
+          <a:prstGeom prst="rect">
+            <a:avLst/>
+          </a:prstGeom>
+          <a:noFill/>
+        </p:spPr>
+        <p:txBody>
+          <a:bodyPr wrap="square" rtlCol="0">
+            <a:spAutoFit/>
+          </a:bodyPr>
+          <a:lstStyle/>
+          <a:p>
+            <a:r>
+              <a:rPr lang="en-US" altLang="ko-KR" sz="5400" spc="-300" dirty="0">
+                <a:solidFill>
+                  <a:srgbClr val="4C50BC"/>
+                </a:solidFill>
+                <a:latin typeface="G마켓 산스 Bold" panose="02000000000000000000" pitchFamily="50" charset="-127"/>
+                <a:ea typeface="G마켓 산스 Bold" panose="02000000000000000000" pitchFamily="50" charset="-127"/>
+              </a:rPr>
+              <a:t>1-4 </a:t>
+            </a:r>
+            <a:r>
+              <a:rPr lang="ko-KR" altLang="en-US" sz="5400" spc="-300" dirty="0">
+                <a:solidFill>
+                  <a:srgbClr val="4C50BC"/>
+                </a:solidFill>
+                <a:latin typeface="G마켓 산스 Bold" panose="02000000000000000000" pitchFamily="50" charset="-127"/>
+                <a:ea typeface="G마켓 산스 Bold" panose="02000000000000000000" pitchFamily="50" charset="-127"/>
+              </a:rPr>
+              <a:t>실습문제</a:t>
+            </a:r>
+            <a:r>
+              <a:rPr lang="en-US" altLang="ko-KR" sz="5400" spc="-300" dirty="0">
+                <a:solidFill>
+                  <a:srgbClr val="4C50BC"/>
+                </a:solidFill>
+                <a:latin typeface="G마켓 산스 Bold" panose="02000000000000000000" pitchFamily="50" charset="-127"/>
+                <a:ea typeface="G마켓 산스 Bold" panose="02000000000000000000" pitchFamily="50" charset="-127"/>
+              </a:rPr>
+              <a:t> </a:t>
+            </a:r>
+            <a:r>
+              <a:rPr lang="en-US" altLang="ko-KR" sz="5400" spc="-300" dirty="0">
+                <a:solidFill>
+                  <a:srgbClr val="FF0000"/>
+                </a:solidFill>
+                <a:latin typeface="G마켓 산스 Bold" panose="02000000000000000000" pitchFamily="50" charset="-127"/>
+                <a:ea typeface="G마켓 산스 Bold" panose="02000000000000000000" pitchFamily="50" charset="-127"/>
+              </a:rPr>
+              <a:t>(hard)</a:t>
+            </a:r>
+          </a:p>
+        </p:txBody>
+      </p:sp>
+      <p:cxnSp>
+        <p:nvCxnSpPr>
+          <p:cNvPr id="7" name="직선 연결선 6">
+            <a:extLst>
+              <a:ext uri="{FF2B5EF4-FFF2-40B4-BE49-F238E27FC236}">
+                <a16:creationId xmlns:a16="http://schemas.microsoft.com/office/drawing/2014/main" xmlns="" id="{DE2CF818-22BA-58AF-128B-9060CEE8CCCD}"/>
+              </a:ext>
+            </a:extLst>
+          </p:cNvPr>
+          <p:cNvCxnSpPr>
+            <a:cxnSpLocks/>
+          </p:cNvCxnSpPr>
+          <p:nvPr/>
+        </p:nvCxnSpPr>
+        <p:spPr>
+          <a:xfrm flipH="1" flipV="1">
+            <a:off x="-13447" y="972511"/>
+            <a:ext cx="18288000" cy="65119"/>
+          </a:xfrm>
+          <a:prstGeom prst="line">
+            <a:avLst/>
+          </a:prstGeom>
+          <a:ln w="38100">
+            <a:solidFill>
+              <a:srgbClr val="4C50BC"/>
+            </a:solidFill>
+          </a:ln>
+        </p:spPr>
+        <p:style>
+          <a:lnRef idx="1">
+            <a:schemeClr val="accent1"/>
+          </a:lnRef>
+          <a:fillRef idx="0">
+            <a:schemeClr val="accent1"/>
+          </a:fillRef>
+          <a:effectRef idx="0">
+            <a:schemeClr val="accent1"/>
+          </a:effectRef>
+          <a:fontRef idx="minor">
+            <a:schemeClr val="tx1"/>
+          </a:fontRef>
+        </p:style>
+      </p:cxnSp>
     </p:spTree>
     <p:extLst>
       <p:ext uri="{BB962C8B-B14F-4D97-AF65-F5344CB8AC3E}">
@@ -4421,75 +4556,7 @@
   <p:timing>
     <p:tnLst>
       <p:par>
-        <p:cTn id="1" dur="indefinite" restart="never" nodeType="tmRoot">
-          <p:childTnLst>
-            <p:seq concurrent="1" nextAc="seek">
-              <p:cTn id="2" dur="indefinite" nodeType="mainSeq">
-                <p:childTnLst>
-                  <p:par>
-                    <p:cTn id="3" fill="hold">
-                      <p:stCondLst>
-                        <p:cond delay="indefinite"/>
-                      </p:stCondLst>
-                      <p:childTnLst>
-                        <p:par>
-                          <p:cTn id="4" fill="hold">
-                            <p:stCondLst>
-                              <p:cond delay="0"/>
-                            </p:stCondLst>
-                            <p:childTnLst>
-                              <p:par>
-                                <p:cTn id="5" presetID="1" presetClass="exit" presetSubtype="0" fill="hold" nodeType="clickEffect">
-                                  <p:stCondLst>
-                                    <p:cond delay="0"/>
-                                  </p:stCondLst>
-                                  <p:childTnLst>
-                                    <p:set>
-                                      <p:cBhvr>
-                                        <p:cTn id="6" dur="1" fill="hold">
-                                          <p:stCondLst>
-                                            <p:cond delay="0"/>
-                                          </p:stCondLst>
-                                        </p:cTn>
-                                        <p:tgtEl>
-                                          <p:spTgt spid="6"/>
-                                        </p:tgtEl>
-                                        <p:attrNameLst>
-                                          <p:attrName>style.visibility</p:attrName>
-                                        </p:attrNameLst>
-                                      </p:cBhvr>
-                                      <p:to>
-                                        <p:strVal val="hidden"/>
-                                      </p:to>
-                                    </p:set>
-                                  </p:childTnLst>
-                                </p:cTn>
-                              </p:par>
-                            </p:childTnLst>
-                          </p:cTn>
-                        </p:par>
-                      </p:childTnLst>
-                    </p:cTn>
-                  </p:par>
-                </p:childTnLst>
-              </p:cTn>
-              <p:prevCondLst>
-                <p:cond evt="onPrev" delay="0">
-                  <p:tgtEl>
-                    <p:sldTgt/>
-                  </p:tgtEl>
-                </p:cond>
-              </p:prevCondLst>
-              <p:nextCondLst>
-                <p:cond evt="onNext" delay="0">
-                  <p:tgtEl>
-                    <p:sldTgt/>
-                  </p:tgtEl>
-                </p:cond>
-              </p:nextCondLst>
-            </p:seq>
-          </p:childTnLst>
-        </p:cTn>
+        <p:cTn id="1" dur="indefinite" restart="never" nodeType="tmRoot"/>
       </p:par>
     </p:tnLst>
   </p:timing>
@@ -4518,7 +4585,7 @@
           <p:cNvPr id="4" name="TextBox 3">
             <a:extLst>
               <a:ext uri="{FF2B5EF4-FFF2-40B4-BE49-F238E27FC236}">
-                <a16:creationId xmlns:a16="http://schemas.microsoft.com/office/drawing/2014/main" id="{1411E83A-6F3E-13BA-B84D-07D6B1588D85}"/>
+                <a16:creationId xmlns:a16="http://schemas.microsoft.com/office/drawing/2014/main" xmlns="" id="{1411E83A-6F3E-13BA-B84D-07D6B1588D85}"/>
               </a:ext>
             </a:extLst>
           </p:cNvPr>
@@ -5046,7 +5113,7 @@
           <p:cNvPr id="4" name="TextBox 3">
             <a:extLst>
               <a:ext uri="{FF2B5EF4-FFF2-40B4-BE49-F238E27FC236}">
-                <a16:creationId xmlns:a16="http://schemas.microsoft.com/office/drawing/2014/main" id="{1411E83A-6F3E-13BA-B84D-07D6B1588D85}"/>
+                <a16:creationId xmlns:a16="http://schemas.microsoft.com/office/drawing/2014/main" xmlns="" id="{1411E83A-6F3E-13BA-B84D-07D6B1588D85}"/>
               </a:ext>
             </a:extLst>
           </p:cNvPr>
@@ -5292,7 +5359,7 @@
           <p:cNvPr id="4" name="TextBox 3">
             <a:extLst>
               <a:ext uri="{FF2B5EF4-FFF2-40B4-BE49-F238E27FC236}">
-                <a16:creationId xmlns:a16="http://schemas.microsoft.com/office/drawing/2014/main" id="{1411E83A-6F3E-13BA-B84D-07D6B1588D85}"/>
+                <a16:creationId xmlns:a16="http://schemas.microsoft.com/office/drawing/2014/main" xmlns="" id="{1411E83A-6F3E-13BA-B84D-07D6B1588D85}"/>
               </a:ext>
             </a:extLst>
           </p:cNvPr>
@@ -5770,7 +5837,7 @@
           <p:cNvPr id="4" name="Object 1">
             <a:extLst>
               <a:ext uri="{FF2B5EF4-FFF2-40B4-BE49-F238E27FC236}">
-                <a16:creationId xmlns:a16="http://schemas.microsoft.com/office/drawing/2014/main" id="{B0329035-BE76-33A8-0F2E-44624FCC1DED}"/>
+                <a16:creationId xmlns:a16="http://schemas.microsoft.com/office/drawing/2014/main" xmlns="" id="{B0329035-BE76-33A8-0F2E-44624FCC1DED}"/>
               </a:ext>
             </a:extLst>
           </p:cNvPr>
@@ -5800,7 +5867,7 @@
           <p:cNvPr id="7" name="그룹 1001">
             <a:extLst>
               <a:ext uri="{FF2B5EF4-FFF2-40B4-BE49-F238E27FC236}">
-                <a16:creationId xmlns:a16="http://schemas.microsoft.com/office/drawing/2014/main" id="{CD24CE9D-AC18-B6CD-F397-7E8E03D6FE26}"/>
+                <a16:creationId xmlns:a16="http://schemas.microsoft.com/office/drawing/2014/main" xmlns="" id="{CD24CE9D-AC18-B6CD-F397-7E8E03D6FE26}"/>
               </a:ext>
             </a:extLst>
           </p:cNvPr>
@@ -5820,7 +5887,7 @@
             <p:cNvPr id="8" name="Object 5">
               <a:extLst>
                 <a:ext uri="{FF2B5EF4-FFF2-40B4-BE49-F238E27FC236}">
-                  <a16:creationId xmlns:a16="http://schemas.microsoft.com/office/drawing/2014/main" id="{0EEF25E8-3BA8-EBAA-6DC2-66D70C3F9F4D}"/>
+                  <a16:creationId xmlns:a16="http://schemas.microsoft.com/office/drawing/2014/main" xmlns="" id="{0EEF25E8-3BA8-EBAA-6DC2-66D70C3F9F4D}"/>
                 </a:ext>
               </a:extLst>
             </p:cNvPr>
@@ -5851,7 +5918,7 @@
           <p:cNvPr id="9" name="그룹 1002">
             <a:extLst>
               <a:ext uri="{FF2B5EF4-FFF2-40B4-BE49-F238E27FC236}">
-                <a16:creationId xmlns:a16="http://schemas.microsoft.com/office/drawing/2014/main" id="{0F281BC9-DE1F-D1FE-E64C-C4640398F00C}"/>
+                <a16:creationId xmlns:a16="http://schemas.microsoft.com/office/drawing/2014/main" xmlns="" id="{0F281BC9-DE1F-D1FE-E64C-C4640398F00C}"/>
               </a:ext>
             </a:extLst>
           </p:cNvPr>
@@ -5871,7 +5938,7 @@
             <p:cNvPr id="10" name="Object 8">
               <a:extLst>
                 <a:ext uri="{FF2B5EF4-FFF2-40B4-BE49-F238E27FC236}">
-                  <a16:creationId xmlns:a16="http://schemas.microsoft.com/office/drawing/2014/main" id="{F669DCEF-04BB-7046-3F7F-5B513213556E}"/>
+                  <a16:creationId xmlns:a16="http://schemas.microsoft.com/office/drawing/2014/main" xmlns="" id="{F669DCEF-04BB-7046-3F7F-5B513213556E}"/>
                 </a:ext>
               </a:extLst>
             </p:cNvPr>
@@ -5902,7 +5969,7 @@
           <p:cNvPr id="11" name="그룹 1003">
             <a:extLst>
               <a:ext uri="{FF2B5EF4-FFF2-40B4-BE49-F238E27FC236}">
-                <a16:creationId xmlns:a16="http://schemas.microsoft.com/office/drawing/2014/main" id="{1F91EEF9-13EA-BB7F-B056-D35E7DB989AC}"/>
+                <a16:creationId xmlns:a16="http://schemas.microsoft.com/office/drawing/2014/main" xmlns="" id="{1F91EEF9-13EA-BB7F-B056-D35E7DB989AC}"/>
               </a:ext>
             </a:extLst>
           </p:cNvPr>
@@ -5922,7 +5989,7 @@
             <p:cNvPr id="12" name="Object 11">
               <a:extLst>
                 <a:ext uri="{FF2B5EF4-FFF2-40B4-BE49-F238E27FC236}">
-                  <a16:creationId xmlns:a16="http://schemas.microsoft.com/office/drawing/2014/main" id="{2CFFB217-AEFB-2C9E-5F86-6EE19510FFC6}"/>
+                  <a16:creationId xmlns:a16="http://schemas.microsoft.com/office/drawing/2014/main" xmlns="" id="{2CFFB217-AEFB-2C9E-5F86-6EE19510FFC6}"/>
                 </a:ext>
               </a:extLst>
             </p:cNvPr>
@@ -5953,7 +6020,7 @@
           <p:cNvPr id="13" name="그룹 1004">
             <a:extLst>
               <a:ext uri="{FF2B5EF4-FFF2-40B4-BE49-F238E27FC236}">
-                <a16:creationId xmlns:a16="http://schemas.microsoft.com/office/drawing/2014/main" id="{123B9C7E-94E8-E7E1-81BE-D59EA0299187}"/>
+                <a16:creationId xmlns:a16="http://schemas.microsoft.com/office/drawing/2014/main" xmlns="" id="{123B9C7E-94E8-E7E1-81BE-D59EA0299187}"/>
               </a:ext>
             </a:extLst>
           </p:cNvPr>
@@ -5973,7 +6040,7 @@
             <p:cNvPr id="14" name="Object 14">
               <a:extLst>
                 <a:ext uri="{FF2B5EF4-FFF2-40B4-BE49-F238E27FC236}">
-                  <a16:creationId xmlns:a16="http://schemas.microsoft.com/office/drawing/2014/main" id="{B6291552-2D89-A79F-7ACD-EA0EF9A4C389}"/>
+                  <a16:creationId xmlns:a16="http://schemas.microsoft.com/office/drawing/2014/main" xmlns="" id="{B6291552-2D89-A79F-7ACD-EA0EF9A4C389}"/>
                 </a:ext>
               </a:extLst>
             </p:cNvPr>
@@ -6004,7 +6071,7 @@
           <p:cNvPr id="15" name="TextBox 14">
             <a:extLst>
               <a:ext uri="{FF2B5EF4-FFF2-40B4-BE49-F238E27FC236}">
-                <a16:creationId xmlns:a16="http://schemas.microsoft.com/office/drawing/2014/main" id="{7D99763A-FC24-23F5-5BA9-D7B042E0F323}"/>
+                <a16:creationId xmlns:a16="http://schemas.microsoft.com/office/drawing/2014/main" xmlns="" id="{7D99763A-FC24-23F5-5BA9-D7B042E0F323}"/>
               </a:ext>
             </a:extLst>
           </p:cNvPr>
@@ -6079,10 +6146,10 @@
       </p:grpSpPr>
       <p:sp>
         <p:nvSpPr>
-          <p:cNvPr id="4" name="TextBox 3">
+          <p:cNvPr id="6" name="TextBox 5">
             <a:extLst>
               <a:ext uri="{FF2B5EF4-FFF2-40B4-BE49-F238E27FC236}">
-                <a16:creationId xmlns:a16="http://schemas.microsoft.com/office/drawing/2014/main" id="{AAA7A62B-B663-9BB3-853E-37554E612635}"/>
+                <a16:creationId xmlns:a16="http://schemas.microsoft.com/office/drawing/2014/main" xmlns="" id="{1411E83A-6F3E-13BA-B84D-07D6B1588D85}"/>
               </a:ext>
             </a:extLst>
           </p:cNvPr>
@@ -6091,8 +6158,8 @@
         </p:nvSpPr>
         <p:spPr>
           <a:xfrm>
-            <a:off x="381000" y="114300"/>
-            <a:ext cx="4038600" cy="830997"/>
+            <a:off x="685800" y="1064955"/>
+            <a:ext cx="16154400" cy="2554545"/>
           </a:xfrm>
           <a:prstGeom prst="rect">
             <a:avLst/>
@@ -6106,281 +6173,220 @@
           <a:lstStyle/>
           <a:p>
             <a:r>
-              <a:rPr lang="ko-KR" altLang="en-US" sz="4800">
+              <a:rPr lang="en-US" altLang="ko-KR" sz="3200" dirty="0">
                 <a:solidFill>
                   <a:srgbClr val="4C50BC"/>
                 </a:solidFill>
                 <a:latin typeface="G마켓 산스 Medium" panose="02000000000000000000" pitchFamily="50" charset="-127"/>
                 <a:ea typeface="G마켓 산스 Medium" panose="02000000000000000000" pitchFamily="50" charset="-127"/>
               </a:rPr>
-              <a:t>실습문제</a:t>
-            </a:r>
-            <a:r>
-              <a:rPr lang="en-US" altLang="ko-KR" sz="4800">
+              <a:t> </a:t>
+            </a:r>
+            <a:r>
+              <a:rPr lang="ko-KR" altLang="en-US" sz="3200" dirty="0">
                 <a:solidFill>
                   <a:srgbClr val="4C50BC"/>
                 </a:solidFill>
                 <a:latin typeface="G마켓 산스 Medium" panose="02000000000000000000" pitchFamily="50" charset="-127"/>
                 <a:ea typeface="G마켓 산스 Medium" panose="02000000000000000000" pitchFamily="50" charset="-127"/>
               </a:rPr>
+              <a:t>학생 </a:t>
+            </a:r>
+            <a:r>
+              <a:rPr lang="en-US" altLang="ko-KR" sz="3200" dirty="0">
+                <a:solidFill>
+                  <a:srgbClr val="4C50BC"/>
+                </a:solidFill>
+                <a:latin typeface="G마켓 산스 Medium" panose="02000000000000000000" pitchFamily="50" charset="-127"/>
+                <a:ea typeface="G마켓 산스 Medium" panose="02000000000000000000" pitchFamily="50" charset="-127"/>
+              </a:rPr>
+              <a:t>5</a:t>
+            </a:r>
+            <a:r>
+              <a:rPr lang="ko-KR" altLang="en-US" sz="3200" dirty="0">
+                <a:solidFill>
+                  <a:srgbClr val="4C50BC"/>
+                </a:solidFill>
+                <a:latin typeface="G마켓 산스 Medium" panose="02000000000000000000" pitchFamily="50" charset="-127"/>
+                <a:ea typeface="G마켓 산스 Medium" panose="02000000000000000000" pitchFamily="50" charset="-127"/>
+              </a:rPr>
+              <a:t>명의 국어</a:t>
+            </a:r>
+            <a:r>
+              <a:rPr lang="en-US" altLang="ko-KR" sz="3200" dirty="0">
+                <a:solidFill>
+                  <a:srgbClr val="4C50BC"/>
+                </a:solidFill>
+                <a:latin typeface="G마켓 산스 Medium" panose="02000000000000000000" pitchFamily="50" charset="-127"/>
+                <a:ea typeface="G마켓 산스 Medium" panose="02000000000000000000" pitchFamily="50" charset="-127"/>
+              </a:rPr>
+              <a:t>, </a:t>
+            </a:r>
+            <a:r>
+              <a:rPr lang="ko-KR" altLang="en-US" sz="3200" dirty="0">
+                <a:solidFill>
+                  <a:srgbClr val="4C50BC"/>
+                </a:solidFill>
+                <a:latin typeface="G마켓 산스 Medium" panose="02000000000000000000" pitchFamily="50" charset="-127"/>
+                <a:ea typeface="G마켓 산스 Medium" panose="02000000000000000000" pitchFamily="50" charset="-127"/>
+              </a:rPr>
+              <a:t>영어</a:t>
+            </a:r>
+            <a:r>
+              <a:rPr lang="en-US" altLang="ko-KR" sz="3200" dirty="0">
+                <a:solidFill>
+                  <a:srgbClr val="4C50BC"/>
+                </a:solidFill>
+                <a:latin typeface="G마켓 산스 Medium" panose="02000000000000000000" pitchFamily="50" charset="-127"/>
+                <a:ea typeface="G마켓 산스 Medium" panose="02000000000000000000" pitchFamily="50" charset="-127"/>
+              </a:rPr>
+              <a:t>, </a:t>
+            </a:r>
+            <a:r>
+              <a:rPr lang="ko-KR" altLang="en-US" sz="3200" dirty="0">
+                <a:solidFill>
+                  <a:srgbClr val="4C50BC"/>
+                </a:solidFill>
+                <a:latin typeface="G마켓 산스 Medium" panose="02000000000000000000" pitchFamily="50" charset="-127"/>
+                <a:ea typeface="G마켓 산스 Medium" panose="02000000000000000000" pitchFamily="50" charset="-127"/>
+              </a:rPr>
+              <a:t>수학 성적을 저장하는 </a:t>
+            </a:r>
+            <a:r>
+              <a:rPr lang="en-US" altLang="ko-KR" sz="3200" dirty="0">
+                <a:solidFill>
+                  <a:srgbClr val="FF0000"/>
+                </a:solidFill>
+                <a:latin typeface="G마켓 산스 Medium" panose="02000000000000000000" pitchFamily="50" charset="-127"/>
+                <a:ea typeface="G마켓 산스 Medium" panose="02000000000000000000" pitchFamily="50" charset="-127"/>
+              </a:rPr>
               <a:t>2</a:t>
             </a:r>
-            <a:endParaRPr lang="en-US" altLang="ko-KR" sz="4800" dirty="0">
+            <a:r>
+              <a:rPr lang="ko-KR" altLang="en-US" sz="3200" dirty="0">
+                <a:solidFill>
+                  <a:srgbClr val="FF0000"/>
+                </a:solidFill>
+                <a:latin typeface="G마켓 산스 Medium" panose="02000000000000000000" pitchFamily="50" charset="-127"/>
+                <a:ea typeface="G마켓 산스 Medium" panose="02000000000000000000" pitchFamily="50" charset="-127"/>
+              </a:rPr>
+              <a:t>차원 배열을 </a:t>
+            </a:r>
+            <a:r>
+              <a:rPr lang="ko-KR" altLang="en-US" sz="3200" dirty="0">
+                <a:solidFill>
+                  <a:srgbClr val="4C50BC"/>
+                </a:solidFill>
+                <a:latin typeface="G마켓 산스 Medium" panose="02000000000000000000" pitchFamily="50" charset="-127"/>
+                <a:ea typeface="G마켓 산스 Medium" panose="02000000000000000000" pitchFamily="50" charset="-127"/>
+              </a:rPr>
+              <a:t>만들어 저장하고 각 학생의 평균을 출력하여 보자</a:t>
+            </a:r>
+            <a:r>
+              <a:rPr lang="en-US" altLang="ko-KR" sz="3200" dirty="0">
+                <a:solidFill>
+                  <a:srgbClr val="4C50BC"/>
+                </a:solidFill>
+                <a:latin typeface="G마켓 산스 Medium" panose="02000000000000000000" pitchFamily="50" charset="-127"/>
+                <a:ea typeface="G마켓 산스 Medium" panose="02000000000000000000" pitchFamily="50" charset="-127"/>
+              </a:rPr>
+              <a:t>(</a:t>
+            </a:r>
+            <a:r>
+              <a:rPr lang="ko-KR" altLang="en-US" sz="3200" dirty="0">
+                <a:solidFill>
+                  <a:srgbClr val="4C50BC"/>
+                </a:solidFill>
+                <a:latin typeface="G마켓 산스 Medium" panose="02000000000000000000" pitchFamily="50" charset="-127"/>
+                <a:ea typeface="G마켓 산스 Medium" panose="02000000000000000000" pitchFamily="50" charset="-127"/>
+              </a:rPr>
+              <a:t>길이</a:t>
+            </a:r>
+            <a:r>
+              <a:rPr lang="en-US" altLang="ko-KR" sz="3200" dirty="0">
+                <a:solidFill>
+                  <a:srgbClr val="4C50BC"/>
+                </a:solidFill>
+                <a:latin typeface="G마켓 산스 Medium" panose="02000000000000000000" pitchFamily="50" charset="-127"/>
+                <a:ea typeface="G마켓 산스 Medium" panose="02000000000000000000" pitchFamily="50" charset="-127"/>
+              </a:rPr>
+              <a:t>3</a:t>
+            </a:r>
+            <a:r>
+              <a:rPr lang="ko-KR" altLang="en-US" sz="3200" dirty="0">
+                <a:solidFill>
+                  <a:srgbClr val="4C50BC"/>
+                </a:solidFill>
+                <a:latin typeface="G마켓 산스 Medium" panose="02000000000000000000" pitchFamily="50" charset="-127"/>
+                <a:ea typeface="G마켓 산스 Medium" panose="02000000000000000000" pitchFamily="50" charset="-127"/>
+              </a:rPr>
+              <a:t>의 </a:t>
+            </a:r>
+            <a:r>
+              <a:rPr lang="en-US" altLang="ko-KR" sz="3200" dirty="0">
+                <a:solidFill>
+                  <a:srgbClr val="4C50BC"/>
+                </a:solidFill>
+                <a:latin typeface="G마켓 산스 Medium" panose="02000000000000000000" pitchFamily="50" charset="-127"/>
+                <a:ea typeface="G마켓 산스 Medium" panose="02000000000000000000" pitchFamily="50" charset="-127"/>
+              </a:rPr>
+              <a:t>1</a:t>
+            </a:r>
+            <a:r>
+              <a:rPr lang="ko-KR" altLang="en-US" sz="3200" dirty="0">
+                <a:solidFill>
+                  <a:srgbClr val="4C50BC"/>
+                </a:solidFill>
+                <a:latin typeface="G마켓 산스 Medium" panose="02000000000000000000" pitchFamily="50" charset="-127"/>
+                <a:ea typeface="G마켓 산스 Medium" panose="02000000000000000000" pitchFamily="50" charset="-127"/>
+              </a:rPr>
+              <a:t>차원배열 </a:t>
+            </a:r>
+            <a:r>
+              <a:rPr lang="en-US" altLang="ko-KR" sz="3200" dirty="0">
+                <a:solidFill>
+                  <a:srgbClr val="4C50BC"/>
+                </a:solidFill>
+                <a:latin typeface="G마켓 산스 Medium" panose="02000000000000000000" pitchFamily="50" charset="-127"/>
+                <a:ea typeface="G마켓 산스 Medium" panose="02000000000000000000" pitchFamily="50" charset="-127"/>
+              </a:rPr>
+              <a:t>5</a:t>
+            </a:r>
+            <a:r>
+              <a:rPr lang="ko-KR" altLang="en-US" sz="3200" dirty="0">
+                <a:solidFill>
+                  <a:srgbClr val="4C50BC"/>
+                </a:solidFill>
+                <a:latin typeface="G마켓 산스 Medium" panose="02000000000000000000" pitchFamily="50" charset="-127"/>
+                <a:ea typeface="G마켓 산스 Medium" panose="02000000000000000000" pitchFamily="50" charset="-127"/>
+              </a:rPr>
+              <a:t>개를 저장 해야 한다</a:t>
+            </a:r>
+            <a:r>
+              <a:rPr lang="en-US" altLang="ko-KR" sz="3200" dirty="0">
+                <a:solidFill>
+                  <a:srgbClr val="4C50BC"/>
+                </a:solidFill>
+                <a:latin typeface="G마켓 산스 Medium" panose="02000000000000000000" pitchFamily="50" charset="-127"/>
+                <a:ea typeface="G마켓 산스 Medium" panose="02000000000000000000" pitchFamily="50" charset="-127"/>
+              </a:rPr>
+              <a:t>)</a:t>
+            </a:r>
+            <a:endParaRPr lang="en-US" altLang="ko-KR" sz="3200" dirty="0">
               <a:solidFill>
-                <a:srgbClr val="4C50BC"/>
+                <a:srgbClr val="FF0000"/>
               </a:solidFill>
               <a:latin typeface="G마켓 산스 Medium" panose="02000000000000000000" pitchFamily="50" charset="-127"/>
               <a:ea typeface="G마켓 산스 Medium" panose="02000000000000000000" pitchFamily="50" charset="-127"/>
             </a:endParaRPr>
           </a:p>
-        </p:txBody>
-      </p:sp>
-      <p:sp>
-        <p:nvSpPr>
-          <p:cNvPr id="6" name="TextBox 5">
-            <a:extLst>
-              <a:ext uri="{FF2B5EF4-FFF2-40B4-BE49-F238E27FC236}">
-                <a16:creationId xmlns:a16="http://schemas.microsoft.com/office/drawing/2014/main" id="{1411E83A-6F3E-13BA-B84D-07D6B1588D85}"/>
-              </a:ext>
-            </a:extLst>
-          </p:cNvPr>
-          <p:cNvSpPr txBox="1"/>
-          <p:nvPr/>
-        </p:nvSpPr>
-        <p:spPr>
-          <a:xfrm>
-            <a:off x="685800" y="800100"/>
-            <a:ext cx="16154400" cy="2554545"/>
-          </a:xfrm>
-          <a:prstGeom prst="rect">
-            <a:avLst/>
-          </a:prstGeom>
-          <a:noFill/>
-        </p:spPr>
-        <p:txBody>
-          <a:bodyPr wrap="square" rtlCol="0">
-            <a:spAutoFit/>
-          </a:bodyPr>
-          <a:lstStyle/>
-          <a:p>
-            <a:r>
-              <a:rPr lang="en-US" altLang="ko-KR" sz="3200">
-                <a:solidFill>
-                  <a:srgbClr val="4C50BC"/>
-                </a:solidFill>
-                <a:latin typeface="G마켓 산스 Medium" panose="02000000000000000000" pitchFamily="50" charset="-127"/>
-                <a:ea typeface="G마켓 산스 Medium" panose="02000000000000000000" pitchFamily="50" charset="-127"/>
-              </a:rPr>
-              <a:t>2-1 </a:t>
-            </a:r>
-            <a:r>
-              <a:rPr lang="ko-KR" altLang="en-US" sz="3200">
-                <a:solidFill>
-                  <a:srgbClr val="4C50BC"/>
-                </a:solidFill>
-                <a:latin typeface="G마켓 산스 Medium" panose="02000000000000000000" pitchFamily="50" charset="-127"/>
-                <a:ea typeface="G마켓 산스 Medium" panose="02000000000000000000" pitchFamily="50" charset="-127"/>
-              </a:rPr>
-              <a:t>학생 </a:t>
-            </a:r>
-            <a:r>
-              <a:rPr lang="en-US" altLang="ko-KR" sz="3200">
-                <a:solidFill>
-                  <a:srgbClr val="4C50BC"/>
-                </a:solidFill>
-                <a:latin typeface="G마켓 산스 Medium" panose="02000000000000000000" pitchFamily="50" charset="-127"/>
-                <a:ea typeface="G마켓 산스 Medium" panose="02000000000000000000" pitchFamily="50" charset="-127"/>
-              </a:rPr>
-              <a:t>5</a:t>
-            </a:r>
-            <a:r>
-              <a:rPr lang="ko-KR" altLang="en-US" sz="3200">
-                <a:solidFill>
-                  <a:srgbClr val="4C50BC"/>
-                </a:solidFill>
-                <a:latin typeface="G마켓 산스 Medium" panose="02000000000000000000" pitchFamily="50" charset="-127"/>
-                <a:ea typeface="G마켓 산스 Medium" panose="02000000000000000000" pitchFamily="50" charset="-127"/>
-              </a:rPr>
-              <a:t>명의 국어</a:t>
-            </a:r>
-            <a:r>
-              <a:rPr lang="en-US" altLang="ko-KR" sz="3200">
-                <a:solidFill>
-                  <a:srgbClr val="4C50BC"/>
-                </a:solidFill>
-                <a:latin typeface="G마켓 산스 Medium" panose="02000000000000000000" pitchFamily="50" charset="-127"/>
-                <a:ea typeface="G마켓 산스 Medium" panose="02000000000000000000" pitchFamily="50" charset="-127"/>
-              </a:rPr>
-              <a:t>, </a:t>
-            </a:r>
-            <a:r>
-              <a:rPr lang="ko-KR" altLang="en-US" sz="3200">
-                <a:solidFill>
-                  <a:srgbClr val="4C50BC"/>
-                </a:solidFill>
-                <a:latin typeface="G마켓 산스 Medium" panose="02000000000000000000" pitchFamily="50" charset="-127"/>
-                <a:ea typeface="G마켓 산스 Medium" panose="02000000000000000000" pitchFamily="50" charset="-127"/>
-              </a:rPr>
-              <a:t>영어</a:t>
-            </a:r>
-            <a:r>
-              <a:rPr lang="en-US" altLang="ko-KR" sz="3200">
-                <a:solidFill>
-                  <a:srgbClr val="4C50BC"/>
-                </a:solidFill>
-                <a:latin typeface="G마켓 산스 Medium" panose="02000000000000000000" pitchFamily="50" charset="-127"/>
-                <a:ea typeface="G마켓 산스 Medium" panose="02000000000000000000" pitchFamily="50" charset="-127"/>
-              </a:rPr>
-              <a:t>, </a:t>
-            </a:r>
-            <a:r>
-              <a:rPr lang="ko-KR" altLang="en-US" sz="3200">
-                <a:solidFill>
-                  <a:srgbClr val="4C50BC"/>
-                </a:solidFill>
-                <a:latin typeface="G마켓 산스 Medium" panose="02000000000000000000" pitchFamily="50" charset="-127"/>
-                <a:ea typeface="G마켓 산스 Medium" panose="02000000000000000000" pitchFamily="50" charset="-127"/>
-              </a:rPr>
-              <a:t>수학 성적을 저장하는 </a:t>
-            </a:r>
-            <a:r>
-              <a:rPr lang="en-US" altLang="ko-KR" sz="3200">
-                <a:solidFill>
-                  <a:srgbClr val="FF0000"/>
-                </a:solidFill>
-                <a:latin typeface="G마켓 산스 Medium" panose="02000000000000000000" pitchFamily="50" charset="-127"/>
-                <a:ea typeface="G마켓 산스 Medium" panose="02000000000000000000" pitchFamily="50" charset="-127"/>
-              </a:rPr>
-              <a:t>2</a:t>
-            </a:r>
-            <a:r>
-              <a:rPr lang="ko-KR" altLang="en-US" sz="3200">
-                <a:solidFill>
-                  <a:srgbClr val="FF0000"/>
-                </a:solidFill>
-                <a:latin typeface="G마켓 산스 Medium" panose="02000000000000000000" pitchFamily="50" charset="-127"/>
-                <a:ea typeface="G마켓 산스 Medium" panose="02000000000000000000" pitchFamily="50" charset="-127"/>
-              </a:rPr>
-              <a:t>차원 배열을 </a:t>
-            </a:r>
-            <a:r>
-              <a:rPr lang="ko-KR" altLang="en-US" sz="3200">
-                <a:solidFill>
-                  <a:srgbClr val="4C50BC"/>
-                </a:solidFill>
-                <a:latin typeface="G마켓 산스 Medium" panose="02000000000000000000" pitchFamily="50" charset="-127"/>
-                <a:ea typeface="G마켓 산스 Medium" panose="02000000000000000000" pitchFamily="50" charset="-127"/>
-              </a:rPr>
-              <a:t>만들어 저장하고 각 학생의 평균을 출력하여 보자</a:t>
-            </a:r>
-            <a:r>
-              <a:rPr lang="en-US" altLang="ko-KR" sz="3200">
-                <a:solidFill>
-                  <a:srgbClr val="4C50BC"/>
-                </a:solidFill>
-                <a:latin typeface="G마켓 산스 Medium" panose="02000000000000000000" pitchFamily="50" charset="-127"/>
-                <a:ea typeface="G마켓 산스 Medium" panose="02000000000000000000" pitchFamily="50" charset="-127"/>
-              </a:rPr>
-              <a:t>(</a:t>
-            </a:r>
-            <a:r>
-              <a:rPr lang="ko-KR" altLang="en-US" sz="3200">
-                <a:solidFill>
-                  <a:srgbClr val="4C50BC"/>
-                </a:solidFill>
-                <a:latin typeface="G마켓 산스 Medium" panose="02000000000000000000" pitchFamily="50" charset="-127"/>
-                <a:ea typeface="G마켓 산스 Medium" panose="02000000000000000000" pitchFamily="50" charset="-127"/>
-              </a:rPr>
-              <a:t>길이</a:t>
-            </a:r>
-            <a:r>
-              <a:rPr lang="en-US" altLang="ko-KR" sz="3200">
-                <a:solidFill>
-                  <a:srgbClr val="4C50BC"/>
-                </a:solidFill>
-                <a:latin typeface="G마켓 산스 Medium" panose="02000000000000000000" pitchFamily="50" charset="-127"/>
-                <a:ea typeface="G마켓 산스 Medium" panose="02000000000000000000" pitchFamily="50" charset="-127"/>
-              </a:rPr>
-              <a:t>3</a:t>
-            </a:r>
-            <a:r>
-              <a:rPr lang="ko-KR" altLang="en-US" sz="3200">
-                <a:solidFill>
-                  <a:srgbClr val="4C50BC"/>
-                </a:solidFill>
-                <a:latin typeface="G마켓 산스 Medium" panose="02000000000000000000" pitchFamily="50" charset="-127"/>
-                <a:ea typeface="G마켓 산스 Medium" panose="02000000000000000000" pitchFamily="50" charset="-127"/>
-              </a:rPr>
-              <a:t>의 </a:t>
-            </a:r>
-            <a:r>
-              <a:rPr lang="en-US" altLang="ko-KR" sz="3200">
-                <a:solidFill>
-                  <a:srgbClr val="4C50BC"/>
-                </a:solidFill>
-                <a:latin typeface="G마켓 산스 Medium" panose="02000000000000000000" pitchFamily="50" charset="-127"/>
-                <a:ea typeface="G마켓 산스 Medium" panose="02000000000000000000" pitchFamily="50" charset="-127"/>
-              </a:rPr>
-              <a:t>1</a:t>
-            </a:r>
-            <a:r>
-              <a:rPr lang="ko-KR" altLang="en-US" sz="3200">
-                <a:solidFill>
-                  <a:srgbClr val="4C50BC"/>
-                </a:solidFill>
-                <a:latin typeface="G마켓 산스 Medium" panose="02000000000000000000" pitchFamily="50" charset="-127"/>
-                <a:ea typeface="G마켓 산스 Medium" panose="02000000000000000000" pitchFamily="50" charset="-127"/>
-              </a:rPr>
-              <a:t>차원배열 </a:t>
-            </a:r>
-            <a:r>
-              <a:rPr lang="en-US" altLang="ko-KR" sz="3200">
-                <a:solidFill>
-                  <a:srgbClr val="4C50BC"/>
-                </a:solidFill>
-                <a:latin typeface="G마켓 산스 Medium" panose="02000000000000000000" pitchFamily="50" charset="-127"/>
-                <a:ea typeface="G마켓 산스 Medium" panose="02000000000000000000" pitchFamily="50" charset="-127"/>
-              </a:rPr>
-              <a:t>5</a:t>
-            </a:r>
-            <a:r>
-              <a:rPr lang="ko-KR" altLang="en-US" sz="3200">
-                <a:solidFill>
-                  <a:srgbClr val="4C50BC"/>
-                </a:solidFill>
-                <a:latin typeface="G마켓 산스 Medium" panose="02000000000000000000" pitchFamily="50" charset="-127"/>
-                <a:ea typeface="G마켓 산스 Medium" panose="02000000000000000000" pitchFamily="50" charset="-127"/>
-              </a:rPr>
-              <a:t>개를 저장해야한다</a:t>
-            </a:r>
-            <a:r>
-              <a:rPr lang="en-US" altLang="ko-KR" sz="3200">
-                <a:solidFill>
-                  <a:srgbClr val="4C50BC"/>
-                </a:solidFill>
-                <a:latin typeface="G마켓 산스 Medium" panose="02000000000000000000" pitchFamily="50" charset="-127"/>
-                <a:ea typeface="G마켓 산스 Medium" panose="02000000000000000000" pitchFamily="50" charset="-127"/>
-              </a:rPr>
-              <a:t>) </a:t>
-            </a:r>
-            <a:r>
-              <a:rPr lang="en-US" altLang="ko-KR" sz="3200">
-                <a:solidFill>
-                  <a:srgbClr val="FF0000"/>
-                </a:solidFill>
-                <a:latin typeface="G마켓 산스 Medium" panose="02000000000000000000" pitchFamily="50" charset="-127"/>
-                <a:ea typeface="G마켓 산스 Medium" panose="02000000000000000000" pitchFamily="50" charset="-127"/>
-              </a:rPr>
-              <a:t>(normal)</a:t>
-            </a:r>
-          </a:p>
           <a:p>
             <a:pPr marL="457200" indent="-457200">
               <a:buFontTx/>
               <a:buChar char="-"/>
             </a:pPr>
             <a:r>
-              <a:rPr lang="ko-KR" altLang="en-US" sz="3200">
+              <a:rPr lang="ko-KR" altLang="en-US" sz="3200" dirty="0">
                 <a:solidFill>
                   <a:schemeClr val="bg1">
                     <a:lumMod val="50000"/>
@@ -6390,99 +6396,6 @@
                 <a:ea typeface="G마켓 산스 Medium" panose="02000000000000000000" pitchFamily="50" charset="-127"/>
               </a:rPr>
               <a:t>데이터는 임의로 넣어보자</a:t>
-            </a:r>
-            <a:endParaRPr lang="en-US" altLang="ko-KR" sz="3200">
-              <a:solidFill>
-                <a:schemeClr val="bg1">
-                  <a:lumMod val="50000"/>
-                </a:schemeClr>
-              </a:solidFill>
-              <a:latin typeface="G마켓 산스 Medium" panose="02000000000000000000" pitchFamily="50" charset="-127"/>
-              <a:ea typeface="G마켓 산스 Medium" panose="02000000000000000000" pitchFamily="50" charset="-127"/>
-            </a:endParaRPr>
-          </a:p>
-          <a:p>
-            <a:pPr marL="457200" indent="-457200">
-              <a:buFontTx/>
-              <a:buChar char="-"/>
-            </a:pPr>
-            <a:r>
-              <a:rPr lang="ko-KR" altLang="en-US" sz="3200">
-                <a:solidFill>
-                  <a:schemeClr val="bg1">
-                    <a:lumMod val="50000"/>
-                  </a:schemeClr>
-                </a:solidFill>
-                <a:latin typeface="G마켓 산스 Medium" panose="02000000000000000000" pitchFamily="50" charset="-127"/>
-                <a:ea typeface="G마켓 산스 Medium" panose="02000000000000000000" pitchFamily="50" charset="-127"/>
-              </a:rPr>
-              <a:t>평균도 배열에 포함시켜도 된다</a:t>
-            </a:r>
-            <a:r>
-              <a:rPr lang="en-US" altLang="ko-KR" sz="3200">
-                <a:solidFill>
-                  <a:schemeClr val="bg1">
-                    <a:lumMod val="50000"/>
-                  </a:schemeClr>
-                </a:solidFill>
-                <a:latin typeface="G마켓 산스 Medium" panose="02000000000000000000" pitchFamily="50" charset="-127"/>
-                <a:ea typeface="G마켓 산스 Medium" panose="02000000000000000000" pitchFamily="50" charset="-127"/>
-              </a:rPr>
-              <a:t>.</a:t>
-            </a:r>
-          </a:p>
-          <a:p>
-            <a:pPr marL="457200" indent="-457200">
-              <a:buFontTx/>
-              <a:buChar char="-"/>
-            </a:pPr>
-            <a:r>
-              <a:rPr lang="ko-KR" altLang="en-US" sz="3200">
-                <a:solidFill>
-                  <a:schemeClr val="bg1">
-                    <a:lumMod val="50000"/>
-                  </a:schemeClr>
-                </a:solidFill>
-                <a:latin typeface="G마켓 산스 Medium" panose="02000000000000000000" pitchFamily="50" charset="-127"/>
-                <a:ea typeface="G마켓 산스 Medium" panose="02000000000000000000" pitchFamily="50" charset="-127"/>
-              </a:rPr>
-              <a:t>간격을 일정하게 만들고 싶으면 </a:t>
-            </a:r>
-            <a:r>
-              <a:rPr lang="en-US" altLang="ko-KR" sz="3200">
-                <a:solidFill>
-                  <a:schemeClr val="bg1">
-                    <a:lumMod val="50000"/>
-                  </a:schemeClr>
-                </a:solidFill>
-                <a:latin typeface="G마켓 산스 Medium" panose="02000000000000000000" pitchFamily="50" charset="-127"/>
-                <a:ea typeface="G마켓 산스 Medium" panose="02000000000000000000" pitchFamily="50" charset="-127"/>
-              </a:rPr>
-              <a:t>\t </a:t>
-            </a:r>
-            <a:r>
-              <a:rPr lang="ko-KR" altLang="en-US" sz="3200">
-                <a:solidFill>
-                  <a:schemeClr val="bg1">
-                    <a:lumMod val="50000"/>
-                  </a:schemeClr>
-                </a:solidFill>
-                <a:latin typeface="G마켓 산스 Medium" panose="02000000000000000000" pitchFamily="50" charset="-127"/>
-                <a:ea typeface="G마켓 산스 Medium" panose="02000000000000000000" pitchFamily="50" charset="-127"/>
-              </a:rPr>
-              <a:t>를 문자열에 포함하면된다</a:t>
-            </a:r>
-            <a:r>
-              <a:rPr lang="en-US" altLang="ko-KR" sz="3200">
-                <a:solidFill>
-                  <a:schemeClr val="bg1">
-                    <a:lumMod val="50000"/>
-                  </a:schemeClr>
-                </a:solidFill>
-                <a:latin typeface="G마켓 산스 Medium" panose="02000000000000000000" pitchFamily="50" charset="-127"/>
-                <a:ea typeface="G마켓 산스 Medium" panose="02000000000000000000" pitchFamily="50" charset="-127"/>
-              </a:rPr>
-              <a:t>.</a:t>
             </a:r>
             <a:endParaRPr lang="en-US" altLang="ko-KR" sz="3200" dirty="0">
               <a:solidFill>
@@ -6494,11 +6407,215 @@
               <a:ea typeface="G마켓 산스 Medium" panose="02000000000000000000" pitchFamily="50" charset="-127"/>
             </a:endParaRPr>
           </a:p>
+          <a:p>
+            <a:pPr marL="457200" indent="-457200">
+              <a:buFontTx/>
+              <a:buChar char="-"/>
+            </a:pPr>
+            <a:r>
+              <a:rPr lang="ko-KR" altLang="en-US" sz="3200" dirty="0">
+                <a:solidFill>
+                  <a:schemeClr val="bg1">
+                    <a:lumMod val="50000"/>
+                  </a:schemeClr>
+                </a:solidFill>
+                <a:latin typeface="G마켓 산스 Medium" panose="02000000000000000000" pitchFamily="50" charset="-127"/>
+                <a:ea typeface="G마켓 산스 Medium" panose="02000000000000000000" pitchFamily="50" charset="-127"/>
+              </a:rPr>
+              <a:t>평균도 배열에 포함시켜도 된다</a:t>
+            </a:r>
+            <a:r>
+              <a:rPr lang="en-US" altLang="ko-KR" sz="3200" dirty="0">
+                <a:solidFill>
+                  <a:schemeClr val="bg1">
+                    <a:lumMod val="50000"/>
+                  </a:schemeClr>
+                </a:solidFill>
+                <a:latin typeface="G마켓 산스 Medium" panose="02000000000000000000" pitchFamily="50" charset="-127"/>
+                <a:ea typeface="G마켓 산스 Medium" panose="02000000000000000000" pitchFamily="50" charset="-127"/>
+              </a:rPr>
+              <a:t>.</a:t>
+            </a:r>
+          </a:p>
+          <a:p>
+            <a:pPr marL="457200" indent="-457200">
+              <a:buFontTx/>
+              <a:buChar char="-"/>
+            </a:pPr>
+            <a:r>
+              <a:rPr lang="ko-KR" altLang="en-US" sz="3200" dirty="0">
+                <a:solidFill>
+                  <a:schemeClr val="bg1">
+                    <a:lumMod val="50000"/>
+                  </a:schemeClr>
+                </a:solidFill>
+                <a:latin typeface="G마켓 산스 Medium" panose="02000000000000000000" pitchFamily="50" charset="-127"/>
+                <a:ea typeface="G마켓 산스 Medium" panose="02000000000000000000" pitchFamily="50" charset="-127"/>
+              </a:rPr>
+              <a:t>간격을 일정하게 만들고 싶으면 </a:t>
+            </a:r>
+            <a:r>
+              <a:rPr lang="en-US" altLang="ko-KR" sz="3200" dirty="0">
+                <a:solidFill>
+                  <a:schemeClr val="bg1">
+                    <a:lumMod val="50000"/>
+                  </a:schemeClr>
+                </a:solidFill>
+                <a:latin typeface="G마켓 산스 Medium" panose="02000000000000000000" pitchFamily="50" charset="-127"/>
+                <a:ea typeface="G마켓 산스 Medium" panose="02000000000000000000" pitchFamily="50" charset="-127"/>
+              </a:rPr>
+              <a:t>\t </a:t>
+            </a:r>
+            <a:r>
+              <a:rPr lang="ko-KR" altLang="en-US" sz="3200" dirty="0">
+                <a:solidFill>
+                  <a:schemeClr val="bg1">
+                    <a:lumMod val="50000"/>
+                  </a:schemeClr>
+                </a:solidFill>
+                <a:latin typeface="G마켓 산스 Medium" panose="02000000000000000000" pitchFamily="50" charset="-127"/>
+                <a:ea typeface="G마켓 산스 Medium" panose="02000000000000000000" pitchFamily="50" charset="-127"/>
+              </a:rPr>
+              <a:t>를 문자열에 포함하면 된다</a:t>
+            </a:r>
+            <a:r>
+              <a:rPr lang="en-US" altLang="ko-KR" sz="3200" dirty="0">
+                <a:solidFill>
+                  <a:schemeClr val="bg1">
+                    <a:lumMod val="50000"/>
+                  </a:schemeClr>
+                </a:solidFill>
+                <a:latin typeface="G마켓 산스 Medium" panose="02000000000000000000" pitchFamily="50" charset="-127"/>
+                <a:ea typeface="G마켓 산스 Medium" panose="02000000000000000000" pitchFamily="50" charset="-127"/>
+              </a:rPr>
+              <a:t>.</a:t>
+            </a:r>
+          </a:p>
         </p:txBody>
       </p:sp>
+      <p:sp>
+        <p:nvSpPr>
+          <p:cNvPr id="3" name="TextBox 2">
+            <a:extLst>
+              <a:ext uri="{FF2B5EF4-FFF2-40B4-BE49-F238E27FC236}">
+                <a16:creationId xmlns:a16="http://schemas.microsoft.com/office/drawing/2014/main" xmlns="" id="{80A0D389-0AB3-0CEE-23F9-C4780ED8ACB4}"/>
+              </a:ext>
+            </a:extLst>
+          </p:cNvPr>
+          <p:cNvSpPr txBox="1"/>
+          <p:nvPr/>
+        </p:nvSpPr>
+        <p:spPr>
+          <a:xfrm>
+            <a:off x="304800" y="114300"/>
+            <a:ext cx="10972800" cy="923330"/>
+          </a:xfrm>
+          <a:prstGeom prst="rect">
+            <a:avLst/>
+          </a:prstGeom>
+          <a:noFill/>
+        </p:spPr>
+        <p:txBody>
+          <a:bodyPr wrap="square" rtlCol="0">
+            <a:spAutoFit/>
+          </a:bodyPr>
+          <a:lstStyle/>
+          <a:p>
+            <a:r>
+              <a:rPr lang="en-US" altLang="ko-KR" sz="5400" spc="-300" dirty="0">
+                <a:solidFill>
+                  <a:srgbClr val="4C50BC"/>
+                </a:solidFill>
+                <a:latin typeface="G마켓 산스 Bold" panose="02000000000000000000" pitchFamily="50" charset="-127"/>
+                <a:ea typeface="G마켓 산스 Bold" panose="02000000000000000000" pitchFamily="50" charset="-127"/>
+              </a:rPr>
+              <a:t>2-1 </a:t>
+            </a:r>
+            <a:r>
+              <a:rPr lang="ko-KR" altLang="en-US" sz="5400" spc="-300" dirty="0">
+                <a:solidFill>
+                  <a:srgbClr val="4C50BC"/>
+                </a:solidFill>
+                <a:latin typeface="G마켓 산스 Bold" panose="02000000000000000000" pitchFamily="50" charset="-127"/>
+                <a:ea typeface="G마켓 산스 Bold" panose="02000000000000000000" pitchFamily="50" charset="-127"/>
+              </a:rPr>
+              <a:t>실습문제</a:t>
+            </a:r>
+            <a:r>
+              <a:rPr lang="en-US" altLang="ko-KR" sz="5400" spc="-300" dirty="0">
+                <a:solidFill>
+                  <a:srgbClr val="4C50BC"/>
+                </a:solidFill>
+                <a:latin typeface="G마켓 산스 Bold" panose="02000000000000000000" pitchFamily="50" charset="-127"/>
+                <a:ea typeface="G마켓 산스 Bold" panose="02000000000000000000" pitchFamily="50" charset="-127"/>
+              </a:rPr>
+              <a:t> </a:t>
+            </a:r>
+            <a:r>
+              <a:rPr lang="en-US" altLang="ko-KR" sz="5400" spc="-300" dirty="0">
+                <a:solidFill>
+                  <a:srgbClr val="FF0000"/>
+                </a:solidFill>
+                <a:latin typeface="G마켓 산스 Bold" panose="02000000000000000000" pitchFamily="50" charset="-127"/>
+                <a:ea typeface="G마켓 산스 Bold" panose="02000000000000000000" pitchFamily="50" charset="-127"/>
+              </a:rPr>
+              <a:t>(normal)</a:t>
+            </a:r>
+          </a:p>
+        </p:txBody>
+      </p:sp>
+      <p:cxnSp>
+        <p:nvCxnSpPr>
+          <p:cNvPr id="5" name="직선 연결선 4">
+            <a:extLst>
+              <a:ext uri="{FF2B5EF4-FFF2-40B4-BE49-F238E27FC236}">
+                <a16:creationId xmlns:a16="http://schemas.microsoft.com/office/drawing/2014/main" xmlns="" id="{24584038-C298-2219-B0AB-97431AFC3D2F}"/>
+              </a:ext>
+            </a:extLst>
+          </p:cNvPr>
+          <p:cNvCxnSpPr>
+            <a:cxnSpLocks/>
+          </p:cNvCxnSpPr>
+          <p:nvPr/>
+        </p:nvCxnSpPr>
+        <p:spPr>
+          <a:xfrm flipH="1" flipV="1">
+            <a:off x="-13447" y="972511"/>
+            <a:ext cx="18288000" cy="65119"/>
+          </a:xfrm>
+          <a:prstGeom prst="line">
+            <a:avLst/>
+          </a:prstGeom>
+          <a:ln w="38100">
+            <a:solidFill>
+              <a:srgbClr val="4C50BC"/>
+            </a:solidFill>
+          </a:ln>
+        </p:spPr>
+        <p:style>
+          <a:lnRef idx="1">
+            <a:schemeClr val="accent1"/>
+          </a:lnRef>
+          <a:fillRef idx="0">
+            <a:schemeClr val="accent1"/>
+          </a:fillRef>
+          <a:effectRef idx="0">
+            <a:schemeClr val="accent1"/>
+          </a:effectRef>
+          <a:fontRef idx="minor">
+            <a:schemeClr val="tx1"/>
+          </a:fontRef>
+        </p:style>
+      </p:cxnSp>
       <p:pic>
         <p:nvPicPr>
-          <p:cNvPr id="7" name="그림 6"/>
+          <p:cNvPr id="10" name="그림 9">
+            <a:extLst>
+              <a:ext uri="{FF2B5EF4-FFF2-40B4-BE49-F238E27FC236}">
+                <a16:creationId xmlns:a16="http://schemas.microsoft.com/office/drawing/2014/main" xmlns="" id="{107FA112-5338-0D5B-F92C-689645D8EFCE}"/>
+              </a:ext>
+            </a:extLst>
+          </p:cNvPr>
           <p:cNvPicPr>
             <a:picLocks noChangeAspect="1"/>
           </p:cNvPicPr>
@@ -6512,8 +6629,8 @@
         </p:blipFill>
         <p:spPr>
           <a:xfrm>
-            <a:off x="7239000" y="3771900"/>
-            <a:ext cx="5334000" cy="2932783"/>
+            <a:off x="667657" y="3564807"/>
+            <a:ext cx="6088778" cy="6607893"/>
           </a:xfrm>
           <a:prstGeom prst="rect">
             <a:avLst/>
@@ -6522,7 +6639,13 @@
       </p:pic>
       <p:pic>
         <p:nvPicPr>
-          <p:cNvPr id="2" name="그림 1"/>
+          <p:cNvPr id="12" name="그림 11">
+            <a:extLst>
+              <a:ext uri="{FF2B5EF4-FFF2-40B4-BE49-F238E27FC236}">
+                <a16:creationId xmlns:a16="http://schemas.microsoft.com/office/drawing/2014/main" xmlns="" id="{C0EE781A-783C-9338-79AB-8C8B3E79CEFD}"/>
+              </a:ext>
+            </a:extLst>
+          </p:cNvPr>
           <p:cNvPicPr>
             <a:picLocks noChangeAspect="1"/>
           </p:cNvPicPr>
@@ -6536,8 +6659,49 @@
         </p:blipFill>
         <p:spPr>
           <a:xfrm>
-            <a:off x="685800" y="3238500"/>
-            <a:ext cx="6096000" cy="6958853"/>
+            <a:off x="8084614" y="4305300"/>
+            <a:ext cx="6893906" cy="3429000"/>
+          </a:xfrm>
+          <a:prstGeom prst="rect">
+            <a:avLst/>
+          </a:prstGeom>
+        </p:spPr>
+      </p:pic>
+      <p:pic>
+        <p:nvPicPr>
+          <p:cNvPr id="14" name="그림 13">
+            <a:extLst>
+              <a:ext uri="{FF2B5EF4-FFF2-40B4-BE49-F238E27FC236}">
+                <a16:creationId xmlns:a16="http://schemas.microsoft.com/office/drawing/2014/main" xmlns="" id="{4FDD5994-F6DA-CFF0-8CCA-CA53A78C7871}"/>
+              </a:ext>
+            </a:extLst>
+          </p:cNvPr>
+          <p:cNvPicPr>
+            <a:picLocks noChangeAspect="1"/>
+          </p:cNvPicPr>
+          <p:nvPr/>
+        </p:nvPicPr>
+        <p:blipFill rotWithShape="1">
+          <a:blip r:embed="rId4">
+            <a:extLst>
+              <a:ext uri="{BEBA8EAE-BF5A-486C-A8C5-ECC9F3942E4B}">
+                <a14:imgProps xmlns:a14="http://schemas.microsoft.com/office/drawing/2010/main">
+                  <a14:imgLayer r:embed="rId5">
+                    <a14:imgEffect>
+                      <a14:artisticBlur radius="15"/>
+                    </a14:imgEffect>
+                  </a14:imgLayer>
+                </a14:imgProps>
+              </a:ext>
+            </a:extLst>
+          </a:blip>
+          <a:srcRect t="35749" b="826"/>
+          <a:stretch/>
+        </p:blipFill>
+        <p:spPr>
+          <a:xfrm>
+            <a:off x="685800" y="5981701"/>
+            <a:ext cx="6088778" cy="4191000"/>
           </a:xfrm>
           <a:prstGeom prst="rect">
             <a:avLst/>
@@ -6576,10 +6740,10 @@
       </p:grpSpPr>
       <p:sp>
         <p:nvSpPr>
-          <p:cNvPr id="4" name="TextBox 3">
+          <p:cNvPr id="5" name="TextBox 4">
             <a:extLst>
               <a:ext uri="{FF2B5EF4-FFF2-40B4-BE49-F238E27FC236}">
-                <a16:creationId xmlns:a16="http://schemas.microsoft.com/office/drawing/2014/main" id="{1411E83A-6F3E-13BA-B84D-07D6B1588D85}"/>
+                <a16:creationId xmlns:a16="http://schemas.microsoft.com/office/drawing/2014/main" xmlns="" id="{BCD04B46-9BB8-07FB-3BFB-C6B9A149645A}"/>
               </a:ext>
             </a:extLst>
           </p:cNvPr>
@@ -6588,8 +6752,8 @@
         </p:nvSpPr>
         <p:spPr>
           <a:xfrm>
-            <a:off x="762000" y="419100"/>
-            <a:ext cx="16154400" cy="584775"/>
+            <a:off x="304800" y="114300"/>
+            <a:ext cx="10972800" cy="923330"/>
           </a:xfrm>
           <a:prstGeom prst="rect">
             <a:avLst/>
@@ -6603,58 +6767,100 @@
           <a:lstStyle/>
           <a:p>
             <a:r>
-              <a:rPr lang="en-US" altLang="ko-KR" sz="3200">
+              <a:rPr lang="en-US" altLang="ko-KR" sz="5400" spc="-300" dirty="0">
                 <a:solidFill>
                   <a:srgbClr val="4C50BC"/>
                 </a:solidFill>
-                <a:latin typeface="G마켓 산스 Medium" panose="02000000000000000000" pitchFamily="50" charset="-127"/>
-                <a:ea typeface="G마켓 산스 Medium" panose="02000000000000000000" pitchFamily="50" charset="-127"/>
-              </a:rPr>
-              <a:t>2-2 </a:t>
-            </a:r>
-            <a:r>
-              <a:rPr lang="ko-KR" altLang="en-US" sz="3200">
+                <a:latin typeface="G마켓 산스 Bold" panose="02000000000000000000" pitchFamily="50" charset="-127"/>
+                <a:ea typeface="G마켓 산스 Bold" panose="02000000000000000000" pitchFamily="50" charset="-127"/>
+              </a:rPr>
+              <a:t>2-1 </a:t>
+            </a:r>
+            <a:r>
+              <a:rPr lang="ko-KR" altLang="en-US" sz="5400" spc="-300" dirty="0">
                 <a:solidFill>
                   <a:srgbClr val="4C50BC"/>
                 </a:solidFill>
-                <a:latin typeface="G마켓 산스 Medium" panose="02000000000000000000" pitchFamily="50" charset="-127"/>
-                <a:ea typeface="G마켓 산스 Medium" panose="02000000000000000000" pitchFamily="50" charset="-127"/>
-              </a:rPr>
-              <a:t>차원배열을 이용하여 숫자를 입력받아 암호화 하는 프로그램을 만들자</a:t>
-            </a:r>
-            <a:r>
-              <a:rPr lang="en-US" altLang="ko-KR" sz="3200">
+                <a:latin typeface="G마켓 산스 Bold" panose="02000000000000000000" pitchFamily="50" charset="-127"/>
+                <a:ea typeface="G마켓 산스 Bold" panose="02000000000000000000" pitchFamily="50" charset="-127"/>
+              </a:rPr>
+              <a:t>문제풀이</a:t>
+            </a:r>
+            <a:r>
+              <a:rPr lang="en-US" altLang="ko-KR" sz="5400" spc="-300" dirty="0">
                 <a:solidFill>
                   <a:srgbClr val="4C50BC"/>
                 </a:solidFill>
-                <a:latin typeface="G마켓 산스 Medium" panose="02000000000000000000" pitchFamily="50" charset="-127"/>
-                <a:ea typeface="G마켓 산스 Medium" panose="02000000000000000000" pitchFamily="50" charset="-127"/>
-              </a:rPr>
-              <a:t>.</a:t>
-            </a:r>
-            <a:r>
-              <a:rPr lang="en-US" altLang="ko-KR" sz="3200">
+                <a:latin typeface="G마켓 산스 Bold" panose="02000000000000000000" pitchFamily="50" charset="-127"/>
+                <a:ea typeface="G마켓 산스 Bold" panose="02000000000000000000" pitchFamily="50" charset="-127"/>
+              </a:rPr>
+              <a:t> </a:t>
+            </a:r>
+            <a:r>
+              <a:rPr lang="en-US" altLang="ko-KR" sz="5400" spc="-300" dirty="0">
                 <a:solidFill>
                   <a:srgbClr val="FF0000"/>
                 </a:solidFill>
-                <a:latin typeface="G마켓 산스 Medium" panose="02000000000000000000" pitchFamily="50" charset="-127"/>
-                <a:ea typeface="G마켓 산스 Medium" panose="02000000000000000000" pitchFamily="50" charset="-127"/>
-              </a:rPr>
-              <a:t>(hard)</a:t>
-            </a:r>
-            <a:endParaRPr lang="en-US" altLang="ko-KR" sz="3200" dirty="0">
-              <a:solidFill>
-                <a:srgbClr val="FF0000"/>
-              </a:solidFill>
-              <a:latin typeface="G마켓 산스 Medium" panose="02000000000000000000" pitchFamily="50" charset="-127"/>
-              <a:ea typeface="G마켓 산스 Medium" panose="02000000000000000000" pitchFamily="50" charset="-127"/>
-            </a:endParaRPr>
+                <a:latin typeface="G마켓 산스 Bold" panose="02000000000000000000" pitchFamily="50" charset="-127"/>
+                <a:ea typeface="G마켓 산스 Bold" panose="02000000000000000000" pitchFamily="50" charset="-127"/>
+              </a:rPr>
+              <a:t>(normal)</a:t>
+            </a:r>
           </a:p>
         </p:txBody>
       </p:sp>
+      <p:cxnSp>
+        <p:nvCxnSpPr>
+          <p:cNvPr id="6" name="직선 연결선 5">
+            <a:extLst>
+              <a:ext uri="{FF2B5EF4-FFF2-40B4-BE49-F238E27FC236}">
+                <a16:creationId xmlns:a16="http://schemas.microsoft.com/office/drawing/2014/main" xmlns="" id="{CE16BC46-0B44-D3AA-C964-9421697FC822}"/>
+              </a:ext>
+            </a:extLst>
+          </p:cNvPr>
+          <p:cNvCxnSpPr>
+            <a:cxnSpLocks/>
+          </p:cNvCxnSpPr>
+          <p:nvPr/>
+        </p:nvCxnSpPr>
+        <p:spPr>
+          <a:xfrm flipH="1" flipV="1">
+            <a:off x="-13447" y="972511"/>
+            <a:ext cx="18288000" cy="65119"/>
+          </a:xfrm>
+          <a:prstGeom prst="line">
+            <a:avLst/>
+          </a:prstGeom>
+          <a:ln w="38100">
+            <a:solidFill>
+              <a:srgbClr val="4C50BC"/>
+            </a:solidFill>
+          </a:ln>
+        </p:spPr>
+        <p:style>
+          <a:lnRef idx="1">
+            <a:schemeClr val="accent1"/>
+          </a:lnRef>
+          <a:fillRef idx="0">
+            <a:schemeClr val="accent1"/>
+          </a:fillRef>
+          <a:effectRef idx="0">
+            <a:schemeClr val="accent1"/>
+          </a:effectRef>
+          <a:fontRef idx="minor">
+            <a:schemeClr val="tx1"/>
+          </a:fontRef>
+        </p:style>
+      </p:cxnSp>
       <p:pic>
         <p:nvPicPr>
-          <p:cNvPr id="5" name="그림 4"/>
+          <p:cNvPr id="7" name="그림 6">
+            <a:extLst>
+              <a:ext uri="{FF2B5EF4-FFF2-40B4-BE49-F238E27FC236}">
+                <a16:creationId xmlns:a16="http://schemas.microsoft.com/office/drawing/2014/main" xmlns="" id="{198B91B7-299A-94D5-4D7C-7948490ED184}"/>
+              </a:ext>
+            </a:extLst>
+          </p:cNvPr>
           <p:cNvPicPr>
             <a:picLocks noChangeAspect="1"/>
           </p:cNvPicPr>
@@ -6668,212 +6874,31 @@
         </p:blipFill>
         <p:spPr>
           <a:xfrm>
-            <a:off x="7696200" y="3390900"/>
-            <a:ext cx="4779658" cy="2514600"/>
+            <a:off x="1828800" y="1895841"/>
+            <a:ext cx="7315200" cy="7938877"/>
           </a:xfrm>
           <a:prstGeom prst="rect">
             <a:avLst/>
           </a:prstGeom>
         </p:spPr>
       </p:pic>
-      <p:pic>
-        <p:nvPicPr>
-          <p:cNvPr id="7" name="그림 6"/>
-          <p:cNvPicPr>
-            <a:picLocks noChangeAspect="1"/>
-          </p:cNvPicPr>
-          <p:nvPr/>
-        </p:nvPicPr>
-        <p:blipFill>
-          <a:blip r:embed="rId3"/>
-          <a:stretch>
-            <a:fillRect/>
-          </a:stretch>
-        </p:blipFill>
-        <p:spPr>
-          <a:xfrm>
-            <a:off x="914400" y="952500"/>
-            <a:ext cx="6324600" cy="9296400"/>
-          </a:xfrm>
-          <a:prstGeom prst="rect">
-            <a:avLst/>
-          </a:prstGeom>
-        </p:spPr>
-      </p:pic>
-      <p:sp>
-        <p:nvSpPr>
-          <p:cNvPr id="9" name="TextBox 8">
-            <a:extLst>
-              <a:ext uri="{FF2B5EF4-FFF2-40B4-BE49-F238E27FC236}">
-                <a16:creationId xmlns:a16="http://schemas.microsoft.com/office/drawing/2014/main" id="{1411E83A-6F3E-13BA-B84D-07D6B1588D85}"/>
-              </a:ext>
-            </a:extLst>
-          </p:cNvPr>
-          <p:cNvSpPr txBox="1"/>
-          <p:nvPr/>
-        </p:nvSpPr>
-        <p:spPr>
-          <a:xfrm>
-            <a:off x="7402286" y="1333500"/>
-            <a:ext cx="10047514" cy="1569660"/>
-          </a:xfrm>
-          <a:prstGeom prst="rect">
-            <a:avLst/>
-          </a:prstGeom>
-          <a:noFill/>
-        </p:spPr>
-        <p:txBody>
-          <a:bodyPr wrap="square" rtlCol="0">
-            <a:spAutoFit/>
-          </a:bodyPr>
-          <a:lstStyle/>
-          <a:p>
-            <a:pPr marL="457200" indent="-457200">
-              <a:buFontTx/>
-              <a:buChar char="-"/>
-            </a:pPr>
-            <a:r>
-              <a:rPr lang="en-US" altLang="ko-KR" sz="3200">
-                <a:solidFill>
-                  <a:schemeClr val="tx1">
-                    <a:lumMod val="50000"/>
-                    <a:lumOff val="50000"/>
-                  </a:schemeClr>
-                </a:solidFill>
-                <a:latin typeface="G마켓 산스 Medium" panose="02000000000000000000" pitchFamily="50" charset="-127"/>
-                <a:ea typeface="G마켓 산스 Medium" panose="02000000000000000000" pitchFamily="50" charset="-127"/>
-              </a:rPr>
-              <a:t>nextLine() </a:t>
-            </a:r>
-            <a:r>
-              <a:rPr lang="ko-KR" altLang="en-US" sz="3200">
-                <a:solidFill>
-                  <a:schemeClr val="tx1">
-                    <a:lumMod val="50000"/>
-                    <a:lumOff val="50000"/>
-                  </a:schemeClr>
-                </a:solidFill>
-                <a:latin typeface="G마켓 산스 Medium" panose="02000000000000000000" pitchFamily="50" charset="-127"/>
-                <a:ea typeface="G마켓 산스 Medium" panose="02000000000000000000" pitchFamily="50" charset="-127"/>
-              </a:rPr>
-              <a:t>은 키보드로부터 문자열을 입력받는다</a:t>
-            </a:r>
-            <a:r>
-              <a:rPr lang="en-US" altLang="ko-KR" sz="3200">
-                <a:solidFill>
-                  <a:schemeClr val="tx1">
-                    <a:lumMod val="50000"/>
-                    <a:lumOff val="50000"/>
-                  </a:schemeClr>
-                </a:solidFill>
-                <a:latin typeface="G마켓 산스 Medium" panose="02000000000000000000" pitchFamily="50" charset="-127"/>
-                <a:ea typeface="G마켓 산스 Medium" panose="02000000000000000000" pitchFamily="50" charset="-127"/>
-              </a:rPr>
-              <a:t>.</a:t>
-            </a:r>
-          </a:p>
-          <a:p>
-            <a:pPr marL="457200" indent="-457200">
-              <a:buFontTx/>
-              <a:buChar char="-"/>
-            </a:pPr>
-            <a:r>
-              <a:rPr lang="en-US" altLang="ko-KR" sz="3200">
-                <a:solidFill>
-                  <a:schemeClr val="tx1">
-                    <a:lumMod val="50000"/>
-                    <a:lumOff val="50000"/>
-                  </a:schemeClr>
-                </a:solidFill>
-                <a:latin typeface="G마켓 산스 Medium" panose="02000000000000000000" pitchFamily="50" charset="-127"/>
-                <a:ea typeface="G마켓 산스 Medium" panose="02000000000000000000" pitchFamily="50" charset="-127"/>
-              </a:rPr>
-              <a:t>input.toCharArray()</a:t>
-            </a:r>
-            <a:r>
-              <a:rPr lang="ko-KR" altLang="en-US" sz="3200">
-                <a:solidFill>
-                  <a:schemeClr val="tx1">
-                    <a:lumMod val="50000"/>
-                    <a:lumOff val="50000"/>
-                  </a:schemeClr>
-                </a:solidFill>
-                <a:latin typeface="G마켓 산스 Medium" panose="02000000000000000000" pitchFamily="50" charset="-127"/>
-                <a:ea typeface="G마켓 산스 Medium" panose="02000000000000000000" pitchFamily="50" charset="-127"/>
-              </a:rPr>
-              <a:t>는 문자열을 </a:t>
-            </a:r>
-            <a:endParaRPr lang="en-US" altLang="ko-KR" sz="3200">
-              <a:solidFill>
-                <a:schemeClr val="tx1">
-                  <a:lumMod val="50000"/>
-                  <a:lumOff val="50000"/>
-                </a:schemeClr>
-              </a:solidFill>
-              <a:latin typeface="G마켓 산스 Medium" panose="02000000000000000000" pitchFamily="50" charset="-127"/>
-              <a:ea typeface="G마켓 산스 Medium" panose="02000000000000000000" pitchFamily="50" charset="-127"/>
-            </a:endParaRPr>
-          </a:p>
-          <a:p>
-            <a:r>
-              <a:rPr lang="en-US" altLang="ko-KR" sz="3200">
-                <a:solidFill>
-                  <a:schemeClr val="tx1">
-                    <a:lumMod val="50000"/>
-                    <a:lumOff val="50000"/>
-                  </a:schemeClr>
-                </a:solidFill>
-                <a:latin typeface="G마켓 산스 Medium" panose="02000000000000000000" pitchFamily="50" charset="-127"/>
-                <a:ea typeface="G마켓 산스 Medium" panose="02000000000000000000" pitchFamily="50" charset="-127"/>
-              </a:rPr>
-              <a:t>    char </a:t>
-            </a:r>
-            <a:r>
-              <a:rPr lang="ko-KR" altLang="en-US" sz="3200">
-                <a:solidFill>
-                  <a:schemeClr val="tx1">
-                    <a:lumMod val="50000"/>
-                    <a:lumOff val="50000"/>
-                  </a:schemeClr>
-                </a:solidFill>
-                <a:latin typeface="G마켓 산스 Medium" panose="02000000000000000000" pitchFamily="50" charset="-127"/>
-                <a:ea typeface="G마켓 산스 Medium" panose="02000000000000000000" pitchFamily="50" charset="-127"/>
-              </a:rPr>
-              <a:t>배열로 변환해준다</a:t>
-            </a:r>
-            <a:r>
-              <a:rPr lang="en-US" altLang="ko-KR" sz="3200">
-                <a:solidFill>
-                  <a:schemeClr val="tx1">
-                    <a:lumMod val="50000"/>
-                    <a:lumOff val="50000"/>
-                  </a:schemeClr>
-                </a:solidFill>
-                <a:latin typeface="G마켓 산스 Medium" panose="02000000000000000000" pitchFamily="50" charset="-127"/>
-                <a:ea typeface="G마켓 산스 Medium" panose="02000000000000000000" pitchFamily="50" charset="-127"/>
-              </a:rPr>
-              <a:t>.</a:t>
-            </a:r>
-            <a:endParaRPr lang="en-US" altLang="ko-KR" sz="3200" dirty="0">
-              <a:solidFill>
-                <a:srgbClr val="FF0000"/>
-              </a:solidFill>
-              <a:latin typeface="G마켓 산스 Medium" panose="02000000000000000000" pitchFamily="50" charset="-127"/>
-              <a:ea typeface="G마켓 산스 Medium" panose="02000000000000000000" pitchFamily="50" charset="-127"/>
-            </a:endParaRPr>
-          </a:p>
-        </p:txBody>
-      </p:sp>
     </p:spTree>
     <p:extLst>
       <p:ext uri="{BB962C8B-B14F-4D97-AF65-F5344CB8AC3E}">
-        <p14:creationId xmlns:p14="http://schemas.microsoft.com/office/powerpoint/2010/main" val="3598790259"/>
+        <p14:creationId xmlns:p14="http://schemas.microsoft.com/office/powerpoint/2010/main" val="3180445088"/>
       </p:ext>
     </p:extLst>
   </p:cSld>
   <p:clrMapOvr>
     <a:masterClrMapping/>
   </p:clrMapOvr>
+  <p:timing>
+    <p:tnLst>
+      <p:par>
+        <p:cTn id="1" dur="indefinite" restart="never" nodeType="tmRoot"/>
+      </p:par>
+    </p:tnLst>
+  </p:timing>
 </p:sld>
 </file>
 
@@ -6899,7 +6924,7 @@
           <p:cNvPr id="4" name="TextBox 3">
             <a:extLst>
               <a:ext uri="{FF2B5EF4-FFF2-40B4-BE49-F238E27FC236}">
-                <a16:creationId xmlns:a16="http://schemas.microsoft.com/office/drawing/2014/main" id="{1411E83A-6F3E-13BA-B84D-07D6B1588D85}"/>
+                <a16:creationId xmlns:a16="http://schemas.microsoft.com/office/drawing/2014/main" xmlns="" id="{1411E83A-6F3E-13BA-B84D-07D6B1588D85}"/>
               </a:ext>
             </a:extLst>
           </p:cNvPr>
@@ -6908,8 +6933,8 @@
         </p:nvSpPr>
         <p:spPr>
           <a:xfrm>
-            <a:off x="762000" y="456430"/>
-            <a:ext cx="11887200" cy="2369880"/>
+            <a:off x="762000" y="1181100"/>
+            <a:ext cx="16154400" cy="584775"/>
           </a:xfrm>
           <a:prstGeom prst="rect">
             <a:avLst/>
@@ -6923,223 +6948,44 @@
           <a:lstStyle/>
           <a:p>
             <a:r>
-              <a:rPr lang="en-US" altLang="ko-KR" sz="3200">
+              <a:rPr lang="ko-KR" altLang="en-US" sz="3200" dirty="0">
                 <a:solidFill>
                   <a:srgbClr val="4C50BC"/>
                 </a:solidFill>
                 <a:latin typeface="G마켓 산스 Medium" panose="02000000000000000000" pitchFamily="50" charset="-127"/>
                 <a:ea typeface="G마켓 산스 Medium" panose="02000000000000000000" pitchFamily="50" charset="-127"/>
               </a:rPr>
-              <a:t>2-3 1~25</a:t>
-            </a:r>
-            <a:r>
-              <a:rPr lang="ko-KR" altLang="en-US" sz="3200">
+              <a:t>차원배열을 이용하여 숫자를 </a:t>
+            </a:r>
+            <a:r>
+              <a:rPr lang="ko-KR" altLang="en-US" sz="3200" dirty="0" err="1">
                 <a:solidFill>
                   <a:srgbClr val="4C50BC"/>
                 </a:solidFill>
                 <a:latin typeface="G마켓 산스 Medium" panose="02000000000000000000" pitchFamily="50" charset="-127"/>
                 <a:ea typeface="G마켓 산스 Medium" panose="02000000000000000000" pitchFamily="50" charset="-127"/>
               </a:rPr>
-              <a:t>까지 숫자를 순서대로 저장하는 </a:t>
-            </a:r>
-            <a:r>
-              <a:rPr lang="en-US" altLang="ko-KR" sz="3200">
+              <a:t>입력받아</a:t>
+            </a:r>
+            <a:r>
+              <a:rPr lang="ko-KR" altLang="en-US" sz="3200" dirty="0">
                 <a:solidFill>
                   <a:srgbClr val="4C50BC"/>
                 </a:solidFill>
                 <a:latin typeface="G마켓 산스 Medium" panose="02000000000000000000" pitchFamily="50" charset="-127"/>
                 <a:ea typeface="G마켓 산스 Medium" panose="02000000000000000000" pitchFamily="50" charset="-127"/>
               </a:rPr>
-              <a:t>2</a:t>
-            </a:r>
-            <a:r>
-              <a:rPr lang="ko-KR" altLang="en-US" sz="3200">
+              <a:t> 암호화 하는 프로그램을 만들자</a:t>
+            </a:r>
+            <a:r>
+              <a:rPr lang="en-US" altLang="ko-KR" sz="3200" dirty="0">
                 <a:solidFill>
                   <a:srgbClr val="4C50BC"/>
                 </a:solidFill>
                 <a:latin typeface="G마켓 산스 Medium" panose="02000000000000000000" pitchFamily="50" charset="-127"/>
                 <a:ea typeface="G마켓 산스 Medium" panose="02000000000000000000" pitchFamily="50" charset="-127"/>
               </a:rPr>
-              <a:t>차원 배열</a:t>
-            </a:r>
-            <a:r>
-              <a:rPr lang="en-US" altLang="ko-KR" sz="3200">
-                <a:solidFill>
-                  <a:srgbClr val="4C50BC"/>
-                </a:solidFill>
-                <a:latin typeface="G마켓 산스 Medium" panose="02000000000000000000" pitchFamily="50" charset="-127"/>
-                <a:ea typeface="G마켓 산스 Medium" panose="02000000000000000000" pitchFamily="50" charset="-127"/>
-              </a:rPr>
-              <a:t>[5][5]</a:t>
-            </a:r>
-            <a:r>
-              <a:rPr lang="ko-KR" altLang="en-US" sz="3200">
-                <a:solidFill>
-                  <a:srgbClr val="4C50BC"/>
-                </a:solidFill>
-                <a:latin typeface="G마켓 산스 Medium" panose="02000000000000000000" pitchFamily="50" charset="-127"/>
-                <a:ea typeface="G마켓 산스 Medium" panose="02000000000000000000" pitchFamily="50" charset="-127"/>
-              </a:rPr>
-              <a:t>을 만든후 값을 랜덤하게 섞어보자</a:t>
-            </a:r>
-            <a:r>
-              <a:rPr lang="en-US" altLang="ko-KR" sz="3200">
-                <a:solidFill>
-                  <a:srgbClr val="FF0000"/>
-                </a:solidFill>
-                <a:latin typeface="G마켓 산스 Medium" panose="02000000000000000000" pitchFamily="50" charset="-127"/>
-                <a:ea typeface="G마켓 산스 Medium" panose="02000000000000000000" pitchFamily="50" charset="-127"/>
-              </a:rPr>
-              <a:t>(expert)</a:t>
-            </a:r>
-            <a:r>
-              <a:rPr lang="ko-KR" altLang="en-US" sz="3200">
-                <a:solidFill>
-                  <a:srgbClr val="4C50BC"/>
-                </a:solidFill>
-                <a:latin typeface="G마켓 산스 Medium" panose="02000000000000000000" pitchFamily="50" charset="-127"/>
-                <a:ea typeface="G마켓 산스 Medium" panose="02000000000000000000" pitchFamily="50" charset="-127"/>
-              </a:rPr>
-              <a:t> </a:t>
-            </a:r>
-            <a:endParaRPr lang="en-US" altLang="ko-KR" sz="2800">
-              <a:solidFill>
-                <a:srgbClr val="FF0000"/>
-              </a:solidFill>
-              <a:latin typeface="G마켓 산스 Medium" panose="02000000000000000000" pitchFamily="50" charset="-127"/>
-              <a:ea typeface="G마켓 산스 Medium" panose="02000000000000000000" pitchFamily="50" charset="-127"/>
-            </a:endParaRPr>
-          </a:p>
-          <a:p>
-            <a:r>
-              <a:rPr lang="en-US" altLang="ko-KR" sz="2800">
-                <a:solidFill>
-                  <a:srgbClr val="FF0000"/>
-                </a:solidFill>
-                <a:latin typeface="G마켓 산스 Medium" panose="02000000000000000000" pitchFamily="50" charset="-127"/>
-                <a:ea typeface="G마켓 산스 Medium" panose="02000000000000000000" pitchFamily="50" charset="-127"/>
-              </a:rPr>
-              <a:t>- </a:t>
-            </a:r>
-            <a:r>
-              <a:rPr lang="ko-KR" altLang="en-US" sz="2800">
-                <a:solidFill>
-                  <a:srgbClr val="FF0000"/>
-                </a:solidFill>
-                <a:latin typeface="G마켓 산스 Medium" panose="02000000000000000000" pitchFamily="50" charset="-127"/>
-                <a:ea typeface="G마켓 산스 Medium" panose="02000000000000000000" pitchFamily="50" charset="-127"/>
-              </a:rPr>
-              <a:t>섞는방법</a:t>
-            </a:r>
-            <a:r>
-              <a:rPr lang="en-US" altLang="ko-KR" sz="2800">
-                <a:solidFill>
-                  <a:srgbClr val="FF0000"/>
-                </a:solidFill>
-                <a:latin typeface="G마켓 산스 Medium" panose="02000000000000000000" pitchFamily="50" charset="-127"/>
-                <a:ea typeface="G마켓 산스 Medium" panose="02000000000000000000" pitchFamily="50" charset="-127"/>
-              </a:rPr>
-              <a:t>: Math.random() </a:t>
-            </a:r>
-            <a:r>
-              <a:rPr lang="ko-KR" altLang="en-US" sz="2800">
-                <a:solidFill>
-                  <a:srgbClr val="FF0000"/>
-                </a:solidFill>
-                <a:latin typeface="G마켓 산스 Medium" panose="02000000000000000000" pitchFamily="50" charset="-127"/>
-                <a:ea typeface="G마켓 산스 Medium" panose="02000000000000000000" pitchFamily="50" charset="-127"/>
-              </a:rPr>
-              <a:t>이용하여 </a:t>
-            </a:r>
-            <a:r>
-              <a:rPr lang="en-US" altLang="ko-KR" sz="2800">
-                <a:solidFill>
-                  <a:srgbClr val="FF0000"/>
-                </a:solidFill>
-                <a:latin typeface="G마켓 산스 Medium" panose="02000000000000000000" pitchFamily="50" charset="-127"/>
-                <a:ea typeface="G마켓 산스 Medium" panose="02000000000000000000" pitchFamily="50" charset="-127"/>
-              </a:rPr>
-              <a:t>1~25 </a:t>
-            </a:r>
-            <a:r>
-              <a:rPr lang="ko-KR" altLang="en-US" sz="2800">
-                <a:solidFill>
-                  <a:srgbClr val="FF0000"/>
-                </a:solidFill>
-                <a:latin typeface="G마켓 산스 Medium" panose="02000000000000000000" pitchFamily="50" charset="-127"/>
-                <a:ea typeface="G마켓 산스 Medium" panose="02000000000000000000" pitchFamily="50" charset="-127"/>
-              </a:rPr>
-              <a:t>사이 숫자를 뽑은후 </a:t>
-            </a:r>
-            <a:r>
-              <a:rPr lang="en-US" altLang="ko-KR" sz="2800">
-                <a:solidFill>
-                  <a:srgbClr val="FF0000"/>
-                </a:solidFill>
-                <a:latin typeface="G마켓 산스 Medium" panose="02000000000000000000" pitchFamily="50" charset="-127"/>
-                <a:ea typeface="G마켓 산스 Medium" panose="02000000000000000000" pitchFamily="50" charset="-127"/>
-              </a:rPr>
-              <a:t>2</a:t>
-            </a:r>
-            <a:r>
-              <a:rPr lang="ko-KR" altLang="en-US" sz="2800">
-                <a:solidFill>
-                  <a:srgbClr val="FF0000"/>
-                </a:solidFill>
-                <a:latin typeface="G마켓 산스 Medium" panose="02000000000000000000" pitchFamily="50" charset="-127"/>
-                <a:ea typeface="G마켓 산스 Medium" panose="02000000000000000000" pitchFamily="50" charset="-127"/>
-              </a:rPr>
-              <a:t>차원배열에서 동일한 숫자를 찾아 </a:t>
-            </a:r>
-            <a:r>
-              <a:rPr lang="en-US" altLang="ko-KR" sz="2800">
-                <a:solidFill>
-                  <a:srgbClr val="FF0000"/>
-                </a:solidFill>
-                <a:latin typeface="G마켓 산스 Medium" panose="02000000000000000000" pitchFamily="50" charset="-127"/>
-                <a:ea typeface="G마켓 산스 Medium" panose="02000000000000000000" pitchFamily="50" charset="-127"/>
-              </a:rPr>
-              <a:t>[0][0] </a:t>
-            </a:r>
-            <a:r>
-              <a:rPr lang="ko-KR" altLang="en-US" sz="2800">
-                <a:solidFill>
-                  <a:srgbClr val="FF0000"/>
-                </a:solidFill>
-                <a:latin typeface="G마켓 산스 Medium" panose="02000000000000000000" pitchFamily="50" charset="-127"/>
-                <a:ea typeface="G마켓 산스 Medium" panose="02000000000000000000" pitchFamily="50" charset="-127"/>
-              </a:rPr>
-              <a:t>의 값과 교체하는것을 </a:t>
-            </a:r>
-            <a:r>
-              <a:rPr lang="en-US" altLang="ko-KR" sz="2800">
-                <a:solidFill>
-                  <a:srgbClr val="FF0000"/>
-                </a:solidFill>
-                <a:latin typeface="G마켓 산스 Medium" panose="02000000000000000000" pitchFamily="50" charset="-127"/>
-                <a:ea typeface="G마켓 산스 Medium" panose="02000000000000000000" pitchFamily="50" charset="-127"/>
-              </a:rPr>
-              <a:t>100</a:t>
-            </a:r>
-            <a:r>
-              <a:rPr lang="ko-KR" altLang="en-US" sz="2800">
-                <a:solidFill>
-                  <a:srgbClr val="FF0000"/>
-                </a:solidFill>
-                <a:latin typeface="G마켓 산스 Medium" panose="02000000000000000000" pitchFamily="50" charset="-127"/>
-                <a:ea typeface="G마켓 산스 Medium" panose="02000000000000000000" pitchFamily="50" charset="-127"/>
-              </a:rPr>
-              <a:t>번 반복하자</a:t>
-            </a:r>
-            <a:r>
-              <a:rPr lang="en-US" altLang="ko-KR" sz="2800">
-                <a:solidFill>
-                  <a:srgbClr val="FF0000"/>
-                </a:solidFill>
-                <a:latin typeface="G마켓 산스 Medium" panose="02000000000000000000" pitchFamily="50" charset="-127"/>
-                <a:ea typeface="G마켓 산스 Medium" panose="02000000000000000000" pitchFamily="50" charset="-127"/>
-              </a:rPr>
-              <a:t>)</a:t>
+              <a:t>.</a:t>
             </a:r>
             <a:endParaRPr lang="en-US" altLang="ko-KR" sz="3200" dirty="0">
               <a:solidFill>
@@ -7167,8 +7013,8 @@
         </p:blipFill>
         <p:spPr>
           <a:xfrm>
-            <a:off x="13143914" y="454616"/>
-            <a:ext cx="3998589" cy="3355384"/>
+            <a:off x="7696200" y="4152900"/>
+            <a:ext cx="4779658" cy="2514600"/>
           </a:xfrm>
           <a:prstGeom prst="rect">
             <a:avLst/>
@@ -7177,7 +7023,7 @@
       </p:pic>
       <p:pic>
         <p:nvPicPr>
-          <p:cNvPr id="6" name="그림 5"/>
+          <p:cNvPr id="7" name="그림 6"/>
           <p:cNvPicPr>
             <a:picLocks noChangeAspect="1"/>
           </p:cNvPicPr>
@@ -7191,545 +7037,8 @@
         </p:blipFill>
         <p:spPr>
           <a:xfrm>
-            <a:off x="267286" y="2826310"/>
-            <a:ext cx="5533079" cy="3764990"/>
-          </a:xfrm>
-          <a:prstGeom prst="rect">
-            <a:avLst/>
-          </a:prstGeom>
-        </p:spPr>
-      </p:pic>
-      <p:pic>
-        <p:nvPicPr>
-          <p:cNvPr id="7" name="그림 6"/>
-          <p:cNvPicPr>
-            <a:picLocks noChangeAspect="1"/>
-          </p:cNvPicPr>
-          <p:nvPr/>
-        </p:nvPicPr>
-        <p:blipFill>
-          <a:blip r:embed="rId4"/>
-          <a:stretch>
-            <a:fillRect/>
-          </a:stretch>
-        </p:blipFill>
-        <p:spPr>
-          <a:xfrm>
-            <a:off x="5894237" y="2826310"/>
-            <a:ext cx="7133089" cy="6584390"/>
-          </a:xfrm>
-          <a:prstGeom prst="rect">
-            <a:avLst/>
-          </a:prstGeom>
-        </p:spPr>
-      </p:pic>
-    </p:spTree>
-    <p:extLst>
-      <p:ext uri="{BB962C8B-B14F-4D97-AF65-F5344CB8AC3E}">
-        <p14:creationId xmlns:p14="http://schemas.microsoft.com/office/powerpoint/2010/main" val="4055007602"/>
-      </p:ext>
-    </p:extLst>
-  </p:cSld>
-  <p:clrMapOvr>
-    <a:masterClrMapping/>
-  </p:clrMapOvr>
-</p:sld>
-</file>
-
-<file path=ppt/slides/slide18.xml><?xml version="1.0" encoding="utf-8"?>
-<p:sld xmlns:a="http://schemas.openxmlformats.org/drawingml/2006/main" xmlns:r="http://schemas.openxmlformats.org/officeDocument/2006/relationships" xmlns:p="http://schemas.openxmlformats.org/presentationml/2006/main">
-  <p:cSld>
-    <p:bg>
-      <p:bgPr>
-        <a:solidFill>
-          <a:srgbClr val="4C50BC"/>
-        </a:solidFill>
-        <a:effectLst/>
-      </p:bgPr>
-    </p:bg>
-    <p:spTree>
-      <p:nvGrpSpPr>
-        <p:cNvPr id="1" name=""/>
-        <p:cNvGrpSpPr/>
-        <p:nvPr/>
-      </p:nvGrpSpPr>
-      <p:grpSpPr>
-        <a:xfrm>
-          <a:off x="0" y="0"/>
-          <a:ext cx="0" cy="0"/>
-          <a:chOff x="0" y="0"/>
-          <a:chExt cx="0" cy="0"/>
-        </a:xfrm>
-      </p:grpSpPr>
-      <p:pic>
-        <p:nvPicPr>
-          <p:cNvPr id="5" name="Object 2">
-            <a:extLst>
-              <a:ext uri="{FF2B5EF4-FFF2-40B4-BE49-F238E27FC236}">
-                <a16:creationId xmlns:a16="http://schemas.microsoft.com/office/drawing/2014/main" id="{EB9768FE-76B0-709F-3C4D-0ECBB41147CD}"/>
-              </a:ext>
-            </a:extLst>
-          </p:cNvPr>
-          <p:cNvPicPr>
-            <a:picLocks noChangeAspect="1"/>
-          </p:cNvPicPr>
-          <p:nvPr/>
-        </p:nvPicPr>
-        <p:blipFill>
-          <a:blip r:embed="rId2" cstate="print"/>
-          <a:stretch>
-            <a:fillRect/>
-          </a:stretch>
-        </p:blipFill>
-        <p:spPr>
-          <a:xfrm>
-            <a:off x="1468058" y="2416536"/>
-            <a:ext cx="3183528" cy="3284880"/>
-          </a:xfrm>
-          <a:prstGeom prst="rect">
-            <a:avLst/>
-          </a:prstGeom>
-        </p:spPr>
-      </p:pic>
-      <p:grpSp>
-        <p:nvGrpSpPr>
-          <p:cNvPr id="7" name="그룹 1001">
-            <a:extLst>
-              <a:ext uri="{FF2B5EF4-FFF2-40B4-BE49-F238E27FC236}">
-                <a16:creationId xmlns:a16="http://schemas.microsoft.com/office/drawing/2014/main" id="{0637F47C-891C-2B90-8647-32B84C264D42}"/>
-              </a:ext>
-            </a:extLst>
-          </p:cNvPr>
-          <p:cNvGrpSpPr/>
-          <p:nvPr/>
-        </p:nvGrpSpPr>
-        <p:grpSpPr>
-          <a:xfrm>
-            <a:off x="13074845" y="-1224069"/>
-            <a:ext cx="3388803" cy="3355932"/>
-            <a:chOff x="13074845" y="-1224069"/>
-            <a:chExt cx="3388803" cy="3355932"/>
-          </a:xfrm>
-        </p:grpSpPr>
-        <p:pic>
-          <p:nvPicPr>
-            <p:cNvPr id="8" name="Object 5">
-              <a:extLst>
-                <a:ext uri="{FF2B5EF4-FFF2-40B4-BE49-F238E27FC236}">
-                  <a16:creationId xmlns:a16="http://schemas.microsoft.com/office/drawing/2014/main" id="{710F969D-8259-9328-33C3-C6DB500C60D4}"/>
-                </a:ext>
-              </a:extLst>
-            </p:cNvPr>
-            <p:cNvPicPr>
-              <a:picLocks noChangeAspect="1"/>
-            </p:cNvPicPr>
-            <p:nvPr/>
-          </p:nvPicPr>
-          <p:blipFill>
-            <a:blip r:embed="rId3" cstate="print"/>
-            <a:stretch>
-              <a:fillRect/>
-            </a:stretch>
-          </p:blipFill>
-          <p:spPr>
-            <a:xfrm>
-              <a:off x="13074845" y="-1224069"/>
-              <a:ext cx="3388803" cy="3355932"/>
-            </a:xfrm>
-            <a:prstGeom prst="rect">
-              <a:avLst/>
-            </a:prstGeom>
-          </p:spPr>
-        </p:pic>
-      </p:grpSp>
-      <p:grpSp>
-        <p:nvGrpSpPr>
-          <p:cNvPr id="9" name="그룹 1002">
-            <a:extLst>
-              <a:ext uri="{FF2B5EF4-FFF2-40B4-BE49-F238E27FC236}">
-                <a16:creationId xmlns:a16="http://schemas.microsoft.com/office/drawing/2014/main" id="{A87796A8-251B-F38A-5AE9-11F8D847B25D}"/>
-              </a:ext>
-            </a:extLst>
-          </p:cNvPr>
-          <p:cNvGrpSpPr/>
-          <p:nvPr/>
-        </p:nvGrpSpPr>
-        <p:grpSpPr>
-          <a:xfrm>
-            <a:off x="15502230" y="-877556"/>
-            <a:ext cx="3902974" cy="3971928"/>
-            <a:chOff x="15502230" y="-877556"/>
-            <a:chExt cx="3902974" cy="3971928"/>
-          </a:xfrm>
-        </p:grpSpPr>
-        <p:pic>
-          <p:nvPicPr>
-            <p:cNvPr id="10" name="Object 8">
-              <a:extLst>
-                <a:ext uri="{FF2B5EF4-FFF2-40B4-BE49-F238E27FC236}">
-                  <a16:creationId xmlns:a16="http://schemas.microsoft.com/office/drawing/2014/main" id="{9E806C19-D323-E705-F3B8-EEABB39F0993}"/>
-                </a:ext>
-              </a:extLst>
-            </p:cNvPr>
-            <p:cNvPicPr>
-              <a:picLocks noChangeAspect="1"/>
-            </p:cNvPicPr>
-            <p:nvPr/>
-          </p:nvPicPr>
-          <p:blipFill>
-            <a:blip r:embed="rId4" cstate="print"/>
-            <a:stretch>
-              <a:fillRect/>
-            </a:stretch>
-          </p:blipFill>
-          <p:spPr>
-            <a:xfrm rot="-2700000">
-              <a:off x="15502230" y="-877556"/>
-              <a:ext cx="3902974" cy="3971928"/>
-            </a:xfrm>
-            <a:prstGeom prst="rect">
-              <a:avLst/>
-            </a:prstGeom>
-          </p:spPr>
-        </p:pic>
-      </p:grpSp>
-      <p:grpSp>
-        <p:nvGrpSpPr>
-          <p:cNvPr id="11" name="그룹 1003">
-            <a:extLst>
-              <a:ext uri="{FF2B5EF4-FFF2-40B4-BE49-F238E27FC236}">
-                <a16:creationId xmlns:a16="http://schemas.microsoft.com/office/drawing/2014/main" id="{701795E0-24B6-38E6-7308-FED7AD2B6900}"/>
-              </a:ext>
-            </a:extLst>
-          </p:cNvPr>
-          <p:cNvGrpSpPr/>
-          <p:nvPr/>
-        </p:nvGrpSpPr>
-        <p:grpSpPr>
-          <a:xfrm>
-            <a:off x="14137208" y="6930045"/>
-            <a:ext cx="4652881" cy="4607748"/>
-            <a:chOff x="14137208" y="6930045"/>
-            <a:chExt cx="4652881" cy="4607748"/>
-          </a:xfrm>
-        </p:grpSpPr>
-        <p:pic>
-          <p:nvPicPr>
-            <p:cNvPr id="12" name="Object 11">
-              <a:extLst>
-                <a:ext uri="{FF2B5EF4-FFF2-40B4-BE49-F238E27FC236}">
-                  <a16:creationId xmlns:a16="http://schemas.microsoft.com/office/drawing/2014/main" id="{D8C68167-7FB5-1F8E-D53C-DEA682F465F5}"/>
-                </a:ext>
-              </a:extLst>
-            </p:cNvPr>
-            <p:cNvPicPr>
-              <a:picLocks noChangeAspect="1"/>
-            </p:cNvPicPr>
-            <p:nvPr/>
-          </p:nvPicPr>
-          <p:blipFill>
-            <a:blip r:embed="rId5" cstate="print"/>
-            <a:stretch>
-              <a:fillRect/>
-            </a:stretch>
-          </p:blipFill>
-          <p:spPr>
-            <a:xfrm>
-              <a:off x="14137208" y="6930045"/>
-              <a:ext cx="4652881" cy="4607748"/>
-            </a:xfrm>
-            <a:prstGeom prst="rect">
-              <a:avLst/>
-            </a:prstGeom>
-          </p:spPr>
-        </p:pic>
-      </p:grpSp>
-      <p:grpSp>
-        <p:nvGrpSpPr>
-          <p:cNvPr id="13" name="그룹 1004">
-            <a:extLst>
-              <a:ext uri="{FF2B5EF4-FFF2-40B4-BE49-F238E27FC236}">
-                <a16:creationId xmlns:a16="http://schemas.microsoft.com/office/drawing/2014/main" id="{03226A72-764D-99F3-A14F-47C351CB448B}"/>
-              </a:ext>
-            </a:extLst>
-          </p:cNvPr>
-          <p:cNvGrpSpPr/>
-          <p:nvPr/>
-        </p:nvGrpSpPr>
-        <p:grpSpPr>
-          <a:xfrm>
-            <a:off x="-159165" y="3685351"/>
-            <a:ext cx="1432688" cy="191978"/>
-            <a:chOff x="-159165" y="3685351"/>
-            <a:chExt cx="1432688" cy="191978"/>
-          </a:xfrm>
-        </p:grpSpPr>
-        <p:pic>
-          <p:nvPicPr>
-            <p:cNvPr id="14" name="Object 14">
-              <a:extLst>
-                <a:ext uri="{FF2B5EF4-FFF2-40B4-BE49-F238E27FC236}">
-                  <a16:creationId xmlns:a16="http://schemas.microsoft.com/office/drawing/2014/main" id="{77C5B9A8-AEBA-093B-4CD6-4F1ECF519068}"/>
-                </a:ext>
-              </a:extLst>
-            </p:cNvPr>
-            <p:cNvPicPr>
-              <a:picLocks noChangeAspect="1"/>
-            </p:cNvPicPr>
-            <p:nvPr/>
-          </p:nvPicPr>
-          <p:blipFill>
-            <a:blip r:embed="rId6" cstate="print"/>
-            <a:stretch>
-              <a:fillRect/>
-            </a:stretch>
-          </p:blipFill>
-          <p:spPr>
-            <a:xfrm rot="-10800000">
-              <a:off x="-159165" y="3685351"/>
-              <a:ext cx="1432688" cy="191978"/>
-            </a:xfrm>
-            <a:prstGeom prst="rect">
-              <a:avLst/>
-            </a:prstGeom>
-          </p:spPr>
-        </p:pic>
-      </p:grpSp>
-      <p:sp>
-        <p:nvSpPr>
-          <p:cNvPr id="15" name="TextBox 14">
-            <a:extLst>
-              <a:ext uri="{FF2B5EF4-FFF2-40B4-BE49-F238E27FC236}">
-                <a16:creationId xmlns:a16="http://schemas.microsoft.com/office/drawing/2014/main" id="{E44AB10B-96D7-19D1-5C7A-D2761E62F16E}"/>
-              </a:ext>
-            </a:extLst>
-          </p:cNvPr>
-          <p:cNvSpPr txBox="1"/>
-          <p:nvPr/>
-        </p:nvSpPr>
-        <p:spPr>
-          <a:xfrm>
-            <a:off x="2172958" y="5295900"/>
-            <a:ext cx="3441968" cy="1107996"/>
-          </a:xfrm>
-          <a:prstGeom prst="rect">
-            <a:avLst/>
-          </a:prstGeom>
-          <a:noFill/>
-        </p:spPr>
-        <p:txBody>
-          <a:bodyPr wrap="none" rtlCol="0">
-            <a:spAutoFit/>
-          </a:bodyPr>
-          <a:lstStyle/>
-          <a:p>
-            <a:r>
-              <a:rPr lang="ko-KR" altLang="en-US" sz="6600">
-                <a:solidFill>
-                  <a:schemeClr val="bg1"/>
-                </a:solidFill>
-                <a:latin typeface="G마켓 산스 Medium" panose="02000000000000000000" pitchFamily="50" charset="-127"/>
-                <a:ea typeface="G마켓 산스 Medium" panose="02000000000000000000" pitchFamily="50" charset="-127"/>
-              </a:rPr>
-              <a:t>실습문제</a:t>
-            </a:r>
-            <a:endParaRPr lang="ko-KR" altLang="en-US" sz="2800" dirty="0">
-              <a:solidFill>
-                <a:schemeClr val="bg1"/>
-              </a:solidFill>
-              <a:latin typeface="G마켓 산스 Medium" panose="02000000000000000000" pitchFamily="50" charset="-127"/>
-              <a:ea typeface="G마켓 산스 Medium" panose="02000000000000000000" pitchFamily="50" charset="-127"/>
-            </a:endParaRPr>
-          </a:p>
-        </p:txBody>
-      </p:sp>
-    </p:spTree>
-    <p:extLst>
-      <p:ext uri="{BB962C8B-B14F-4D97-AF65-F5344CB8AC3E}">
-        <p14:creationId xmlns:p14="http://schemas.microsoft.com/office/powerpoint/2010/main" val="3979785349"/>
-      </p:ext>
-    </p:extLst>
-  </p:cSld>
-  <p:clrMapOvr>
-    <a:masterClrMapping/>
-  </p:clrMapOvr>
-</p:sld>
-</file>
-
-<file path=ppt/slides/slide19.xml><?xml version="1.0" encoding="utf-8"?>
-<p:sld xmlns:a="http://schemas.openxmlformats.org/drawingml/2006/main" xmlns:r="http://schemas.openxmlformats.org/officeDocument/2006/relationships" xmlns:p="http://schemas.openxmlformats.org/presentationml/2006/main">
-  <p:cSld>
-    <p:spTree>
-      <p:nvGrpSpPr>
-        <p:cNvPr id="1" name=""/>
-        <p:cNvGrpSpPr/>
-        <p:nvPr/>
-      </p:nvGrpSpPr>
-      <p:grpSpPr>
-        <a:xfrm>
-          <a:off x="0" y="0"/>
-          <a:ext cx="0" cy="0"/>
-          <a:chOff x="0" y="0"/>
-          <a:chExt cx="0" cy="0"/>
-        </a:xfrm>
-      </p:grpSpPr>
-      <p:sp>
-        <p:nvSpPr>
-          <p:cNvPr id="4" name="TextBox 3">
-            <a:extLst>
-              <a:ext uri="{FF2B5EF4-FFF2-40B4-BE49-F238E27FC236}">
-                <a16:creationId xmlns:a16="http://schemas.microsoft.com/office/drawing/2014/main" id="{AAA7A62B-B663-9BB3-853E-37554E612635}"/>
-              </a:ext>
-            </a:extLst>
-          </p:cNvPr>
-          <p:cNvSpPr txBox="1"/>
-          <p:nvPr/>
-        </p:nvSpPr>
-        <p:spPr>
-          <a:xfrm>
-            <a:off x="381000" y="114300"/>
-            <a:ext cx="4038600" cy="830997"/>
-          </a:xfrm>
-          <a:prstGeom prst="rect">
-            <a:avLst/>
-          </a:prstGeom>
-          <a:noFill/>
-        </p:spPr>
-        <p:txBody>
-          <a:bodyPr wrap="square" rtlCol="0">
-            <a:spAutoFit/>
-          </a:bodyPr>
-          <a:lstStyle/>
-          <a:p>
-            <a:r>
-              <a:rPr lang="ko-KR" altLang="en-US" sz="4800">
-                <a:solidFill>
-                  <a:srgbClr val="4C50BC"/>
-                </a:solidFill>
-                <a:latin typeface="G마켓 산스 Medium" panose="02000000000000000000" pitchFamily="50" charset="-127"/>
-                <a:ea typeface="G마켓 산스 Medium" panose="02000000000000000000" pitchFamily="50" charset="-127"/>
-              </a:rPr>
-              <a:t>실습문제</a:t>
-            </a:r>
-            <a:r>
-              <a:rPr lang="en-US" altLang="ko-KR" sz="4800">
-                <a:solidFill>
-                  <a:srgbClr val="4C50BC"/>
-                </a:solidFill>
-                <a:latin typeface="G마켓 산스 Medium" panose="02000000000000000000" pitchFamily="50" charset="-127"/>
-                <a:ea typeface="G마켓 산스 Medium" panose="02000000000000000000" pitchFamily="50" charset="-127"/>
-              </a:rPr>
-              <a:t>3</a:t>
-            </a:r>
-            <a:endParaRPr lang="en-US" altLang="ko-KR" sz="4800" dirty="0">
-              <a:solidFill>
-                <a:srgbClr val="4C50BC"/>
-              </a:solidFill>
-              <a:latin typeface="G마켓 산스 Medium" panose="02000000000000000000" pitchFamily="50" charset="-127"/>
-              <a:ea typeface="G마켓 산스 Medium" panose="02000000000000000000" pitchFamily="50" charset="-127"/>
-            </a:endParaRPr>
-          </a:p>
-        </p:txBody>
-      </p:sp>
-      <p:sp>
-        <p:nvSpPr>
-          <p:cNvPr id="5" name="TextBox 4">
-            <a:extLst>
-              <a:ext uri="{FF2B5EF4-FFF2-40B4-BE49-F238E27FC236}">
-                <a16:creationId xmlns:a16="http://schemas.microsoft.com/office/drawing/2014/main" id="{4EDAA912-8FA0-0F11-119B-EA9F8B36A489}"/>
-              </a:ext>
-            </a:extLst>
-          </p:cNvPr>
-          <p:cNvSpPr txBox="1"/>
-          <p:nvPr/>
-        </p:nvSpPr>
-        <p:spPr>
-          <a:xfrm>
-            <a:off x="1371600" y="945297"/>
-            <a:ext cx="10936007" cy="646331"/>
-          </a:xfrm>
-          <a:prstGeom prst="rect">
-            <a:avLst/>
-          </a:prstGeom>
-          <a:noFill/>
-        </p:spPr>
-        <p:txBody>
-          <a:bodyPr wrap="none" rtlCol="0">
-            <a:spAutoFit/>
-          </a:bodyPr>
-          <a:lstStyle/>
-          <a:p>
-            <a:r>
-              <a:rPr lang="en-US" altLang="ko-KR" sz="3600">
-                <a:solidFill>
-                  <a:srgbClr val="4C50BC"/>
-                </a:solidFill>
-                <a:latin typeface="G마켓 산스 Medium" panose="02000000000000000000" pitchFamily="50" charset="-127"/>
-                <a:ea typeface="G마켓 산스 Medium" panose="02000000000000000000" pitchFamily="50" charset="-127"/>
-              </a:rPr>
-              <a:t>3-1 </a:t>
-            </a:r>
-            <a:r>
-              <a:rPr lang="ko-KR" altLang="en-US" sz="3600">
-                <a:solidFill>
-                  <a:srgbClr val="4C50BC"/>
-                </a:solidFill>
-                <a:latin typeface="G마켓 산스 Medium" panose="02000000000000000000" pitchFamily="50" charset="-127"/>
-                <a:ea typeface="G마켓 산스 Medium" panose="02000000000000000000" pitchFamily="50" charset="-127"/>
-              </a:rPr>
-              <a:t>좌표를 입력받아 해당좌표에 </a:t>
-            </a:r>
-            <a:r>
-              <a:rPr lang="en-US" altLang="ko-KR" sz="3600">
-                <a:solidFill>
-                  <a:srgbClr val="4C50BC"/>
-                </a:solidFill>
-                <a:latin typeface="G마켓 산스 Medium" panose="02000000000000000000" pitchFamily="50" charset="-127"/>
-                <a:ea typeface="G마켓 산스 Medium" panose="02000000000000000000" pitchFamily="50" charset="-127"/>
-              </a:rPr>
-              <a:t>x</a:t>
-            </a:r>
-            <a:r>
-              <a:rPr lang="ko-KR" altLang="en-US" sz="3600">
-                <a:solidFill>
-                  <a:srgbClr val="4C50BC"/>
-                </a:solidFill>
-                <a:latin typeface="G마켓 산스 Medium" panose="02000000000000000000" pitchFamily="50" charset="-127"/>
-                <a:ea typeface="G마켓 산스 Medium" panose="02000000000000000000" pitchFamily="50" charset="-127"/>
-              </a:rPr>
-              <a:t>를 표시하자</a:t>
-            </a:r>
-            <a:r>
-              <a:rPr lang="en-US" altLang="ko-KR" sz="3600">
-                <a:solidFill>
-                  <a:srgbClr val="FF0000"/>
-                </a:solidFill>
-                <a:latin typeface="G마켓 산스 Medium" panose="02000000000000000000" pitchFamily="50" charset="-127"/>
-                <a:ea typeface="G마켓 산스 Medium" panose="02000000000000000000" pitchFamily="50" charset="-127"/>
-              </a:rPr>
-              <a:t>(hard)</a:t>
-            </a:r>
-          </a:p>
-        </p:txBody>
-      </p:sp>
-      <p:pic>
-        <p:nvPicPr>
-          <p:cNvPr id="6" name="그림 5"/>
-          <p:cNvPicPr>
-            <a:picLocks noChangeAspect="1"/>
-          </p:cNvPicPr>
-          <p:nvPr/>
-        </p:nvPicPr>
-        <p:blipFill>
-          <a:blip r:embed="rId2"/>
-          <a:stretch>
-            <a:fillRect/>
-          </a:stretch>
-        </p:blipFill>
-        <p:spPr>
-          <a:xfrm>
-            <a:off x="8610600" y="1664620"/>
-            <a:ext cx="2597285" cy="3024887"/>
+            <a:off x="914400" y="1714500"/>
+            <a:ext cx="6324600" cy="9296400"/>
           </a:xfrm>
           <a:prstGeom prst="rect">
             <a:avLst/>
@@ -7744,231 +7053,39 @@
           </p:cNvPicPr>
           <p:nvPr/>
         </p:nvPicPr>
-        <p:blipFill>
-          <a:blip r:embed="rId3"/>
-          <a:stretch>
-            <a:fillRect/>
-          </a:stretch>
+        <p:blipFill rotWithShape="1">
+          <a:blip r:embed="rId4">
+            <a:extLst>
+              <a:ext uri="{BEBA8EAE-BF5A-486C-A8C5-ECC9F3942E4B}">
+                <a14:imgProps xmlns:a14="http://schemas.microsoft.com/office/drawing/2010/main">
+                  <a14:imgLayer r:embed="rId5">
+                    <a14:imgEffect>
+                      <a14:artisticGlass/>
+                    </a14:imgEffect>
+                  </a14:imgLayer>
+                </a14:imgProps>
+              </a:ext>
+            </a:extLst>
+          </a:blip>
+          <a:srcRect t="50000"/>
+          <a:stretch/>
         </p:blipFill>
         <p:spPr>
           <a:xfrm>
-            <a:off x="533399" y="1562100"/>
-            <a:ext cx="7477193" cy="8458200"/>
+            <a:off x="914400" y="6362700"/>
+            <a:ext cx="6324600" cy="4648200"/>
           </a:xfrm>
           <a:prstGeom prst="rect">
             <a:avLst/>
           </a:prstGeom>
         </p:spPr>
       </p:pic>
-    </p:spTree>
-    <p:extLst>
-      <p:ext uri="{BB962C8B-B14F-4D97-AF65-F5344CB8AC3E}">
-        <p14:creationId xmlns:p14="http://schemas.microsoft.com/office/powerpoint/2010/main" val="3841562022"/>
-      </p:ext>
-    </p:extLst>
-  </p:cSld>
-  <p:clrMapOvr>
-    <a:masterClrMapping/>
-  </p:clrMapOvr>
-</p:sld>
-</file>
-
-<file path=ppt/slides/slide2.xml><?xml version="1.0" encoding="utf-8"?>
-<p:sld xmlns:a="http://schemas.openxmlformats.org/drawingml/2006/main" xmlns:r="http://schemas.openxmlformats.org/officeDocument/2006/relationships" xmlns:p="http://schemas.openxmlformats.org/presentationml/2006/main">
-  <p:cSld name="Slide 3">
-    <p:bg>
-      <p:bgPr>
-        <a:solidFill>
-          <a:srgbClr val="FFFFFF"/>
-        </a:solidFill>
-        <a:effectLst/>
-      </p:bgPr>
-    </p:bg>
-    <p:spTree>
-      <p:nvGrpSpPr>
-        <p:cNvPr id="1" name=""/>
-        <p:cNvGrpSpPr/>
-        <p:nvPr/>
-      </p:nvGrpSpPr>
-      <p:grpSpPr>
-        <a:xfrm>
-          <a:off x="0" y="0"/>
-          <a:ext cx="0" cy="0"/>
-          <a:chOff x="0" y="0"/>
-          <a:chExt cx="0" cy="0"/>
-        </a:xfrm>
-      </p:grpSpPr>
-      <p:grpSp>
-        <p:nvGrpSpPr>
-          <p:cNvPr id="1001" name="그룹 1001"/>
-          <p:cNvGrpSpPr/>
-          <p:nvPr/>
-        </p:nvGrpSpPr>
-        <p:grpSpPr>
-          <a:xfrm>
-            <a:off x="16986360" y="2195397"/>
-            <a:ext cx="1432688" cy="191978"/>
-            <a:chOff x="16986360" y="2195397"/>
-            <a:chExt cx="1432688" cy="191978"/>
-          </a:xfrm>
-        </p:grpSpPr>
-        <p:pic>
-          <p:nvPicPr>
-            <p:cNvPr id="3" name="Object 2"/>
-            <p:cNvPicPr>
-              <a:picLocks noChangeAspect="1"/>
-            </p:cNvPicPr>
-            <p:nvPr/>
-          </p:nvPicPr>
-          <p:blipFill>
-            <a:blip r:embed="rId2" cstate="print"/>
-            <a:stretch>
-              <a:fillRect/>
-            </a:stretch>
-          </p:blipFill>
-          <p:spPr>
-            <a:xfrm>
-              <a:off x="16986360" y="2195397"/>
-              <a:ext cx="1432688" cy="191978"/>
-            </a:xfrm>
-            <a:prstGeom prst="rect">
-              <a:avLst/>
-            </a:prstGeom>
-          </p:spPr>
-        </p:pic>
-      </p:grpSp>
-      <p:pic>
-        <p:nvPicPr>
-          <p:cNvPr id="6" name="Object 5"/>
-          <p:cNvPicPr>
-            <a:picLocks noChangeAspect="1"/>
-          </p:cNvPicPr>
-          <p:nvPr/>
-        </p:nvPicPr>
-        <p:blipFill>
-          <a:blip r:embed="rId3" cstate="print"/>
-          <a:stretch>
-            <a:fillRect/>
-          </a:stretch>
-        </p:blipFill>
-        <p:spPr>
-          <a:xfrm>
-            <a:off x="1399461" y="4488270"/>
-            <a:ext cx="1758572" cy="1832228"/>
-          </a:xfrm>
-          <a:prstGeom prst="rect">
-            <a:avLst/>
-          </a:prstGeom>
-        </p:spPr>
-      </p:pic>
-      <p:pic>
-        <p:nvPicPr>
-          <p:cNvPr id="7" name="Object 6"/>
-          <p:cNvPicPr>
-            <a:picLocks noChangeAspect="1"/>
-          </p:cNvPicPr>
-          <p:nvPr/>
-        </p:nvPicPr>
-        <p:blipFill>
-          <a:blip r:embed="rId4" cstate="print"/>
-          <a:stretch>
-            <a:fillRect/>
-          </a:stretch>
-        </p:blipFill>
-        <p:spPr>
-          <a:xfrm>
-            <a:off x="7212477" y="4488270"/>
-            <a:ext cx="1768115" cy="1832228"/>
-          </a:xfrm>
-          <a:prstGeom prst="rect">
-            <a:avLst/>
-          </a:prstGeom>
-        </p:spPr>
-      </p:pic>
-      <p:grpSp>
-        <p:nvGrpSpPr>
-          <p:cNvPr id="1002" name="그룹 1002"/>
-          <p:cNvGrpSpPr/>
-          <p:nvPr/>
-        </p:nvGrpSpPr>
-        <p:grpSpPr>
-          <a:xfrm>
-            <a:off x="14827311" y="6820582"/>
-            <a:ext cx="3911298" cy="3873359"/>
-            <a:chOff x="14827311" y="6820582"/>
-            <a:chExt cx="3911298" cy="3873359"/>
-          </a:xfrm>
-        </p:grpSpPr>
-        <p:pic>
-          <p:nvPicPr>
-            <p:cNvPr id="12" name="Object 11"/>
-            <p:cNvPicPr>
-              <a:picLocks noChangeAspect="1"/>
-            </p:cNvPicPr>
-            <p:nvPr/>
-          </p:nvPicPr>
-          <p:blipFill>
-            <a:blip r:embed="rId5" cstate="print"/>
-            <a:stretch>
-              <a:fillRect/>
-            </a:stretch>
-          </p:blipFill>
-          <p:spPr>
-            <a:xfrm>
-              <a:off x="14827311" y="6820582"/>
-              <a:ext cx="3911298" cy="3873359"/>
-            </a:xfrm>
-            <a:prstGeom prst="rect">
-              <a:avLst/>
-            </a:prstGeom>
-          </p:spPr>
-        </p:pic>
-      </p:grpSp>
-      <p:grpSp>
-        <p:nvGrpSpPr>
-          <p:cNvPr id="1003" name="그룹 1003"/>
-          <p:cNvGrpSpPr/>
-          <p:nvPr/>
-        </p:nvGrpSpPr>
-        <p:grpSpPr>
-          <a:xfrm>
-            <a:off x="-600196" y="-982225"/>
-            <a:ext cx="4279052" cy="4237545"/>
-            <a:chOff x="-600196" y="-982225"/>
-            <a:chExt cx="4279052" cy="4237545"/>
-          </a:xfrm>
-        </p:grpSpPr>
-        <p:pic>
-          <p:nvPicPr>
-            <p:cNvPr id="15" name="Object 14"/>
-            <p:cNvPicPr>
-              <a:picLocks noChangeAspect="1"/>
-            </p:cNvPicPr>
-            <p:nvPr/>
-          </p:nvPicPr>
-          <p:blipFill>
-            <a:blip r:embed="rId6" cstate="print"/>
-            <a:stretch>
-              <a:fillRect/>
-            </a:stretch>
-          </p:blipFill>
-          <p:spPr>
-            <a:xfrm>
-              <a:off x="-600196" y="-982225"/>
-              <a:ext cx="4279052" cy="4237545"/>
-            </a:xfrm>
-            <a:prstGeom prst="rect">
-              <a:avLst/>
-            </a:prstGeom>
-          </p:spPr>
-        </p:pic>
-      </p:grpSp>
       <p:sp>
         <p:nvSpPr>
-          <p:cNvPr id="11" name="TextBox 10">
+          <p:cNvPr id="9" name="TextBox 8">
             <a:extLst>
               <a:ext uri="{FF2B5EF4-FFF2-40B4-BE49-F238E27FC236}">
-                <a16:creationId xmlns:a16="http://schemas.microsoft.com/office/drawing/2014/main" id="{9F88F580-08BE-88C2-D640-13F0026591CB}"/>
+                <a16:creationId xmlns:a16="http://schemas.microsoft.com/office/drawing/2014/main" xmlns="" id="{1411E83A-6F3E-13BA-B84D-07D6B1588D85}"/>
               </a:ext>
             </a:extLst>
           </p:cNvPr>
@@ -7977,249 +7094,8 @@
         </p:nvSpPr>
         <p:spPr>
           <a:xfrm>
-            <a:off x="11130204" y="1530396"/>
-            <a:ext cx="5024196" cy="1200329"/>
-          </a:xfrm>
-          <a:prstGeom prst="rect">
-            <a:avLst/>
-          </a:prstGeom>
-          <a:noFill/>
-        </p:spPr>
-        <p:txBody>
-          <a:bodyPr wrap="none" rtlCol="0">
-            <a:spAutoFit/>
-          </a:bodyPr>
-          <a:lstStyle/>
-          <a:p>
-            <a:r>
-              <a:rPr lang="en-US" altLang="ko-KR" sz="7200" dirty="0">
-                <a:solidFill>
-                  <a:srgbClr val="4C50BC"/>
-                </a:solidFill>
-                <a:latin typeface="G마켓 산스 Bold" panose="02000000000000000000" pitchFamily="50" charset="-127"/>
-                <a:ea typeface="G마켓 산스 Bold" panose="02000000000000000000" pitchFamily="50" charset="-127"/>
-              </a:rPr>
-              <a:t>Part05 </a:t>
-            </a:r>
-            <a:r>
-              <a:rPr lang="ko-KR" altLang="en-US" sz="7200" dirty="0">
-                <a:solidFill>
-                  <a:srgbClr val="4C50BC"/>
-                </a:solidFill>
-                <a:latin typeface="G마켓 산스 Bold" panose="02000000000000000000" pitchFamily="50" charset="-127"/>
-                <a:ea typeface="G마켓 산스 Bold" panose="02000000000000000000" pitchFamily="50" charset="-127"/>
-              </a:rPr>
-              <a:t>배열</a:t>
-            </a:r>
-          </a:p>
-        </p:txBody>
-      </p:sp>
-      <p:sp>
-        <p:nvSpPr>
-          <p:cNvPr id="13" name="TextBox 12">
-            <a:extLst>
-              <a:ext uri="{FF2B5EF4-FFF2-40B4-BE49-F238E27FC236}">
-                <a16:creationId xmlns:a16="http://schemas.microsoft.com/office/drawing/2014/main" id="{72769C28-9BB6-DE9C-7B6F-264B77B8DD0E}"/>
-              </a:ext>
-            </a:extLst>
-          </p:cNvPr>
-          <p:cNvSpPr txBox="1"/>
-          <p:nvPr/>
-        </p:nvSpPr>
-        <p:spPr>
-          <a:xfrm>
-            <a:off x="3048000" y="5092125"/>
-            <a:ext cx="3756156" cy="584775"/>
-          </a:xfrm>
-          <a:prstGeom prst="rect">
-            <a:avLst/>
-          </a:prstGeom>
-          <a:noFill/>
-        </p:spPr>
-        <p:txBody>
-          <a:bodyPr wrap="none" rtlCol="0">
-            <a:spAutoFit/>
-          </a:bodyPr>
-          <a:lstStyle/>
-          <a:p>
-            <a:r>
-              <a:rPr lang="ko-KR" altLang="en-US" sz="3200" dirty="0">
-                <a:solidFill>
-                  <a:srgbClr val="4D4848"/>
-                </a:solidFill>
-                <a:latin typeface="G마켓 산스 Medium" panose="02000000000000000000" pitchFamily="50" charset="-127"/>
-                <a:ea typeface="G마켓 산스 Medium" panose="02000000000000000000" pitchFamily="50" charset="-127"/>
-              </a:rPr>
-              <a:t>배열의 선언과 생성</a:t>
-            </a:r>
-          </a:p>
-        </p:txBody>
-      </p:sp>
-      <p:sp>
-        <p:nvSpPr>
-          <p:cNvPr id="14" name="TextBox 13">
-            <a:extLst>
-              <a:ext uri="{FF2B5EF4-FFF2-40B4-BE49-F238E27FC236}">
-                <a16:creationId xmlns:a16="http://schemas.microsoft.com/office/drawing/2014/main" id="{270FBB6A-01CE-5637-78DA-58F0C974145C}"/>
-              </a:ext>
-            </a:extLst>
-          </p:cNvPr>
-          <p:cNvSpPr txBox="1"/>
-          <p:nvPr/>
-        </p:nvSpPr>
-        <p:spPr>
-          <a:xfrm>
-            <a:off x="9179922" y="5092125"/>
-            <a:ext cx="2791149" cy="584775"/>
-          </a:xfrm>
-          <a:prstGeom prst="rect">
-            <a:avLst/>
-          </a:prstGeom>
-          <a:noFill/>
-        </p:spPr>
-        <p:txBody>
-          <a:bodyPr wrap="none" rtlCol="0">
-            <a:spAutoFit/>
-          </a:bodyPr>
-          <a:lstStyle/>
-          <a:p>
-            <a:r>
-              <a:rPr lang="ko-KR" altLang="en-US" sz="3200" dirty="0">
-                <a:solidFill>
-                  <a:srgbClr val="4D4848"/>
-                </a:solidFill>
-                <a:latin typeface="G마켓 산스 Medium" panose="02000000000000000000" pitchFamily="50" charset="-127"/>
-                <a:ea typeface="G마켓 산스 Medium" panose="02000000000000000000" pitchFamily="50" charset="-127"/>
-              </a:rPr>
-              <a:t>배열의 인덱스</a:t>
-            </a:r>
-            <a:endParaRPr lang="ko-KR" altLang="en-US" sz="2400" dirty="0">
-              <a:solidFill>
-                <a:srgbClr val="4D4848"/>
-              </a:solidFill>
-              <a:latin typeface="G마켓 산스 Medium" panose="02000000000000000000" pitchFamily="50" charset="-127"/>
-              <a:ea typeface="G마켓 산스 Medium" panose="02000000000000000000" pitchFamily="50" charset="-127"/>
-            </a:endParaRPr>
-          </a:p>
-        </p:txBody>
-      </p:sp>
-      <p:pic>
-        <p:nvPicPr>
-          <p:cNvPr id="2" name="Object 17">
-            <a:extLst>
-              <a:ext uri="{FF2B5EF4-FFF2-40B4-BE49-F238E27FC236}">
-                <a16:creationId xmlns:a16="http://schemas.microsoft.com/office/drawing/2014/main" id="{140B283D-FE58-FA6F-6F7C-E0F1DBB62A65}"/>
-              </a:ext>
-            </a:extLst>
-          </p:cNvPr>
-          <p:cNvPicPr>
-            <a:picLocks noChangeAspect="1"/>
-          </p:cNvPicPr>
-          <p:nvPr/>
-        </p:nvPicPr>
-        <p:blipFill>
-          <a:blip r:embed="rId7" cstate="print"/>
-          <a:stretch>
-            <a:fillRect/>
-          </a:stretch>
-        </p:blipFill>
-        <p:spPr>
-          <a:xfrm>
-            <a:off x="1399461" y="6684996"/>
-            <a:ext cx="1768115" cy="1832228"/>
-          </a:xfrm>
-          <a:prstGeom prst="rect">
-            <a:avLst/>
-          </a:prstGeom>
-        </p:spPr>
-      </p:pic>
-      <p:sp>
-        <p:nvSpPr>
-          <p:cNvPr id="4" name="TextBox 3">
-            <a:extLst>
-              <a:ext uri="{FF2B5EF4-FFF2-40B4-BE49-F238E27FC236}">
-                <a16:creationId xmlns:a16="http://schemas.microsoft.com/office/drawing/2014/main" id="{2C8D0998-79BC-6FD2-59D9-8052B4A25F65}"/>
-              </a:ext>
-            </a:extLst>
-          </p:cNvPr>
-          <p:cNvSpPr txBox="1"/>
-          <p:nvPr/>
-        </p:nvSpPr>
-        <p:spPr>
-          <a:xfrm>
-            <a:off x="3126859" y="7353300"/>
-            <a:ext cx="2236510" cy="584775"/>
-          </a:xfrm>
-          <a:prstGeom prst="rect">
-            <a:avLst/>
-          </a:prstGeom>
-          <a:noFill/>
-        </p:spPr>
-        <p:txBody>
-          <a:bodyPr wrap="none" rtlCol="0">
-            <a:spAutoFit/>
-          </a:bodyPr>
-          <a:lstStyle/>
-          <a:p>
-            <a:r>
-              <a:rPr lang="ko-KR" altLang="en-US" sz="3200" dirty="0">
-                <a:solidFill>
-                  <a:srgbClr val="4D4848"/>
-                </a:solidFill>
-                <a:latin typeface="G마켓 산스 Medium" panose="02000000000000000000" pitchFamily="50" charset="-127"/>
-                <a:ea typeface="G마켓 산스 Medium" panose="02000000000000000000" pitchFamily="50" charset="-127"/>
-              </a:rPr>
-              <a:t>다차원배열</a:t>
-            </a:r>
-          </a:p>
-        </p:txBody>
-      </p:sp>
-      <p:pic>
-        <p:nvPicPr>
-          <p:cNvPr id="5" name="Object 18">
-            <a:extLst>
-              <a:ext uri="{FF2B5EF4-FFF2-40B4-BE49-F238E27FC236}">
-                <a16:creationId xmlns:a16="http://schemas.microsoft.com/office/drawing/2014/main" id="{3F58EA3E-1018-64D3-FAB2-4F6B9618FA56}"/>
-              </a:ext>
-            </a:extLst>
-          </p:cNvPr>
-          <p:cNvPicPr>
-            <a:picLocks noChangeAspect="1"/>
-          </p:cNvPicPr>
-          <p:nvPr/>
-        </p:nvPicPr>
-        <p:blipFill>
-          <a:blip r:embed="rId8" cstate="print"/>
-          <a:stretch>
-            <a:fillRect/>
-          </a:stretch>
-        </p:blipFill>
-        <p:spPr>
-          <a:xfrm>
-            <a:off x="7212477" y="6684996"/>
-            <a:ext cx="1787181" cy="1832228"/>
-          </a:xfrm>
-          <a:prstGeom prst="rect">
-            <a:avLst/>
-          </a:prstGeom>
-        </p:spPr>
-      </p:pic>
-      <p:sp>
-        <p:nvSpPr>
-          <p:cNvPr id="8" name="TextBox 7">
-            <a:extLst>
-              <a:ext uri="{FF2B5EF4-FFF2-40B4-BE49-F238E27FC236}">
-                <a16:creationId xmlns:a16="http://schemas.microsoft.com/office/drawing/2014/main" id="{681D3F16-7DCF-41AD-F5F1-0558C78C0E4D}"/>
-              </a:ext>
-            </a:extLst>
-          </p:cNvPr>
-          <p:cNvSpPr txBox="1"/>
-          <p:nvPr/>
-        </p:nvSpPr>
-        <p:spPr>
-          <a:xfrm>
-            <a:off x="9144000" y="7353300"/>
-            <a:ext cx="4343400" cy="584775"/>
+            <a:off x="7402286" y="2095500"/>
+            <a:ext cx="10047514" cy="1569660"/>
           </a:xfrm>
           <a:prstGeom prst="rect">
             <a:avLst/>
@@ -8232,530 +7108,148 @@
           </a:bodyPr>
           <a:lstStyle/>
           <a:p>
+            <a:pPr marL="457200" indent="-457200">
+              <a:buFontTx/>
+              <a:buChar char="-"/>
+            </a:pPr>
+            <a:r>
+              <a:rPr lang="en-US" altLang="ko-KR" sz="3200">
+                <a:solidFill>
+                  <a:schemeClr val="tx1">
+                    <a:lumMod val="50000"/>
+                    <a:lumOff val="50000"/>
+                  </a:schemeClr>
+                </a:solidFill>
+                <a:latin typeface="G마켓 산스 Medium" panose="02000000000000000000" pitchFamily="50" charset="-127"/>
+                <a:ea typeface="G마켓 산스 Medium" panose="02000000000000000000" pitchFamily="50" charset="-127"/>
+              </a:rPr>
+              <a:t>nextLine() </a:t>
+            </a:r>
             <a:r>
               <a:rPr lang="ko-KR" altLang="en-US" sz="3200">
                 <a:solidFill>
-                  <a:srgbClr val="4D4848"/>
-                </a:solidFill>
-                <a:latin typeface="G마켓 산스 Medium" panose="02000000000000000000" pitchFamily="50" charset="-127"/>
-                <a:ea typeface="G마켓 산스 Medium" panose="02000000000000000000" pitchFamily="50" charset="-127"/>
-              </a:rPr>
-              <a:t>실습 문제</a:t>
-            </a:r>
-            <a:endParaRPr lang="ko-KR" altLang="en-US" sz="3200" dirty="0">
+                  <a:schemeClr val="tx1">
+                    <a:lumMod val="50000"/>
+                    <a:lumOff val="50000"/>
+                  </a:schemeClr>
+                </a:solidFill>
+                <a:latin typeface="G마켓 산스 Medium" panose="02000000000000000000" pitchFamily="50" charset="-127"/>
+                <a:ea typeface="G마켓 산스 Medium" panose="02000000000000000000" pitchFamily="50" charset="-127"/>
+              </a:rPr>
+              <a:t>은 키보드로부터 문자열을 입력받는다</a:t>
+            </a:r>
+            <a:r>
+              <a:rPr lang="en-US" altLang="ko-KR" sz="3200">
+                <a:solidFill>
+                  <a:schemeClr val="tx1">
+                    <a:lumMod val="50000"/>
+                    <a:lumOff val="50000"/>
+                  </a:schemeClr>
+                </a:solidFill>
+                <a:latin typeface="G마켓 산스 Medium" panose="02000000000000000000" pitchFamily="50" charset="-127"/>
+                <a:ea typeface="G마켓 산스 Medium" panose="02000000000000000000" pitchFamily="50" charset="-127"/>
+              </a:rPr>
+              <a:t>.</a:t>
+            </a:r>
+          </a:p>
+          <a:p>
+            <a:pPr marL="457200" indent="-457200">
+              <a:buFontTx/>
+              <a:buChar char="-"/>
+            </a:pPr>
+            <a:r>
+              <a:rPr lang="en-US" altLang="ko-KR" sz="3200">
+                <a:solidFill>
+                  <a:schemeClr val="tx1">
+                    <a:lumMod val="50000"/>
+                    <a:lumOff val="50000"/>
+                  </a:schemeClr>
+                </a:solidFill>
+                <a:latin typeface="G마켓 산스 Medium" panose="02000000000000000000" pitchFamily="50" charset="-127"/>
+                <a:ea typeface="G마켓 산스 Medium" panose="02000000000000000000" pitchFamily="50" charset="-127"/>
+              </a:rPr>
+              <a:t>input.toCharArray()</a:t>
+            </a:r>
+            <a:r>
+              <a:rPr lang="ko-KR" altLang="en-US" sz="3200">
+                <a:solidFill>
+                  <a:schemeClr val="tx1">
+                    <a:lumMod val="50000"/>
+                    <a:lumOff val="50000"/>
+                  </a:schemeClr>
+                </a:solidFill>
+                <a:latin typeface="G마켓 산스 Medium" panose="02000000000000000000" pitchFamily="50" charset="-127"/>
+                <a:ea typeface="G마켓 산스 Medium" panose="02000000000000000000" pitchFamily="50" charset="-127"/>
+              </a:rPr>
+              <a:t>는 문자열을 </a:t>
+            </a:r>
+            <a:endParaRPr lang="en-US" altLang="ko-KR" sz="3200">
               <a:solidFill>
-                <a:srgbClr val="4D4848"/>
+                <a:schemeClr val="tx1">
+                  <a:lumMod val="50000"/>
+                  <a:lumOff val="50000"/>
+                </a:schemeClr>
               </a:solidFill>
               <a:latin typeface="G마켓 산스 Medium" panose="02000000000000000000" pitchFamily="50" charset="-127"/>
               <a:ea typeface="G마켓 산스 Medium" panose="02000000000000000000" pitchFamily="50" charset="-127"/>
             </a:endParaRPr>
           </a:p>
+          <a:p>
+            <a:r>
+              <a:rPr lang="en-US" altLang="ko-KR" sz="3200">
+                <a:solidFill>
+                  <a:schemeClr val="tx1">
+                    <a:lumMod val="50000"/>
+                    <a:lumOff val="50000"/>
+                  </a:schemeClr>
+                </a:solidFill>
+                <a:latin typeface="G마켓 산스 Medium" panose="02000000000000000000" pitchFamily="50" charset="-127"/>
+                <a:ea typeface="G마켓 산스 Medium" panose="02000000000000000000" pitchFamily="50" charset="-127"/>
+              </a:rPr>
+              <a:t>    char </a:t>
+            </a:r>
+            <a:r>
+              <a:rPr lang="ko-KR" altLang="en-US" sz="3200">
+                <a:solidFill>
+                  <a:schemeClr val="tx1">
+                    <a:lumMod val="50000"/>
+                    <a:lumOff val="50000"/>
+                  </a:schemeClr>
+                </a:solidFill>
+                <a:latin typeface="G마켓 산스 Medium" panose="02000000000000000000" pitchFamily="50" charset="-127"/>
+                <a:ea typeface="G마켓 산스 Medium" panose="02000000000000000000" pitchFamily="50" charset="-127"/>
+              </a:rPr>
+              <a:t>배열로 변환해준다</a:t>
+            </a:r>
+            <a:r>
+              <a:rPr lang="en-US" altLang="ko-KR" sz="3200">
+                <a:solidFill>
+                  <a:schemeClr val="tx1">
+                    <a:lumMod val="50000"/>
+                    <a:lumOff val="50000"/>
+                  </a:schemeClr>
+                </a:solidFill>
+                <a:latin typeface="G마켓 산스 Medium" panose="02000000000000000000" pitchFamily="50" charset="-127"/>
+                <a:ea typeface="G마켓 산스 Medium" panose="02000000000000000000" pitchFamily="50" charset="-127"/>
+              </a:rPr>
+              <a:t>.</a:t>
+            </a:r>
+            <a:endParaRPr lang="en-US" altLang="ko-KR" sz="3200" dirty="0">
+              <a:solidFill>
+                <a:srgbClr val="FF0000"/>
+              </a:solidFill>
+              <a:latin typeface="G마켓 산스 Medium" panose="02000000000000000000" pitchFamily="50" charset="-127"/>
+              <a:ea typeface="G마켓 산스 Medium" panose="02000000000000000000" pitchFamily="50" charset="-127"/>
+            </a:endParaRPr>
+          </a:p>
         </p:txBody>
       </p:sp>
-    </p:spTree>
-  </p:cSld>
-  <p:clrMapOvr>
-    <a:masterClrMapping/>
-  </p:clrMapOvr>
-</p:sld>
-</file>
-
-<file path=ppt/slides/slide20.xml><?xml version="1.0" encoding="utf-8"?>
-<p:sld xmlns:a="http://schemas.openxmlformats.org/drawingml/2006/main" xmlns:r="http://schemas.openxmlformats.org/officeDocument/2006/relationships" xmlns:p="http://schemas.openxmlformats.org/presentationml/2006/main">
-  <p:cSld>
-    <p:spTree>
-      <p:nvGrpSpPr>
-        <p:cNvPr id="1" name=""/>
-        <p:cNvGrpSpPr/>
-        <p:nvPr/>
-      </p:nvGrpSpPr>
-      <p:grpSpPr>
-        <a:xfrm>
-          <a:off x="0" y="0"/>
-          <a:ext cx="0" cy="0"/>
-          <a:chOff x="0" y="0"/>
-          <a:chExt cx="0" cy="0"/>
-        </a:xfrm>
-      </p:grpSpPr>
-      <p:sp>
-        <p:nvSpPr>
-          <p:cNvPr id="4" name="TextBox 3">
-            <a:extLst>
-              <a:ext uri="{FF2B5EF4-FFF2-40B4-BE49-F238E27FC236}">
-                <a16:creationId xmlns:a16="http://schemas.microsoft.com/office/drawing/2014/main" id="{4EDAA912-8FA0-0F11-119B-EA9F8B36A489}"/>
-              </a:ext>
-            </a:extLst>
-          </p:cNvPr>
-          <p:cNvSpPr txBox="1"/>
-          <p:nvPr/>
-        </p:nvSpPr>
-        <p:spPr>
-          <a:xfrm>
-            <a:off x="685800" y="396776"/>
-            <a:ext cx="17194131" cy="1200329"/>
-          </a:xfrm>
-          <a:prstGeom prst="rect">
-            <a:avLst/>
-          </a:prstGeom>
-          <a:noFill/>
-        </p:spPr>
-        <p:txBody>
-          <a:bodyPr wrap="none" rtlCol="0">
-            <a:spAutoFit/>
-          </a:bodyPr>
-          <a:lstStyle/>
-          <a:p>
-            <a:r>
-              <a:rPr lang="en-US" altLang="ko-KR" sz="3600">
-                <a:solidFill>
-                  <a:srgbClr val="4C50BC"/>
-                </a:solidFill>
-                <a:latin typeface="G마켓 산스 Medium" panose="02000000000000000000" pitchFamily="50" charset="-127"/>
-                <a:ea typeface="G마켓 산스 Medium" panose="02000000000000000000" pitchFamily="50" charset="-127"/>
-              </a:rPr>
-              <a:t>3-2 </a:t>
-            </a:r>
-            <a:r>
-              <a:rPr lang="ko-KR" altLang="en-US" sz="3600">
-                <a:solidFill>
-                  <a:srgbClr val="4C50BC"/>
-                </a:solidFill>
-                <a:latin typeface="G마켓 산스 Medium" panose="02000000000000000000" pitchFamily="50" charset="-127"/>
-                <a:ea typeface="G마켓 산스 Medium" panose="02000000000000000000" pitchFamily="50" charset="-127"/>
-              </a:rPr>
-              <a:t>아래의 그림은 </a:t>
-            </a:r>
-            <a:r>
-              <a:rPr lang="en-US" altLang="ko-KR" sz="3600">
-                <a:solidFill>
-                  <a:srgbClr val="4C50BC"/>
-                </a:solidFill>
-                <a:latin typeface="G마켓 산스 Medium" panose="02000000000000000000" pitchFamily="50" charset="-127"/>
-                <a:ea typeface="G마켓 산스 Medium" panose="02000000000000000000" pitchFamily="50" charset="-127"/>
-              </a:rPr>
-              <a:t>2</a:t>
-            </a:r>
-            <a:r>
-              <a:rPr lang="ko-KR" altLang="en-US" sz="3600">
-                <a:solidFill>
-                  <a:srgbClr val="4C50BC"/>
-                </a:solidFill>
-                <a:latin typeface="G마켓 산스 Medium" panose="02000000000000000000" pitchFamily="50" charset="-127"/>
-                <a:ea typeface="G마켓 산스 Medium" panose="02000000000000000000" pitchFamily="50" charset="-127"/>
-              </a:rPr>
-              <a:t>차원 배열을 이용하여  ㅏ  모양의 테트리스 블록을 표현한것이다</a:t>
-            </a:r>
-            <a:r>
-              <a:rPr lang="en-US" altLang="ko-KR" sz="3600">
-                <a:solidFill>
-                  <a:srgbClr val="4C50BC"/>
-                </a:solidFill>
-                <a:latin typeface="G마켓 산스 Medium" panose="02000000000000000000" pitchFamily="50" charset="-127"/>
-                <a:ea typeface="G마켓 산스 Medium" panose="02000000000000000000" pitchFamily="50" charset="-127"/>
-              </a:rPr>
-              <a:t>.</a:t>
-            </a:r>
-          </a:p>
-          <a:p>
-            <a:r>
-              <a:rPr lang="ko-KR" altLang="en-US" sz="3600">
-                <a:solidFill>
-                  <a:srgbClr val="4C50BC"/>
-                </a:solidFill>
-                <a:latin typeface="G마켓 산스 Medium" panose="02000000000000000000" pitchFamily="50" charset="-127"/>
-                <a:ea typeface="G마켓 산스 Medium" panose="02000000000000000000" pitchFamily="50" charset="-127"/>
-              </a:rPr>
-              <a:t> 블록을 시계방향으로 </a:t>
-            </a:r>
-            <a:r>
-              <a:rPr lang="en-US" altLang="ko-KR" sz="3600">
-                <a:solidFill>
-                  <a:srgbClr val="4C50BC"/>
-                </a:solidFill>
-                <a:latin typeface="G마켓 산스 Medium" panose="02000000000000000000" pitchFamily="50" charset="-127"/>
-                <a:ea typeface="G마켓 산스 Medium" panose="02000000000000000000" pitchFamily="50" charset="-127"/>
-              </a:rPr>
-              <a:t>90</a:t>
-            </a:r>
-            <a:r>
-              <a:rPr lang="ko-KR" altLang="en-US" sz="3600">
-                <a:solidFill>
-                  <a:srgbClr val="4C50BC"/>
-                </a:solidFill>
-                <a:latin typeface="G마켓 산스 Medium" panose="02000000000000000000" pitchFamily="50" charset="-127"/>
-                <a:ea typeface="G마켓 산스 Medium" panose="02000000000000000000" pitchFamily="50" charset="-127"/>
-              </a:rPr>
-              <a:t>도 돌려서 ㅜ 모양을 만들어 보자</a:t>
-            </a:r>
-            <a:r>
-              <a:rPr lang="en-US" altLang="ko-KR" sz="3600">
-                <a:solidFill>
-                  <a:srgbClr val="4C50BC"/>
-                </a:solidFill>
-                <a:latin typeface="G마켓 산스 Medium" panose="02000000000000000000" pitchFamily="50" charset="-127"/>
-                <a:ea typeface="G마켓 산스 Medium" panose="02000000000000000000" pitchFamily="50" charset="-127"/>
-              </a:rPr>
-              <a:t>.</a:t>
-            </a:r>
-            <a:r>
-              <a:rPr lang="en-US" altLang="ko-KR" sz="3600">
-                <a:solidFill>
-                  <a:srgbClr val="FF0000"/>
-                </a:solidFill>
-                <a:latin typeface="G마켓 산스 Medium" panose="02000000000000000000" pitchFamily="50" charset="-127"/>
-                <a:ea typeface="G마켓 산스 Medium" panose="02000000000000000000" pitchFamily="50" charset="-127"/>
-              </a:rPr>
-              <a:t>(expert)</a:t>
-            </a:r>
-          </a:p>
-        </p:txBody>
-      </p:sp>
-      <p:pic>
-        <p:nvPicPr>
-          <p:cNvPr id="5" name="그림 4"/>
-          <p:cNvPicPr>
-            <a:picLocks noChangeAspect="1"/>
-          </p:cNvPicPr>
-          <p:nvPr/>
-        </p:nvPicPr>
-        <p:blipFill>
-          <a:blip r:embed="rId2"/>
-          <a:stretch>
-            <a:fillRect/>
-          </a:stretch>
-        </p:blipFill>
-        <p:spPr>
-          <a:xfrm>
-            <a:off x="8995055" y="3068006"/>
-            <a:ext cx="2918222" cy="6981914"/>
-          </a:xfrm>
-          <a:prstGeom prst="rect">
-            <a:avLst/>
-          </a:prstGeom>
-        </p:spPr>
-      </p:pic>
-      <p:pic>
-        <p:nvPicPr>
-          <p:cNvPr id="6" name="그림 5"/>
-          <p:cNvPicPr>
-            <a:picLocks noChangeAspect="1"/>
-          </p:cNvPicPr>
-          <p:nvPr/>
-        </p:nvPicPr>
-        <p:blipFill>
-          <a:blip r:embed="rId3"/>
-          <a:stretch>
-            <a:fillRect/>
-          </a:stretch>
-        </p:blipFill>
-        <p:spPr>
-          <a:xfrm>
-            <a:off x="228600" y="1485900"/>
-            <a:ext cx="8245886" cy="8689895"/>
-          </a:xfrm>
-          <a:prstGeom prst="rect">
-            <a:avLst/>
-          </a:prstGeom>
-        </p:spPr>
-      </p:pic>
-      <p:sp>
-        <p:nvSpPr>
-          <p:cNvPr id="7" name="직사각형 6"/>
-          <p:cNvSpPr/>
-          <p:nvPr/>
-        </p:nvSpPr>
-        <p:spPr>
-          <a:xfrm>
-            <a:off x="8474486" y="1544241"/>
-            <a:ext cx="9753601" cy="1384995"/>
-          </a:xfrm>
-          <a:prstGeom prst="rect">
-            <a:avLst/>
-          </a:prstGeom>
-        </p:spPr>
-        <p:txBody>
-          <a:bodyPr wrap="square">
-            <a:spAutoFit/>
-          </a:bodyPr>
-          <a:lstStyle/>
-          <a:p>
-            <a:pPr marL="571500" indent="-571500">
-              <a:buFontTx/>
-              <a:buChar char="-"/>
-            </a:pPr>
-            <a:r>
-              <a:rPr lang="en-US" altLang="ko-KR" sz="2800">
-                <a:solidFill>
-                  <a:schemeClr val="bg1">
-                    <a:lumMod val="50000"/>
-                  </a:schemeClr>
-                </a:solidFill>
-                <a:latin typeface="G마켓 산스 Medium" panose="02000000000000000000" pitchFamily="50" charset="-127"/>
-                <a:ea typeface="G마켓 산스 Medium" panose="02000000000000000000" pitchFamily="50" charset="-127"/>
-              </a:rPr>
-              <a:t>2</a:t>
-            </a:r>
-            <a:r>
-              <a:rPr lang="ko-KR" altLang="en-US" sz="2800">
-                <a:solidFill>
-                  <a:schemeClr val="bg1">
-                    <a:lumMod val="50000"/>
-                  </a:schemeClr>
-                </a:solidFill>
-                <a:latin typeface="G마켓 산스 Medium" panose="02000000000000000000" pitchFamily="50" charset="-127"/>
-                <a:ea typeface="G마켓 산스 Medium" panose="02000000000000000000" pitchFamily="50" charset="-127"/>
-              </a:rPr>
-              <a:t>차원 배열</a:t>
-            </a:r>
-            <a:r>
-              <a:rPr lang="en-US" altLang="ko-KR" sz="2800">
-                <a:solidFill>
-                  <a:schemeClr val="bg1">
-                    <a:lumMod val="50000"/>
-                  </a:schemeClr>
-                </a:solidFill>
-                <a:latin typeface="G마켓 산스 Medium" panose="02000000000000000000" pitchFamily="50" charset="-127"/>
-                <a:ea typeface="G마켓 산스 Medium" panose="02000000000000000000" pitchFamily="50" charset="-127"/>
-              </a:rPr>
-              <a:t>[5][5]</a:t>
-            </a:r>
-            <a:r>
-              <a:rPr lang="ko-KR" altLang="en-US" sz="2800">
-                <a:solidFill>
-                  <a:schemeClr val="bg1">
-                    <a:lumMod val="50000"/>
-                  </a:schemeClr>
-                </a:solidFill>
-                <a:latin typeface="G마켓 산스 Medium" panose="02000000000000000000" pitchFamily="50" charset="-127"/>
-                <a:ea typeface="G마켓 산스 Medium" panose="02000000000000000000" pitchFamily="50" charset="-127"/>
-              </a:rPr>
-              <a:t>를 만든후 적절한 인덱스에 </a:t>
-            </a:r>
-            <a:r>
-              <a:rPr lang="en-US" altLang="ko-KR" sz="2800">
-                <a:solidFill>
-                  <a:schemeClr val="bg1">
-                    <a:lumMod val="50000"/>
-                  </a:schemeClr>
-                </a:solidFill>
-                <a:latin typeface="G마켓 산스 Medium" panose="02000000000000000000" pitchFamily="50" charset="-127"/>
-                <a:ea typeface="G마켓 산스 Medium" panose="02000000000000000000" pitchFamily="50" charset="-127"/>
-              </a:rPr>
-              <a:t>*</a:t>
-            </a:r>
-            <a:r>
-              <a:rPr lang="ko-KR" altLang="en-US" sz="2800">
-                <a:solidFill>
-                  <a:schemeClr val="bg1">
-                    <a:lumMod val="50000"/>
-                  </a:schemeClr>
-                </a:solidFill>
-                <a:latin typeface="G마켓 산스 Medium" panose="02000000000000000000" pitchFamily="50" charset="-127"/>
-                <a:ea typeface="G마켓 산스 Medium" panose="02000000000000000000" pitchFamily="50" charset="-127"/>
-              </a:rPr>
-              <a:t>을 넣어서 ㅏ 모양을 만든다</a:t>
-            </a:r>
-            <a:r>
-              <a:rPr lang="en-US" altLang="ko-KR" sz="2800">
-                <a:solidFill>
-                  <a:schemeClr val="bg1">
-                    <a:lumMod val="50000"/>
-                  </a:schemeClr>
-                </a:solidFill>
-                <a:latin typeface="G마켓 산스 Medium" panose="02000000000000000000" pitchFamily="50" charset="-127"/>
-                <a:ea typeface="G마켓 산스 Medium" panose="02000000000000000000" pitchFamily="50" charset="-127"/>
-              </a:rPr>
-              <a:t>.</a:t>
-            </a:r>
-          </a:p>
-          <a:p>
-            <a:pPr marL="571500" indent="-571500">
-              <a:buFontTx/>
-              <a:buChar char="-"/>
-            </a:pPr>
-            <a:r>
-              <a:rPr lang="en-US" altLang="ko-KR" sz="2800">
-                <a:solidFill>
-                  <a:schemeClr val="bg1">
-                    <a:lumMod val="50000"/>
-                  </a:schemeClr>
-                </a:solidFill>
-                <a:latin typeface="G마켓 산스 Medium" panose="02000000000000000000" pitchFamily="50" charset="-127"/>
-                <a:ea typeface="G마켓 산스 Medium" panose="02000000000000000000" pitchFamily="50" charset="-127"/>
-              </a:rPr>
-              <a:t>*</a:t>
-            </a:r>
-            <a:r>
-              <a:rPr lang="ko-KR" altLang="en-US" sz="2800">
-                <a:solidFill>
-                  <a:schemeClr val="bg1">
-                    <a:lumMod val="50000"/>
-                  </a:schemeClr>
-                </a:solidFill>
-                <a:latin typeface="G마켓 산스 Medium" panose="02000000000000000000" pitchFamily="50" charset="-127"/>
-                <a:ea typeface="G마켓 산스 Medium" panose="02000000000000000000" pitchFamily="50" charset="-127"/>
-              </a:rPr>
-              <a:t>의 위치를 다른 인덱스로 옮겨서 </a:t>
-            </a:r>
-            <a:r>
-              <a:rPr lang="en-US" altLang="ko-KR" sz="2800">
-                <a:solidFill>
-                  <a:schemeClr val="bg1">
-                    <a:lumMod val="50000"/>
-                  </a:schemeClr>
-                </a:solidFill>
-                <a:latin typeface="G마켓 산스 Medium" panose="02000000000000000000" pitchFamily="50" charset="-127"/>
-                <a:ea typeface="G마켓 산스 Medium" panose="02000000000000000000" pitchFamily="50" charset="-127"/>
-              </a:rPr>
-              <a:t>90</a:t>
-            </a:r>
-            <a:r>
-              <a:rPr lang="ko-KR" altLang="en-US" sz="2800">
-                <a:solidFill>
-                  <a:schemeClr val="bg1">
-                    <a:lumMod val="50000"/>
-                  </a:schemeClr>
-                </a:solidFill>
-                <a:latin typeface="G마켓 산스 Medium" panose="02000000000000000000" pitchFamily="50" charset="-127"/>
-                <a:ea typeface="G마켓 산스 Medium" panose="02000000000000000000" pitchFamily="50" charset="-127"/>
-              </a:rPr>
-              <a:t>도 회전을 시켜보자</a:t>
-            </a:r>
-            <a:r>
-              <a:rPr lang="en-US" altLang="ko-KR" sz="2800">
-                <a:solidFill>
-                  <a:schemeClr val="bg1">
-                    <a:lumMod val="50000"/>
-                  </a:schemeClr>
-                </a:solidFill>
-                <a:latin typeface="G마켓 산스 Medium" panose="02000000000000000000" pitchFamily="50" charset="-127"/>
-                <a:ea typeface="G마켓 산스 Medium" panose="02000000000000000000" pitchFamily="50" charset="-127"/>
-              </a:rPr>
-              <a:t>.</a:t>
-            </a:r>
-          </a:p>
-        </p:txBody>
-      </p:sp>
-    </p:spTree>
-    <p:extLst>
-      <p:ext uri="{BB962C8B-B14F-4D97-AF65-F5344CB8AC3E}">
-        <p14:creationId xmlns:p14="http://schemas.microsoft.com/office/powerpoint/2010/main" val="1409791073"/>
-      </p:ext>
-    </p:extLst>
-  </p:cSld>
-  <p:clrMapOvr>
-    <a:masterClrMapping/>
-  </p:clrMapOvr>
-</p:sld>
-</file>
-
-<file path=ppt/slides/slide21.xml><?xml version="1.0" encoding="utf-8"?>
-<p:sld xmlns:a="http://schemas.openxmlformats.org/drawingml/2006/main" xmlns:r="http://schemas.openxmlformats.org/officeDocument/2006/relationships" xmlns:p="http://schemas.openxmlformats.org/presentationml/2006/main">
-  <p:cSld>
-    <p:spTree>
-      <p:nvGrpSpPr>
-        <p:cNvPr id="1" name=""/>
-        <p:cNvGrpSpPr/>
-        <p:nvPr/>
-      </p:nvGrpSpPr>
-      <p:grpSpPr>
-        <a:xfrm>
-          <a:off x="0" y="0"/>
-          <a:ext cx="0" cy="0"/>
-          <a:chOff x="0" y="0"/>
-          <a:chExt cx="0" cy="0"/>
-        </a:xfrm>
-      </p:grpSpPr>
-      <p:pic>
-        <p:nvPicPr>
-          <p:cNvPr id="5" name="그림 4">
-            <a:extLst>
-              <a:ext uri="{FF2B5EF4-FFF2-40B4-BE49-F238E27FC236}">
-                <a16:creationId xmlns:a16="http://schemas.microsoft.com/office/drawing/2014/main" id="{AD95DA57-98F2-0965-5ACD-F21A86749939}"/>
-              </a:ext>
-            </a:extLst>
-          </p:cNvPr>
-          <p:cNvPicPr>
-            <a:picLocks noChangeAspect="1"/>
-          </p:cNvPicPr>
-          <p:nvPr/>
-        </p:nvPicPr>
-        <p:blipFill>
-          <a:blip r:embed="rId2"/>
-          <a:stretch>
-            <a:fillRect/>
-          </a:stretch>
-        </p:blipFill>
-        <p:spPr>
-          <a:xfrm>
-            <a:off x="457200" y="571500"/>
-            <a:ext cx="8321042" cy="2514600"/>
-          </a:xfrm>
-          <a:prstGeom prst="rect">
-            <a:avLst/>
-          </a:prstGeom>
-        </p:spPr>
-      </p:pic>
-      <p:pic>
-        <p:nvPicPr>
-          <p:cNvPr id="7" name="그림 6">
-            <a:extLst>
-              <a:ext uri="{FF2B5EF4-FFF2-40B4-BE49-F238E27FC236}">
-                <a16:creationId xmlns:a16="http://schemas.microsoft.com/office/drawing/2014/main" id="{D8DE3990-F215-1C5B-6914-38BE4E167A7C}"/>
-              </a:ext>
-            </a:extLst>
-          </p:cNvPr>
-          <p:cNvPicPr>
-            <a:picLocks noChangeAspect="1"/>
-          </p:cNvPicPr>
-          <p:nvPr/>
-        </p:nvPicPr>
-        <p:blipFill>
-          <a:blip r:embed="rId3"/>
-          <a:stretch>
-            <a:fillRect/>
-          </a:stretch>
-        </p:blipFill>
-        <p:spPr>
-          <a:xfrm>
-            <a:off x="9829799" y="495300"/>
-            <a:ext cx="8249617" cy="2667000"/>
-          </a:xfrm>
-          <a:prstGeom prst="rect">
-            <a:avLst/>
-          </a:prstGeom>
-        </p:spPr>
-      </p:pic>
-      <p:pic>
-        <p:nvPicPr>
-          <p:cNvPr id="2" name="그림 1"/>
-          <p:cNvPicPr>
-            <a:picLocks noChangeAspect="1"/>
-          </p:cNvPicPr>
-          <p:nvPr/>
-        </p:nvPicPr>
-        <p:blipFill>
-          <a:blip r:embed="rId4"/>
-          <a:stretch>
-            <a:fillRect/>
-          </a:stretch>
-        </p:blipFill>
-        <p:spPr>
-          <a:xfrm>
-            <a:off x="2438400" y="3162300"/>
-            <a:ext cx="3124200" cy="7074802"/>
-          </a:xfrm>
-          <a:prstGeom prst="rect">
-            <a:avLst/>
-          </a:prstGeom>
-        </p:spPr>
-      </p:pic>
       <p:sp>
         <p:nvSpPr>
           <p:cNvPr id="6" name="TextBox 5">
             <a:extLst>
               <a:ext uri="{FF2B5EF4-FFF2-40B4-BE49-F238E27FC236}">
-                <a16:creationId xmlns:a16="http://schemas.microsoft.com/office/drawing/2014/main" id="{AAA7A62B-B663-9BB3-853E-37554E612635}"/>
+                <a16:creationId xmlns:a16="http://schemas.microsoft.com/office/drawing/2014/main" xmlns="" id="{417B61CD-B214-53D6-569F-45B459EA47ED}"/>
               </a:ext>
             </a:extLst>
           </p:cNvPr>
@@ -8764,8 +7258,8 @@
         </p:nvSpPr>
         <p:spPr>
           <a:xfrm>
-            <a:off x="579121" y="256660"/>
-            <a:ext cx="4038600" cy="830997"/>
+            <a:off x="304800" y="114300"/>
+            <a:ext cx="10972800" cy="923330"/>
           </a:xfrm>
           <a:prstGeom prst="rect">
             <a:avLst/>
@@ -8779,29 +7273,95 @@
           <a:lstStyle/>
           <a:p>
             <a:r>
-              <a:rPr lang="ko-KR" altLang="en-US" sz="4800">
+              <a:rPr lang="en-US" altLang="ko-KR" sz="5400" spc="-300" dirty="0">
                 <a:solidFill>
                   <a:srgbClr val="4C50BC"/>
                 </a:solidFill>
-                <a:latin typeface="G마켓 산스 Medium" panose="02000000000000000000" pitchFamily="50" charset="-127"/>
-                <a:ea typeface="G마켓 산스 Medium" panose="02000000000000000000" pitchFamily="50" charset="-127"/>
-              </a:rPr>
-              <a:t>해설</a:t>
-            </a:r>
-            <a:endParaRPr lang="en-US" altLang="ko-KR" sz="4800" dirty="0">
-              <a:solidFill>
-                <a:srgbClr val="4C50BC"/>
-              </a:solidFill>
-              <a:latin typeface="G마켓 산스 Medium" panose="02000000000000000000" pitchFamily="50" charset="-127"/>
-              <a:ea typeface="G마켓 산스 Medium" panose="02000000000000000000" pitchFamily="50" charset="-127"/>
-            </a:endParaRPr>
+                <a:latin typeface="G마켓 산스 Bold" panose="02000000000000000000" pitchFamily="50" charset="-127"/>
+                <a:ea typeface="G마켓 산스 Bold" panose="02000000000000000000" pitchFamily="50" charset="-127"/>
+              </a:rPr>
+              <a:t>2-2 </a:t>
+            </a:r>
+            <a:r>
+              <a:rPr lang="ko-KR" altLang="en-US" sz="5400" spc="-300" dirty="0">
+                <a:solidFill>
+                  <a:srgbClr val="4C50BC"/>
+                </a:solidFill>
+                <a:latin typeface="G마켓 산스 Bold" panose="02000000000000000000" pitchFamily="50" charset="-127"/>
+                <a:ea typeface="G마켓 산스 Bold" panose="02000000000000000000" pitchFamily="50" charset="-127"/>
+              </a:rPr>
+              <a:t>실습문제</a:t>
+            </a:r>
+            <a:r>
+              <a:rPr lang="en-US" altLang="ko-KR" sz="5400" spc="-300" dirty="0">
+                <a:solidFill>
+                  <a:srgbClr val="4C50BC"/>
+                </a:solidFill>
+                <a:latin typeface="G마켓 산스 Bold" panose="02000000000000000000" pitchFamily="50" charset="-127"/>
+                <a:ea typeface="G마켓 산스 Bold" panose="02000000000000000000" pitchFamily="50" charset="-127"/>
+              </a:rPr>
+              <a:t> </a:t>
+            </a:r>
+            <a:r>
+              <a:rPr lang="en-US" altLang="ko-KR" sz="5400" spc="-300" dirty="0">
+                <a:solidFill>
+                  <a:srgbClr val="FF0000"/>
+                </a:solidFill>
+                <a:latin typeface="G마켓 산스 Bold" panose="02000000000000000000" pitchFamily="50" charset="-127"/>
+                <a:ea typeface="G마켓 산스 Bold" panose="02000000000000000000" pitchFamily="50" charset="-127"/>
+              </a:rPr>
+              <a:t>(hard)</a:t>
+            </a:r>
           </a:p>
         </p:txBody>
       </p:sp>
+      <p:cxnSp>
+        <p:nvCxnSpPr>
+          <p:cNvPr id="10" name="직선 연결선 9">
+            <a:extLst>
+              <a:ext uri="{FF2B5EF4-FFF2-40B4-BE49-F238E27FC236}">
+                <a16:creationId xmlns:a16="http://schemas.microsoft.com/office/drawing/2014/main" xmlns="" id="{CAA79E33-7BD5-3969-8325-BA59A7DC044B}"/>
+              </a:ext>
+            </a:extLst>
+          </p:cNvPr>
+          <p:cNvCxnSpPr>
+            <a:cxnSpLocks/>
+          </p:cNvCxnSpPr>
+          <p:nvPr/>
+        </p:nvCxnSpPr>
+        <p:spPr>
+          <a:xfrm flipH="1" flipV="1">
+            <a:off x="-13447" y="972511"/>
+            <a:ext cx="18288000" cy="65119"/>
+          </a:xfrm>
+          <a:prstGeom prst="line">
+            <a:avLst/>
+          </a:prstGeom>
+          <a:ln w="38100">
+            <a:solidFill>
+              <a:srgbClr val="4C50BC"/>
+            </a:solidFill>
+          </a:ln>
+        </p:spPr>
+        <p:style>
+          <a:lnRef idx="1">
+            <a:schemeClr val="accent1"/>
+          </a:lnRef>
+          <a:fillRef idx="0">
+            <a:schemeClr val="accent1"/>
+          </a:fillRef>
+          <a:effectRef idx="0">
+            <a:schemeClr val="accent1"/>
+          </a:effectRef>
+          <a:fontRef idx="minor">
+            <a:schemeClr val="tx1"/>
+          </a:fontRef>
+        </p:style>
+      </p:cxnSp>
     </p:spTree>
     <p:extLst>
       <p:ext uri="{BB962C8B-B14F-4D97-AF65-F5344CB8AC3E}">
-        <p14:creationId xmlns:p14="http://schemas.microsoft.com/office/powerpoint/2010/main" val="2216408486"/>
+        <p14:creationId xmlns:p14="http://schemas.microsoft.com/office/powerpoint/2010/main" val="3598790259"/>
       </p:ext>
     </p:extLst>
   </p:cSld>
@@ -8820,9 +7380,6 @@
                     <p:cTn id="3" fill="hold">
                       <p:stCondLst>
                         <p:cond delay="indefinite"/>
-                        <p:cond evt="onBegin" delay="0">
-                          <p:tn val="2"/>
-                        </p:cond>
                       </p:stCondLst>
                       <p:childTnLst>
                         <p:par>
@@ -8832,7 +7389,7 @@
                             </p:stCondLst>
                             <p:childTnLst>
                               <p:par>
-                                <p:cTn id="5" presetID="1" presetClass="exit" presetSubtype="0" fill="hold" grpId="0" nodeType="withEffect">
+                                <p:cTn id="5" presetID="1" presetClass="exit" presetSubtype="0" fill="hold" nodeType="clickEffect">
                                   <p:stCondLst>
                                     <p:cond delay="0"/>
                                   </p:stCondLst>
@@ -8845,7 +7402,7 @@
                                           </p:stCondLst>
                                         </p:cTn>
                                         <p:tgtEl>
-                                          <p:spTgt spid="6"/>
+                                          <p:spTgt spid="8"/>
                                         </p:tgtEl>
                                         <p:attrNameLst>
                                           <p:attrName>style.visibility</p:attrName>
@@ -8885,10 +7442,1513 @@
         </p:cTn>
       </p:par>
     </p:tnLst>
-    <p:bldLst>
-      <p:bldP spid="6" grpId="0"/>
-    </p:bldLst>
   </p:timing>
+</p:sld>
+</file>
+
+<file path=ppt/slides/slide18.xml><?xml version="1.0" encoding="utf-8"?>
+<p:sld xmlns:a="http://schemas.openxmlformats.org/drawingml/2006/main" xmlns:r="http://schemas.openxmlformats.org/officeDocument/2006/relationships" xmlns:p="http://schemas.openxmlformats.org/presentationml/2006/main">
+  <p:cSld>
+    <p:spTree>
+      <p:nvGrpSpPr>
+        <p:cNvPr id="1" name=""/>
+        <p:cNvGrpSpPr/>
+        <p:nvPr/>
+      </p:nvGrpSpPr>
+      <p:grpSpPr>
+        <a:xfrm>
+          <a:off x="0" y="0"/>
+          <a:ext cx="0" cy="0"/>
+          <a:chOff x="0" y="0"/>
+          <a:chExt cx="0" cy="0"/>
+        </a:xfrm>
+      </p:grpSpPr>
+      <p:sp>
+        <p:nvSpPr>
+          <p:cNvPr id="4" name="TextBox 3">
+            <a:extLst>
+              <a:ext uri="{FF2B5EF4-FFF2-40B4-BE49-F238E27FC236}">
+                <a16:creationId xmlns:a16="http://schemas.microsoft.com/office/drawing/2014/main" xmlns="" id="{9B4287BB-7E0C-D060-7B51-09B88184BBE0}"/>
+              </a:ext>
+            </a:extLst>
+          </p:cNvPr>
+          <p:cNvSpPr txBox="1"/>
+          <p:nvPr/>
+        </p:nvSpPr>
+        <p:spPr>
+          <a:xfrm>
+            <a:off x="304800" y="114300"/>
+            <a:ext cx="10972800" cy="923330"/>
+          </a:xfrm>
+          <a:prstGeom prst="rect">
+            <a:avLst/>
+          </a:prstGeom>
+          <a:noFill/>
+        </p:spPr>
+        <p:txBody>
+          <a:bodyPr wrap="square" rtlCol="0">
+            <a:spAutoFit/>
+          </a:bodyPr>
+          <a:lstStyle/>
+          <a:p>
+            <a:r>
+              <a:rPr lang="en-US" altLang="ko-KR" sz="5400" spc="-300" dirty="0">
+                <a:solidFill>
+                  <a:srgbClr val="4C50BC"/>
+                </a:solidFill>
+                <a:latin typeface="G마켓 산스 Bold" panose="02000000000000000000" pitchFamily="50" charset="-127"/>
+                <a:ea typeface="G마켓 산스 Bold" panose="02000000000000000000" pitchFamily="50" charset="-127"/>
+              </a:rPr>
+              <a:t>2-2 </a:t>
+            </a:r>
+            <a:r>
+              <a:rPr lang="ko-KR" altLang="en-US" sz="5400" spc="-300" dirty="0">
+                <a:solidFill>
+                  <a:srgbClr val="4C50BC"/>
+                </a:solidFill>
+                <a:latin typeface="G마켓 산스 Bold" panose="02000000000000000000" pitchFamily="50" charset="-127"/>
+                <a:ea typeface="G마켓 산스 Bold" panose="02000000000000000000" pitchFamily="50" charset="-127"/>
+              </a:rPr>
+              <a:t>문제풀이</a:t>
+            </a:r>
+            <a:r>
+              <a:rPr lang="en-US" altLang="ko-KR" sz="5400" spc="-300" dirty="0">
+                <a:solidFill>
+                  <a:srgbClr val="4C50BC"/>
+                </a:solidFill>
+                <a:latin typeface="G마켓 산스 Bold" panose="02000000000000000000" pitchFamily="50" charset="-127"/>
+                <a:ea typeface="G마켓 산스 Bold" panose="02000000000000000000" pitchFamily="50" charset="-127"/>
+              </a:rPr>
+              <a:t> </a:t>
+            </a:r>
+            <a:r>
+              <a:rPr lang="en-US" altLang="ko-KR" sz="5400" spc="-300" dirty="0">
+                <a:solidFill>
+                  <a:srgbClr val="FF0000"/>
+                </a:solidFill>
+                <a:latin typeface="G마켓 산스 Bold" panose="02000000000000000000" pitchFamily="50" charset="-127"/>
+                <a:ea typeface="G마켓 산스 Bold" panose="02000000000000000000" pitchFamily="50" charset="-127"/>
+              </a:rPr>
+              <a:t>(hard)</a:t>
+            </a:r>
+          </a:p>
+        </p:txBody>
+      </p:sp>
+      <p:cxnSp>
+        <p:nvCxnSpPr>
+          <p:cNvPr id="5" name="직선 연결선 4">
+            <a:extLst>
+              <a:ext uri="{FF2B5EF4-FFF2-40B4-BE49-F238E27FC236}">
+                <a16:creationId xmlns:a16="http://schemas.microsoft.com/office/drawing/2014/main" xmlns="" id="{077BC487-9EF2-B5BD-3588-A32F5112BACE}"/>
+              </a:ext>
+            </a:extLst>
+          </p:cNvPr>
+          <p:cNvCxnSpPr>
+            <a:cxnSpLocks/>
+          </p:cNvCxnSpPr>
+          <p:nvPr/>
+        </p:nvCxnSpPr>
+        <p:spPr>
+          <a:xfrm flipH="1" flipV="1">
+            <a:off x="-13447" y="972511"/>
+            <a:ext cx="18288000" cy="65119"/>
+          </a:xfrm>
+          <a:prstGeom prst="line">
+            <a:avLst/>
+          </a:prstGeom>
+          <a:ln w="38100">
+            <a:solidFill>
+              <a:srgbClr val="4C50BC"/>
+            </a:solidFill>
+          </a:ln>
+        </p:spPr>
+        <p:style>
+          <a:lnRef idx="1">
+            <a:schemeClr val="accent1"/>
+          </a:lnRef>
+          <a:fillRef idx="0">
+            <a:schemeClr val="accent1"/>
+          </a:fillRef>
+          <a:effectRef idx="0">
+            <a:schemeClr val="accent1"/>
+          </a:effectRef>
+          <a:fontRef idx="minor">
+            <a:schemeClr val="tx1"/>
+          </a:fontRef>
+        </p:style>
+      </p:cxnSp>
+      <p:pic>
+        <p:nvPicPr>
+          <p:cNvPr id="6" name="그림 5">
+            <a:extLst>
+              <a:ext uri="{FF2B5EF4-FFF2-40B4-BE49-F238E27FC236}">
+                <a16:creationId xmlns:a16="http://schemas.microsoft.com/office/drawing/2014/main" xmlns="" id="{9685AE9C-7598-38E1-6423-7ABE5505A3AE}"/>
+              </a:ext>
+            </a:extLst>
+          </p:cNvPr>
+          <p:cNvPicPr>
+            <a:picLocks noChangeAspect="1"/>
+          </p:cNvPicPr>
+          <p:nvPr/>
+        </p:nvPicPr>
+        <p:blipFill>
+          <a:blip r:embed="rId2"/>
+          <a:stretch>
+            <a:fillRect/>
+          </a:stretch>
+        </p:blipFill>
+        <p:spPr>
+          <a:xfrm>
+            <a:off x="1447800" y="1072101"/>
+            <a:ext cx="6269153" cy="9214899"/>
+          </a:xfrm>
+          <a:prstGeom prst="rect">
+            <a:avLst/>
+          </a:prstGeom>
+        </p:spPr>
+      </p:pic>
+    </p:spTree>
+    <p:extLst>
+      <p:ext uri="{BB962C8B-B14F-4D97-AF65-F5344CB8AC3E}">
+        <p14:creationId xmlns:p14="http://schemas.microsoft.com/office/powerpoint/2010/main" val="2476801060"/>
+      </p:ext>
+    </p:extLst>
+  </p:cSld>
+  <p:clrMapOvr>
+    <a:masterClrMapping/>
+  </p:clrMapOvr>
+  <p:timing>
+    <p:tnLst>
+      <p:par>
+        <p:cTn id="1" dur="indefinite" restart="never" nodeType="tmRoot"/>
+      </p:par>
+    </p:tnLst>
+  </p:timing>
+</p:sld>
+</file>
+
+<file path=ppt/slides/slide19.xml><?xml version="1.0" encoding="utf-8"?>
+<p:sld xmlns:a="http://schemas.openxmlformats.org/drawingml/2006/main" xmlns:r="http://schemas.openxmlformats.org/officeDocument/2006/relationships" xmlns:p="http://schemas.openxmlformats.org/presentationml/2006/main">
+  <p:cSld>
+    <p:spTree>
+      <p:nvGrpSpPr>
+        <p:cNvPr id="1" name=""/>
+        <p:cNvGrpSpPr/>
+        <p:nvPr/>
+      </p:nvGrpSpPr>
+      <p:grpSpPr>
+        <a:xfrm>
+          <a:off x="0" y="0"/>
+          <a:ext cx="0" cy="0"/>
+          <a:chOff x="0" y="0"/>
+          <a:chExt cx="0" cy="0"/>
+        </a:xfrm>
+      </p:grpSpPr>
+      <p:sp>
+        <p:nvSpPr>
+          <p:cNvPr id="4" name="TextBox 3">
+            <a:extLst>
+              <a:ext uri="{FF2B5EF4-FFF2-40B4-BE49-F238E27FC236}">
+                <a16:creationId xmlns:a16="http://schemas.microsoft.com/office/drawing/2014/main" xmlns="" id="{1411E83A-6F3E-13BA-B84D-07D6B1588D85}"/>
+              </a:ext>
+            </a:extLst>
+          </p:cNvPr>
+          <p:cNvSpPr txBox="1"/>
+          <p:nvPr/>
+        </p:nvSpPr>
+        <p:spPr>
+          <a:xfrm>
+            <a:off x="762000" y="1187240"/>
+            <a:ext cx="11887200" cy="2369880"/>
+          </a:xfrm>
+          <a:prstGeom prst="rect">
+            <a:avLst/>
+          </a:prstGeom>
+          <a:noFill/>
+        </p:spPr>
+        <p:txBody>
+          <a:bodyPr wrap="square" rtlCol="0">
+            <a:spAutoFit/>
+          </a:bodyPr>
+          <a:lstStyle/>
+          <a:p>
+            <a:r>
+              <a:rPr lang="en-US" altLang="ko-KR" sz="3200" dirty="0">
+                <a:solidFill>
+                  <a:srgbClr val="4C50BC"/>
+                </a:solidFill>
+                <a:latin typeface="G마켓 산스 Medium" panose="02000000000000000000" pitchFamily="50" charset="-127"/>
+                <a:ea typeface="G마켓 산스 Medium" panose="02000000000000000000" pitchFamily="50" charset="-127"/>
+              </a:rPr>
+              <a:t>1~25</a:t>
+            </a:r>
+            <a:r>
+              <a:rPr lang="ko-KR" altLang="en-US" sz="3200" dirty="0">
+                <a:solidFill>
+                  <a:srgbClr val="4C50BC"/>
+                </a:solidFill>
+                <a:latin typeface="G마켓 산스 Medium" panose="02000000000000000000" pitchFamily="50" charset="-127"/>
+                <a:ea typeface="G마켓 산스 Medium" panose="02000000000000000000" pitchFamily="50" charset="-127"/>
+              </a:rPr>
+              <a:t>까지 숫자를 순서대로 저장하는 </a:t>
+            </a:r>
+            <a:r>
+              <a:rPr lang="en-US" altLang="ko-KR" sz="3200" dirty="0">
+                <a:solidFill>
+                  <a:srgbClr val="4C50BC"/>
+                </a:solidFill>
+                <a:latin typeface="G마켓 산스 Medium" panose="02000000000000000000" pitchFamily="50" charset="-127"/>
+                <a:ea typeface="G마켓 산스 Medium" panose="02000000000000000000" pitchFamily="50" charset="-127"/>
+              </a:rPr>
+              <a:t>2</a:t>
+            </a:r>
+            <a:r>
+              <a:rPr lang="ko-KR" altLang="en-US" sz="3200" dirty="0">
+                <a:solidFill>
+                  <a:srgbClr val="4C50BC"/>
+                </a:solidFill>
+                <a:latin typeface="G마켓 산스 Medium" panose="02000000000000000000" pitchFamily="50" charset="-127"/>
+                <a:ea typeface="G마켓 산스 Medium" panose="02000000000000000000" pitchFamily="50" charset="-127"/>
+              </a:rPr>
+              <a:t>차원 배열</a:t>
+            </a:r>
+            <a:r>
+              <a:rPr lang="en-US" altLang="ko-KR" sz="3200" dirty="0">
+                <a:solidFill>
+                  <a:srgbClr val="4C50BC"/>
+                </a:solidFill>
+                <a:latin typeface="G마켓 산스 Medium" panose="02000000000000000000" pitchFamily="50" charset="-127"/>
+                <a:ea typeface="G마켓 산스 Medium" panose="02000000000000000000" pitchFamily="50" charset="-127"/>
+              </a:rPr>
+              <a:t>[5][5]</a:t>
+            </a:r>
+            <a:r>
+              <a:rPr lang="ko-KR" altLang="en-US" sz="3200" dirty="0">
+                <a:solidFill>
+                  <a:srgbClr val="4C50BC"/>
+                </a:solidFill>
+                <a:latin typeface="G마켓 산스 Medium" panose="02000000000000000000" pitchFamily="50" charset="-127"/>
+                <a:ea typeface="G마켓 산스 Medium" panose="02000000000000000000" pitchFamily="50" charset="-127"/>
+              </a:rPr>
+              <a:t>을 </a:t>
+            </a:r>
+            <a:r>
+              <a:rPr lang="ko-KR" altLang="en-US" sz="3200" dirty="0" err="1">
+                <a:solidFill>
+                  <a:srgbClr val="4C50BC"/>
+                </a:solidFill>
+                <a:latin typeface="G마켓 산스 Medium" panose="02000000000000000000" pitchFamily="50" charset="-127"/>
+                <a:ea typeface="G마켓 산스 Medium" panose="02000000000000000000" pitchFamily="50" charset="-127"/>
+              </a:rPr>
+              <a:t>만든후</a:t>
+            </a:r>
+            <a:r>
+              <a:rPr lang="ko-KR" altLang="en-US" sz="3200" dirty="0">
+                <a:solidFill>
+                  <a:srgbClr val="4C50BC"/>
+                </a:solidFill>
+                <a:latin typeface="G마켓 산스 Medium" panose="02000000000000000000" pitchFamily="50" charset="-127"/>
+                <a:ea typeface="G마켓 산스 Medium" panose="02000000000000000000" pitchFamily="50" charset="-127"/>
+              </a:rPr>
+              <a:t> 값을 랜덤하게 섞어보자</a:t>
+            </a:r>
+            <a:endParaRPr lang="en-US" altLang="ko-KR" sz="2800" dirty="0">
+              <a:solidFill>
+                <a:srgbClr val="FF0000"/>
+              </a:solidFill>
+              <a:latin typeface="G마켓 산스 Medium" panose="02000000000000000000" pitchFamily="50" charset="-127"/>
+              <a:ea typeface="G마켓 산스 Medium" panose="02000000000000000000" pitchFamily="50" charset="-127"/>
+            </a:endParaRPr>
+          </a:p>
+          <a:p>
+            <a:r>
+              <a:rPr lang="en-US" altLang="ko-KR" sz="2800" dirty="0">
+                <a:solidFill>
+                  <a:srgbClr val="FF0000"/>
+                </a:solidFill>
+                <a:latin typeface="G마켓 산스 Medium" panose="02000000000000000000" pitchFamily="50" charset="-127"/>
+                <a:ea typeface="G마켓 산스 Medium" panose="02000000000000000000" pitchFamily="50" charset="-127"/>
+              </a:rPr>
+              <a:t>- </a:t>
+            </a:r>
+            <a:r>
+              <a:rPr lang="ko-KR" altLang="en-US" sz="2800" dirty="0" err="1">
+                <a:solidFill>
+                  <a:srgbClr val="FF0000"/>
+                </a:solidFill>
+                <a:latin typeface="G마켓 산스 Medium" panose="02000000000000000000" pitchFamily="50" charset="-127"/>
+                <a:ea typeface="G마켓 산스 Medium" panose="02000000000000000000" pitchFamily="50" charset="-127"/>
+              </a:rPr>
+              <a:t>섞는방법</a:t>
+            </a:r>
+            <a:r>
+              <a:rPr lang="en-US" altLang="ko-KR" sz="2800" dirty="0">
+                <a:solidFill>
+                  <a:srgbClr val="FF0000"/>
+                </a:solidFill>
+                <a:latin typeface="G마켓 산스 Medium" panose="02000000000000000000" pitchFamily="50" charset="-127"/>
+                <a:ea typeface="G마켓 산스 Medium" panose="02000000000000000000" pitchFamily="50" charset="-127"/>
+              </a:rPr>
+              <a:t>: </a:t>
+            </a:r>
+            <a:r>
+              <a:rPr lang="en-US" altLang="ko-KR" sz="2800" dirty="0" err="1">
+                <a:solidFill>
+                  <a:srgbClr val="FF0000"/>
+                </a:solidFill>
+                <a:latin typeface="G마켓 산스 Medium" panose="02000000000000000000" pitchFamily="50" charset="-127"/>
+                <a:ea typeface="G마켓 산스 Medium" panose="02000000000000000000" pitchFamily="50" charset="-127"/>
+              </a:rPr>
+              <a:t>Math.random</a:t>
+            </a:r>
+            <a:r>
+              <a:rPr lang="en-US" altLang="ko-KR" sz="2800" dirty="0">
+                <a:solidFill>
+                  <a:srgbClr val="FF0000"/>
+                </a:solidFill>
+                <a:latin typeface="G마켓 산스 Medium" panose="02000000000000000000" pitchFamily="50" charset="-127"/>
+                <a:ea typeface="G마켓 산스 Medium" panose="02000000000000000000" pitchFamily="50" charset="-127"/>
+              </a:rPr>
+              <a:t>() </a:t>
+            </a:r>
+            <a:r>
+              <a:rPr lang="ko-KR" altLang="en-US" sz="2800" dirty="0">
+                <a:solidFill>
+                  <a:srgbClr val="FF0000"/>
+                </a:solidFill>
+                <a:latin typeface="G마켓 산스 Medium" panose="02000000000000000000" pitchFamily="50" charset="-127"/>
+                <a:ea typeface="G마켓 산스 Medium" panose="02000000000000000000" pitchFamily="50" charset="-127"/>
+              </a:rPr>
+              <a:t>이용하여 </a:t>
+            </a:r>
+            <a:r>
+              <a:rPr lang="en-US" altLang="ko-KR" sz="2800" dirty="0">
+                <a:solidFill>
+                  <a:srgbClr val="FF0000"/>
+                </a:solidFill>
+                <a:latin typeface="G마켓 산스 Medium" panose="02000000000000000000" pitchFamily="50" charset="-127"/>
+                <a:ea typeface="G마켓 산스 Medium" panose="02000000000000000000" pitchFamily="50" charset="-127"/>
+              </a:rPr>
+              <a:t>1~25 </a:t>
+            </a:r>
+            <a:r>
+              <a:rPr lang="ko-KR" altLang="en-US" sz="2800" dirty="0">
+                <a:solidFill>
+                  <a:srgbClr val="FF0000"/>
+                </a:solidFill>
+                <a:latin typeface="G마켓 산스 Medium" panose="02000000000000000000" pitchFamily="50" charset="-127"/>
+                <a:ea typeface="G마켓 산스 Medium" panose="02000000000000000000" pitchFamily="50" charset="-127"/>
+              </a:rPr>
+              <a:t>사이 숫자를 </a:t>
+            </a:r>
+            <a:r>
+              <a:rPr lang="ko-KR" altLang="en-US" sz="2800" dirty="0" err="1">
+                <a:solidFill>
+                  <a:srgbClr val="FF0000"/>
+                </a:solidFill>
+                <a:latin typeface="G마켓 산스 Medium" panose="02000000000000000000" pitchFamily="50" charset="-127"/>
+                <a:ea typeface="G마켓 산스 Medium" panose="02000000000000000000" pitchFamily="50" charset="-127"/>
+              </a:rPr>
+              <a:t>뽑은후</a:t>
+            </a:r>
+            <a:r>
+              <a:rPr lang="ko-KR" altLang="en-US" sz="2800" dirty="0">
+                <a:solidFill>
+                  <a:srgbClr val="FF0000"/>
+                </a:solidFill>
+                <a:latin typeface="G마켓 산스 Medium" panose="02000000000000000000" pitchFamily="50" charset="-127"/>
+                <a:ea typeface="G마켓 산스 Medium" panose="02000000000000000000" pitchFamily="50" charset="-127"/>
+              </a:rPr>
+              <a:t> </a:t>
+            </a:r>
+            <a:r>
+              <a:rPr lang="en-US" altLang="ko-KR" sz="2800" dirty="0">
+                <a:solidFill>
+                  <a:srgbClr val="FF0000"/>
+                </a:solidFill>
+                <a:latin typeface="G마켓 산스 Medium" panose="02000000000000000000" pitchFamily="50" charset="-127"/>
+                <a:ea typeface="G마켓 산스 Medium" panose="02000000000000000000" pitchFamily="50" charset="-127"/>
+              </a:rPr>
+              <a:t>2</a:t>
+            </a:r>
+            <a:r>
+              <a:rPr lang="ko-KR" altLang="en-US" sz="2800" dirty="0">
+                <a:solidFill>
+                  <a:srgbClr val="FF0000"/>
+                </a:solidFill>
+                <a:latin typeface="G마켓 산스 Medium" panose="02000000000000000000" pitchFamily="50" charset="-127"/>
+                <a:ea typeface="G마켓 산스 Medium" panose="02000000000000000000" pitchFamily="50" charset="-127"/>
+              </a:rPr>
+              <a:t>차원배열에서 동일한 숫자를 찾아 </a:t>
+            </a:r>
+            <a:r>
+              <a:rPr lang="en-US" altLang="ko-KR" sz="2800" dirty="0">
+                <a:solidFill>
+                  <a:srgbClr val="FF0000"/>
+                </a:solidFill>
+                <a:latin typeface="G마켓 산스 Medium" panose="02000000000000000000" pitchFamily="50" charset="-127"/>
+                <a:ea typeface="G마켓 산스 Medium" panose="02000000000000000000" pitchFamily="50" charset="-127"/>
+              </a:rPr>
+              <a:t>[0][0] </a:t>
+            </a:r>
+            <a:r>
+              <a:rPr lang="ko-KR" altLang="en-US" sz="2800" dirty="0">
+                <a:solidFill>
+                  <a:srgbClr val="FF0000"/>
+                </a:solidFill>
+                <a:latin typeface="G마켓 산스 Medium" panose="02000000000000000000" pitchFamily="50" charset="-127"/>
+                <a:ea typeface="G마켓 산스 Medium" panose="02000000000000000000" pitchFamily="50" charset="-127"/>
+              </a:rPr>
+              <a:t>의 값과 </a:t>
+            </a:r>
+            <a:r>
+              <a:rPr lang="ko-KR" altLang="en-US" sz="2800" dirty="0" err="1">
+                <a:solidFill>
+                  <a:srgbClr val="FF0000"/>
+                </a:solidFill>
+                <a:latin typeface="G마켓 산스 Medium" panose="02000000000000000000" pitchFamily="50" charset="-127"/>
+                <a:ea typeface="G마켓 산스 Medium" panose="02000000000000000000" pitchFamily="50" charset="-127"/>
+              </a:rPr>
+              <a:t>교체하는것을</a:t>
+            </a:r>
+            <a:r>
+              <a:rPr lang="ko-KR" altLang="en-US" sz="2800" dirty="0">
+                <a:solidFill>
+                  <a:srgbClr val="FF0000"/>
+                </a:solidFill>
+                <a:latin typeface="G마켓 산스 Medium" panose="02000000000000000000" pitchFamily="50" charset="-127"/>
+                <a:ea typeface="G마켓 산스 Medium" panose="02000000000000000000" pitchFamily="50" charset="-127"/>
+              </a:rPr>
+              <a:t> </a:t>
+            </a:r>
+            <a:r>
+              <a:rPr lang="en-US" altLang="ko-KR" sz="2800" dirty="0">
+                <a:solidFill>
+                  <a:srgbClr val="FF0000"/>
+                </a:solidFill>
+                <a:latin typeface="G마켓 산스 Medium" panose="02000000000000000000" pitchFamily="50" charset="-127"/>
+                <a:ea typeface="G마켓 산스 Medium" panose="02000000000000000000" pitchFamily="50" charset="-127"/>
+              </a:rPr>
+              <a:t>100</a:t>
+            </a:r>
+            <a:r>
+              <a:rPr lang="ko-KR" altLang="en-US" sz="2800" dirty="0">
+                <a:solidFill>
+                  <a:srgbClr val="FF0000"/>
+                </a:solidFill>
+                <a:latin typeface="G마켓 산스 Medium" panose="02000000000000000000" pitchFamily="50" charset="-127"/>
+                <a:ea typeface="G마켓 산스 Medium" panose="02000000000000000000" pitchFamily="50" charset="-127"/>
+              </a:rPr>
+              <a:t>번 반복하자</a:t>
+            </a:r>
+            <a:r>
+              <a:rPr lang="en-US" altLang="ko-KR" sz="2800" dirty="0">
+                <a:solidFill>
+                  <a:srgbClr val="FF0000"/>
+                </a:solidFill>
+                <a:latin typeface="G마켓 산스 Medium" panose="02000000000000000000" pitchFamily="50" charset="-127"/>
+                <a:ea typeface="G마켓 산스 Medium" panose="02000000000000000000" pitchFamily="50" charset="-127"/>
+              </a:rPr>
+              <a:t>)</a:t>
+            </a:r>
+            <a:endParaRPr lang="en-US" altLang="ko-KR" sz="3200" dirty="0">
+              <a:solidFill>
+                <a:srgbClr val="FF0000"/>
+              </a:solidFill>
+              <a:latin typeface="G마켓 산스 Medium" panose="02000000000000000000" pitchFamily="50" charset="-127"/>
+              <a:ea typeface="G마켓 산스 Medium" panose="02000000000000000000" pitchFamily="50" charset="-127"/>
+            </a:endParaRPr>
+          </a:p>
+        </p:txBody>
+      </p:sp>
+      <p:pic>
+        <p:nvPicPr>
+          <p:cNvPr id="5" name="그림 4"/>
+          <p:cNvPicPr>
+            <a:picLocks noChangeAspect="1"/>
+          </p:cNvPicPr>
+          <p:nvPr/>
+        </p:nvPicPr>
+        <p:blipFill>
+          <a:blip r:embed="rId2"/>
+          <a:stretch>
+            <a:fillRect/>
+          </a:stretch>
+        </p:blipFill>
+        <p:spPr>
+          <a:xfrm>
+            <a:off x="13258800" y="3557119"/>
+            <a:ext cx="4809509" cy="4035861"/>
+          </a:xfrm>
+          <a:prstGeom prst="rect">
+            <a:avLst/>
+          </a:prstGeom>
+        </p:spPr>
+      </p:pic>
+      <p:pic>
+        <p:nvPicPr>
+          <p:cNvPr id="6" name="그림 5"/>
+          <p:cNvPicPr>
+            <a:picLocks noChangeAspect="1"/>
+          </p:cNvPicPr>
+          <p:nvPr/>
+        </p:nvPicPr>
+        <p:blipFill>
+          <a:blip r:embed="rId3"/>
+          <a:stretch>
+            <a:fillRect/>
+          </a:stretch>
+        </p:blipFill>
+        <p:spPr>
+          <a:xfrm>
+            <a:off x="267286" y="3557120"/>
+            <a:ext cx="5533079" cy="3764990"/>
+          </a:xfrm>
+          <a:prstGeom prst="rect">
+            <a:avLst/>
+          </a:prstGeom>
+        </p:spPr>
+      </p:pic>
+      <p:pic>
+        <p:nvPicPr>
+          <p:cNvPr id="7" name="그림 6"/>
+          <p:cNvPicPr>
+            <a:picLocks noChangeAspect="1"/>
+          </p:cNvPicPr>
+          <p:nvPr/>
+        </p:nvPicPr>
+        <p:blipFill>
+          <a:blip r:embed="rId4"/>
+          <a:stretch>
+            <a:fillRect/>
+          </a:stretch>
+        </p:blipFill>
+        <p:spPr>
+          <a:xfrm>
+            <a:off x="5894237" y="3557120"/>
+            <a:ext cx="7133089" cy="6584390"/>
+          </a:xfrm>
+          <a:prstGeom prst="rect">
+            <a:avLst/>
+          </a:prstGeom>
+        </p:spPr>
+      </p:pic>
+      <p:sp>
+        <p:nvSpPr>
+          <p:cNvPr id="2" name="TextBox 1">
+            <a:extLst>
+              <a:ext uri="{FF2B5EF4-FFF2-40B4-BE49-F238E27FC236}">
+                <a16:creationId xmlns:a16="http://schemas.microsoft.com/office/drawing/2014/main" xmlns="" id="{EEFFABDD-6EEB-BBC2-9D88-0B682CB7D8DA}"/>
+              </a:ext>
+            </a:extLst>
+          </p:cNvPr>
+          <p:cNvSpPr txBox="1"/>
+          <p:nvPr/>
+        </p:nvSpPr>
+        <p:spPr>
+          <a:xfrm>
+            <a:off x="304800" y="114300"/>
+            <a:ext cx="10972800" cy="923330"/>
+          </a:xfrm>
+          <a:prstGeom prst="rect">
+            <a:avLst/>
+          </a:prstGeom>
+          <a:noFill/>
+        </p:spPr>
+        <p:txBody>
+          <a:bodyPr wrap="square" rtlCol="0">
+            <a:spAutoFit/>
+          </a:bodyPr>
+          <a:lstStyle/>
+          <a:p>
+            <a:r>
+              <a:rPr lang="en-US" altLang="ko-KR" sz="5400" spc="-300" dirty="0">
+                <a:solidFill>
+                  <a:srgbClr val="4C50BC"/>
+                </a:solidFill>
+                <a:latin typeface="G마켓 산스 Bold" panose="02000000000000000000" pitchFamily="50" charset="-127"/>
+                <a:ea typeface="G마켓 산스 Bold" panose="02000000000000000000" pitchFamily="50" charset="-127"/>
+              </a:rPr>
+              <a:t>2-3 </a:t>
+            </a:r>
+            <a:r>
+              <a:rPr lang="ko-KR" altLang="en-US" sz="5400" spc="-300" dirty="0">
+                <a:solidFill>
+                  <a:srgbClr val="4C50BC"/>
+                </a:solidFill>
+                <a:latin typeface="G마켓 산스 Bold" panose="02000000000000000000" pitchFamily="50" charset="-127"/>
+                <a:ea typeface="G마켓 산스 Bold" panose="02000000000000000000" pitchFamily="50" charset="-127"/>
+              </a:rPr>
+              <a:t>실습문제</a:t>
+            </a:r>
+            <a:r>
+              <a:rPr lang="en-US" altLang="ko-KR" sz="5400" spc="-300" dirty="0">
+                <a:solidFill>
+                  <a:srgbClr val="4C50BC"/>
+                </a:solidFill>
+                <a:latin typeface="G마켓 산스 Bold" panose="02000000000000000000" pitchFamily="50" charset="-127"/>
+                <a:ea typeface="G마켓 산스 Bold" panose="02000000000000000000" pitchFamily="50" charset="-127"/>
+              </a:rPr>
+              <a:t> </a:t>
+            </a:r>
+            <a:r>
+              <a:rPr lang="en-US" altLang="ko-KR" sz="5400" spc="-300" dirty="0">
+                <a:solidFill>
+                  <a:srgbClr val="FF0000"/>
+                </a:solidFill>
+                <a:latin typeface="G마켓 산스 Bold" panose="02000000000000000000" pitchFamily="50" charset="-127"/>
+                <a:ea typeface="G마켓 산스 Bold" panose="02000000000000000000" pitchFamily="50" charset="-127"/>
+              </a:rPr>
+              <a:t>(expert)</a:t>
+            </a:r>
+          </a:p>
+        </p:txBody>
+      </p:sp>
+      <p:cxnSp>
+        <p:nvCxnSpPr>
+          <p:cNvPr id="3" name="직선 연결선 2">
+            <a:extLst>
+              <a:ext uri="{FF2B5EF4-FFF2-40B4-BE49-F238E27FC236}">
+                <a16:creationId xmlns:a16="http://schemas.microsoft.com/office/drawing/2014/main" xmlns="" id="{BE6B9DDF-DEC7-09B4-2323-D207F44F7B23}"/>
+              </a:ext>
+            </a:extLst>
+          </p:cNvPr>
+          <p:cNvCxnSpPr>
+            <a:cxnSpLocks/>
+          </p:cNvCxnSpPr>
+          <p:nvPr/>
+        </p:nvCxnSpPr>
+        <p:spPr>
+          <a:xfrm flipH="1" flipV="1">
+            <a:off x="-13447" y="972511"/>
+            <a:ext cx="18288000" cy="65119"/>
+          </a:xfrm>
+          <a:prstGeom prst="line">
+            <a:avLst/>
+          </a:prstGeom>
+          <a:ln w="38100">
+            <a:solidFill>
+              <a:srgbClr val="4C50BC"/>
+            </a:solidFill>
+          </a:ln>
+        </p:spPr>
+        <p:style>
+          <a:lnRef idx="1">
+            <a:schemeClr val="accent1"/>
+          </a:lnRef>
+          <a:fillRef idx="0">
+            <a:schemeClr val="accent1"/>
+          </a:fillRef>
+          <a:effectRef idx="0">
+            <a:schemeClr val="accent1"/>
+          </a:effectRef>
+          <a:fontRef idx="minor">
+            <a:schemeClr val="tx1"/>
+          </a:fontRef>
+        </p:style>
+      </p:cxnSp>
+    </p:spTree>
+    <p:extLst>
+      <p:ext uri="{BB962C8B-B14F-4D97-AF65-F5344CB8AC3E}">
+        <p14:creationId xmlns:p14="http://schemas.microsoft.com/office/powerpoint/2010/main" val="4055007602"/>
+      </p:ext>
+    </p:extLst>
+  </p:cSld>
+  <p:clrMapOvr>
+    <a:masterClrMapping/>
+  </p:clrMapOvr>
+</p:sld>
+</file>
+
+<file path=ppt/slides/slide2.xml><?xml version="1.0" encoding="utf-8"?>
+<p:sld xmlns:a="http://schemas.openxmlformats.org/drawingml/2006/main" xmlns:r="http://schemas.openxmlformats.org/officeDocument/2006/relationships" xmlns:p="http://schemas.openxmlformats.org/presentationml/2006/main">
+  <p:cSld name="Slide 4">
+    <p:bg>
+      <p:bgPr>
+        <a:solidFill>
+          <a:srgbClr val="4C50BB"/>
+        </a:solidFill>
+        <a:effectLst/>
+      </p:bgPr>
+    </p:bg>
+    <p:spTree>
+      <p:nvGrpSpPr>
+        <p:cNvPr id="1" name=""/>
+        <p:cNvGrpSpPr/>
+        <p:nvPr/>
+      </p:nvGrpSpPr>
+      <p:grpSpPr>
+        <a:xfrm>
+          <a:off x="0" y="0"/>
+          <a:ext cx="0" cy="0"/>
+          <a:chOff x="0" y="0"/>
+          <a:chExt cx="0" cy="0"/>
+        </a:xfrm>
+      </p:grpSpPr>
+      <p:grpSp>
+        <p:nvGrpSpPr>
+          <p:cNvPr id="1001" name="그룹 1001"/>
+          <p:cNvGrpSpPr/>
+          <p:nvPr/>
+        </p:nvGrpSpPr>
+        <p:grpSpPr>
+          <a:xfrm>
+            <a:off x="16986360" y="3561542"/>
+            <a:ext cx="1432688" cy="191978"/>
+            <a:chOff x="16986360" y="3561542"/>
+            <a:chExt cx="1432688" cy="191978"/>
+          </a:xfrm>
+        </p:grpSpPr>
+        <p:pic>
+          <p:nvPicPr>
+            <p:cNvPr id="3" name="Object 2"/>
+            <p:cNvPicPr>
+              <a:picLocks noChangeAspect="1"/>
+            </p:cNvPicPr>
+            <p:nvPr/>
+          </p:nvPicPr>
+          <p:blipFill>
+            <a:blip r:embed="rId2" cstate="print"/>
+            <a:stretch>
+              <a:fillRect/>
+            </a:stretch>
+          </p:blipFill>
+          <p:spPr>
+            <a:xfrm>
+              <a:off x="16986360" y="3561542"/>
+              <a:ext cx="1432688" cy="191978"/>
+            </a:xfrm>
+            <a:prstGeom prst="rect">
+              <a:avLst/>
+            </a:prstGeom>
+          </p:spPr>
+        </p:pic>
+      </p:grpSp>
+      <p:grpSp>
+        <p:nvGrpSpPr>
+          <p:cNvPr id="1002" name="그룹 1002"/>
+          <p:cNvGrpSpPr/>
+          <p:nvPr/>
+        </p:nvGrpSpPr>
+        <p:grpSpPr>
+          <a:xfrm>
+            <a:off x="5686747" y="-1286436"/>
+            <a:ext cx="4461240" cy="4417966"/>
+            <a:chOff x="5686747" y="-1286436"/>
+            <a:chExt cx="4461240" cy="4417966"/>
+          </a:xfrm>
+        </p:grpSpPr>
+        <p:pic>
+          <p:nvPicPr>
+            <p:cNvPr id="6" name="Object 5"/>
+            <p:cNvPicPr>
+              <a:picLocks noChangeAspect="1"/>
+            </p:cNvPicPr>
+            <p:nvPr/>
+          </p:nvPicPr>
+          <p:blipFill>
+            <a:blip r:embed="rId3" cstate="print"/>
+            <a:stretch>
+              <a:fillRect/>
+            </a:stretch>
+          </p:blipFill>
+          <p:spPr>
+            <a:xfrm>
+              <a:off x="5686747" y="-1286436"/>
+              <a:ext cx="4461240" cy="4417966"/>
+            </a:xfrm>
+            <a:prstGeom prst="rect">
+              <a:avLst/>
+            </a:prstGeom>
+          </p:spPr>
+        </p:pic>
+      </p:grpSp>
+      <p:grpSp>
+        <p:nvGrpSpPr>
+          <p:cNvPr id="1003" name="그룹 1003"/>
+          <p:cNvGrpSpPr/>
+          <p:nvPr/>
+        </p:nvGrpSpPr>
+        <p:grpSpPr>
+          <a:xfrm>
+            <a:off x="-901071" y="6888297"/>
+            <a:ext cx="4182908" cy="4182908"/>
+            <a:chOff x="-901071" y="6888297"/>
+            <a:chExt cx="4182908" cy="4182908"/>
+          </a:xfrm>
+        </p:grpSpPr>
+        <p:pic>
+          <p:nvPicPr>
+            <p:cNvPr id="9" name="Object 8"/>
+            <p:cNvPicPr>
+              <a:picLocks noChangeAspect="1"/>
+            </p:cNvPicPr>
+            <p:nvPr/>
+          </p:nvPicPr>
+          <p:blipFill>
+            <a:blip r:embed="rId4" cstate="print"/>
+            <a:stretch>
+              <a:fillRect/>
+            </a:stretch>
+          </p:blipFill>
+          <p:spPr>
+            <a:xfrm rot="-2700000">
+              <a:off x="-901071" y="6888297"/>
+              <a:ext cx="4182908" cy="4182908"/>
+            </a:xfrm>
+            <a:prstGeom prst="rect">
+              <a:avLst/>
+            </a:prstGeom>
+          </p:spPr>
+        </p:pic>
+      </p:grpSp>
+      <p:grpSp>
+        <p:nvGrpSpPr>
+          <p:cNvPr id="1004" name="그룹 1004"/>
+          <p:cNvGrpSpPr/>
+          <p:nvPr/>
+        </p:nvGrpSpPr>
+        <p:grpSpPr>
+          <a:xfrm>
+            <a:off x="1972602" y="5957321"/>
+            <a:ext cx="3452527" cy="3419037"/>
+            <a:chOff x="1972602" y="5957321"/>
+            <a:chExt cx="3452527" cy="3419037"/>
+          </a:xfrm>
+        </p:grpSpPr>
+        <p:pic>
+          <p:nvPicPr>
+            <p:cNvPr id="12" name="Object 11"/>
+            <p:cNvPicPr>
+              <a:picLocks noChangeAspect="1"/>
+            </p:cNvPicPr>
+            <p:nvPr/>
+          </p:nvPicPr>
+          <p:blipFill>
+            <a:blip r:embed="rId5" cstate="print"/>
+            <a:stretch>
+              <a:fillRect/>
+            </a:stretch>
+          </p:blipFill>
+          <p:spPr>
+            <a:xfrm>
+              <a:off x="1972602" y="5957321"/>
+              <a:ext cx="3452527" cy="3419037"/>
+            </a:xfrm>
+            <a:prstGeom prst="rect">
+              <a:avLst/>
+            </a:prstGeom>
+          </p:spPr>
+        </p:pic>
+      </p:grpSp>
+      <p:pic>
+        <p:nvPicPr>
+          <p:cNvPr id="14" name="Object 13"/>
+          <p:cNvPicPr>
+            <a:picLocks noChangeAspect="1"/>
+          </p:cNvPicPr>
+          <p:nvPr/>
+        </p:nvPicPr>
+        <p:blipFill>
+          <a:blip r:embed="rId6" cstate="print"/>
+          <a:stretch>
+            <a:fillRect/>
+          </a:stretch>
+        </p:blipFill>
+        <p:spPr>
+          <a:xfrm>
+            <a:off x="13669052" y="2416536"/>
+            <a:ext cx="3674181" cy="3286626"/>
+          </a:xfrm>
+          <a:prstGeom prst="rect">
+            <a:avLst/>
+          </a:prstGeom>
+        </p:spPr>
+      </p:pic>
+      <p:sp>
+        <p:nvSpPr>
+          <p:cNvPr id="2" name="TextBox 1">
+            <a:extLst>
+              <a:ext uri="{FF2B5EF4-FFF2-40B4-BE49-F238E27FC236}">
+                <a16:creationId xmlns:a16="http://schemas.microsoft.com/office/drawing/2014/main" xmlns="" id="{8D19D88B-9541-32D7-90F1-0C45C993E21C}"/>
+              </a:ext>
+            </a:extLst>
+          </p:cNvPr>
+          <p:cNvSpPr txBox="1"/>
+          <p:nvPr/>
+        </p:nvSpPr>
+        <p:spPr>
+          <a:xfrm>
+            <a:off x="10287000" y="5254704"/>
+            <a:ext cx="7552067" cy="1107996"/>
+          </a:xfrm>
+          <a:prstGeom prst="rect">
+            <a:avLst/>
+          </a:prstGeom>
+          <a:noFill/>
+        </p:spPr>
+        <p:txBody>
+          <a:bodyPr wrap="none" rtlCol="0">
+            <a:spAutoFit/>
+          </a:bodyPr>
+          <a:lstStyle/>
+          <a:p>
+            <a:r>
+              <a:rPr lang="ko-KR" altLang="en-US" sz="6600" dirty="0">
+                <a:solidFill>
+                  <a:schemeClr val="bg1"/>
+                </a:solidFill>
+                <a:latin typeface="G마켓 산스 Medium" panose="02000000000000000000" pitchFamily="50" charset="-127"/>
+                <a:ea typeface="G마켓 산스 Medium" panose="02000000000000000000" pitchFamily="50" charset="-127"/>
+              </a:rPr>
+              <a:t>배열의 선언과 생성</a:t>
+            </a:r>
+            <a:endParaRPr lang="en-US" altLang="ko-KR" sz="6600" dirty="0">
+              <a:solidFill>
+                <a:schemeClr val="bg1"/>
+              </a:solidFill>
+              <a:latin typeface="G마켓 산스 Medium" panose="02000000000000000000" pitchFamily="50" charset="-127"/>
+              <a:ea typeface="G마켓 산스 Medium" panose="02000000000000000000" pitchFamily="50" charset="-127"/>
+            </a:endParaRPr>
+          </a:p>
+        </p:txBody>
+      </p:sp>
+    </p:spTree>
+  </p:cSld>
+  <p:clrMapOvr>
+    <a:masterClrMapping/>
+  </p:clrMapOvr>
+</p:sld>
+</file>
+
+<file path=ppt/slides/slide20.xml><?xml version="1.0" encoding="utf-8"?>
+<p:sld xmlns:a="http://schemas.openxmlformats.org/drawingml/2006/main" xmlns:r="http://schemas.openxmlformats.org/officeDocument/2006/relationships" xmlns:p="http://schemas.openxmlformats.org/presentationml/2006/main">
+  <p:cSld>
+    <p:spTree>
+      <p:nvGrpSpPr>
+        <p:cNvPr id="1" name=""/>
+        <p:cNvGrpSpPr/>
+        <p:nvPr/>
+      </p:nvGrpSpPr>
+      <p:grpSpPr>
+        <a:xfrm>
+          <a:off x="0" y="0"/>
+          <a:ext cx="0" cy="0"/>
+          <a:chOff x="0" y="0"/>
+          <a:chExt cx="0" cy="0"/>
+        </a:xfrm>
+      </p:grpSpPr>
+      <p:sp>
+        <p:nvSpPr>
+          <p:cNvPr id="4" name="TextBox 3">
+            <a:extLst>
+              <a:ext uri="{FF2B5EF4-FFF2-40B4-BE49-F238E27FC236}">
+                <a16:creationId xmlns:a16="http://schemas.microsoft.com/office/drawing/2014/main" xmlns="" id="{BC6ABEFA-A7A2-C6BE-51A5-05B61AB688B6}"/>
+              </a:ext>
+            </a:extLst>
+          </p:cNvPr>
+          <p:cNvSpPr txBox="1"/>
+          <p:nvPr/>
+        </p:nvSpPr>
+        <p:spPr>
+          <a:xfrm>
+            <a:off x="304800" y="114300"/>
+            <a:ext cx="10972800" cy="923330"/>
+          </a:xfrm>
+          <a:prstGeom prst="rect">
+            <a:avLst/>
+          </a:prstGeom>
+          <a:noFill/>
+        </p:spPr>
+        <p:txBody>
+          <a:bodyPr wrap="square" rtlCol="0">
+            <a:spAutoFit/>
+          </a:bodyPr>
+          <a:lstStyle/>
+          <a:p>
+            <a:r>
+              <a:rPr lang="en-US" altLang="ko-KR" sz="5400" spc="-300" dirty="0">
+                <a:solidFill>
+                  <a:srgbClr val="4C50BC"/>
+                </a:solidFill>
+                <a:latin typeface="G마켓 산스 Bold" panose="02000000000000000000" pitchFamily="50" charset="-127"/>
+                <a:ea typeface="G마켓 산스 Bold" panose="02000000000000000000" pitchFamily="50" charset="-127"/>
+              </a:rPr>
+              <a:t>2-3 </a:t>
+            </a:r>
+            <a:r>
+              <a:rPr lang="ko-KR" altLang="en-US" sz="5400" spc="-300" dirty="0">
+                <a:solidFill>
+                  <a:srgbClr val="4C50BC"/>
+                </a:solidFill>
+                <a:latin typeface="G마켓 산스 Bold" panose="02000000000000000000" pitchFamily="50" charset="-127"/>
+                <a:ea typeface="G마켓 산스 Bold" panose="02000000000000000000" pitchFamily="50" charset="-127"/>
+              </a:rPr>
+              <a:t>문제풀이</a:t>
+            </a:r>
+            <a:r>
+              <a:rPr lang="en-US" altLang="ko-KR" sz="5400" spc="-300" dirty="0">
+                <a:solidFill>
+                  <a:srgbClr val="4C50BC"/>
+                </a:solidFill>
+                <a:latin typeface="G마켓 산스 Bold" panose="02000000000000000000" pitchFamily="50" charset="-127"/>
+                <a:ea typeface="G마켓 산스 Bold" panose="02000000000000000000" pitchFamily="50" charset="-127"/>
+              </a:rPr>
+              <a:t> </a:t>
+            </a:r>
+            <a:r>
+              <a:rPr lang="en-US" altLang="ko-KR" sz="5400" spc="-300" dirty="0">
+                <a:solidFill>
+                  <a:srgbClr val="FF0000"/>
+                </a:solidFill>
+                <a:latin typeface="G마켓 산스 Bold" panose="02000000000000000000" pitchFamily="50" charset="-127"/>
+                <a:ea typeface="G마켓 산스 Bold" panose="02000000000000000000" pitchFamily="50" charset="-127"/>
+              </a:rPr>
+              <a:t>(expert)</a:t>
+            </a:r>
+          </a:p>
+        </p:txBody>
+      </p:sp>
+      <p:cxnSp>
+        <p:nvCxnSpPr>
+          <p:cNvPr id="5" name="직선 연결선 4">
+            <a:extLst>
+              <a:ext uri="{FF2B5EF4-FFF2-40B4-BE49-F238E27FC236}">
+                <a16:creationId xmlns:a16="http://schemas.microsoft.com/office/drawing/2014/main" xmlns="" id="{C5B64D82-CFE6-7016-7539-B219094DA8F4}"/>
+              </a:ext>
+            </a:extLst>
+          </p:cNvPr>
+          <p:cNvCxnSpPr>
+            <a:cxnSpLocks/>
+          </p:cNvCxnSpPr>
+          <p:nvPr/>
+        </p:nvCxnSpPr>
+        <p:spPr>
+          <a:xfrm flipH="1" flipV="1">
+            <a:off x="-13447" y="972511"/>
+            <a:ext cx="18288000" cy="65119"/>
+          </a:xfrm>
+          <a:prstGeom prst="line">
+            <a:avLst/>
+          </a:prstGeom>
+          <a:ln w="38100">
+            <a:solidFill>
+              <a:srgbClr val="4C50BC"/>
+            </a:solidFill>
+          </a:ln>
+        </p:spPr>
+        <p:style>
+          <a:lnRef idx="1">
+            <a:schemeClr val="accent1"/>
+          </a:lnRef>
+          <a:fillRef idx="0">
+            <a:schemeClr val="accent1"/>
+          </a:fillRef>
+          <a:effectRef idx="0">
+            <a:schemeClr val="accent1"/>
+          </a:effectRef>
+          <a:fontRef idx="minor">
+            <a:schemeClr val="tx1"/>
+          </a:fontRef>
+        </p:style>
+      </p:cxnSp>
+      <p:pic>
+        <p:nvPicPr>
+          <p:cNvPr id="6" name="그림 5">
+            <a:extLst>
+              <a:ext uri="{FF2B5EF4-FFF2-40B4-BE49-F238E27FC236}">
+                <a16:creationId xmlns:a16="http://schemas.microsoft.com/office/drawing/2014/main" xmlns="" id="{90E19BA1-8778-F4C2-614F-20710046EB59}"/>
+              </a:ext>
+            </a:extLst>
+          </p:cNvPr>
+          <p:cNvPicPr>
+            <a:picLocks noChangeAspect="1"/>
+          </p:cNvPicPr>
+          <p:nvPr/>
+        </p:nvPicPr>
+        <p:blipFill>
+          <a:blip r:embed="rId2"/>
+          <a:stretch>
+            <a:fillRect/>
+          </a:stretch>
+        </p:blipFill>
+        <p:spPr>
+          <a:xfrm>
+            <a:off x="1154849" y="2476500"/>
+            <a:ext cx="5533079" cy="3764990"/>
+          </a:xfrm>
+          <a:prstGeom prst="rect">
+            <a:avLst/>
+          </a:prstGeom>
+        </p:spPr>
+      </p:pic>
+      <p:pic>
+        <p:nvPicPr>
+          <p:cNvPr id="7" name="그림 6">
+            <a:extLst>
+              <a:ext uri="{FF2B5EF4-FFF2-40B4-BE49-F238E27FC236}">
+                <a16:creationId xmlns:a16="http://schemas.microsoft.com/office/drawing/2014/main" xmlns="" id="{192A9C24-A2B1-A784-11E1-998D814F0D7F}"/>
+              </a:ext>
+            </a:extLst>
+          </p:cNvPr>
+          <p:cNvPicPr>
+            <a:picLocks noChangeAspect="1"/>
+          </p:cNvPicPr>
+          <p:nvPr/>
+        </p:nvPicPr>
+        <p:blipFill>
+          <a:blip r:embed="rId3"/>
+          <a:stretch>
+            <a:fillRect/>
+          </a:stretch>
+        </p:blipFill>
+        <p:spPr>
+          <a:xfrm>
+            <a:off x="6781800" y="2476500"/>
+            <a:ext cx="7133089" cy="6584390"/>
+          </a:xfrm>
+          <a:prstGeom prst="rect">
+            <a:avLst/>
+          </a:prstGeom>
+        </p:spPr>
+      </p:pic>
+    </p:spTree>
+    <p:extLst>
+      <p:ext uri="{BB962C8B-B14F-4D97-AF65-F5344CB8AC3E}">
+        <p14:creationId xmlns:p14="http://schemas.microsoft.com/office/powerpoint/2010/main" val="1319597275"/>
+      </p:ext>
+    </p:extLst>
+  </p:cSld>
+  <p:clrMapOvr>
+    <a:masterClrMapping/>
+  </p:clrMapOvr>
+  <p:timing>
+    <p:tnLst>
+      <p:par>
+        <p:cTn id="1" dur="indefinite" restart="never" nodeType="tmRoot"/>
+      </p:par>
+    </p:tnLst>
+  </p:timing>
+</p:sld>
+</file>
+
+<file path=ppt/slides/slide21.xml><?xml version="1.0" encoding="utf-8"?>
+<p:sld xmlns:a="http://schemas.openxmlformats.org/drawingml/2006/main" xmlns:r="http://schemas.openxmlformats.org/officeDocument/2006/relationships" xmlns:p="http://schemas.openxmlformats.org/presentationml/2006/main">
+  <p:cSld>
+    <p:bg>
+      <p:bgPr>
+        <a:solidFill>
+          <a:srgbClr val="4C50BC"/>
+        </a:solidFill>
+        <a:effectLst/>
+      </p:bgPr>
+    </p:bg>
+    <p:spTree>
+      <p:nvGrpSpPr>
+        <p:cNvPr id="1" name=""/>
+        <p:cNvGrpSpPr/>
+        <p:nvPr/>
+      </p:nvGrpSpPr>
+      <p:grpSpPr>
+        <a:xfrm>
+          <a:off x="0" y="0"/>
+          <a:ext cx="0" cy="0"/>
+          <a:chOff x="0" y="0"/>
+          <a:chExt cx="0" cy="0"/>
+        </a:xfrm>
+      </p:grpSpPr>
+      <p:pic>
+        <p:nvPicPr>
+          <p:cNvPr id="5" name="Object 2">
+            <a:extLst>
+              <a:ext uri="{FF2B5EF4-FFF2-40B4-BE49-F238E27FC236}">
+                <a16:creationId xmlns:a16="http://schemas.microsoft.com/office/drawing/2014/main" xmlns="" id="{EB9768FE-76B0-709F-3C4D-0ECBB41147CD}"/>
+              </a:ext>
+            </a:extLst>
+          </p:cNvPr>
+          <p:cNvPicPr>
+            <a:picLocks noChangeAspect="1"/>
+          </p:cNvPicPr>
+          <p:nvPr/>
+        </p:nvPicPr>
+        <p:blipFill>
+          <a:blip r:embed="rId2" cstate="print"/>
+          <a:stretch>
+            <a:fillRect/>
+          </a:stretch>
+        </p:blipFill>
+        <p:spPr>
+          <a:xfrm>
+            <a:off x="1468058" y="2416536"/>
+            <a:ext cx="3183528" cy="3284880"/>
+          </a:xfrm>
+          <a:prstGeom prst="rect">
+            <a:avLst/>
+          </a:prstGeom>
+        </p:spPr>
+      </p:pic>
+      <p:grpSp>
+        <p:nvGrpSpPr>
+          <p:cNvPr id="7" name="그룹 1001">
+            <a:extLst>
+              <a:ext uri="{FF2B5EF4-FFF2-40B4-BE49-F238E27FC236}">
+                <a16:creationId xmlns:a16="http://schemas.microsoft.com/office/drawing/2014/main" xmlns="" id="{0637F47C-891C-2B90-8647-32B84C264D42}"/>
+              </a:ext>
+            </a:extLst>
+          </p:cNvPr>
+          <p:cNvGrpSpPr/>
+          <p:nvPr/>
+        </p:nvGrpSpPr>
+        <p:grpSpPr>
+          <a:xfrm>
+            <a:off x="13074845" y="-1224069"/>
+            <a:ext cx="3388803" cy="3355932"/>
+            <a:chOff x="13074845" y="-1224069"/>
+            <a:chExt cx="3388803" cy="3355932"/>
+          </a:xfrm>
+        </p:grpSpPr>
+        <p:pic>
+          <p:nvPicPr>
+            <p:cNvPr id="8" name="Object 5">
+              <a:extLst>
+                <a:ext uri="{FF2B5EF4-FFF2-40B4-BE49-F238E27FC236}">
+                  <a16:creationId xmlns:a16="http://schemas.microsoft.com/office/drawing/2014/main" xmlns="" id="{710F969D-8259-9328-33C3-C6DB500C60D4}"/>
+                </a:ext>
+              </a:extLst>
+            </p:cNvPr>
+            <p:cNvPicPr>
+              <a:picLocks noChangeAspect="1"/>
+            </p:cNvPicPr>
+            <p:nvPr/>
+          </p:nvPicPr>
+          <p:blipFill>
+            <a:blip r:embed="rId3" cstate="print"/>
+            <a:stretch>
+              <a:fillRect/>
+            </a:stretch>
+          </p:blipFill>
+          <p:spPr>
+            <a:xfrm>
+              <a:off x="13074845" y="-1224069"/>
+              <a:ext cx="3388803" cy="3355932"/>
+            </a:xfrm>
+            <a:prstGeom prst="rect">
+              <a:avLst/>
+            </a:prstGeom>
+          </p:spPr>
+        </p:pic>
+      </p:grpSp>
+      <p:grpSp>
+        <p:nvGrpSpPr>
+          <p:cNvPr id="9" name="그룹 1002">
+            <a:extLst>
+              <a:ext uri="{FF2B5EF4-FFF2-40B4-BE49-F238E27FC236}">
+                <a16:creationId xmlns:a16="http://schemas.microsoft.com/office/drawing/2014/main" xmlns="" id="{A87796A8-251B-F38A-5AE9-11F8D847B25D}"/>
+              </a:ext>
+            </a:extLst>
+          </p:cNvPr>
+          <p:cNvGrpSpPr/>
+          <p:nvPr/>
+        </p:nvGrpSpPr>
+        <p:grpSpPr>
+          <a:xfrm>
+            <a:off x="15502230" y="-877556"/>
+            <a:ext cx="3902974" cy="3971928"/>
+            <a:chOff x="15502230" y="-877556"/>
+            <a:chExt cx="3902974" cy="3971928"/>
+          </a:xfrm>
+        </p:grpSpPr>
+        <p:pic>
+          <p:nvPicPr>
+            <p:cNvPr id="10" name="Object 8">
+              <a:extLst>
+                <a:ext uri="{FF2B5EF4-FFF2-40B4-BE49-F238E27FC236}">
+                  <a16:creationId xmlns:a16="http://schemas.microsoft.com/office/drawing/2014/main" xmlns="" id="{9E806C19-D323-E705-F3B8-EEABB39F0993}"/>
+                </a:ext>
+              </a:extLst>
+            </p:cNvPr>
+            <p:cNvPicPr>
+              <a:picLocks noChangeAspect="1"/>
+            </p:cNvPicPr>
+            <p:nvPr/>
+          </p:nvPicPr>
+          <p:blipFill>
+            <a:blip r:embed="rId4" cstate="print"/>
+            <a:stretch>
+              <a:fillRect/>
+            </a:stretch>
+          </p:blipFill>
+          <p:spPr>
+            <a:xfrm rot="-2700000">
+              <a:off x="15502230" y="-877556"/>
+              <a:ext cx="3902974" cy="3971928"/>
+            </a:xfrm>
+            <a:prstGeom prst="rect">
+              <a:avLst/>
+            </a:prstGeom>
+          </p:spPr>
+        </p:pic>
+      </p:grpSp>
+      <p:grpSp>
+        <p:nvGrpSpPr>
+          <p:cNvPr id="11" name="그룹 1003">
+            <a:extLst>
+              <a:ext uri="{FF2B5EF4-FFF2-40B4-BE49-F238E27FC236}">
+                <a16:creationId xmlns:a16="http://schemas.microsoft.com/office/drawing/2014/main" xmlns="" id="{701795E0-24B6-38E6-7308-FED7AD2B6900}"/>
+              </a:ext>
+            </a:extLst>
+          </p:cNvPr>
+          <p:cNvGrpSpPr/>
+          <p:nvPr/>
+        </p:nvGrpSpPr>
+        <p:grpSpPr>
+          <a:xfrm>
+            <a:off x="14137208" y="6930045"/>
+            <a:ext cx="4652881" cy="4607748"/>
+            <a:chOff x="14137208" y="6930045"/>
+            <a:chExt cx="4652881" cy="4607748"/>
+          </a:xfrm>
+        </p:grpSpPr>
+        <p:pic>
+          <p:nvPicPr>
+            <p:cNvPr id="12" name="Object 11">
+              <a:extLst>
+                <a:ext uri="{FF2B5EF4-FFF2-40B4-BE49-F238E27FC236}">
+                  <a16:creationId xmlns:a16="http://schemas.microsoft.com/office/drawing/2014/main" xmlns="" id="{D8C68167-7FB5-1F8E-D53C-DEA682F465F5}"/>
+                </a:ext>
+              </a:extLst>
+            </p:cNvPr>
+            <p:cNvPicPr>
+              <a:picLocks noChangeAspect="1"/>
+            </p:cNvPicPr>
+            <p:nvPr/>
+          </p:nvPicPr>
+          <p:blipFill>
+            <a:blip r:embed="rId5" cstate="print"/>
+            <a:stretch>
+              <a:fillRect/>
+            </a:stretch>
+          </p:blipFill>
+          <p:spPr>
+            <a:xfrm>
+              <a:off x="14137208" y="6930045"/>
+              <a:ext cx="4652881" cy="4607748"/>
+            </a:xfrm>
+            <a:prstGeom prst="rect">
+              <a:avLst/>
+            </a:prstGeom>
+          </p:spPr>
+        </p:pic>
+      </p:grpSp>
+      <p:grpSp>
+        <p:nvGrpSpPr>
+          <p:cNvPr id="13" name="그룹 1004">
+            <a:extLst>
+              <a:ext uri="{FF2B5EF4-FFF2-40B4-BE49-F238E27FC236}">
+                <a16:creationId xmlns:a16="http://schemas.microsoft.com/office/drawing/2014/main" xmlns="" id="{03226A72-764D-99F3-A14F-47C351CB448B}"/>
+              </a:ext>
+            </a:extLst>
+          </p:cNvPr>
+          <p:cNvGrpSpPr/>
+          <p:nvPr/>
+        </p:nvGrpSpPr>
+        <p:grpSpPr>
+          <a:xfrm>
+            <a:off x="-159165" y="3685351"/>
+            <a:ext cx="1432688" cy="191978"/>
+            <a:chOff x="-159165" y="3685351"/>
+            <a:chExt cx="1432688" cy="191978"/>
+          </a:xfrm>
+        </p:grpSpPr>
+        <p:pic>
+          <p:nvPicPr>
+            <p:cNvPr id="14" name="Object 14">
+              <a:extLst>
+                <a:ext uri="{FF2B5EF4-FFF2-40B4-BE49-F238E27FC236}">
+                  <a16:creationId xmlns:a16="http://schemas.microsoft.com/office/drawing/2014/main" xmlns="" id="{77C5B9A8-AEBA-093B-4CD6-4F1ECF519068}"/>
+                </a:ext>
+              </a:extLst>
+            </p:cNvPr>
+            <p:cNvPicPr>
+              <a:picLocks noChangeAspect="1"/>
+            </p:cNvPicPr>
+            <p:nvPr/>
+          </p:nvPicPr>
+          <p:blipFill>
+            <a:blip r:embed="rId6" cstate="print"/>
+            <a:stretch>
+              <a:fillRect/>
+            </a:stretch>
+          </p:blipFill>
+          <p:spPr>
+            <a:xfrm rot="-10800000">
+              <a:off x="-159165" y="3685351"/>
+              <a:ext cx="1432688" cy="191978"/>
+            </a:xfrm>
+            <a:prstGeom prst="rect">
+              <a:avLst/>
+            </a:prstGeom>
+          </p:spPr>
+        </p:pic>
+      </p:grpSp>
+      <p:sp>
+        <p:nvSpPr>
+          <p:cNvPr id="15" name="TextBox 14">
+            <a:extLst>
+              <a:ext uri="{FF2B5EF4-FFF2-40B4-BE49-F238E27FC236}">
+                <a16:creationId xmlns:a16="http://schemas.microsoft.com/office/drawing/2014/main" xmlns="" id="{E44AB10B-96D7-19D1-5C7A-D2761E62F16E}"/>
+              </a:ext>
+            </a:extLst>
+          </p:cNvPr>
+          <p:cNvSpPr txBox="1"/>
+          <p:nvPr/>
+        </p:nvSpPr>
+        <p:spPr>
+          <a:xfrm>
+            <a:off x="2172958" y="5295900"/>
+            <a:ext cx="3441968" cy="1107996"/>
+          </a:xfrm>
+          <a:prstGeom prst="rect">
+            <a:avLst/>
+          </a:prstGeom>
+          <a:noFill/>
+        </p:spPr>
+        <p:txBody>
+          <a:bodyPr wrap="none" rtlCol="0">
+            <a:spAutoFit/>
+          </a:bodyPr>
+          <a:lstStyle/>
+          <a:p>
+            <a:r>
+              <a:rPr lang="ko-KR" altLang="en-US" sz="6600">
+                <a:solidFill>
+                  <a:schemeClr val="bg1"/>
+                </a:solidFill>
+                <a:latin typeface="G마켓 산스 Medium" panose="02000000000000000000" pitchFamily="50" charset="-127"/>
+                <a:ea typeface="G마켓 산스 Medium" panose="02000000000000000000" pitchFamily="50" charset="-127"/>
+              </a:rPr>
+              <a:t>실습문제</a:t>
+            </a:r>
+            <a:endParaRPr lang="ko-KR" altLang="en-US" sz="2800" dirty="0">
+              <a:solidFill>
+                <a:schemeClr val="bg1"/>
+              </a:solidFill>
+              <a:latin typeface="G마켓 산스 Medium" panose="02000000000000000000" pitchFamily="50" charset="-127"/>
+              <a:ea typeface="G마켓 산스 Medium" panose="02000000000000000000" pitchFamily="50" charset="-127"/>
+            </a:endParaRPr>
+          </a:p>
+        </p:txBody>
+      </p:sp>
+    </p:spTree>
+    <p:extLst>
+      <p:ext uri="{BB962C8B-B14F-4D97-AF65-F5344CB8AC3E}">
+        <p14:creationId xmlns:p14="http://schemas.microsoft.com/office/powerpoint/2010/main" val="3979785349"/>
+      </p:ext>
+    </p:extLst>
+  </p:cSld>
+  <p:clrMapOvr>
+    <a:masterClrMapping/>
+  </p:clrMapOvr>
 </p:sld>
 </file>
 
@@ -8914,7 +8974,7 @@
           <p:cNvPr id="5" name="TextBox 4">
             <a:extLst>
               <a:ext uri="{FF2B5EF4-FFF2-40B4-BE49-F238E27FC236}">
-                <a16:creationId xmlns:a16="http://schemas.microsoft.com/office/drawing/2014/main" id="{4EDAA912-8FA0-0F11-119B-EA9F8B36A489}"/>
+                <a16:creationId xmlns:a16="http://schemas.microsoft.com/office/drawing/2014/main" xmlns="" id="{4EDAA912-8FA0-0F11-119B-EA9F8B36A489}"/>
               </a:ext>
             </a:extLst>
           </p:cNvPr>
@@ -8923,8 +8983,159 @@
         </p:nvSpPr>
         <p:spPr>
           <a:xfrm>
-            <a:off x="533400" y="266700"/>
-            <a:ext cx="16383000" cy="2616101"/>
+            <a:off x="1371600" y="1028700"/>
+            <a:ext cx="9036448" cy="646331"/>
+          </a:xfrm>
+          <a:prstGeom prst="rect">
+            <a:avLst/>
+          </a:prstGeom>
+          <a:noFill/>
+        </p:spPr>
+        <p:txBody>
+          <a:bodyPr wrap="none" rtlCol="0">
+            <a:spAutoFit/>
+          </a:bodyPr>
+          <a:lstStyle/>
+          <a:p>
+            <a:r>
+              <a:rPr lang="ko-KR" altLang="en-US" sz="3600" dirty="0">
+                <a:solidFill>
+                  <a:srgbClr val="4C50BC"/>
+                </a:solidFill>
+                <a:latin typeface="G마켓 산스 Medium" panose="02000000000000000000" pitchFamily="50" charset="-127"/>
+                <a:ea typeface="G마켓 산스 Medium" panose="02000000000000000000" pitchFamily="50" charset="-127"/>
+              </a:rPr>
+              <a:t>좌표를 입력 받아 해당좌표에 </a:t>
+            </a:r>
+            <a:r>
+              <a:rPr lang="en-US" altLang="ko-KR" sz="3600" dirty="0">
+                <a:solidFill>
+                  <a:srgbClr val="4C50BC"/>
+                </a:solidFill>
+                <a:latin typeface="G마켓 산스 Medium" panose="02000000000000000000" pitchFamily="50" charset="-127"/>
+                <a:ea typeface="G마켓 산스 Medium" panose="02000000000000000000" pitchFamily="50" charset="-127"/>
+              </a:rPr>
+              <a:t>x</a:t>
+            </a:r>
+            <a:r>
+              <a:rPr lang="ko-KR" altLang="en-US" sz="3600" dirty="0">
+                <a:solidFill>
+                  <a:srgbClr val="4C50BC"/>
+                </a:solidFill>
+                <a:latin typeface="G마켓 산스 Medium" panose="02000000000000000000" pitchFamily="50" charset="-127"/>
+                <a:ea typeface="G마켓 산스 Medium" panose="02000000000000000000" pitchFamily="50" charset="-127"/>
+              </a:rPr>
+              <a:t>를 표시하자</a:t>
+            </a:r>
+            <a:endParaRPr lang="en-US" altLang="ko-KR" sz="3600" dirty="0">
+              <a:solidFill>
+                <a:srgbClr val="FF0000"/>
+              </a:solidFill>
+              <a:latin typeface="G마켓 산스 Medium" panose="02000000000000000000" pitchFamily="50" charset="-127"/>
+              <a:ea typeface="G마켓 산스 Medium" panose="02000000000000000000" pitchFamily="50" charset="-127"/>
+            </a:endParaRPr>
+          </a:p>
+        </p:txBody>
+      </p:sp>
+      <p:pic>
+        <p:nvPicPr>
+          <p:cNvPr id="6" name="그림 5"/>
+          <p:cNvPicPr>
+            <a:picLocks noChangeAspect="1"/>
+          </p:cNvPicPr>
+          <p:nvPr/>
+        </p:nvPicPr>
+        <p:blipFill>
+          <a:blip r:embed="rId2"/>
+          <a:stretch>
+            <a:fillRect/>
+          </a:stretch>
+        </p:blipFill>
+        <p:spPr>
+          <a:xfrm>
+            <a:off x="8610600" y="1893220"/>
+            <a:ext cx="2597285" cy="3024887"/>
+          </a:xfrm>
+          <a:prstGeom prst="rect">
+            <a:avLst/>
+          </a:prstGeom>
+        </p:spPr>
+      </p:pic>
+      <p:pic>
+        <p:nvPicPr>
+          <p:cNvPr id="8" name="그림 7"/>
+          <p:cNvPicPr>
+            <a:picLocks noChangeAspect="1"/>
+          </p:cNvPicPr>
+          <p:nvPr/>
+        </p:nvPicPr>
+        <p:blipFill>
+          <a:blip r:embed="rId3"/>
+          <a:stretch>
+            <a:fillRect/>
+          </a:stretch>
+        </p:blipFill>
+        <p:spPr>
+          <a:xfrm>
+            <a:off x="533399" y="1790700"/>
+            <a:ext cx="7477193" cy="8458200"/>
+          </a:xfrm>
+          <a:prstGeom prst="rect">
+            <a:avLst/>
+          </a:prstGeom>
+        </p:spPr>
+      </p:pic>
+      <p:pic>
+        <p:nvPicPr>
+          <p:cNvPr id="9" name="그림 8"/>
+          <p:cNvPicPr>
+            <a:picLocks noChangeAspect="1"/>
+          </p:cNvPicPr>
+          <p:nvPr/>
+        </p:nvPicPr>
+        <p:blipFill rotWithShape="1">
+          <a:blip r:embed="rId4">
+            <a:extLst>
+              <a:ext uri="{BEBA8EAE-BF5A-486C-A8C5-ECC9F3942E4B}">
+                <a14:imgProps xmlns:a14="http://schemas.microsoft.com/office/drawing/2010/main">
+                  <a14:imgLayer r:embed="rId5">
+                    <a14:imgEffect>
+                      <a14:artisticBlur radius="25"/>
+                    </a14:imgEffect>
+                  </a14:imgLayer>
+                </a14:imgProps>
+              </a:ext>
+            </a:extLst>
+          </a:blip>
+          <a:srcRect t="37838" r="-1910"/>
+          <a:stretch/>
+        </p:blipFill>
+        <p:spPr>
+          <a:xfrm>
+            <a:off x="533400" y="4991100"/>
+            <a:ext cx="7620000" cy="5257800"/>
+          </a:xfrm>
+          <a:prstGeom prst="rect">
+            <a:avLst/>
+          </a:prstGeom>
+        </p:spPr>
+      </p:pic>
+      <p:sp>
+        <p:nvSpPr>
+          <p:cNvPr id="3" name="TextBox 2">
+            <a:extLst>
+              <a:ext uri="{FF2B5EF4-FFF2-40B4-BE49-F238E27FC236}">
+                <a16:creationId xmlns:a16="http://schemas.microsoft.com/office/drawing/2014/main" xmlns="" id="{7191C395-A85E-B6D1-48A4-0F9CEF9E291A}"/>
+              </a:ext>
+            </a:extLst>
+          </p:cNvPr>
+          <p:cNvSpPr txBox="1"/>
+          <p:nvPr/>
+        </p:nvSpPr>
+        <p:spPr>
+          <a:xfrm>
+            <a:off x="304800" y="114300"/>
+            <a:ext cx="10972800" cy="923330"/>
           </a:xfrm>
           <a:prstGeom prst="rect">
             <a:avLst/>
@@ -8938,66 +9149,1308 @@
           <a:lstStyle/>
           <a:p>
             <a:r>
-              <a:rPr lang="en-US" altLang="ko-KR" sz="3200">
+              <a:rPr lang="en-US" altLang="ko-KR" sz="5400" spc="-300" dirty="0">
                 <a:solidFill>
                   <a:srgbClr val="4C50BC"/>
                 </a:solidFill>
-                <a:latin typeface="G마켓 산스 Medium" panose="02000000000000000000" pitchFamily="50" charset="-127"/>
-                <a:ea typeface="G마켓 산스 Medium" panose="02000000000000000000" pitchFamily="50" charset="-127"/>
-              </a:rPr>
-              <a:t>3-3 1~25 </a:t>
-            </a:r>
-            <a:r>
-              <a:rPr lang="ko-KR" altLang="en-US" sz="3200">
+                <a:latin typeface="G마켓 산스 Bold" panose="02000000000000000000" pitchFamily="50" charset="-127"/>
+                <a:ea typeface="G마켓 산스 Bold" panose="02000000000000000000" pitchFamily="50" charset="-127"/>
+              </a:rPr>
+              <a:t>3-1 </a:t>
+            </a:r>
+            <a:r>
+              <a:rPr lang="ko-KR" altLang="en-US" sz="5400" spc="-300" dirty="0">
                 <a:solidFill>
                   <a:srgbClr val="4C50BC"/>
                 </a:solidFill>
-                <a:latin typeface="G마켓 산스 Medium" panose="02000000000000000000" pitchFamily="50" charset="-127"/>
-                <a:ea typeface="G마켓 산스 Medium" panose="02000000000000000000" pitchFamily="50" charset="-127"/>
-              </a:rPr>
-              <a:t>사이의 셔플된 </a:t>
-            </a:r>
-            <a:r>
-              <a:rPr lang="en-US" altLang="ko-KR" sz="3200">
+                <a:latin typeface="G마켓 산스 Bold" panose="02000000000000000000" pitchFamily="50" charset="-127"/>
+                <a:ea typeface="G마켓 산스 Bold" panose="02000000000000000000" pitchFamily="50" charset="-127"/>
+              </a:rPr>
+              <a:t>실습문제</a:t>
+            </a:r>
+            <a:r>
+              <a:rPr lang="en-US" altLang="ko-KR" sz="5400" spc="-300" dirty="0">
                 <a:solidFill>
                   <a:srgbClr val="4C50BC"/>
                 </a:solidFill>
+                <a:latin typeface="G마켓 산스 Bold" panose="02000000000000000000" pitchFamily="50" charset="-127"/>
+                <a:ea typeface="G마켓 산스 Bold" panose="02000000000000000000" pitchFamily="50" charset="-127"/>
+              </a:rPr>
+              <a:t> </a:t>
+            </a:r>
+            <a:r>
+              <a:rPr lang="en-US" altLang="ko-KR" sz="5400" spc="-300" dirty="0">
+                <a:solidFill>
+                  <a:srgbClr val="FF0000"/>
+                </a:solidFill>
+                <a:latin typeface="G마켓 산스 Bold" panose="02000000000000000000" pitchFamily="50" charset="-127"/>
+                <a:ea typeface="G마켓 산스 Bold" panose="02000000000000000000" pitchFamily="50" charset="-127"/>
+              </a:rPr>
+              <a:t>(hard)</a:t>
+            </a:r>
+          </a:p>
+        </p:txBody>
+      </p:sp>
+      <p:cxnSp>
+        <p:nvCxnSpPr>
+          <p:cNvPr id="7" name="직선 연결선 6">
+            <a:extLst>
+              <a:ext uri="{FF2B5EF4-FFF2-40B4-BE49-F238E27FC236}">
+                <a16:creationId xmlns:a16="http://schemas.microsoft.com/office/drawing/2014/main" xmlns="" id="{10787660-5A9E-A144-1505-B277768F2677}"/>
+              </a:ext>
+            </a:extLst>
+          </p:cNvPr>
+          <p:cNvCxnSpPr>
+            <a:cxnSpLocks/>
+          </p:cNvCxnSpPr>
+          <p:nvPr/>
+        </p:nvCxnSpPr>
+        <p:spPr>
+          <a:xfrm flipH="1" flipV="1">
+            <a:off x="-13447" y="972511"/>
+            <a:ext cx="18288000" cy="65119"/>
+          </a:xfrm>
+          <a:prstGeom prst="line">
+            <a:avLst/>
+          </a:prstGeom>
+          <a:ln w="38100">
+            <a:solidFill>
+              <a:srgbClr val="4C50BC"/>
+            </a:solidFill>
+          </a:ln>
+        </p:spPr>
+        <p:style>
+          <a:lnRef idx="1">
+            <a:schemeClr val="accent1"/>
+          </a:lnRef>
+          <a:fillRef idx="0">
+            <a:schemeClr val="accent1"/>
+          </a:fillRef>
+          <a:effectRef idx="0">
+            <a:schemeClr val="accent1"/>
+          </a:effectRef>
+          <a:fontRef idx="minor">
+            <a:schemeClr val="tx1"/>
+          </a:fontRef>
+        </p:style>
+      </p:cxnSp>
+    </p:spTree>
+    <p:extLst>
+      <p:ext uri="{BB962C8B-B14F-4D97-AF65-F5344CB8AC3E}">
+        <p14:creationId xmlns:p14="http://schemas.microsoft.com/office/powerpoint/2010/main" val="3841562022"/>
+      </p:ext>
+    </p:extLst>
+  </p:cSld>
+  <p:clrMapOvr>
+    <a:masterClrMapping/>
+  </p:clrMapOvr>
+  <p:timing>
+    <p:tnLst>
+      <p:par>
+        <p:cTn id="1" dur="indefinite" restart="never" nodeType="tmRoot">
+          <p:childTnLst>
+            <p:seq concurrent="1" nextAc="seek">
+              <p:cTn id="2" dur="indefinite" nodeType="mainSeq">
+                <p:childTnLst>
+                  <p:par>
+                    <p:cTn id="3" fill="hold">
+                      <p:stCondLst>
+                        <p:cond delay="indefinite"/>
+                      </p:stCondLst>
+                      <p:childTnLst>
+                        <p:par>
+                          <p:cTn id="4" fill="hold">
+                            <p:stCondLst>
+                              <p:cond delay="0"/>
+                            </p:stCondLst>
+                            <p:childTnLst>
+                              <p:par>
+                                <p:cTn id="5" presetID="1" presetClass="exit" presetSubtype="0" fill="hold" nodeType="clickEffect">
+                                  <p:stCondLst>
+                                    <p:cond delay="0"/>
+                                  </p:stCondLst>
+                                  <p:childTnLst>
+                                    <p:set>
+                                      <p:cBhvr>
+                                        <p:cTn id="6" dur="1" fill="hold">
+                                          <p:stCondLst>
+                                            <p:cond delay="0"/>
+                                          </p:stCondLst>
+                                        </p:cTn>
+                                        <p:tgtEl>
+                                          <p:spTgt spid="9"/>
+                                        </p:tgtEl>
+                                        <p:attrNameLst>
+                                          <p:attrName>style.visibility</p:attrName>
+                                        </p:attrNameLst>
+                                      </p:cBhvr>
+                                      <p:to>
+                                        <p:strVal val="hidden"/>
+                                      </p:to>
+                                    </p:set>
+                                  </p:childTnLst>
+                                </p:cTn>
+                              </p:par>
+                            </p:childTnLst>
+                          </p:cTn>
+                        </p:par>
+                      </p:childTnLst>
+                    </p:cTn>
+                  </p:par>
+                </p:childTnLst>
+              </p:cTn>
+              <p:prevCondLst>
+                <p:cond evt="onPrev" delay="0">
+                  <p:tgtEl>
+                    <p:sldTgt/>
+                  </p:tgtEl>
+                </p:cond>
+              </p:prevCondLst>
+              <p:nextCondLst>
+                <p:cond evt="onNext" delay="0">
+                  <p:tgtEl>
+                    <p:sldTgt/>
+                  </p:tgtEl>
+                </p:cond>
+              </p:nextCondLst>
+            </p:seq>
+          </p:childTnLst>
+        </p:cTn>
+      </p:par>
+    </p:tnLst>
+  </p:timing>
+</p:sld>
+</file>
+
+<file path=ppt/slides/slide23.xml><?xml version="1.0" encoding="utf-8"?>
+<p:sld xmlns:a="http://schemas.openxmlformats.org/drawingml/2006/main" xmlns:r="http://schemas.openxmlformats.org/officeDocument/2006/relationships" xmlns:p="http://schemas.openxmlformats.org/presentationml/2006/main">
+  <p:cSld>
+    <p:spTree>
+      <p:nvGrpSpPr>
+        <p:cNvPr id="1" name=""/>
+        <p:cNvGrpSpPr/>
+        <p:nvPr/>
+      </p:nvGrpSpPr>
+      <p:grpSpPr>
+        <a:xfrm>
+          <a:off x="0" y="0"/>
+          <a:ext cx="0" cy="0"/>
+          <a:chOff x="0" y="0"/>
+          <a:chExt cx="0" cy="0"/>
+        </a:xfrm>
+      </p:grpSpPr>
+      <p:pic>
+        <p:nvPicPr>
+          <p:cNvPr id="4" name="그림 3">
+            <a:extLst>
+              <a:ext uri="{FF2B5EF4-FFF2-40B4-BE49-F238E27FC236}">
+                <a16:creationId xmlns:a16="http://schemas.microsoft.com/office/drawing/2014/main" xmlns="" id="{3C7547DE-B402-075C-4089-356DCA978C5E}"/>
+              </a:ext>
+            </a:extLst>
+          </p:cNvPr>
+          <p:cNvPicPr>
+            <a:picLocks noChangeAspect="1"/>
+          </p:cNvPicPr>
+          <p:nvPr/>
+        </p:nvPicPr>
+        <p:blipFill>
+          <a:blip r:embed="rId2"/>
+          <a:stretch>
+            <a:fillRect/>
+          </a:stretch>
+        </p:blipFill>
+        <p:spPr>
+          <a:xfrm>
+            <a:off x="1066800" y="1181100"/>
+            <a:ext cx="7948728" cy="8991600"/>
+          </a:xfrm>
+          <a:prstGeom prst="rect">
+            <a:avLst/>
+          </a:prstGeom>
+        </p:spPr>
+      </p:pic>
+      <p:sp>
+        <p:nvSpPr>
+          <p:cNvPr id="5" name="TextBox 4">
+            <a:extLst>
+              <a:ext uri="{FF2B5EF4-FFF2-40B4-BE49-F238E27FC236}">
+                <a16:creationId xmlns:a16="http://schemas.microsoft.com/office/drawing/2014/main" xmlns="" id="{AB087E0B-B941-9AA8-BFCE-71400208FDC8}"/>
+              </a:ext>
+            </a:extLst>
+          </p:cNvPr>
+          <p:cNvSpPr txBox="1"/>
+          <p:nvPr/>
+        </p:nvSpPr>
+        <p:spPr>
+          <a:xfrm>
+            <a:off x="304800" y="114300"/>
+            <a:ext cx="10972800" cy="923330"/>
+          </a:xfrm>
+          <a:prstGeom prst="rect">
+            <a:avLst/>
+          </a:prstGeom>
+          <a:noFill/>
+        </p:spPr>
+        <p:txBody>
+          <a:bodyPr wrap="square" rtlCol="0">
+            <a:spAutoFit/>
+          </a:bodyPr>
+          <a:lstStyle/>
+          <a:p>
+            <a:r>
+              <a:rPr lang="en-US" altLang="ko-KR" sz="5400" spc="-300" dirty="0">
+                <a:solidFill>
+                  <a:srgbClr val="4C50BC"/>
+                </a:solidFill>
+                <a:latin typeface="G마켓 산스 Bold" panose="02000000000000000000" pitchFamily="50" charset="-127"/>
+                <a:ea typeface="G마켓 산스 Bold" panose="02000000000000000000" pitchFamily="50" charset="-127"/>
+              </a:rPr>
+              <a:t>3-1 </a:t>
+            </a:r>
+            <a:r>
+              <a:rPr lang="ko-KR" altLang="en-US" sz="5400" spc="-300" dirty="0">
+                <a:solidFill>
+                  <a:srgbClr val="4C50BC"/>
+                </a:solidFill>
+                <a:latin typeface="G마켓 산스 Bold" panose="02000000000000000000" pitchFamily="50" charset="-127"/>
+                <a:ea typeface="G마켓 산스 Bold" panose="02000000000000000000" pitchFamily="50" charset="-127"/>
+              </a:rPr>
+              <a:t>문제풀이</a:t>
+            </a:r>
+            <a:r>
+              <a:rPr lang="en-US" altLang="ko-KR" sz="5400" spc="-300" dirty="0">
+                <a:solidFill>
+                  <a:srgbClr val="4C50BC"/>
+                </a:solidFill>
+                <a:latin typeface="G마켓 산스 Bold" panose="02000000000000000000" pitchFamily="50" charset="-127"/>
+                <a:ea typeface="G마켓 산스 Bold" panose="02000000000000000000" pitchFamily="50" charset="-127"/>
+              </a:rPr>
+              <a:t> </a:t>
+            </a:r>
+            <a:r>
+              <a:rPr lang="en-US" altLang="ko-KR" sz="5400" spc="-300" dirty="0">
+                <a:solidFill>
+                  <a:srgbClr val="FF0000"/>
+                </a:solidFill>
+                <a:latin typeface="G마켓 산스 Bold" panose="02000000000000000000" pitchFamily="50" charset="-127"/>
+                <a:ea typeface="G마켓 산스 Bold" panose="02000000000000000000" pitchFamily="50" charset="-127"/>
+              </a:rPr>
+              <a:t>(hard)</a:t>
+            </a:r>
+          </a:p>
+        </p:txBody>
+      </p:sp>
+      <p:cxnSp>
+        <p:nvCxnSpPr>
+          <p:cNvPr id="6" name="직선 연결선 5">
+            <a:extLst>
+              <a:ext uri="{FF2B5EF4-FFF2-40B4-BE49-F238E27FC236}">
+                <a16:creationId xmlns:a16="http://schemas.microsoft.com/office/drawing/2014/main" xmlns="" id="{F7445ED5-3717-CD51-E5D8-274E776535C1}"/>
+              </a:ext>
+            </a:extLst>
+          </p:cNvPr>
+          <p:cNvCxnSpPr>
+            <a:cxnSpLocks/>
+          </p:cNvCxnSpPr>
+          <p:nvPr/>
+        </p:nvCxnSpPr>
+        <p:spPr>
+          <a:xfrm flipH="1" flipV="1">
+            <a:off x="-13447" y="972511"/>
+            <a:ext cx="18288000" cy="65119"/>
+          </a:xfrm>
+          <a:prstGeom prst="line">
+            <a:avLst/>
+          </a:prstGeom>
+          <a:ln w="38100">
+            <a:solidFill>
+              <a:srgbClr val="4C50BC"/>
+            </a:solidFill>
+          </a:ln>
+        </p:spPr>
+        <p:style>
+          <a:lnRef idx="1">
+            <a:schemeClr val="accent1"/>
+          </a:lnRef>
+          <a:fillRef idx="0">
+            <a:schemeClr val="accent1"/>
+          </a:fillRef>
+          <a:effectRef idx="0">
+            <a:schemeClr val="accent1"/>
+          </a:effectRef>
+          <a:fontRef idx="minor">
+            <a:schemeClr val="tx1"/>
+          </a:fontRef>
+        </p:style>
+      </p:cxnSp>
+    </p:spTree>
+    <p:extLst>
+      <p:ext uri="{BB962C8B-B14F-4D97-AF65-F5344CB8AC3E}">
+        <p14:creationId xmlns:p14="http://schemas.microsoft.com/office/powerpoint/2010/main" val="1794389405"/>
+      </p:ext>
+    </p:extLst>
+  </p:cSld>
+  <p:clrMapOvr>
+    <a:masterClrMapping/>
+  </p:clrMapOvr>
+  <p:timing>
+    <p:tnLst>
+      <p:par>
+        <p:cTn id="1" dur="indefinite" restart="never" nodeType="tmRoot"/>
+      </p:par>
+    </p:tnLst>
+  </p:timing>
+</p:sld>
+</file>
+
+<file path=ppt/slides/slide24.xml><?xml version="1.0" encoding="utf-8"?>
+<p:sld xmlns:a="http://schemas.openxmlformats.org/drawingml/2006/main" xmlns:r="http://schemas.openxmlformats.org/officeDocument/2006/relationships" xmlns:p="http://schemas.openxmlformats.org/presentationml/2006/main">
+  <p:cSld>
+    <p:spTree>
+      <p:nvGrpSpPr>
+        <p:cNvPr id="1" name=""/>
+        <p:cNvGrpSpPr/>
+        <p:nvPr/>
+      </p:nvGrpSpPr>
+      <p:grpSpPr>
+        <a:xfrm>
+          <a:off x="0" y="0"/>
+          <a:ext cx="0" cy="0"/>
+          <a:chOff x="0" y="0"/>
+          <a:chExt cx="0" cy="0"/>
+        </a:xfrm>
+      </p:grpSpPr>
+      <p:sp>
+        <p:nvSpPr>
+          <p:cNvPr id="4" name="TextBox 3">
+            <a:extLst>
+              <a:ext uri="{FF2B5EF4-FFF2-40B4-BE49-F238E27FC236}">
+                <a16:creationId xmlns:a16="http://schemas.microsoft.com/office/drawing/2014/main" xmlns="" id="{4EDAA912-8FA0-0F11-119B-EA9F8B36A489}"/>
+              </a:ext>
+            </a:extLst>
+          </p:cNvPr>
+          <p:cNvSpPr txBox="1"/>
+          <p:nvPr/>
+        </p:nvSpPr>
+        <p:spPr>
+          <a:xfrm>
+            <a:off x="685800" y="1181100"/>
+            <a:ext cx="17094744" cy="1200329"/>
+          </a:xfrm>
+          <a:prstGeom prst="rect">
+            <a:avLst/>
+          </a:prstGeom>
+          <a:noFill/>
+        </p:spPr>
+        <p:txBody>
+          <a:bodyPr wrap="none" rtlCol="0">
+            <a:spAutoFit/>
+          </a:bodyPr>
+          <a:lstStyle/>
+          <a:p>
+            <a:r>
+              <a:rPr lang="ko-KR" altLang="en-US" sz="3600" dirty="0">
+                <a:solidFill>
+                  <a:srgbClr val="4C50BC"/>
+                </a:solidFill>
+                <a:latin typeface="G마켓 산스 Medium" panose="02000000000000000000" pitchFamily="50" charset="-127"/>
+                <a:ea typeface="G마켓 산스 Medium" panose="02000000000000000000" pitchFamily="50" charset="-127"/>
+              </a:rPr>
+              <a:t>아래의 그림은 </a:t>
+            </a:r>
+            <a:r>
+              <a:rPr lang="en-US" altLang="ko-KR" sz="3600" dirty="0">
+                <a:solidFill>
+                  <a:srgbClr val="4C50BC"/>
+                </a:solidFill>
                 <a:latin typeface="G마켓 산스 Medium" panose="02000000000000000000" pitchFamily="50" charset="-127"/>
                 <a:ea typeface="G마켓 산스 Medium" panose="02000000000000000000" pitchFamily="50" charset="-127"/>
               </a:rPr>
               <a:t>2</a:t>
             </a:r>
             <a:r>
-              <a:rPr lang="ko-KR" altLang="en-US" sz="3200">
+              <a:rPr lang="ko-KR" altLang="en-US" sz="3600" dirty="0">
                 <a:solidFill>
                   <a:srgbClr val="4C50BC"/>
                 </a:solidFill>
                 <a:latin typeface="G마켓 산스 Medium" panose="02000000000000000000" pitchFamily="50" charset="-127"/>
                 <a:ea typeface="G마켓 산스 Medium" panose="02000000000000000000" pitchFamily="50" charset="-127"/>
               </a:rPr>
+              <a:t>차원 배열을 이용하여  </a:t>
+            </a:r>
+            <a:r>
+              <a:rPr lang="ko-KR" altLang="en-US" sz="3600" dirty="0" err="1">
+                <a:solidFill>
+                  <a:srgbClr val="4C50BC"/>
+                </a:solidFill>
+                <a:latin typeface="G마켓 산스 Medium" panose="02000000000000000000" pitchFamily="50" charset="-127"/>
+                <a:ea typeface="G마켓 산스 Medium" panose="02000000000000000000" pitchFamily="50" charset="-127"/>
+              </a:rPr>
+              <a:t>ㅏ</a:t>
+            </a:r>
+            <a:r>
+              <a:rPr lang="ko-KR" altLang="en-US" sz="3600" dirty="0">
+                <a:solidFill>
+                  <a:srgbClr val="4C50BC"/>
+                </a:solidFill>
+                <a:latin typeface="G마켓 산스 Medium" panose="02000000000000000000" pitchFamily="50" charset="-127"/>
+                <a:ea typeface="G마켓 산스 Medium" panose="02000000000000000000" pitchFamily="50" charset="-127"/>
+              </a:rPr>
+              <a:t>  모양의 </a:t>
+            </a:r>
+            <a:r>
+              <a:rPr lang="ko-KR" altLang="en-US" sz="3600" dirty="0" err="1">
+                <a:solidFill>
+                  <a:srgbClr val="4C50BC"/>
+                </a:solidFill>
+                <a:latin typeface="G마켓 산스 Medium" panose="02000000000000000000" pitchFamily="50" charset="-127"/>
+                <a:ea typeface="G마켓 산스 Medium" panose="02000000000000000000" pitchFamily="50" charset="-127"/>
+              </a:rPr>
+              <a:t>테트리스</a:t>
+            </a:r>
+            <a:r>
+              <a:rPr lang="ko-KR" altLang="en-US" sz="3600" dirty="0">
+                <a:solidFill>
+                  <a:srgbClr val="4C50BC"/>
+                </a:solidFill>
+                <a:latin typeface="G마켓 산스 Medium" panose="02000000000000000000" pitchFamily="50" charset="-127"/>
+                <a:ea typeface="G마켓 산스 Medium" panose="02000000000000000000" pitchFamily="50" charset="-127"/>
+              </a:rPr>
+              <a:t> 블록을 </a:t>
+            </a:r>
+            <a:r>
+              <a:rPr lang="ko-KR" altLang="en-US" sz="3600" dirty="0" err="1">
+                <a:solidFill>
+                  <a:srgbClr val="4C50BC"/>
+                </a:solidFill>
+                <a:latin typeface="G마켓 산스 Medium" panose="02000000000000000000" pitchFamily="50" charset="-127"/>
+                <a:ea typeface="G마켓 산스 Medium" panose="02000000000000000000" pitchFamily="50" charset="-127"/>
+              </a:rPr>
+              <a:t>표현한것이다</a:t>
+            </a:r>
+            <a:r>
+              <a:rPr lang="en-US" altLang="ko-KR" sz="3600" dirty="0">
+                <a:solidFill>
+                  <a:srgbClr val="4C50BC"/>
+                </a:solidFill>
+                <a:latin typeface="G마켓 산스 Medium" panose="02000000000000000000" pitchFamily="50" charset="-127"/>
+                <a:ea typeface="G마켓 산스 Medium" panose="02000000000000000000" pitchFamily="50" charset="-127"/>
+              </a:rPr>
+              <a:t>.</a:t>
+            </a:r>
+          </a:p>
+          <a:p>
+            <a:r>
+              <a:rPr lang="ko-KR" altLang="en-US" sz="3600" dirty="0">
+                <a:solidFill>
+                  <a:srgbClr val="4C50BC"/>
+                </a:solidFill>
+                <a:latin typeface="G마켓 산스 Medium" panose="02000000000000000000" pitchFamily="50" charset="-127"/>
+                <a:ea typeface="G마켓 산스 Medium" panose="02000000000000000000" pitchFamily="50" charset="-127"/>
+              </a:rPr>
+              <a:t> 블록을 시계방향으로 </a:t>
+            </a:r>
+            <a:r>
+              <a:rPr lang="en-US" altLang="ko-KR" sz="3600" dirty="0">
+                <a:solidFill>
+                  <a:srgbClr val="4C50BC"/>
+                </a:solidFill>
+                <a:latin typeface="G마켓 산스 Medium" panose="02000000000000000000" pitchFamily="50" charset="-127"/>
+                <a:ea typeface="G마켓 산스 Medium" panose="02000000000000000000" pitchFamily="50" charset="-127"/>
+              </a:rPr>
+              <a:t>90</a:t>
+            </a:r>
+            <a:r>
+              <a:rPr lang="ko-KR" altLang="en-US" sz="3600" dirty="0">
+                <a:solidFill>
+                  <a:srgbClr val="4C50BC"/>
+                </a:solidFill>
+                <a:latin typeface="G마켓 산스 Medium" panose="02000000000000000000" pitchFamily="50" charset="-127"/>
+                <a:ea typeface="G마켓 산스 Medium" panose="02000000000000000000" pitchFamily="50" charset="-127"/>
+              </a:rPr>
+              <a:t>도 돌려서 </a:t>
+            </a:r>
+            <a:r>
+              <a:rPr lang="ko-KR" altLang="en-US" sz="3600" dirty="0" err="1">
+                <a:solidFill>
+                  <a:srgbClr val="4C50BC"/>
+                </a:solidFill>
+                <a:latin typeface="G마켓 산스 Medium" panose="02000000000000000000" pitchFamily="50" charset="-127"/>
+                <a:ea typeface="G마켓 산스 Medium" panose="02000000000000000000" pitchFamily="50" charset="-127"/>
+              </a:rPr>
+              <a:t>ㅜ</a:t>
+            </a:r>
+            <a:r>
+              <a:rPr lang="ko-KR" altLang="en-US" sz="3600" dirty="0">
+                <a:solidFill>
+                  <a:srgbClr val="4C50BC"/>
+                </a:solidFill>
+                <a:latin typeface="G마켓 산스 Medium" panose="02000000000000000000" pitchFamily="50" charset="-127"/>
+                <a:ea typeface="G마켓 산스 Medium" panose="02000000000000000000" pitchFamily="50" charset="-127"/>
+              </a:rPr>
+              <a:t> 모양을 만들어 보자</a:t>
+            </a:r>
+            <a:r>
+              <a:rPr lang="en-US" altLang="ko-KR" sz="3600" dirty="0">
+                <a:solidFill>
+                  <a:srgbClr val="4C50BC"/>
+                </a:solidFill>
+                <a:latin typeface="G마켓 산스 Medium" panose="02000000000000000000" pitchFamily="50" charset="-127"/>
+                <a:ea typeface="G마켓 산스 Medium" panose="02000000000000000000" pitchFamily="50" charset="-127"/>
+              </a:rPr>
+              <a:t>.</a:t>
+            </a:r>
+            <a:endParaRPr lang="en-US" altLang="ko-KR" sz="3600" dirty="0">
+              <a:solidFill>
+                <a:srgbClr val="FF0000"/>
+              </a:solidFill>
+              <a:latin typeface="G마켓 산스 Medium" panose="02000000000000000000" pitchFamily="50" charset="-127"/>
+              <a:ea typeface="G마켓 산스 Medium" panose="02000000000000000000" pitchFamily="50" charset="-127"/>
+            </a:endParaRPr>
+          </a:p>
+        </p:txBody>
+      </p:sp>
+      <p:pic>
+        <p:nvPicPr>
+          <p:cNvPr id="5" name="그림 4"/>
+          <p:cNvPicPr>
+            <a:picLocks noChangeAspect="1"/>
+          </p:cNvPicPr>
+          <p:nvPr/>
+        </p:nvPicPr>
+        <p:blipFill>
+          <a:blip r:embed="rId2"/>
+          <a:stretch>
+            <a:fillRect/>
+          </a:stretch>
+        </p:blipFill>
+        <p:spPr>
+          <a:xfrm>
+            <a:off x="8995055" y="3852330"/>
+            <a:ext cx="2918222" cy="6981914"/>
+          </a:xfrm>
+          <a:prstGeom prst="rect">
+            <a:avLst/>
+          </a:prstGeom>
+        </p:spPr>
+      </p:pic>
+      <p:pic>
+        <p:nvPicPr>
+          <p:cNvPr id="6" name="그림 5"/>
+          <p:cNvPicPr>
+            <a:picLocks noChangeAspect="1"/>
+          </p:cNvPicPr>
+          <p:nvPr/>
+        </p:nvPicPr>
+        <p:blipFill>
+          <a:blip r:embed="rId3"/>
+          <a:stretch>
+            <a:fillRect/>
+          </a:stretch>
+        </p:blipFill>
+        <p:spPr>
+          <a:xfrm>
+            <a:off x="228600" y="2270224"/>
+            <a:ext cx="8245886" cy="8689895"/>
+          </a:xfrm>
+          <a:prstGeom prst="rect">
+            <a:avLst/>
+          </a:prstGeom>
+        </p:spPr>
+      </p:pic>
+      <p:sp>
+        <p:nvSpPr>
+          <p:cNvPr id="7" name="직사각형 6"/>
+          <p:cNvSpPr/>
+          <p:nvPr/>
+        </p:nvSpPr>
+        <p:spPr>
+          <a:xfrm>
+            <a:off x="8474486" y="2328565"/>
+            <a:ext cx="9753601" cy="1384995"/>
+          </a:xfrm>
+          <a:prstGeom prst="rect">
+            <a:avLst/>
+          </a:prstGeom>
+        </p:spPr>
+        <p:txBody>
+          <a:bodyPr wrap="square">
+            <a:spAutoFit/>
+          </a:bodyPr>
+          <a:lstStyle/>
+          <a:p>
+            <a:pPr marL="571500" indent="-571500">
+              <a:buFontTx/>
+              <a:buChar char="-"/>
+            </a:pPr>
+            <a:r>
+              <a:rPr lang="en-US" altLang="ko-KR" sz="2800">
+                <a:solidFill>
+                  <a:schemeClr val="bg1">
+                    <a:lumMod val="50000"/>
+                  </a:schemeClr>
+                </a:solidFill>
+                <a:latin typeface="G마켓 산스 Medium" panose="02000000000000000000" pitchFamily="50" charset="-127"/>
+                <a:ea typeface="G마켓 산스 Medium" panose="02000000000000000000" pitchFamily="50" charset="-127"/>
+              </a:rPr>
+              <a:t>2</a:t>
+            </a:r>
+            <a:r>
+              <a:rPr lang="ko-KR" altLang="en-US" sz="2800">
+                <a:solidFill>
+                  <a:schemeClr val="bg1">
+                    <a:lumMod val="50000"/>
+                  </a:schemeClr>
+                </a:solidFill>
+                <a:latin typeface="G마켓 산스 Medium" panose="02000000000000000000" pitchFamily="50" charset="-127"/>
+                <a:ea typeface="G마켓 산스 Medium" panose="02000000000000000000" pitchFamily="50" charset="-127"/>
+              </a:rPr>
               <a:t>차원 배열</a:t>
             </a:r>
             <a:r>
-              <a:rPr lang="en-US" altLang="ko-KR" sz="3200">
+              <a:rPr lang="en-US" altLang="ko-KR" sz="2800">
+                <a:solidFill>
+                  <a:schemeClr val="bg1">
+                    <a:lumMod val="50000"/>
+                  </a:schemeClr>
+                </a:solidFill>
+                <a:latin typeface="G마켓 산스 Medium" panose="02000000000000000000" pitchFamily="50" charset="-127"/>
+                <a:ea typeface="G마켓 산스 Medium" panose="02000000000000000000" pitchFamily="50" charset="-127"/>
+              </a:rPr>
+              <a:t>[5][5]</a:t>
+            </a:r>
+            <a:r>
+              <a:rPr lang="ko-KR" altLang="en-US" sz="2800">
+                <a:solidFill>
+                  <a:schemeClr val="bg1">
+                    <a:lumMod val="50000"/>
+                  </a:schemeClr>
+                </a:solidFill>
+                <a:latin typeface="G마켓 산스 Medium" panose="02000000000000000000" pitchFamily="50" charset="-127"/>
+                <a:ea typeface="G마켓 산스 Medium" panose="02000000000000000000" pitchFamily="50" charset="-127"/>
+              </a:rPr>
+              <a:t>를 만든후 적절한 인덱스에 </a:t>
+            </a:r>
+            <a:r>
+              <a:rPr lang="en-US" altLang="ko-KR" sz="2800">
+                <a:solidFill>
+                  <a:schemeClr val="bg1">
+                    <a:lumMod val="50000"/>
+                  </a:schemeClr>
+                </a:solidFill>
+                <a:latin typeface="G마켓 산스 Medium" panose="02000000000000000000" pitchFamily="50" charset="-127"/>
+                <a:ea typeface="G마켓 산스 Medium" panose="02000000000000000000" pitchFamily="50" charset="-127"/>
+              </a:rPr>
+              <a:t>*</a:t>
+            </a:r>
+            <a:r>
+              <a:rPr lang="ko-KR" altLang="en-US" sz="2800">
+                <a:solidFill>
+                  <a:schemeClr val="bg1">
+                    <a:lumMod val="50000"/>
+                  </a:schemeClr>
+                </a:solidFill>
+                <a:latin typeface="G마켓 산스 Medium" panose="02000000000000000000" pitchFamily="50" charset="-127"/>
+                <a:ea typeface="G마켓 산스 Medium" panose="02000000000000000000" pitchFamily="50" charset="-127"/>
+              </a:rPr>
+              <a:t>을 넣어서 ㅏ 모양을 만든다</a:t>
+            </a:r>
+            <a:r>
+              <a:rPr lang="en-US" altLang="ko-KR" sz="2800">
+                <a:solidFill>
+                  <a:schemeClr val="bg1">
+                    <a:lumMod val="50000"/>
+                  </a:schemeClr>
+                </a:solidFill>
+                <a:latin typeface="G마켓 산스 Medium" panose="02000000000000000000" pitchFamily="50" charset="-127"/>
+                <a:ea typeface="G마켓 산스 Medium" panose="02000000000000000000" pitchFamily="50" charset="-127"/>
+              </a:rPr>
+              <a:t>.</a:t>
+            </a:r>
+          </a:p>
+          <a:p>
+            <a:pPr marL="571500" indent="-571500">
+              <a:buFontTx/>
+              <a:buChar char="-"/>
+            </a:pPr>
+            <a:r>
+              <a:rPr lang="en-US" altLang="ko-KR" sz="2800">
+                <a:solidFill>
+                  <a:schemeClr val="bg1">
+                    <a:lumMod val="50000"/>
+                  </a:schemeClr>
+                </a:solidFill>
+                <a:latin typeface="G마켓 산스 Medium" panose="02000000000000000000" pitchFamily="50" charset="-127"/>
+                <a:ea typeface="G마켓 산스 Medium" panose="02000000000000000000" pitchFamily="50" charset="-127"/>
+              </a:rPr>
+              <a:t>*</a:t>
+            </a:r>
+            <a:r>
+              <a:rPr lang="ko-KR" altLang="en-US" sz="2800">
+                <a:solidFill>
+                  <a:schemeClr val="bg1">
+                    <a:lumMod val="50000"/>
+                  </a:schemeClr>
+                </a:solidFill>
+                <a:latin typeface="G마켓 산스 Medium" panose="02000000000000000000" pitchFamily="50" charset="-127"/>
+                <a:ea typeface="G마켓 산스 Medium" panose="02000000000000000000" pitchFamily="50" charset="-127"/>
+              </a:rPr>
+              <a:t>의 위치를 다른 인덱스로 옮겨서 </a:t>
+            </a:r>
+            <a:r>
+              <a:rPr lang="en-US" altLang="ko-KR" sz="2800">
+                <a:solidFill>
+                  <a:schemeClr val="bg1">
+                    <a:lumMod val="50000"/>
+                  </a:schemeClr>
+                </a:solidFill>
+                <a:latin typeface="G마켓 산스 Medium" panose="02000000000000000000" pitchFamily="50" charset="-127"/>
+                <a:ea typeface="G마켓 산스 Medium" panose="02000000000000000000" pitchFamily="50" charset="-127"/>
+              </a:rPr>
+              <a:t>90</a:t>
+            </a:r>
+            <a:r>
+              <a:rPr lang="ko-KR" altLang="en-US" sz="2800">
+                <a:solidFill>
+                  <a:schemeClr val="bg1">
+                    <a:lumMod val="50000"/>
+                  </a:schemeClr>
+                </a:solidFill>
+                <a:latin typeface="G마켓 산스 Medium" panose="02000000000000000000" pitchFamily="50" charset="-127"/>
+                <a:ea typeface="G마켓 산스 Medium" panose="02000000000000000000" pitchFamily="50" charset="-127"/>
+              </a:rPr>
+              <a:t>도 회전을 시켜보자</a:t>
+            </a:r>
+            <a:r>
+              <a:rPr lang="en-US" altLang="ko-KR" sz="2800">
+                <a:solidFill>
+                  <a:schemeClr val="bg1">
+                    <a:lumMod val="50000"/>
+                  </a:schemeClr>
+                </a:solidFill>
+                <a:latin typeface="G마켓 산스 Medium" panose="02000000000000000000" pitchFamily="50" charset="-127"/>
+                <a:ea typeface="G마켓 산스 Medium" panose="02000000000000000000" pitchFamily="50" charset="-127"/>
+              </a:rPr>
+              <a:t>.</a:t>
+            </a:r>
+          </a:p>
+        </p:txBody>
+      </p:sp>
+      <p:sp>
+        <p:nvSpPr>
+          <p:cNvPr id="3" name="TextBox 2">
+            <a:extLst>
+              <a:ext uri="{FF2B5EF4-FFF2-40B4-BE49-F238E27FC236}">
+                <a16:creationId xmlns:a16="http://schemas.microsoft.com/office/drawing/2014/main" xmlns="" id="{6B65E608-175D-842C-9F38-4D03B52A59FA}"/>
+              </a:ext>
+            </a:extLst>
+          </p:cNvPr>
+          <p:cNvSpPr txBox="1"/>
+          <p:nvPr/>
+        </p:nvSpPr>
+        <p:spPr>
+          <a:xfrm>
+            <a:off x="304800" y="114300"/>
+            <a:ext cx="10972800" cy="923330"/>
+          </a:xfrm>
+          <a:prstGeom prst="rect">
+            <a:avLst/>
+          </a:prstGeom>
+          <a:noFill/>
+        </p:spPr>
+        <p:txBody>
+          <a:bodyPr wrap="square" rtlCol="0">
+            <a:spAutoFit/>
+          </a:bodyPr>
+          <a:lstStyle/>
+          <a:p>
+            <a:r>
+              <a:rPr lang="en-US" altLang="ko-KR" sz="5400" spc="-300" dirty="0">
                 <a:solidFill>
                   <a:srgbClr val="4C50BC"/>
                 </a:solidFill>
+                <a:latin typeface="G마켓 산스 Bold" panose="02000000000000000000" pitchFamily="50" charset="-127"/>
+                <a:ea typeface="G마켓 산스 Bold" panose="02000000000000000000" pitchFamily="50" charset="-127"/>
+              </a:rPr>
+              <a:t>3-2 </a:t>
+            </a:r>
+            <a:r>
+              <a:rPr lang="ko-KR" altLang="en-US" sz="5400" spc="-300" dirty="0">
+                <a:solidFill>
+                  <a:srgbClr val="4C50BC"/>
+                </a:solidFill>
+                <a:latin typeface="G마켓 산스 Bold" panose="02000000000000000000" pitchFamily="50" charset="-127"/>
+                <a:ea typeface="G마켓 산스 Bold" panose="02000000000000000000" pitchFamily="50" charset="-127"/>
+              </a:rPr>
+              <a:t>실습문제</a:t>
+            </a:r>
+            <a:r>
+              <a:rPr lang="en-US" altLang="ko-KR" sz="5400" spc="-300" dirty="0">
+                <a:solidFill>
+                  <a:srgbClr val="4C50BC"/>
+                </a:solidFill>
+                <a:latin typeface="G마켓 산스 Bold" panose="02000000000000000000" pitchFamily="50" charset="-127"/>
+                <a:ea typeface="G마켓 산스 Bold" panose="02000000000000000000" pitchFamily="50" charset="-127"/>
+              </a:rPr>
+              <a:t> </a:t>
+            </a:r>
+            <a:r>
+              <a:rPr lang="en-US" altLang="ko-KR" sz="5400" spc="-300" dirty="0">
+                <a:solidFill>
+                  <a:srgbClr val="FF0000"/>
+                </a:solidFill>
+                <a:latin typeface="G마켓 산스 Bold" panose="02000000000000000000" pitchFamily="50" charset="-127"/>
+                <a:ea typeface="G마켓 산스 Bold" panose="02000000000000000000" pitchFamily="50" charset="-127"/>
+              </a:rPr>
+              <a:t>(expert)</a:t>
+            </a:r>
+          </a:p>
+        </p:txBody>
+      </p:sp>
+      <p:cxnSp>
+        <p:nvCxnSpPr>
+          <p:cNvPr id="9" name="직선 연결선 8">
+            <a:extLst>
+              <a:ext uri="{FF2B5EF4-FFF2-40B4-BE49-F238E27FC236}">
+                <a16:creationId xmlns:a16="http://schemas.microsoft.com/office/drawing/2014/main" xmlns="" id="{41FE3355-DE37-D777-B1A5-9E1B38D06D46}"/>
+              </a:ext>
+            </a:extLst>
+          </p:cNvPr>
+          <p:cNvCxnSpPr>
+            <a:cxnSpLocks/>
+          </p:cNvCxnSpPr>
+          <p:nvPr/>
+        </p:nvCxnSpPr>
+        <p:spPr>
+          <a:xfrm flipH="1" flipV="1">
+            <a:off x="-13447" y="972511"/>
+            <a:ext cx="18288000" cy="65119"/>
+          </a:xfrm>
+          <a:prstGeom prst="line">
+            <a:avLst/>
+          </a:prstGeom>
+          <a:ln w="38100">
+            <a:solidFill>
+              <a:srgbClr val="4C50BC"/>
+            </a:solidFill>
+          </a:ln>
+        </p:spPr>
+        <p:style>
+          <a:lnRef idx="1">
+            <a:schemeClr val="accent1"/>
+          </a:lnRef>
+          <a:fillRef idx="0">
+            <a:schemeClr val="accent1"/>
+          </a:fillRef>
+          <a:effectRef idx="0">
+            <a:schemeClr val="accent1"/>
+          </a:effectRef>
+          <a:fontRef idx="minor">
+            <a:schemeClr val="tx1"/>
+          </a:fontRef>
+        </p:style>
+      </p:cxnSp>
+    </p:spTree>
+    <p:extLst>
+      <p:ext uri="{BB962C8B-B14F-4D97-AF65-F5344CB8AC3E}">
+        <p14:creationId xmlns:p14="http://schemas.microsoft.com/office/powerpoint/2010/main" val="1409791073"/>
+      </p:ext>
+    </p:extLst>
+  </p:cSld>
+  <p:clrMapOvr>
+    <a:masterClrMapping/>
+  </p:clrMapOvr>
+  <p:timing>
+    <p:tnLst>
+      <p:par>
+        <p:cTn id="1" dur="indefinite" restart="never" nodeType="tmRoot"/>
+      </p:par>
+    </p:tnLst>
+  </p:timing>
+</p:sld>
+</file>
+
+<file path=ppt/slides/slide25.xml><?xml version="1.0" encoding="utf-8"?>
+<p:sld xmlns:a="http://schemas.openxmlformats.org/drawingml/2006/main" xmlns:r="http://schemas.openxmlformats.org/officeDocument/2006/relationships" xmlns:p="http://schemas.openxmlformats.org/presentationml/2006/main">
+  <p:cSld>
+    <p:spTree>
+      <p:nvGrpSpPr>
+        <p:cNvPr id="1" name=""/>
+        <p:cNvGrpSpPr/>
+        <p:nvPr/>
+      </p:nvGrpSpPr>
+      <p:grpSpPr>
+        <a:xfrm>
+          <a:off x="0" y="0"/>
+          <a:ext cx="0" cy="0"/>
+          <a:chOff x="0" y="0"/>
+          <a:chExt cx="0" cy="0"/>
+        </a:xfrm>
+      </p:grpSpPr>
+      <p:pic>
+        <p:nvPicPr>
+          <p:cNvPr id="5" name="그림 4">
+            <a:extLst>
+              <a:ext uri="{FF2B5EF4-FFF2-40B4-BE49-F238E27FC236}">
+                <a16:creationId xmlns:a16="http://schemas.microsoft.com/office/drawing/2014/main" xmlns="" id="{AD95DA57-98F2-0965-5ACD-F21A86749939}"/>
+              </a:ext>
+            </a:extLst>
+          </p:cNvPr>
+          <p:cNvPicPr>
+            <a:picLocks noChangeAspect="1"/>
+          </p:cNvPicPr>
+          <p:nvPr/>
+        </p:nvPicPr>
+        <p:blipFill>
+          <a:blip r:embed="rId2"/>
+          <a:stretch>
+            <a:fillRect/>
+          </a:stretch>
+        </p:blipFill>
+        <p:spPr>
+          <a:xfrm>
+            <a:off x="457200" y="1181101"/>
+            <a:ext cx="7438693" cy="2247956"/>
+          </a:xfrm>
+          <a:prstGeom prst="rect">
+            <a:avLst/>
+          </a:prstGeom>
+        </p:spPr>
+      </p:pic>
+      <p:pic>
+        <p:nvPicPr>
+          <p:cNvPr id="7" name="그림 6">
+            <a:extLst>
+              <a:ext uri="{FF2B5EF4-FFF2-40B4-BE49-F238E27FC236}">
+                <a16:creationId xmlns:a16="http://schemas.microsoft.com/office/drawing/2014/main" xmlns="" id="{D8DE3990-F215-1C5B-6914-38BE4E167A7C}"/>
+              </a:ext>
+            </a:extLst>
+          </p:cNvPr>
+          <p:cNvPicPr>
+            <a:picLocks noChangeAspect="1"/>
+          </p:cNvPicPr>
+          <p:nvPr/>
+        </p:nvPicPr>
+        <p:blipFill>
+          <a:blip r:embed="rId3"/>
+          <a:stretch>
+            <a:fillRect/>
+          </a:stretch>
+        </p:blipFill>
+        <p:spPr>
+          <a:xfrm>
+            <a:off x="9829800" y="1104900"/>
+            <a:ext cx="7374839" cy="2384195"/>
+          </a:xfrm>
+          <a:prstGeom prst="rect">
+            <a:avLst/>
+          </a:prstGeom>
+        </p:spPr>
+      </p:pic>
+      <p:pic>
+        <p:nvPicPr>
+          <p:cNvPr id="2" name="그림 1"/>
+          <p:cNvPicPr>
+            <a:picLocks noChangeAspect="1"/>
+          </p:cNvPicPr>
+          <p:nvPr/>
+        </p:nvPicPr>
+        <p:blipFill>
+          <a:blip r:embed="rId4"/>
+          <a:stretch>
+            <a:fillRect/>
+          </a:stretch>
+        </p:blipFill>
+        <p:spPr>
+          <a:xfrm>
+            <a:off x="2438401" y="3771900"/>
+            <a:ext cx="2792914" cy="6324600"/>
+          </a:xfrm>
+          <a:prstGeom prst="rect">
+            <a:avLst/>
+          </a:prstGeom>
+        </p:spPr>
+      </p:pic>
+      <p:sp>
+        <p:nvSpPr>
+          <p:cNvPr id="4" name="TextBox 3">
+            <a:extLst>
+              <a:ext uri="{FF2B5EF4-FFF2-40B4-BE49-F238E27FC236}">
+                <a16:creationId xmlns:a16="http://schemas.microsoft.com/office/drawing/2014/main" xmlns="" id="{BDCECAA5-D2EE-59F0-98AE-C3A17259C44C}"/>
+              </a:ext>
+            </a:extLst>
+          </p:cNvPr>
+          <p:cNvSpPr txBox="1"/>
+          <p:nvPr/>
+        </p:nvSpPr>
+        <p:spPr>
+          <a:xfrm>
+            <a:off x="304800" y="114300"/>
+            <a:ext cx="10972800" cy="923330"/>
+          </a:xfrm>
+          <a:prstGeom prst="rect">
+            <a:avLst/>
+          </a:prstGeom>
+          <a:noFill/>
+        </p:spPr>
+        <p:txBody>
+          <a:bodyPr wrap="square" rtlCol="0">
+            <a:spAutoFit/>
+          </a:bodyPr>
+          <a:lstStyle/>
+          <a:p>
+            <a:r>
+              <a:rPr lang="en-US" altLang="ko-KR" sz="5400" spc="-300" dirty="0">
+                <a:solidFill>
+                  <a:srgbClr val="4C50BC"/>
+                </a:solidFill>
+                <a:latin typeface="G마켓 산스 Bold" panose="02000000000000000000" pitchFamily="50" charset="-127"/>
+                <a:ea typeface="G마켓 산스 Bold" panose="02000000000000000000" pitchFamily="50" charset="-127"/>
+              </a:rPr>
+              <a:t>3-2 </a:t>
+            </a:r>
+            <a:r>
+              <a:rPr lang="ko-KR" altLang="en-US" sz="5400" spc="-300" dirty="0">
+                <a:solidFill>
+                  <a:srgbClr val="4C50BC"/>
+                </a:solidFill>
+                <a:latin typeface="G마켓 산스 Bold" panose="02000000000000000000" pitchFamily="50" charset="-127"/>
+                <a:ea typeface="G마켓 산스 Bold" panose="02000000000000000000" pitchFamily="50" charset="-127"/>
+              </a:rPr>
+              <a:t>문제풀이</a:t>
+            </a:r>
+            <a:r>
+              <a:rPr lang="en-US" altLang="ko-KR" sz="5400" spc="-300" dirty="0">
+                <a:solidFill>
+                  <a:srgbClr val="4C50BC"/>
+                </a:solidFill>
+                <a:latin typeface="G마켓 산스 Bold" panose="02000000000000000000" pitchFamily="50" charset="-127"/>
+                <a:ea typeface="G마켓 산스 Bold" panose="02000000000000000000" pitchFamily="50" charset="-127"/>
+              </a:rPr>
+              <a:t> </a:t>
+            </a:r>
+            <a:r>
+              <a:rPr lang="en-US" altLang="ko-KR" sz="5400" spc="-300" dirty="0">
+                <a:solidFill>
+                  <a:srgbClr val="FF0000"/>
+                </a:solidFill>
+                <a:latin typeface="G마켓 산스 Bold" panose="02000000000000000000" pitchFamily="50" charset="-127"/>
+                <a:ea typeface="G마켓 산스 Bold" panose="02000000000000000000" pitchFamily="50" charset="-127"/>
+              </a:rPr>
+              <a:t>(expert)</a:t>
+            </a:r>
+          </a:p>
+        </p:txBody>
+      </p:sp>
+      <p:cxnSp>
+        <p:nvCxnSpPr>
+          <p:cNvPr id="8" name="직선 연결선 7">
+            <a:extLst>
+              <a:ext uri="{FF2B5EF4-FFF2-40B4-BE49-F238E27FC236}">
+                <a16:creationId xmlns:a16="http://schemas.microsoft.com/office/drawing/2014/main" xmlns="" id="{F51604AB-8742-C986-086A-A224678BB676}"/>
+              </a:ext>
+            </a:extLst>
+          </p:cNvPr>
+          <p:cNvCxnSpPr>
+            <a:cxnSpLocks/>
+          </p:cNvCxnSpPr>
+          <p:nvPr/>
+        </p:nvCxnSpPr>
+        <p:spPr>
+          <a:xfrm flipH="1" flipV="1">
+            <a:off x="-13447" y="972511"/>
+            <a:ext cx="18288000" cy="65119"/>
+          </a:xfrm>
+          <a:prstGeom prst="line">
+            <a:avLst/>
+          </a:prstGeom>
+          <a:ln w="38100">
+            <a:solidFill>
+              <a:srgbClr val="4C50BC"/>
+            </a:solidFill>
+          </a:ln>
+        </p:spPr>
+        <p:style>
+          <a:lnRef idx="1">
+            <a:schemeClr val="accent1"/>
+          </a:lnRef>
+          <a:fillRef idx="0">
+            <a:schemeClr val="accent1"/>
+          </a:fillRef>
+          <a:effectRef idx="0">
+            <a:schemeClr val="accent1"/>
+          </a:effectRef>
+          <a:fontRef idx="minor">
+            <a:schemeClr val="tx1"/>
+          </a:fontRef>
+        </p:style>
+      </p:cxnSp>
+    </p:spTree>
+    <p:extLst>
+      <p:ext uri="{BB962C8B-B14F-4D97-AF65-F5344CB8AC3E}">
+        <p14:creationId xmlns:p14="http://schemas.microsoft.com/office/powerpoint/2010/main" val="2216408486"/>
+      </p:ext>
+    </p:extLst>
+  </p:cSld>
+  <p:clrMapOvr>
+    <a:masterClrMapping/>
+  </p:clrMapOvr>
+  <p:timing>
+    <p:tnLst>
+      <p:par>
+        <p:cTn id="1" dur="indefinite" restart="never" nodeType="tmRoot"/>
+      </p:par>
+    </p:tnLst>
+  </p:timing>
+</p:sld>
+</file>
+
+<file path=ppt/slides/slide26.xml><?xml version="1.0" encoding="utf-8"?>
+<p:sld xmlns:a="http://schemas.openxmlformats.org/drawingml/2006/main" xmlns:r="http://schemas.openxmlformats.org/officeDocument/2006/relationships" xmlns:p="http://schemas.openxmlformats.org/presentationml/2006/main">
+  <p:cSld>
+    <p:spTree>
+      <p:nvGrpSpPr>
+        <p:cNvPr id="1" name=""/>
+        <p:cNvGrpSpPr/>
+        <p:nvPr/>
+      </p:nvGrpSpPr>
+      <p:grpSpPr>
+        <a:xfrm>
+          <a:off x="0" y="0"/>
+          <a:ext cx="0" cy="0"/>
+          <a:chOff x="0" y="0"/>
+          <a:chExt cx="0" cy="0"/>
+        </a:xfrm>
+      </p:grpSpPr>
+      <p:sp>
+        <p:nvSpPr>
+          <p:cNvPr id="5" name="TextBox 4">
+            <a:extLst>
+              <a:ext uri="{FF2B5EF4-FFF2-40B4-BE49-F238E27FC236}">
+                <a16:creationId xmlns:a16="http://schemas.microsoft.com/office/drawing/2014/main" xmlns="" id="{4EDAA912-8FA0-0F11-119B-EA9F8B36A489}"/>
+              </a:ext>
+            </a:extLst>
+          </p:cNvPr>
+          <p:cNvSpPr txBox="1"/>
+          <p:nvPr/>
+        </p:nvSpPr>
+        <p:spPr>
+          <a:xfrm>
+            <a:off x="533400" y="1104900"/>
+            <a:ext cx="16383000" cy="2616101"/>
+          </a:xfrm>
+          <a:prstGeom prst="rect">
+            <a:avLst/>
+          </a:prstGeom>
+          <a:noFill/>
+        </p:spPr>
+        <p:txBody>
+          <a:bodyPr wrap="square" rtlCol="0">
+            <a:spAutoFit/>
+          </a:bodyPr>
+          <a:lstStyle/>
+          <a:p>
+            <a:r>
+              <a:rPr lang="en-US" altLang="ko-KR" sz="3200" dirty="0">
+                <a:solidFill>
+                  <a:srgbClr val="4C50BC"/>
+                </a:solidFill>
+                <a:latin typeface="G마켓 산스 Medium" panose="02000000000000000000" pitchFamily="50" charset="-127"/>
+                <a:ea typeface="G마켓 산스 Medium" panose="02000000000000000000" pitchFamily="50" charset="-127"/>
+              </a:rPr>
+              <a:t> 1~25 </a:t>
+            </a:r>
+            <a:r>
+              <a:rPr lang="ko-KR" altLang="en-US" sz="3200" dirty="0">
+                <a:solidFill>
+                  <a:srgbClr val="4C50BC"/>
+                </a:solidFill>
+                <a:latin typeface="G마켓 산스 Medium" panose="02000000000000000000" pitchFamily="50" charset="-127"/>
+                <a:ea typeface="G마켓 산스 Medium" panose="02000000000000000000" pitchFamily="50" charset="-127"/>
+              </a:rPr>
+              <a:t>사이의 </a:t>
+            </a:r>
+            <a:r>
+              <a:rPr lang="ko-KR" altLang="en-US" sz="3200" dirty="0" err="1">
+                <a:solidFill>
+                  <a:srgbClr val="4C50BC"/>
+                </a:solidFill>
+                <a:latin typeface="G마켓 산스 Medium" panose="02000000000000000000" pitchFamily="50" charset="-127"/>
+                <a:ea typeface="G마켓 산스 Medium" panose="02000000000000000000" pitchFamily="50" charset="-127"/>
+              </a:rPr>
+              <a:t>셔플된</a:t>
+            </a:r>
+            <a:r>
+              <a:rPr lang="ko-KR" altLang="en-US" sz="3200" dirty="0">
+                <a:solidFill>
+                  <a:srgbClr val="4C50BC"/>
+                </a:solidFill>
+                <a:latin typeface="G마켓 산스 Medium" panose="02000000000000000000" pitchFamily="50" charset="-127"/>
+                <a:ea typeface="G마켓 산스 Medium" panose="02000000000000000000" pitchFamily="50" charset="-127"/>
+              </a:rPr>
+              <a:t> </a:t>
+            </a:r>
+            <a:r>
+              <a:rPr lang="en-US" altLang="ko-KR" sz="3200" dirty="0">
+                <a:solidFill>
+                  <a:srgbClr val="4C50BC"/>
+                </a:solidFill>
+                <a:latin typeface="G마켓 산스 Medium" panose="02000000000000000000" pitchFamily="50" charset="-127"/>
+                <a:ea typeface="G마켓 산스 Medium" panose="02000000000000000000" pitchFamily="50" charset="-127"/>
+              </a:rPr>
+              <a:t>2</a:t>
+            </a:r>
+            <a:r>
+              <a:rPr lang="ko-KR" altLang="en-US" sz="3200" dirty="0">
+                <a:solidFill>
+                  <a:srgbClr val="4C50BC"/>
+                </a:solidFill>
+                <a:latin typeface="G마켓 산스 Medium" panose="02000000000000000000" pitchFamily="50" charset="-127"/>
+                <a:ea typeface="G마켓 산스 Medium" panose="02000000000000000000" pitchFamily="50" charset="-127"/>
+              </a:rPr>
+              <a:t>차원 배열</a:t>
+            </a:r>
+            <a:r>
+              <a:rPr lang="en-US" altLang="ko-KR" sz="3200" dirty="0">
+                <a:solidFill>
+                  <a:srgbClr val="4C50BC"/>
+                </a:solidFill>
                 <a:latin typeface="G마켓 산스 Medium" panose="02000000000000000000" pitchFamily="50" charset="-127"/>
                 <a:ea typeface="G마켓 산스 Medium" panose="02000000000000000000" pitchFamily="50" charset="-127"/>
               </a:rPr>
               <a:t>[5][5]</a:t>
             </a:r>
             <a:r>
-              <a:rPr lang="ko-KR" altLang="en-US" sz="3200">
+              <a:rPr lang="ko-KR" altLang="en-US" sz="3200" dirty="0">
                 <a:solidFill>
                   <a:srgbClr val="4C50BC"/>
                 </a:solidFill>
                 <a:latin typeface="G마켓 산스 Medium" panose="02000000000000000000" pitchFamily="50" charset="-127"/>
                 <a:ea typeface="G마켓 산스 Medium" panose="02000000000000000000" pitchFamily="50" charset="-127"/>
               </a:rPr>
-              <a:t>을 만든후 사용자로부터 좌표를 </a:t>
-            </a:r>
-            <a:endParaRPr lang="en-US" altLang="ko-KR" sz="3200">
+              <a:t>을 </a:t>
+            </a:r>
+            <a:r>
+              <a:rPr lang="ko-KR" altLang="en-US" sz="3200" dirty="0" err="1">
+                <a:solidFill>
+                  <a:srgbClr val="4C50BC"/>
+                </a:solidFill>
+                <a:latin typeface="G마켓 산스 Medium" panose="02000000000000000000" pitchFamily="50" charset="-127"/>
+                <a:ea typeface="G마켓 산스 Medium" panose="02000000000000000000" pitchFamily="50" charset="-127"/>
+              </a:rPr>
+              <a:t>만든후</a:t>
+            </a:r>
+            <a:r>
+              <a:rPr lang="ko-KR" altLang="en-US" sz="3200" dirty="0">
+                <a:solidFill>
+                  <a:srgbClr val="4C50BC"/>
+                </a:solidFill>
+                <a:latin typeface="G마켓 산스 Medium" panose="02000000000000000000" pitchFamily="50" charset="-127"/>
+                <a:ea typeface="G마켓 산스 Medium" panose="02000000000000000000" pitchFamily="50" charset="-127"/>
+              </a:rPr>
+              <a:t> 사용자로부터 좌표를 </a:t>
+            </a:r>
+            <a:endParaRPr lang="en-US" altLang="ko-KR" sz="3200" dirty="0">
               <a:solidFill>
                 <a:srgbClr val="4C50BC"/>
               </a:solidFill>
@@ -9007,27 +10460,57 @@
           </a:p>
           <a:p>
             <a:r>
-              <a:rPr lang="ko-KR" altLang="en-US" sz="3200">
+              <a:rPr lang="ko-KR" altLang="en-US" sz="3200" dirty="0" err="1">
                 <a:solidFill>
                   <a:srgbClr val="4C50BC"/>
                 </a:solidFill>
                 <a:latin typeface="G마켓 산스 Medium" panose="02000000000000000000" pitchFamily="50" charset="-127"/>
                 <a:ea typeface="G마켓 산스 Medium" panose="02000000000000000000" pitchFamily="50" charset="-127"/>
               </a:rPr>
-              <a:t>입력받아 해당좌표의 숫자를 공개하고 공개된숫자가 </a:t>
-            </a:r>
-            <a:r>
-              <a:rPr lang="en-US" altLang="ko-KR" sz="3200">
+              <a:t>입력받아</a:t>
+            </a:r>
+            <a:r>
+              <a:rPr lang="ko-KR" altLang="en-US" sz="3200" dirty="0">
                 <a:solidFill>
                   <a:srgbClr val="4C50BC"/>
                 </a:solidFill>
                 <a:latin typeface="G마켓 산스 Medium" panose="02000000000000000000" pitchFamily="50" charset="-127"/>
                 <a:ea typeface="G마켓 산스 Medium" panose="02000000000000000000" pitchFamily="50" charset="-127"/>
               </a:rPr>
+              <a:t> 해당좌표의 숫자를 공개하고 </a:t>
+            </a:r>
+            <a:r>
+              <a:rPr lang="ko-KR" altLang="en-US" sz="3200" dirty="0" err="1">
+                <a:solidFill>
+                  <a:srgbClr val="4C50BC"/>
+                </a:solidFill>
+                <a:latin typeface="G마켓 산스 Medium" panose="02000000000000000000" pitchFamily="50" charset="-127"/>
+                <a:ea typeface="G마켓 산스 Medium" panose="02000000000000000000" pitchFamily="50" charset="-127"/>
+              </a:rPr>
+              <a:t>공개된숫자가</a:t>
+            </a:r>
+            <a:r>
+              <a:rPr lang="ko-KR" altLang="en-US" sz="3200" dirty="0">
+                <a:solidFill>
+                  <a:srgbClr val="4C50BC"/>
+                </a:solidFill>
+                <a:latin typeface="G마켓 산스 Medium" panose="02000000000000000000" pitchFamily="50" charset="-127"/>
+                <a:ea typeface="G마켓 산스 Medium" panose="02000000000000000000" pitchFamily="50" charset="-127"/>
+              </a:rPr>
+              <a:t> </a:t>
+            </a:r>
+            <a:r>
+              <a:rPr lang="en-US" altLang="ko-KR" sz="3200" dirty="0">
+                <a:solidFill>
+                  <a:srgbClr val="4C50BC"/>
+                </a:solidFill>
+                <a:latin typeface="G마켓 산스 Medium" panose="02000000000000000000" pitchFamily="50" charset="-127"/>
+                <a:ea typeface="G마켓 산스 Medium" panose="02000000000000000000" pitchFamily="50" charset="-127"/>
+              </a:rPr>
               <a:t>15</a:t>
             </a:r>
             <a:r>
-              <a:rPr lang="ko-KR" altLang="en-US" sz="3200">
+              <a:rPr lang="ko-KR" altLang="en-US" sz="3200" dirty="0">
                 <a:solidFill>
                   <a:srgbClr val="4C50BC"/>
                 </a:solidFill>
@@ -9037,7 +10520,7 @@
               <a:t>일 경우 게임을 종료한다</a:t>
             </a:r>
             <a:r>
-              <a:rPr lang="en-US" altLang="ko-KR" sz="3200">
+              <a:rPr lang="en-US" altLang="ko-KR" sz="3200" dirty="0">
                 <a:solidFill>
                   <a:srgbClr val="4C50BC"/>
                 </a:solidFill>
@@ -9046,19 +10529,16 @@
               </a:rPr>
               <a:t>.</a:t>
             </a:r>
-            <a:r>
-              <a:rPr lang="en-US" altLang="ko-KR" sz="3200">
-                <a:solidFill>
-                  <a:srgbClr val="FF0000"/>
-                </a:solidFill>
-                <a:latin typeface="G마켓 산스 Medium" panose="02000000000000000000" pitchFamily="50" charset="-127"/>
-                <a:ea typeface="G마켓 산스 Medium" panose="02000000000000000000" pitchFamily="50" charset="-127"/>
-              </a:rPr>
-              <a:t> (expert)</a:t>
-            </a:r>
-          </a:p>
-          <a:p>
-            <a:endParaRPr lang="en-US" altLang="ko-KR" sz="3200">
+            <a:endParaRPr lang="en-US" altLang="ko-KR" sz="3200" dirty="0">
+              <a:solidFill>
+                <a:srgbClr val="FF0000"/>
+              </a:solidFill>
+              <a:latin typeface="G마켓 산스 Medium" panose="02000000000000000000" pitchFamily="50" charset="-127"/>
+              <a:ea typeface="G마켓 산스 Medium" panose="02000000000000000000" pitchFamily="50" charset="-127"/>
+            </a:endParaRPr>
+          </a:p>
+          <a:p>
+            <a:endParaRPr lang="en-US" altLang="ko-KR" sz="3200" dirty="0">
               <a:solidFill>
                 <a:srgbClr val="4C50BC"/>
               </a:solidFill>
@@ -9072,27 +10552,47 @@
               <a:buChar char="-"/>
             </a:pPr>
             <a:r>
-              <a:rPr lang="ko-KR" altLang="en-US" sz="3200">
+              <a:rPr lang="ko-KR" altLang="en-US" sz="3200" dirty="0">
                 <a:solidFill>
                   <a:srgbClr val="FF0000"/>
                 </a:solidFill>
                 <a:latin typeface="G마켓 산스 Medium" panose="02000000000000000000" pitchFamily="50" charset="-127"/>
                 <a:ea typeface="G마켓 산스 Medium" panose="02000000000000000000" pitchFamily="50" charset="-127"/>
               </a:rPr>
-              <a:t>해당좌표의 공개여부를 저장하기위해 셔플된 </a:t>
-            </a:r>
-            <a:r>
-              <a:rPr lang="en-US" altLang="ko-KR" sz="3200">
+              <a:t>해당좌표의 공개여부를 저장하기위해 </a:t>
+            </a:r>
+            <a:r>
+              <a:rPr lang="ko-KR" altLang="en-US" sz="3200" dirty="0" err="1">
                 <a:solidFill>
                   <a:srgbClr val="FF0000"/>
                 </a:solidFill>
                 <a:latin typeface="G마켓 산스 Medium" panose="02000000000000000000" pitchFamily="50" charset="-127"/>
                 <a:ea typeface="G마켓 산스 Medium" panose="02000000000000000000" pitchFamily="50" charset="-127"/>
               </a:rPr>
+              <a:t>셔플된</a:t>
+            </a:r>
+            <a:r>
+              <a:rPr lang="ko-KR" altLang="en-US" sz="3200" dirty="0">
+                <a:solidFill>
+                  <a:srgbClr val="FF0000"/>
+                </a:solidFill>
+                <a:latin typeface="G마켓 산스 Medium" panose="02000000000000000000" pitchFamily="50" charset="-127"/>
+                <a:ea typeface="G마켓 산스 Medium" panose="02000000000000000000" pitchFamily="50" charset="-127"/>
+              </a:rPr>
+              <a:t> </a:t>
+            </a:r>
+            <a:r>
+              <a:rPr lang="en-US" altLang="ko-KR" sz="3200" dirty="0">
+                <a:solidFill>
+                  <a:srgbClr val="FF0000"/>
+                </a:solidFill>
+                <a:latin typeface="G마켓 산스 Medium" panose="02000000000000000000" pitchFamily="50" charset="-127"/>
+                <a:ea typeface="G마켓 산스 Medium" panose="02000000000000000000" pitchFamily="50" charset="-127"/>
+              </a:rPr>
               <a:t>2</a:t>
             </a:r>
             <a:r>
-              <a:rPr lang="ko-KR" altLang="en-US" sz="3200">
+              <a:rPr lang="ko-KR" altLang="en-US" sz="3200" dirty="0">
                 <a:solidFill>
                   <a:srgbClr val="FF0000"/>
                 </a:solidFill>
@@ -9102,7 +10602,7 @@
               <a:t>차원배열</a:t>
             </a:r>
             <a:r>
-              <a:rPr lang="en-US" altLang="ko-KR" sz="3200">
+              <a:rPr lang="en-US" altLang="ko-KR" sz="3200" dirty="0">
                 <a:solidFill>
                   <a:srgbClr val="FF0000"/>
                 </a:solidFill>
@@ -9112,7 +10612,7 @@
               <a:t>[5][5]</a:t>
             </a:r>
             <a:r>
-              <a:rPr lang="ko-KR" altLang="en-US" sz="3200">
+              <a:rPr lang="ko-KR" altLang="en-US" sz="3200" dirty="0">
                 <a:solidFill>
                   <a:srgbClr val="FF0000"/>
                 </a:solidFill>
@@ -9122,7 +10622,7 @@
               <a:t>을 </a:t>
             </a:r>
             <a:r>
-              <a:rPr lang="en-US" altLang="ko-KR" sz="3200">
+              <a:rPr lang="en-US" altLang="ko-KR" sz="3200" dirty="0">
                 <a:solidFill>
                   <a:srgbClr val="FF0000"/>
                 </a:solidFill>
@@ -9132,7 +10632,7 @@
               <a:t>2</a:t>
             </a:r>
             <a:r>
-              <a:rPr lang="ko-KR" altLang="en-US" sz="3200">
+              <a:rPr lang="ko-KR" altLang="en-US" sz="3200" dirty="0">
                 <a:solidFill>
                   <a:srgbClr val="FF0000"/>
                 </a:solidFill>
@@ -9141,7 +10641,7 @@
               </a:rPr>
               <a:t>개 가지는 </a:t>
             </a:r>
-            <a:endParaRPr lang="en-US" altLang="ko-KR" sz="3200">
+            <a:endParaRPr lang="en-US" altLang="ko-KR" sz="3200" dirty="0">
               <a:solidFill>
                 <a:srgbClr val="FF0000"/>
               </a:solidFill>
@@ -9151,7 +10651,7 @@
           </a:p>
           <a:p>
             <a:r>
-              <a:rPr lang="en-US" altLang="ko-KR" sz="3200">
+              <a:rPr lang="en-US" altLang="ko-KR" sz="3200" dirty="0">
                 <a:solidFill>
                   <a:srgbClr val="FF0000"/>
                 </a:solidFill>
@@ -9161,7 +10661,7 @@
               <a:t>   </a:t>
             </a:r>
             <a:r>
-              <a:rPr lang="en-US" altLang="ko-KR" sz="3600">
+              <a:rPr lang="en-US" altLang="ko-KR" sz="3600" dirty="0">
                 <a:solidFill>
                   <a:srgbClr val="FF0000"/>
                 </a:solidFill>
@@ -9171,7 +10671,7 @@
               <a:t>3</a:t>
             </a:r>
             <a:r>
-              <a:rPr lang="ko-KR" altLang="en-US" sz="3600">
+              <a:rPr lang="ko-KR" altLang="en-US" sz="3600" dirty="0">
                 <a:solidFill>
                   <a:srgbClr val="FF0000"/>
                 </a:solidFill>
@@ -9181,7 +10681,7 @@
               <a:t>차원 </a:t>
             </a:r>
             <a:r>
-              <a:rPr lang="ko-KR" altLang="en-US" sz="3200">
+              <a:rPr lang="ko-KR" altLang="en-US" sz="3200" dirty="0">
                 <a:solidFill>
                   <a:srgbClr val="FF0000"/>
                 </a:solidFill>
@@ -9190,7 +10690,7 @@
               </a:rPr>
               <a:t>배열을 만들어야 한다</a:t>
             </a:r>
-            <a:endParaRPr lang="en-US" altLang="ko-KR" sz="3200">
+            <a:endParaRPr lang="en-US" altLang="ko-KR" sz="3200" dirty="0">
               <a:solidFill>
                 <a:srgbClr val="FF0000"/>
               </a:solidFill>
@@ -9216,7 +10716,7 @@
         </p:blipFill>
         <p:spPr>
           <a:xfrm>
-            <a:off x="9906000" y="3514561"/>
+            <a:off x="9906000" y="3971761"/>
             <a:ext cx="5181600" cy="6277139"/>
           </a:xfrm>
           <a:prstGeom prst="rect">
@@ -9240,7 +10740,7 @@
         </p:blipFill>
         <p:spPr>
           <a:xfrm>
-            <a:off x="566224" y="3508731"/>
+            <a:off x="566224" y="3965931"/>
             <a:ext cx="9117709" cy="3920769"/>
           </a:xfrm>
           <a:prstGeom prst="rect">
@@ -9248,6 +10748,120 @@
           </a:prstGeom>
         </p:spPr>
       </p:pic>
+      <p:sp>
+        <p:nvSpPr>
+          <p:cNvPr id="2" name="TextBox 1">
+            <a:extLst>
+              <a:ext uri="{FF2B5EF4-FFF2-40B4-BE49-F238E27FC236}">
+                <a16:creationId xmlns:a16="http://schemas.microsoft.com/office/drawing/2014/main" xmlns="" id="{60552E7E-C31D-144E-4D77-D9692DEF1483}"/>
+              </a:ext>
+            </a:extLst>
+          </p:cNvPr>
+          <p:cNvSpPr txBox="1"/>
+          <p:nvPr/>
+        </p:nvSpPr>
+        <p:spPr>
+          <a:xfrm>
+            <a:off x="304800" y="114300"/>
+            <a:ext cx="10972800" cy="923330"/>
+          </a:xfrm>
+          <a:prstGeom prst="rect">
+            <a:avLst/>
+          </a:prstGeom>
+          <a:noFill/>
+        </p:spPr>
+        <p:txBody>
+          <a:bodyPr wrap="square" rtlCol="0">
+            <a:spAutoFit/>
+          </a:bodyPr>
+          <a:lstStyle/>
+          <a:p>
+            <a:r>
+              <a:rPr lang="en-US" altLang="ko-KR" sz="5400" spc="-300" dirty="0">
+                <a:solidFill>
+                  <a:srgbClr val="4C50BC"/>
+                </a:solidFill>
+                <a:latin typeface="G마켓 산스 Bold" panose="02000000000000000000" pitchFamily="50" charset="-127"/>
+                <a:ea typeface="G마켓 산스 Bold" panose="02000000000000000000" pitchFamily="50" charset="-127"/>
+              </a:rPr>
+              <a:t>3-3 </a:t>
+            </a:r>
+            <a:r>
+              <a:rPr lang="ko-KR" altLang="en-US" sz="5400" spc="-300" dirty="0">
+                <a:solidFill>
+                  <a:srgbClr val="4C50BC"/>
+                </a:solidFill>
+                <a:latin typeface="G마켓 산스 Bold" panose="02000000000000000000" pitchFamily="50" charset="-127"/>
+                <a:ea typeface="G마켓 산스 Bold" panose="02000000000000000000" pitchFamily="50" charset="-127"/>
+              </a:rPr>
+              <a:t>실습문제</a:t>
+            </a:r>
+            <a:r>
+              <a:rPr lang="en-US" altLang="ko-KR" sz="5400" spc="-300" dirty="0">
+                <a:solidFill>
+                  <a:srgbClr val="4C50BC"/>
+                </a:solidFill>
+                <a:latin typeface="G마켓 산스 Bold" panose="02000000000000000000" pitchFamily="50" charset="-127"/>
+                <a:ea typeface="G마켓 산스 Bold" panose="02000000000000000000" pitchFamily="50" charset="-127"/>
+              </a:rPr>
+              <a:t> </a:t>
+            </a:r>
+            <a:r>
+              <a:rPr lang="en-US" altLang="ko-KR" sz="5400" spc="-300" dirty="0">
+                <a:solidFill>
+                  <a:srgbClr val="FF0000"/>
+                </a:solidFill>
+                <a:latin typeface="G마켓 산스 Bold" panose="02000000000000000000" pitchFamily="50" charset="-127"/>
+                <a:ea typeface="G마켓 산스 Bold" panose="02000000000000000000" pitchFamily="50" charset="-127"/>
+              </a:rPr>
+              <a:t>(expert)</a:t>
+            </a:r>
+          </a:p>
+        </p:txBody>
+      </p:sp>
+      <p:cxnSp>
+        <p:nvCxnSpPr>
+          <p:cNvPr id="3" name="직선 연결선 2">
+            <a:extLst>
+              <a:ext uri="{FF2B5EF4-FFF2-40B4-BE49-F238E27FC236}">
+                <a16:creationId xmlns:a16="http://schemas.microsoft.com/office/drawing/2014/main" xmlns="" id="{AFAE97A0-7D2E-4511-D535-321D77208401}"/>
+              </a:ext>
+            </a:extLst>
+          </p:cNvPr>
+          <p:cNvCxnSpPr>
+            <a:cxnSpLocks/>
+          </p:cNvCxnSpPr>
+          <p:nvPr/>
+        </p:nvCxnSpPr>
+        <p:spPr>
+          <a:xfrm flipH="1" flipV="1">
+            <a:off x="-13447" y="972511"/>
+            <a:ext cx="18288000" cy="65119"/>
+          </a:xfrm>
+          <a:prstGeom prst="line">
+            <a:avLst/>
+          </a:prstGeom>
+          <a:ln w="38100">
+            <a:solidFill>
+              <a:srgbClr val="4C50BC"/>
+            </a:solidFill>
+          </a:ln>
+        </p:spPr>
+        <p:style>
+          <a:lnRef idx="1">
+            <a:schemeClr val="accent1"/>
+          </a:lnRef>
+          <a:fillRef idx="0">
+            <a:schemeClr val="accent1"/>
+          </a:fillRef>
+          <a:effectRef idx="0">
+            <a:schemeClr val="accent1"/>
+          </a:effectRef>
+          <a:fontRef idx="minor">
+            <a:schemeClr val="tx1"/>
+          </a:fontRef>
+        </p:style>
+      </p:cxnSp>
     </p:spTree>
     <p:extLst>
       <p:ext uri="{BB962C8B-B14F-4D97-AF65-F5344CB8AC3E}">
@@ -9258,10 +10872,17 @@
   <p:clrMapOvr>
     <a:masterClrMapping/>
   </p:clrMapOvr>
+  <p:timing>
+    <p:tnLst>
+      <p:par>
+        <p:cTn id="1" dur="indefinite" restart="never" nodeType="tmRoot"/>
+      </p:par>
+    </p:tnLst>
+  </p:timing>
 </p:sld>
 </file>
 
-<file path=ppt/slides/slide23.xml><?xml version="1.0" encoding="utf-8"?>
+<file path=ppt/slides/slide27.xml><?xml version="1.0" encoding="utf-8"?>
 <p:sld xmlns:a="http://schemas.openxmlformats.org/drawingml/2006/main" xmlns:r="http://schemas.openxmlformats.org/officeDocument/2006/relationships" xmlns:p="http://schemas.openxmlformats.org/presentationml/2006/main">
   <p:cSld>
     <p:spTree>
@@ -9283,7 +10904,7 @@
           <p:cNvPr id="4" name="표 4">
             <a:extLst>
               <a:ext uri="{FF2B5EF4-FFF2-40B4-BE49-F238E27FC236}">
-                <a16:creationId xmlns:a16="http://schemas.microsoft.com/office/drawing/2014/main" id="{B7DFBB01-AB9E-DD70-67AA-7BE37D698AF9}"/>
+                <a16:creationId xmlns:a16="http://schemas.microsoft.com/office/drawing/2014/main" xmlns="" id="{B7DFBB01-AB9E-DD70-67AA-7BE37D698AF9}"/>
               </a:ext>
             </a:extLst>
           </p:cNvPr>
@@ -9312,35 +10933,35 @@
                 <a:gridCol w="1219200">
                   <a:extLst>
                     <a:ext uri="{9D8B030D-6E8A-4147-A177-3AD203B41FA5}">
-                      <a16:colId xmlns:a16="http://schemas.microsoft.com/office/drawing/2014/main" val="1302539182"/>
+                      <a16:colId xmlns:a16="http://schemas.microsoft.com/office/drawing/2014/main" xmlns="" val="1302539182"/>
                     </a:ext>
                   </a:extLst>
                 </a:gridCol>
                 <a:gridCol w="1219200">
                   <a:extLst>
                     <a:ext uri="{9D8B030D-6E8A-4147-A177-3AD203B41FA5}">
-                      <a16:colId xmlns:a16="http://schemas.microsoft.com/office/drawing/2014/main" val="1879632596"/>
+                      <a16:colId xmlns:a16="http://schemas.microsoft.com/office/drawing/2014/main" xmlns="" val="1879632596"/>
                     </a:ext>
                   </a:extLst>
                 </a:gridCol>
                 <a:gridCol w="1219200">
                   <a:extLst>
                     <a:ext uri="{9D8B030D-6E8A-4147-A177-3AD203B41FA5}">
-                      <a16:colId xmlns:a16="http://schemas.microsoft.com/office/drawing/2014/main" val="1717135282"/>
+                      <a16:colId xmlns:a16="http://schemas.microsoft.com/office/drawing/2014/main" xmlns="" val="1717135282"/>
                     </a:ext>
                   </a:extLst>
                 </a:gridCol>
                 <a:gridCol w="1219200">
                   <a:extLst>
                     <a:ext uri="{9D8B030D-6E8A-4147-A177-3AD203B41FA5}">
-                      <a16:colId xmlns:a16="http://schemas.microsoft.com/office/drawing/2014/main" val="2717434649"/>
+                      <a16:colId xmlns:a16="http://schemas.microsoft.com/office/drawing/2014/main" xmlns="" val="2717434649"/>
                     </a:ext>
                   </a:extLst>
                 </a:gridCol>
                 <a:gridCol w="1219200">
                   <a:extLst>
                     <a:ext uri="{9D8B030D-6E8A-4147-A177-3AD203B41FA5}">
-                      <a16:colId xmlns:a16="http://schemas.microsoft.com/office/drawing/2014/main" val="1529084302"/>
+                      <a16:colId xmlns:a16="http://schemas.microsoft.com/office/drawing/2014/main" xmlns="" val="1529084302"/>
                     </a:ext>
                   </a:extLst>
                 </a:gridCol>
@@ -9423,7 +11044,7 @@
                 </a:tc>
                 <a:extLst>
                   <a:ext uri="{0D108BD9-81ED-4DB2-BD59-A6C34878D82A}">
-                    <a16:rowId xmlns:a16="http://schemas.microsoft.com/office/drawing/2014/main" val="1520329068"/>
+                    <a16:rowId xmlns:a16="http://schemas.microsoft.com/office/drawing/2014/main" xmlns="" val="1520329068"/>
                   </a:ext>
                 </a:extLst>
               </a:tr>
@@ -9505,7 +11126,7 @@
                 </a:tc>
                 <a:extLst>
                   <a:ext uri="{0D108BD9-81ED-4DB2-BD59-A6C34878D82A}">
-                    <a16:rowId xmlns:a16="http://schemas.microsoft.com/office/drawing/2014/main" val="782089061"/>
+                    <a16:rowId xmlns:a16="http://schemas.microsoft.com/office/drawing/2014/main" xmlns="" val="782089061"/>
                   </a:ext>
                 </a:extLst>
               </a:tr>
@@ -9587,7 +11208,7 @@
                 </a:tc>
                 <a:extLst>
                   <a:ext uri="{0D108BD9-81ED-4DB2-BD59-A6C34878D82A}">
-                    <a16:rowId xmlns:a16="http://schemas.microsoft.com/office/drawing/2014/main" val="2840834484"/>
+                    <a16:rowId xmlns:a16="http://schemas.microsoft.com/office/drawing/2014/main" xmlns="" val="2840834484"/>
                   </a:ext>
                 </a:extLst>
               </a:tr>
@@ -9669,7 +11290,7 @@
                 </a:tc>
                 <a:extLst>
                   <a:ext uri="{0D108BD9-81ED-4DB2-BD59-A6C34878D82A}">
-                    <a16:rowId xmlns:a16="http://schemas.microsoft.com/office/drawing/2014/main" val="1385046644"/>
+                    <a16:rowId xmlns:a16="http://schemas.microsoft.com/office/drawing/2014/main" xmlns="" val="1385046644"/>
                   </a:ext>
                 </a:extLst>
               </a:tr>
@@ -9751,7 +11372,7 @@
                 </a:tc>
                 <a:extLst>
                   <a:ext uri="{0D108BD9-81ED-4DB2-BD59-A6C34878D82A}">
-                    <a16:rowId xmlns:a16="http://schemas.microsoft.com/office/drawing/2014/main" val="1897417928"/>
+                    <a16:rowId xmlns:a16="http://schemas.microsoft.com/office/drawing/2014/main" xmlns="" val="1897417928"/>
                   </a:ext>
                 </a:extLst>
               </a:tr>
@@ -9764,7 +11385,7 @@
           <p:cNvPr id="5" name="표 4">
             <a:extLst>
               <a:ext uri="{FF2B5EF4-FFF2-40B4-BE49-F238E27FC236}">
-                <a16:creationId xmlns:a16="http://schemas.microsoft.com/office/drawing/2014/main" id="{A6B698F4-B722-9A0F-ACD3-0418CBDEA17E}"/>
+                <a16:creationId xmlns:a16="http://schemas.microsoft.com/office/drawing/2014/main" xmlns="" id="{A6B698F4-B722-9A0F-ACD3-0418CBDEA17E}"/>
               </a:ext>
             </a:extLst>
           </p:cNvPr>
@@ -9793,35 +11414,35 @@
                 <a:gridCol w="1219200">
                   <a:extLst>
                     <a:ext uri="{9D8B030D-6E8A-4147-A177-3AD203B41FA5}">
-                      <a16:colId xmlns:a16="http://schemas.microsoft.com/office/drawing/2014/main" val="1302539182"/>
+                      <a16:colId xmlns:a16="http://schemas.microsoft.com/office/drawing/2014/main" xmlns="" val="1302539182"/>
                     </a:ext>
                   </a:extLst>
                 </a:gridCol>
                 <a:gridCol w="1219200">
                   <a:extLst>
                     <a:ext uri="{9D8B030D-6E8A-4147-A177-3AD203B41FA5}">
-                      <a16:colId xmlns:a16="http://schemas.microsoft.com/office/drawing/2014/main" val="1879632596"/>
+                      <a16:colId xmlns:a16="http://schemas.microsoft.com/office/drawing/2014/main" xmlns="" val="1879632596"/>
                     </a:ext>
                   </a:extLst>
                 </a:gridCol>
                 <a:gridCol w="1219200">
                   <a:extLst>
                     <a:ext uri="{9D8B030D-6E8A-4147-A177-3AD203B41FA5}">
-                      <a16:colId xmlns:a16="http://schemas.microsoft.com/office/drawing/2014/main" val="1717135282"/>
+                      <a16:colId xmlns:a16="http://schemas.microsoft.com/office/drawing/2014/main" xmlns="" val="1717135282"/>
                     </a:ext>
                   </a:extLst>
                 </a:gridCol>
                 <a:gridCol w="1219200">
                   <a:extLst>
                     <a:ext uri="{9D8B030D-6E8A-4147-A177-3AD203B41FA5}">
-                      <a16:colId xmlns:a16="http://schemas.microsoft.com/office/drawing/2014/main" val="2717434649"/>
+                      <a16:colId xmlns:a16="http://schemas.microsoft.com/office/drawing/2014/main" xmlns="" val="2717434649"/>
                     </a:ext>
                   </a:extLst>
                 </a:gridCol>
                 <a:gridCol w="1219200">
                   <a:extLst>
                     <a:ext uri="{9D8B030D-6E8A-4147-A177-3AD203B41FA5}">
-                      <a16:colId xmlns:a16="http://schemas.microsoft.com/office/drawing/2014/main" val="1529084302"/>
+                      <a16:colId xmlns:a16="http://schemas.microsoft.com/office/drawing/2014/main" xmlns="" val="1529084302"/>
                     </a:ext>
                   </a:extLst>
                 </a:gridCol>
@@ -9904,7 +11525,7 @@
                 </a:tc>
                 <a:extLst>
                   <a:ext uri="{0D108BD9-81ED-4DB2-BD59-A6C34878D82A}">
-                    <a16:rowId xmlns:a16="http://schemas.microsoft.com/office/drawing/2014/main" val="1520329068"/>
+                    <a16:rowId xmlns:a16="http://schemas.microsoft.com/office/drawing/2014/main" xmlns="" val="1520329068"/>
                   </a:ext>
                 </a:extLst>
               </a:tr>
@@ -9986,7 +11607,7 @@
                 </a:tc>
                 <a:extLst>
                   <a:ext uri="{0D108BD9-81ED-4DB2-BD59-A6C34878D82A}">
-                    <a16:rowId xmlns:a16="http://schemas.microsoft.com/office/drawing/2014/main" val="782089061"/>
+                    <a16:rowId xmlns:a16="http://schemas.microsoft.com/office/drawing/2014/main" xmlns="" val="782089061"/>
                   </a:ext>
                 </a:extLst>
               </a:tr>
@@ -10068,7 +11689,7 @@
                 </a:tc>
                 <a:extLst>
                   <a:ext uri="{0D108BD9-81ED-4DB2-BD59-A6C34878D82A}">
-                    <a16:rowId xmlns:a16="http://schemas.microsoft.com/office/drawing/2014/main" val="2840834484"/>
+                    <a16:rowId xmlns:a16="http://schemas.microsoft.com/office/drawing/2014/main" xmlns="" val="2840834484"/>
                   </a:ext>
                 </a:extLst>
               </a:tr>
@@ -10150,7 +11771,7 @@
                 </a:tc>
                 <a:extLst>
                   <a:ext uri="{0D108BD9-81ED-4DB2-BD59-A6C34878D82A}">
-                    <a16:rowId xmlns:a16="http://schemas.microsoft.com/office/drawing/2014/main" val="1385046644"/>
+                    <a16:rowId xmlns:a16="http://schemas.microsoft.com/office/drawing/2014/main" xmlns="" val="1385046644"/>
                   </a:ext>
                 </a:extLst>
               </a:tr>
@@ -10232,7 +11853,7 @@
                 </a:tc>
                 <a:extLst>
                   <a:ext uri="{0D108BD9-81ED-4DB2-BD59-A6C34878D82A}">
-                    <a16:rowId xmlns:a16="http://schemas.microsoft.com/office/drawing/2014/main" val="1897417928"/>
+                    <a16:rowId xmlns:a16="http://schemas.microsoft.com/office/drawing/2014/main" xmlns="" val="1897417928"/>
                   </a:ext>
                 </a:extLst>
               </a:tr>
@@ -10245,7 +11866,7 @@
           <p:cNvPr id="6" name="TextBox 5">
             <a:extLst>
               <a:ext uri="{FF2B5EF4-FFF2-40B4-BE49-F238E27FC236}">
-                <a16:creationId xmlns:a16="http://schemas.microsoft.com/office/drawing/2014/main" id="{D85B8E4F-19BC-2095-4103-3EC32909ED8B}"/>
+                <a16:creationId xmlns:a16="http://schemas.microsoft.com/office/drawing/2014/main" xmlns="" id="{D85B8E4F-19BC-2095-4103-3EC32909ED8B}"/>
               </a:ext>
             </a:extLst>
           </p:cNvPr>
@@ -10303,7 +11924,7 @@
           <p:cNvPr id="7" name="TextBox 6">
             <a:extLst>
               <a:ext uri="{FF2B5EF4-FFF2-40B4-BE49-F238E27FC236}">
-                <a16:creationId xmlns:a16="http://schemas.microsoft.com/office/drawing/2014/main" id="{55A373CC-6CE8-7E17-2FD2-4161AF3CFB2F}"/>
+                <a16:creationId xmlns:a16="http://schemas.microsoft.com/office/drawing/2014/main" xmlns="" id="{55A373CC-6CE8-7E17-2FD2-4161AF3CFB2F}"/>
               </a:ext>
             </a:extLst>
           </p:cNvPr>
@@ -10358,10 +11979,10 @@
       </p:sp>
       <p:sp>
         <p:nvSpPr>
-          <p:cNvPr id="9" name="TextBox 8">
+          <p:cNvPr id="2" name="TextBox 1">
             <a:extLst>
               <a:ext uri="{FF2B5EF4-FFF2-40B4-BE49-F238E27FC236}">
-                <a16:creationId xmlns:a16="http://schemas.microsoft.com/office/drawing/2014/main" id="{AAA7A62B-B663-9BB3-853E-37554E612635}"/>
+                <a16:creationId xmlns:a16="http://schemas.microsoft.com/office/drawing/2014/main" xmlns="" id="{83C9241C-5B6A-22C7-6190-274AB86A14A8}"/>
               </a:ext>
             </a:extLst>
           </p:cNvPr>
@@ -10370,8 +11991,8 @@
         </p:nvSpPr>
         <p:spPr>
           <a:xfrm>
-            <a:off x="579121" y="256660"/>
-            <a:ext cx="4038600" cy="830997"/>
+            <a:off x="304800" y="114300"/>
+            <a:ext cx="10972800" cy="923330"/>
           </a:xfrm>
           <a:prstGeom prst="rect">
             <a:avLst/>
@@ -10385,25 +12006,91 @@
           <a:lstStyle/>
           <a:p>
             <a:r>
-              <a:rPr lang="ko-KR" altLang="en-US" sz="4800">
+              <a:rPr lang="en-US" altLang="ko-KR" sz="5400" spc="-300" dirty="0">
                 <a:solidFill>
                   <a:srgbClr val="4C50BC"/>
                 </a:solidFill>
-                <a:latin typeface="G마켓 산스 Medium" panose="02000000000000000000" pitchFamily="50" charset="-127"/>
-                <a:ea typeface="G마켓 산스 Medium" panose="02000000000000000000" pitchFamily="50" charset="-127"/>
-              </a:rPr>
-              <a:t>해설</a:t>
-            </a:r>
-            <a:endParaRPr lang="en-US" altLang="ko-KR" sz="4800" dirty="0">
-              <a:solidFill>
-                <a:srgbClr val="4C50BC"/>
-              </a:solidFill>
-              <a:latin typeface="G마켓 산스 Medium" panose="02000000000000000000" pitchFamily="50" charset="-127"/>
-              <a:ea typeface="G마켓 산스 Medium" panose="02000000000000000000" pitchFamily="50" charset="-127"/>
-            </a:endParaRPr>
+                <a:latin typeface="G마켓 산스 Bold" panose="02000000000000000000" pitchFamily="50" charset="-127"/>
+                <a:ea typeface="G마켓 산스 Bold" panose="02000000000000000000" pitchFamily="50" charset="-127"/>
+              </a:rPr>
+              <a:t>3-3 </a:t>
+            </a:r>
+            <a:r>
+              <a:rPr lang="ko-KR" altLang="en-US" sz="5400" spc="-300" dirty="0">
+                <a:solidFill>
+                  <a:srgbClr val="4C50BC"/>
+                </a:solidFill>
+                <a:latin typeface="G마켓 산스 Bold" panose="02000000000000000000" pitchFamily="50" charset="-127"/>
+                <a:ea typeface="G마켓 산스 Bold" panose="02000000000000000000" pitchFamily="50" charset="-127"/>
+              </a:rPr>
+              <a:t>문제풀이</a:t>
+            </a:r>
+            <a:r>
+              <a:rPr lang="en-US" altLang="ko-KR" sz="5400" spc="-300" dirty="0">
+                <a:solidFill>
+                  <a:srgbClr val="4C50BC"/>
+                </a:solidFill>
+                <a:latin typeface="G마켓 산스 Bold" panose="02000000000000000000" pitchFamily="50" charset="-127"/>
+                <a:ea typeface="G마켓 산스 Bold" panose="02000000000000000000" pitchFamily="50" charset="-127"/>
+              </a:rPr>
+              <a:t> </a:t>
+            </a:r>
+            <a:r>
+              <a:rPr lang="en-US" altLang="ko-KR" sz="5400" spc="-300" dirty="0">
+                <a:solidFill>
+                  <a:srgbClr val="FF0000"/>
+                </a:solidFill>
+                <a:latin typeface="G마켓 산스 Bold" panose="02000000000000000000" pitchFamily="50" charset="-127"/>
+                <a:ea typeface="G마켓 산스 Bold" panose="02000000000000000000" pitchFamily="50" charset="-127"/>
+              </a:rPr>
+              <a:t>(expert)</a:t>
+            </a:r>
           </a:p>
         </p:txBody>
       </p:sp>
+      <p:cxnSp>
+        <p:nvCxnSpPr>
+          <p:cNvPr id="3" name="직선 연결선 2">
+            <a:extLst>
+              <a:ext uri="{FF2B5EF4-FFF2-40B4-BE49-F238E27FC236}">
+                <a16:creationId xmlns:a16="http://schemas.microsoft.com/office/drawing/2014/main" xmlns="" id="{786E59C1-03AA-E4F9-0DFF-7BA60C6342BD}"/>
+              </a:ext>
+            </a:extLst>
+          </p:cNvPr>
+          <p:cNvCxnSpPr>
+            <a:cxnSpLocks/>
+          </p:cNvCxnSpPr>
+          <p:nvPr/>
+        </p:nvCxnSpPr>
+        <p:spPr>
+          <a:xfrm flipH="1" flipV="1">
+            <a:off x="-13447" y="972511"/>
+            <a:ext cx="18288000" cy="65119"/>
+          </a:xfrm>
+          <a:prstGeom prst="line">
+            <a:avLst/>
+          </a:prstGeom>
+          <a:ln w="38100">
+            <a:solidFill>
+              <a:srgbClr val="4C50BC"/>
+            </a:solidFill>
+          </a:ln>
+        </p:spPr>
+        <p:style>
+          <a:lnRef idx="1">
+            <a:schemeClr val="accent1"/>
+          </a:lnRef>
+          <a:fillRef idx="0">
+            <a:schemeClr val="accent1"/>
+          </a:fillRef>
+          <a:effectRef idx="0">
+            <a:schemeClr val="accent1"/>
+          </a:effectRef>
+          <a:fontRef idx="minor">
+            <a:schemeClr val="tx1"/>
+          </a:fontRef>
+        </p:style>
+      </p:cxnSp>
     </p:spTree>
     <p:extLst>
       <p:ext uri="{BB962C8B-B14F-4D97-AF65-F5344CB8AC3E}">
@@ -10417,88 +12104,14 @@
   <p:timing>
     <p:tnLst>
       <p:par>
-        <p:cTn id="1" dur="indefinite" restart="never" nodeType="tmRoot">
-          <p:childTnLst>
-            <p:seq concurrent="1" nextAc="seek">
-              <p:cTn id="2" dur="indefinite" nodeType="mainSeq">
-                <p:childTnLst>
-                  <p:par>
-                    <p:cTn id="3" fill="hold">
-                      <p:stCondLst>
-                        <p:cond delay="indefinite"/>
-                        <p:cond evt="onBegin" delay="0">
-                          <p:tn val="2"/>
-                        </p:cond>
-                      </p:stCondLst>
-                      <p:childTnLst>
-                        <p:par>
-                          <p:cTn id="4" fill="hold">
-                            <p:stCondLst>
-                              <p:cond delay="0"/>
-                            </p:stCondLst>
-                            <p:childTnLst>
-                              <p:par>
-                                <p:cTn id="5" presetID="1" presetClass="exit" presetSubtype="0" fill="hold" grpId="0" nodeType="withEffect">
-                                  <p:stCondLst>
-                                    <p:cond delay="0"/>
-                                  </p:stCondLst>
-                                  <p:childTnLst>
-                                    <p:set>
-                                      <p:cBhvr>
-                                        <p:cTn id="6" dur="1" fill="hold">
-                                          <p:stCondLst>
-                                            <p:cond delay="0"/>
-                                          </p:stCondLst>
-                                        </p:cTn>
-                                        <p:tgtEl>
-                                          <p:spTgt spid="9"/>
-                                        </p:tgtEl>
-                                        <p:attrNameLst>
-                                          <p:attrName>style.visibility</p:attrName>
-                                        </p:attrNameLst>
-                                      </p:cBhvr>
-                                      <p:to>
-                                        <p:strVal val="hidden"/>
-                                      </p:to>
-                                    </p:set>
-                                  </p:childTnLst>
-                                </p:cTn>
-                              </p:par>
-                            </p:childTnLst>
-                          </p:cTn>
-                        </p:par>
-                      </p:childTnLst>
-                    </p:cTn>
-                  </p:par>
-                </p:childTnLst>
-              </p:cTn>
-              <p:prevCondLst>
-                <p:cond evt="onPrev" delay="0">
-                  <p:tgtEl>
-                    <p:sldTgt/>
-                  </p:tgtEl>
-                </p:cond>
-              </p:prevCondLst>
-              <p:nextCondLst>
-                <p:cond evt="onNext" delay="0">
-                  <p:tgtEl>
-                    <p:sldTgt/>
-                  </p:tgtEl>
-                </p:cond>
-              </p:nextCondLst>
-            </p:seq>
-          </p:childTnLst>
-        </p:cTn>
+        <p:cTn id="1" dur="indefinite" restart="never" nodeType="tmRoot"/>
       </p:par>
     </p:tnLst>
-    <p:bldLst>
-      <p:bldP spid="9" grpId="0"/>
-    </p:bldLst>
   </p:timing>
 </p:sld>
 </file>
 
-<file path=ppt/slides/slide24.xml><?xml version="1.0" encoding="utf-8"?>
+<file path=ppt/slides/slide28.xml><?xml version="1.0" encoding="utf-8"?>
 <p:sld xmlns:a="http://schemas.openxmlformats.org/drawingml/2006/main" xmlns:r="http://schemas.openxmlformats.org/officeDocument/2006/relationships" xmlns:p="http://schemas.openxmlformats.org/presentationml/2006/main">
   <p:cSld name="Slide 20">
     <p:bg>
@@ -10786,7 +12399,7 @@
           <p:cNvPr id="2" name="TextBox 1">
             <a:extLst>
               <a:ext uri="{FF2B5EF4-FFF2-40B4-BE49-F238E27FC236}">
-                <a16:creationId xmlns:a16="http://schemas.microsoft.com/office/drawing/2014/main" id="{715D88A2-BD52-978B-A00A-540446126E3D}"/>
+                <a16:creationId xmlns:a16="http://schemas.microsoft.com/office/drawing/2014/main" xmlns="" id="{715D88A2-BD52-978B-A00A-540446126E3D}"/>
               </a:ext>
             </a:extLst>
           </p:cNvPr>
@@ -11047,7 +12660,7 @@
           <p:cNvPr id="2" name="TextBox 1">
             <a:extLst>
               <a:ext uri="{FF2B5EF4-FFF2-40B4-BE49-F238E27FC236}">
-                <a16:creationId xmlns:a16="http://schemas.microsoft.com/office/drawing/2014/main" id="{76F36AE5-79B5-0B9F-E510-1C27AAC4B649}"/>
+                <a16:creationId xmlns:a16="http://schemas.microsoft.com/office/drawing/2014/main" xmlns="" id="{76F36AE5-79B5-0B9F-E510-1C27AAC4B649}"/>
               </a:ext>
             </a:extLst>
           </p:cNvPr>
@@ -11122,10 +12735,10 @@
       </p:grpSpPr>
       <p:sp>
         <p:nvSpPr>
-          <p:cNvPr id="4" name="TextBox 3">
+          <p:cNvPr id="7" name="TextBox 6">
             <a:extLst>
               <a:ext uri="{FF2B5EF4-FFF2-40B4-BE49-F238E27FC236}">
-                <a16:creationId xmlns:a16="http://schemas.microsoft.com/office/drawing/2014/main" id="{37C30BAF-D498-C798-BC14-1718488A3435}"/>
+                <a16:creationId xmlns:a16="http://schemas.microsoft.com/office/drawing/2014/main" xmlns="" id="{1411E83A-6F3E-13BA-B84D-07D6B1588D85}"/>
               </a:ext>
             </a:extLst>
           </p:cNvPr>
@@ -11134,8 +12747,8 @@
         </p:nvSpPr>
         <p:spPr>
           <a:xfrm>
-            <a:off x="685800" y="369332"/>
-            <a:ext cx="3657600" cy="830997"/>
+            <a:off x="685800" y="1295676"/>
+            <a:ext cx="16154400" cy="1200329"/>
           </a:xfrm>
           <a:prstGeom prst="rect">
             <a:avLst/>
@@ -11149,65 +12762,34 @@
           <a:lstStyle/>
           <a:p>
             <a:r>
-              <a:rPr lang="ko-KR" altLang="en-US" sz="4800" dirty="0">
+              <a:rPr lang="en-US" altLang="ko-KR" sz="3600" dirty="0">
                 <a:solidFill>
                   <a:srgbClr val="4C50BC"/>
                 </a:solidFill>
                 <a:latin typeface="G마켓 산스 Medium" panose="02000000000000000000" pitchFamily="50" charset="-127"/>
                 <a:ea typeface="G마켓 산스 Medium" panose="02000000000000000000" pitchFamily="50" charset="-127"/>
               </a:rPr>
-              <a:t>실습문제</a:t>
-            </a:r>
-            <a:r>
-              <a:rPr lang="en-US" altLang="ko-KR" sz="4800" dirty="0">
+              <a:t>int </a:t>
+            </a:r>
+            <a:r>
+              <a:rPr lang="ko-KR" altLang="en-US" sz="3600" dirty="0">
                 <a:solidFill>
                   <a:srgbClr val="4C50BC"/>
                 </a:solidFill>
                 <a:latin typeface="G마켓 산스 Medium" panose="02000000000000000000" pitchFamily="50" charset="-127"/>
                 <a:ea typeface="G마켓 산스 Medium" panose="02000000000000000000" pitchFamily="50" charset="-127"/>
               </a:rPr>
-              <a:t>1</a:t>
-            </a:r>
-          </a:p>
-        </p:txBody>
-      </p:sp>
-      <p:sp>
-        <p:nvSpPr>
-          <p:cNvPr id="7" name="TextBox 6">
-            <a:extLst>
-              <a:ext uri="{FF2B5EF4-FFF2-40B4-BE49-F238E27FC236}">
-                <a16:creationId xmlns:a16="http://schemas.microsoft.com/office/drawing/2014/main" id="{1411E83A-6F3E-13BA-B84D-07D6B1588D85}"/>
-              </a:ext>
-            </a:extLst>
-          </p:cNvPr>
-          <p:cNvSpPr txBox="1"/>
-          <p:nvPr/>
-        </p:nvSpPr>
-        <p:spPr>
-          <a:xfrm>
-            <a:off x="1219200" y="1199971"/>
-            <a:ext cx="16154400" cy="1200329"/>
-          </a:xfrm>
-          <a:prstGeom prst="rect">
-            <a:avLst/>
-          </a:prstGeom>
-          <a:noFill/>
-        </p:spPr>
-        <p:txBody>
-          <a:bodyPr wrap="square" rtlCol="0">
-            <a:spAutoFit/>
-          </a:bodyPr>
-          <a:lstStyle/>
-          <a:p>
-            <a:r>
-              <a:rPr lang="en-US" altLang="ko-KR" sz="3600">
+              <a:t>타입 길이</a:t>
+            </a:r>
+            <a:r>
+              <a:rPr lang="en-US" altLang="ko-KR" sz="3600" dirty="0">
                 <a:solidFill>
                   <a:srgbClr val="4C50BC"/>
                 </a:solidFill>
                 <a:latin typeface="G마켓 산스 Medium" panose="02000000000000000000" pitchFamily="50" charset="-127"/>
                 <a:ea typeface="G마켓 산스 Medium" panose="02000000000000000000" pitchFamily="50" charset="-127"/>
               </a:rPr>
-              <a:t>1-1 int </a:t>
+              <a:t>5</a:t>
             </a:r>
             <a:r>
               <a:rPr lang="ko-KR" altLang="en-US" sz="3600" dirty="0">
@@ -11217,39 +12799,9 @@
                 <a:latin typeface="G마켓 산스 Medium" panose="02000000000000000000" pitchFamily="50" charset="-127"/>
                 <a:ea typeface="G마켓 산스 Medium" panose="02000000000000000000" pitchFamily="50" charset="-127"/>
               </a:rPr>
-              <a:t>타입 길이</a:t>
-            </a:r>
-            <a:r>
-              <a:rPr lang="en-US" altLang="ko-KR" sz="3600" dirty="0">
-                <a:solidFill>
-                  <a:srgbClr val="4C50BC"/>
-                </a:solidFill>
-                <a:latin typeface="G마켓 산스 Medium" panose="02000000000000000000" pitchFamily="50" charset="-127"/>
-                <a:ea typeface="G마켓 산스 Medium" panose="02000000000000000000" pitchFamily="50" charset="-127"/>
-              </a:rPr>
-              <a:t>5</a:t>
-            </a:r>
-            <a:r>
-              <a:rPr lang="ko-KR" altLang="en-US" sz="3600" dirty="0">
-                <a:solidFill>
-                  <a:srgbClr val="4C50BC"/>
-                </a:solidFill>
-                <a:latin typeface="G마켓 산스 Medium" panose="02000000000000000000" pitchFamily="50" charset="-127"/>
-                <a:ea typeface="G마켓 산스 Medium" panose="02000000000000000000" pitchFamily="50" charset="-127"/>
-              </a:rPr>
-              <a:t>의 배열을 만들어 </a:t>
-            </a:r>
-            <a:r>
-              <a:rPr lang="ko-KR" altLang="en-US" sz="3600">
-                <a:solidFill>
-                  <a:srgbClr val="4C50BC"/>
-                </a:solidFill>
-                <a:latin typeface="G마켓 산스 Medium" panose="02000000000000000000" pitchFamily="50" charset="-127"/>
-                <a:ea typeface="G마켓 산스 Medium" panose="02000000000000000000" pitchFamily="50" charset="-127"/>
-              </a:rPr>
-              <a:t>임의의 값을 넣고 출력해보자</a:t>
-            </a:r>
-            <a:endParaRPr lang="en-US" altLang="ko-KR" sz="3600">
+              <a:t>의 배열을 만들어 임의의 값을 넣고 출력해보자</a:t>
+            </a:r>
+            <a:endParaRPr lang="en-US" altLang="ko-KR" sz="3600" dirty="0">
               <a:solidFill>
                 <a:srgbClr val="4C50BC"/>
               </a:solidFill>
@@ -11259,7 +12811,7 @@
           </a:p>
           <a:p>
             <a:r>
-              <a:rPr lang="en-US" altLang="ko-KR" sz="3600">
+              <a:rPr lang="en-US" altLang="ko-KR" sz="3600" dirty="0">
                 <a:solidFill>
                   <a:srgbClr val="4C50BC"/>
                 </a:solidFill>
@@ -11269,7 +12821,7 @@
               <a:t>-</a:t>
             </a:r>
             <a:r>
-              <a:rPr lang="ko-KR" altLang="en-US" sz="3600">
+              <a:rPr lang="ko-KR" altLang="en-US" sz="3600" dirty="0">
                 <a:solidFill>
                   <a:srgbClr val="4C50BC"/>
                 </a:solidFill>
@@ -11278,16 +12830,13 @@
               </a:rPr>
               <a:t> 출력은 반복문을 이용해 보자</a:t>
             </a:r>
-            <a:r>
-              <a:rPr lang="en-US" altLang="ko-KR" sz="3600">
-                <a:solidFill>
-                  <a:srgbClr val="FF0000"/>
-                </a:solidFill>
-                <a:latin typeface="G마켓 산스 Medium" panose="02000000000000000000" pitchFamily="50" charset="-127"/>
-                <a:ea typeface="G마켓 산스 Medium" panose="02000000000000000000" pitchFamily="50" charset="-127"/>
-              </a:rPr>
-              <a:t>(normal)</a:t>
-            </a:r>
+            <a:endParaRPr lang="en-US" altLang="ko-KR" sz="3600" dirty="0">
+              <a:solidFill>
+                <a:srgbClr val="FF0000"/>
+              </a:solidFill>
+              <a:latin typeface="G마켓 산스 Medium" panose="02000000000000000000" pitchFamily="50" charset="-127"/>
+              <a:ea typeface="G마켓 산스 Medium" panose="02000000000000000000" pitchFamily="50" charset="-127"/>
+            </a:endParaRPr>
           </a:p>
         </p:txBody>
       </p:sp>
@@ -11307,7 +12856,7 @@
         </p:blipFill>
         <p:spPr>
           <a:xfrm>
-            <a:off x="1234440" y="3009900"/>
+            <a:off x="1371600" y="3009900"/>
             <a:ext cx="2236839" cy="3048000"/>
           </a:xfrm>
           <a:prstGeom prst="rect">
@@ -11315,6 +12864,120 @@
           </a:prstGeom>
         </p:spPr>
       </p:pic>
+      <p:sp>
+        <p:nvSpPr>
+          <p:cNvPr id="3" name="TextBox 2">
+            <a:extLst>
+              <a:ext uri="{FF2B5EF4-FFF2-40B4-BE49-F238E27FC236}">
+                <a16:creationId xmlns:a16="http://schemas.microsoft.com/office/drawing/2014/main" xmlns="" id="{C1E2B109-28E2-3BCB-DC3A-258A3EF33665}"/>
+              </a:ext>
+            </a:extLst>
+          </p:cNvPr>
+          <p:cNvSpPr txBox="1"/>
+          <p:nvPr/>
+        </p:nvSpPr>
+        <p:spPr>
+          <a:xfrm>
+            <a:off x="304800" y="114300"/>
+            <a:ext cx="10972800" cy="923330"/>
+          </a:xfrm>
+          <a:prstGeom prst="rect">
+            <a:avLst/>
+          </a:prstGeom>
+          <a:noFill/>
+        </p:spPr>
+        <p:txBody>
+          <a:bodyPr wrap="square" rtlCol="0">
+            <a:spAutoFit/>
+          </a:bodyPr>
+          <a:lstStyle/>
+          <a:p>
+            <a:r>
+              <a:rPr lang="en-US" altLang="ko-KR" sz="5400" spc="-300" dirty="0">
+                <a:solidFill>
+                  <a:srgbClr val="4C50BC"/>
+                </a:solidFill>
+                <a:latin typeface="G마켓 산스 Bold" panose="02000000000000000000" pitchFamily="50" charset="-127"/>
+                <a:ea typeface="G마켓 산스 Bold" panose="02000000000000000000" pitchFamily="50" charset="-127"/>
+              </a:rPr>
+              <a:t>1-1 </a:t>
+            </a:r>
+            <a:r>
+              <a:rPr lang="ko-KR" altLang="en-US" sz="5400" spc="-300" dirty="0">
+                <a:solidFill>
+                  <a:srgbClr val="4C50BC"/>
+                </a:solidFill>
+                <a:latin typeface="G마켓 산스 Bold" panose="02000000000000000000" pitchFamily="50" charset="-127"/>
+                <a:ea typeface="G마켓 산스 Bold" panose="02000000000000000000" pitchFamily="50" charset="-127"/>
+              </a:rPr>
+              <a:t>실습문제</a:t>
+            </a:r>
+            <a:r>
+              <a:rPr lang="en-US" altLang="ko-KR" sz="5400" spc="-300" dirty="0">
+                <a:solidFill>
+                  <a:srgbClr val="4C50BC"/>
+                </a:solidFill>
+                <a:latin typeface="G마켓 산스 Bold" panose="02000000000000000000" pitchFamily="50" charset="-127"/>
+                <a:ea typeface="G마켓 산스 Bold" panose="02000000000000000000" pitchFamily="50" charset="-127"/>
+              </a:rPr>
+              <a:t> </a:t>
+            </a:r>
+            <a:r>
+              <a:rPr lang="en-US" altLang="ko-KR" sz="5400" spc="-300" dirty="0">
+                <a:solidFill>
+                  <a:srgbClr val="FF0000"/>
+                </a:solidFill>
+                <a:latin typeface="G마켓 산스 Bold" panose="02000000000000000000" pitchFamily="50" charset="-127"/>
+                <a:ea typeface="G마켓 산스 Bold" panose="02000000000000000000" pitchFamily="50" charset="-127"/>
+              </a:rPr>
+              <a:t>(normal)</a:t>
+            </a:r>
+          </a:p>
+        </p:txBody>
+      </p:sp>
+      <p:cxnSp>
+        <p:nvCxnSpPr>
+          <p:cNvPr id="5" name="직선 연결선 4">
+            <a:extLst>
+              <a:ext uri="{FF2B5EF4-FFF2-40B4-BE49-F238E27FC236}">
+                <a16:creationId xmlns:a16="http://schemas.microsoft.com/office/drawing/2014/main" xmlns="" id="{E6528D13-3D53-55D8-A01A-AAF1B7EE7712}"/>
+              </a:ext>
+            </a:extLst>
+          </p:cNvPr>
+          <p:cNvCxnSpPr>
+            <a:cxnSpLocks/>
+          </p:cNvCxnSpPr>
+          <p:nvPr/>
+        </p:nvCxnSpPr>
+        <p:spPr>
+          <a:xfrm flipH="1" flipV="1">
+            <a:off x="-13447" y="972511"/>
+            <a:ext cx="18288000" cy="65119"/>
+          </a:xfrm>
+          <a:prstGeom prst="line">
+            <a:avLst/>
+          </a:prstGeom>
+          <a:ln w="38100">
+            <a:solidFill>
+              <a:srgbClr val="4C50BC"/>
+            </a:solidFill>
+          </a:ln>
+        </p:spPr>
+        <p:style>
+          <a:lnRef idx="1">
+            <a:schemeClr val="accent1"/>
+          </a:lnRef>
+          <a:fillRef idx="0">
+            <a:schemeClr val="accent1"/>
+          </a:fillRef>
+          <a:effectRef idx="0">
+            <a:schemeClr val="accent1"/>
+          </a:effectRef>
+          <a:fontRef idx="minor">
+            <a:schemeClr val="tx1"/>
+          </a:fontRef>
+        </p:style>
+      </p:cxnSp>
     </p:spTree>
     <p:extLst>
       <p:ext uri="{BB962C8B-B14F-4D97-AF65-F5344CB8AC3E}">
@@ -11361,7 +13024,7 @@
         </p:blipFill>
         <p:spPr>
           <a:xfrm>
-            <a:off x="1828800" y="2498909"/>
+            <a:off x="1828800" y="2960596"/>
             <a:ext cx="5715000" cy="5758849"/>
           </a:xfrm>
           <a:prstGeom prst="rect">
@@ -11369,60 +13032,12 @@
           </a:prstGeom>
         </p:spPr>
       </p:pic>
-      <p:sp>
-        <p:nvSpPr>
-          <p:cNvPr id="5" name="TextBox 4">
-            <a:extLst>
-              <a:ext uri="{FF2B5EF4-FFF2-40B4-BE49-F238E27FC236}">
-                <a16:creationId xmlns:a16="http://schemas.microsoft.com/office/drawing/2014/main" id="{37C30BAF-D498-C798-BC14-1718488A3435}"/>
-              </a:ext>
-            </a:extLst>
-          </p:cNvPr>
-          <p:cNvSpPr txBox="1"/>
-          <p:nvPr/>
-        </p:nvSpPr>
-        <p:spPr>
-          <a:xfrm>
-            <a:off x="685800" y="170276"/>
-            <a:ext cx="3657600" cy="830997"/>
-          </a:xfrm>
-          <a:prstGeom prst="rect">
-            <a:avLst/>
-          </a:prstGeom>
-          <a:noFill/>
-        </p:spPr>
-        <p:txBody>
-          <a:bodyPr wrap="square" rtlCol="0">
-            <a:spAutoFit/>
-          </a:bodyPr>
-          <a:lstStyle/>
-          <a:p>
-            <a:r>
-              <a:rPr lang="ko-KR" altLang="en-US" sz="4800">
-                <a:solidFill>
-                  <a:srgbClr val="4C50BC"/>
-                </a:solidFill>
-                <a:latin typeface="G마켓 산스 Medium" panose="02000000000000000000" pitchFamily="50" charset="-127"/>
-                <a:ea typeface="G마켓 산스 Medium" panose="02000000000000000000" pitchFamily="50" charset="-127"/>
-              </a:rPr>
-              <a:t>해설</a:t>
-            </a:r>
-            <a:endParaRPr lang="en-US" altLang="ko-KR" sz="4800" dirty="0">
-              <a:solidFill>
-                <a:srgbClr val="4C50BC"/>
-              </a:solidFill>
-              <a:latin typeface="G마켓 산스 Medium" panose="02000000000000000000" pitchFamily="50" charset="-127"/>
-              <a:ea typeface="G마켓 산스 Medium" panose="02000000000000000000" pitchFamily="50" charset="-127"/>
-            </a:endParaRPr>
-          </a:p>
-        </p:txBody>
-      </p:sp>
       <p:cxnSp>
         <p:nvCxnSpPr>
           <p:cNvPr id="6" name="직선 화살표 연결선 5">
             <a:extLst>
               <a:ext uri="{FF2B5EF4-FFF2-40B4-BE49-F238E27FC236}">
-                <a16:creationId xmlns:a16="http://schemas.microsoft.com/office/drawing/2014/main" id="{299DF5EC-9DF4-5255-06AC-0A7CE4FF58C3}"/>
+                <a16:creationId xmlns:a16="http://schemas.microsoft.com/office/drawing/2014/main" xmlns="" id="{299DF5EC-9DF4-5255-06AC-0A7CE4FF58C3}"/>
               </a:ext>
             </a:extLst>
           </p:cNvPr>
@@ -11433,7 +13048,7 @@
         </p:nvCxnSpPr>
         <p:spPr>
           <a:xfrm flipV="1">
-            <a:off x="5715000" y="4480109"/>
+            <a:off x="5715000" y="4941796"/>
             <a:ext cx="1905000" cy="914400"/>
           </a:xfrm>
           <a:prstGeom prst="straightConnector1">
@@ -11463,7 +13078,7 @@
           <p:cNvPr id="7" name="TextBox 6">
             <a:extLst>
               <a:ext uri="{FF2B5EF4-FFF2-40B4-BE49-F238E27FC236}">
-                <a16:creationId xmlns:a16="http://schemas.microsoft.com/office/drawing/2014/main" id="{C6D113C6-EA5C-788F-0C77-E7CE6EBB865F}"/>
+                <a16:creationId xmlns:a16="http://schemas.microsoft.com/office/drawing/2014/main" xmlns="" id="{C6D113C6-EA5C-788F-0C77-E7CE6EBB865F}"/>
               </a:ext>
             </a:extLst>
           </p:cNvPr>
@@ -11472,7 +13087,7 @@
         </p:nvSpPr>
         <p:spPr>
           <a:xfrm>
-            <a:off x="7696200" y="4175309"/>
+            <a:off x="7696200" y="4636996"/>
             <a:ext cx="5791200" cy="1200329"/>
           </a:xfrm>
           <a:prstGeom prst="rect">
@@ -11541,7 +13156,7 @@
           <p:cNvPr id="9" name="직선 화살표 연결선 8">
             <a:extLst>
               <a:ext uri="{FF2B5EF4-FFF2-40B4-BE49-F238E27FC236}">
-                <a16:creationId xmlns:a16="http://schemas.microsoft.com/office/drawing/2014/main" id="{299DF5EC-9DF4-5255-06AC-0A7CE4FF58C3}"/>
+                <a16:creationId xmlns:a16="http://schemas.microsoft.com/office/drawing/2014/main" xmlns="" id="{299DF5EC-9DF4-5255-06AC-0A7CE4FF58C3}"/>
               </a:ext>
             </a:extLst>
           </p:cNvPr>
@@ -11552,7 +13167,7 @@
         </p:nvCxnSpPr>
         <p:spPr>
           <a:xfrm flipV="1">
-            <a:off x="5029200" y="7327532"/>
+            <a:off x="5029200" y="7789219"/>
             <a:ext cx="2971800" cy="29306"/>
           </a:xfrm>
           <a:prstGeom prst="straightConnector1">
@@ -11582,7 +13197,7 @@
           <p:cNvPr id="10" name="TextBox 9">
             <a:extLst>
               <a:ext uri="{FF2B5EF4-FFF2-40B4-BE49-F238E27FC236}">
-                <a16:creationId xmlns:a16="http://schemas.microsoft.com/office/drawing/2014/main" id="{C6D113C6-EA5C-788F-0C77-E7CE6EBB865F}"/>
+                <a16:creationId xmlns:a16="http://schemas.microsoft.com/office/drawing/2014/main" xmlns="" id="{C6D113C6-EA5C-788F-0C77-E7CE6EBB865F}"/>
               </a:ext>
             </a:extLst>
           </p:cNvPr>
@@ -11591,7 +13206,7 @@
         </p:nvSpPr>
         <p:spPr>
           <a:xfrm>
-            <a:off x="8077200" y="7022732"/>
+            <a:off x="8077200" y="7484419"/>
             <a:ext cx="7696200" cy="1200329"/>
           </a:xfrm>
           <a:prstGeom prst="rect">
@@ -11660,7 +13275,7 @@
           <p:cNvPr id="12" name="직선 화살표 연결선 11">
             <a:extLst>
               <a:ext uri="{FF2B5EF4-FFF2-40B4-BE49-F238E27FC236}">
-                <a16:creationId xmlns:a16="http://schemas.microsoft.com/office/drawing/2014/main" id="{299DF5EC-9DF4-5255-06AC-0A7CE4FF58C3}"/>
+                <a16:creationId xmlns:a16="http://schemas.microsoft.com/office/drawing/2014/main" xmlns="" id="{299DF5EC-9DF4-5255-06AC-0A7CE4FF58C3}"/>
               </a:ext>
             </a:extLst>
           </p:cNvPr>
@@ -11671,7 +13286,7 @@
         </p:nvCxnSpPr>
         <p:spPr>
           <a:xfrm flipV="1">
-            <a:off x="3124200" y="1663640"/>
+            <a:off x="3124200" y="2125327"/>
             <a:ext cx="1905000" cy="914400"/>
           </a:xfrm>
           <a:prstGeom prst="straightConnector1">
@@ -11701,7 +13316,7 @@
           <p:cNvPr id="13" name="TextBox 12">
             <a:extLst>
               <a:ext uri="{FF2B5EF4-FFF2-40B4-BE49-F238E27FC236}">
-                <a16:creationId xmlns:a16="http://schemas.microsoft.com/office/drawing/2014/main" id="{C6D113C6-EA5C-788F-0C77-E7CE6EBB865F}"/>
+                <a16:creationId xmlns:a16="http://schemas.microsoft.com/office/drawing/2014/main" xmlns="" id="{C6D113C6-EA5C-788F-0C77-E7CE6EBB865F}"/>
               </a:ext>
             </a:extLst>
           </p:cNvPr>
@@ -11710,7 +13325,7 @@
         </p:nvSpPr>
         <p:spPr>
           <a:xfrm>
-            <a:off x="5105400" y="1358840"/>
+            <a:off x="5105400" y="1820527"/>
             <a:ext cx="7467600" cy="646331"/>
           </a:xfrm>
           <a:prstGeom prst="rect">
@@ -11749,7 +13364,7 @@
           <p:cNvPr id="14" name="직선 화살표 연결선 13">
             <a:extLst>
               <a:ext uri="{FF2B5EF4-FFF2-40B4-BE49-F238E27FC236}">
-                <a16:creationId xmlns:a16="http://schemas.microsoft.com/office/drawing/2014/main" id="{299DF5EC-9DF4-5255-06AC-0A7CE4FF58C3}"/>
+                <a16:creationId xmlns:a16="http://schemas.microsoft.com/office/drawing/2014/main" xmlns="" id="{299DF5EC-9DF4-5255-06AC-0A7CE4FF58C3}"/>
               </a:ext>
             </a:extLst>
           </p:cNvPr>
@@ -11760,7 +13375,7 @@
         </p:nvCxnSpPr>
         <p:spPr>
           <a:xfrm>
-            <a:off x="6019800" y="2879909"/>
+            <a:off x="6019800" y="3341596"/>
             <a:ext cx="990600" cy="76200"/>
           </a:xfrm>
           <a:prstGeom prst="straightConnector1">
@@ -11790,7 +13405,7 @@
           <p:cNvPr id="15" name="TextBox 14">
             <a:extLst>
               <a:ext uri="{FF2B5EF4-FFF2-40B4-BE49-F238E27FC236}">
-                <a16:creationId xmlns:a16="http://schemas.microsoft.com/office/drawing/2014/main" id="{C6D113C6-EA5C-788F-0C77-E7CE6EBB865F}"/>
+                <a16:creationId xmlns:a16="http://schemas.microsoft.com/office/drawing/2014/main" xmlns="" id="{C6D113C6-EA5C-788F-0C77-E7CE6EBB865F}"/>
               </a:ext>
             </a:extLst>
           </p:cNvPr>
@@ -11799,7 +13414,7 @@
         </p:nvSpPr>
         <p:spPr>
           <a:xfrm>
-            <a:off x="7086600" y="2651309"/>
+            <a:off x="7086600" y="3112996"/>
             <a:ext cx="7467600" cy="646331"/>
           </a:xfrm>
           <a:prstGeom prst="rect">
@@ -11843,6 +13458,120 @@
           </a:p>
         </p:txBody>
       </p:sp>
+      <p:sp>
+        <p:nvSpPr>
+          <p:cNvPr id="2" name="TextBox 1">
+            <a:extLst>
+              <a:ext uri="{FF2B5EF4-FFF2-40B4-BE49-F238E27FC236}">
+                <a16:creationId xmlns:a16="http://schemas.microsoft.com/office/drawing/2014/main" xmlns="" id="{2061F97D-D8E9-F1D1-3FF7-8DA03F1C2FF6}"/>
+              </a:ext>
+            </a:extLst>
+          </p:cNvPr>
+          <p:cNvSpPr txBox="1"/>
+          <p:nvPr/>
+        </p:nvSpPr>
+        <p:spPr>
+          <a:xfrm>
+            <a:off x="304800" y="114300"/>
+            <a:ext cx="10972800" cy="923330"/>
+          </a:xfrm>
+          <a:prstGeom prst="rect">
+            <a:avLst/>
+          </a:prstGeom>
+          <a:noFill/>
+        </p:spPr>
+        <p:txBody>
+          <a:bodyPr wrap="square" rtlCol="0">
+            <a:spAutoFit/>
+          </a:bodyPr>
+          <a:lstStyle/>
+          <a:p>
+            <a:r>
+              <a:rPr lang="en-US" altLang="ko-KR" sz="5400" spc="-300" dirty="0">
+                <a:solidFill>
+                  <a:srgbClr val="4C50BC"/>
+                </a:solidFill>
+                <a:latin typeface="G마켓 산스 Bold" panose="02000000000000000000" pitchFamily="50" charset="-127"/>
+                <a:ea typeface="G마켓 산스 Bold" panose="02000000000000000000" pitchFamily="50" charset="-127"/>
+              </a:rPr>
+              <a:t>1-1 </a:t>
+            </a:r>
+            <a:r>
+              <a:rPr lang="ko-KR" altLang="en-US" sz="5400" spc="-300" dirty="0">
+                <a:solidFill>
+                  <a:srgbClr val="4C50BC"/>
+                </a:solidFill>
+                <a:latin typeface="G마켓 산스 Bold" panose="02000000000000000000" pitchFamily="50" charset="-127"/>
+                <a:ea typeface="G마켓 산스 Bold" panose="02000000000000000000" pitchFamily="50" charset="-127"/>
+              </a:rPr>
+              <a:t>문제풀이</a:t>
+            </a:r>
+            <a:r>
+              <a:rPr lang="en-US" altLang="ko-KR" sz="5400" spc="-300" dirty="0">
+                <a:solidFill>
+                  <a:srgbClr val="4C50BC"/>
+                </a:solidFill>
+                <a:latin typeface="G마켓 산스 Bold" panose="02000000000000000000" pitchFamily="50" charset="-127"/>
+                <a:ea typeface="G마켓 산스 Bold" panose="02000000000000000000" pitchFamily="50" charset="-127"/>
+              </a:rPr>
+              <a:t> </a:t>
+            </a:r>
+            <a:r>
+              <a:rPr lang="en-US" altLang="ko-KR" sz="5400" spc="-300" dirty="0">
+                <a:solidFill>
+                  <a:srgbClr val="FF0000"/>
+                </a:solidFill>
+                <a:latin typeface="G마켓 산스 Bold" panose="02000000000000000000" pitchFamily="50" charset="-127"/>
+                <a:ea typeface="G마켓 산스 Bold" panose="02000000000000000000" pitchFamily="50" charset="-127"/>
+              </a:rPr>
+              <a:t>(normal)</a:t>
+            </a:r>
+          </a:p>
+        </p:txBody>
+      </p:sp>
+      <p:cxnSp>
+        <p:nvCxnSpPr>
+          <p:cNvPr id="3" name="직선 연결선 2">
+            <a:extLst>
+              <a:ext uri="{FF2B5EF4-FFF2-40B4-BE49-F238E27FC236}">
+                <a16:creationId xmlns:a16="http://schemas.microsoft.com/office/drawing/2014/main" xmlns="" id="{621AB981-BC49-7418-906C-AC1508981F9A}"/>
+              </a:ext>
+            </a:extLst>
+          </p:cNvPr>
+          <p:cNvCxnSpPr>
+            <a:cxnSpLocks/>
+          </p:cNvCxnSpPr>
+          <p:nvPr/>
+        </p:nvCxnSpPr>
+        <p:spPr>
+          <a:xfrm flipH="1" flipV="1">
+            <a:off x="-13447" y="972511"/>
+            <a:ext cx="18288000" cy="65119"/>
+          </a:xfrm>
+          <a:prstGeom prst="line">
+            <a:avLst/>
+          </a:prstGeom>
+          <a:ln w="38100">
+            <a:solidFill>
+              <a:srgbClr val="4C50BC"/>
+            </a:solidFill>
+          </a:ln>
+        </p:spPr>
+        <p:style>
+          <a:lnRef idx="1">
+            <a:schemeClr val="accent1"/>
+          </a:lnRef>
+          <a:fillRef idx="0">
+            <a:schemeClr val="accent1"/>
+          </a:fillRef>
+          <a:effectRef idx="0">
+            <a:schemeClr val="accent1"/>
+          </a:effectRef>
+          <a:fontRef idx="minor">
+            <a:schemeClr val="tx1"/>
+          </a:fontRef>
+        </p:style>
+      </p:cxnSp>
     </p:spTree>
     <p:extLst>
       <p:ext uri="{BB962C8B-B14F-4D97-AF65-F5344CB8AC3E}">
@@ -11853,6 +13582,13 @@
   <p:clrMapOvr>
     <a:masterClrMapping/>
   </p:clrMapOvr>
+  <p:timing>
+    <p:tnLst>
+      <p:par>
+        <p:cTn id="1" dur="indefinite" restart="never" nodeType="tmRoot"/>
+      </p:par>
+    </p:tnLst>
+  </p:timing>
 </p:sld>
 </file>
 
@@ -11878,7 +13614,7 @@
           <p:cNvPr id="4" name="TextBox 3">
             <a:extLst>
               <a:ext uri="{FF2B5EF4-FFF2-40B4-BE49-F238E27FC236}">
-                <a16:creationId xmlns:a16="http://schemas.microsoft.com/office/drawing/2014/main" id="{1411E83A-6F3E-13BA-B84D-07D6B1588D85}"/>
+                <a16:creationId xmlns:a16="http://schemas.microsoft.com/office/drawing/2014/main" xmlns="" id="{1411E83A-6F3E-13BA-B84D-07D6B1588D85}"/>
               </a:ext>
             </a:extLst>
           </p:cNvPr>
@@ -11887,8 +13623,8 @@
         </p:nvSpPr>
         <p:spPr>
           <a:xfrm>
-            <a:off x="762000" y="495300"/>
-            <a:ext cx="16154400" cy="1200329"/>
+            <a:off x="762000" y="1255268"/>
+            <a:ext cx="16154400" cy="646331"/>
           </a:xfrm>
           <a:prstGeom prst="rect">
             <a:avLst/>
@@ -11902,47 +13638,52 @@
           <a:lstStyle/>
           <a:p>
             <a:r>
-              <a:rPr lang="en-US" altLang="ko-KR" sz="3600">
+              <a:rPr lang="en-US" altLang="ko-KR" sz="3600" dirty="0">
                 <a:solidFill>
                   <a:srgbClr val="4C50BC"/>
                 </a:solidFill>
                 <a:latin typeface="G마켓 산스 Medium" panose="02000000000000000000" pitchFamily="50" charset="-127"/>
                 <a:ea typeface="G마켓 산스 Medium" panose="02000000000000000000" pitchFamily="50" charset="-127"/>
               </a:rPr>
-              <a:t>1-2 1</a:t>
-            </a:r>
-            <a:r>
-              <a:rPr lang="ko-KR" altLang="en-US" sz="3600">
+              <a:t>1</a:t>
+            </a:r>
+            <a:r>
+              <a:rPr lang="ko-KR" altLang="en-US" sz="3600" dirty="0">
                 <a:solidFill>
                   <a:srgbClr val="4C50BC"/>
                 </a:solidFill>
                 <a:latin typeface="G마켓 산스 Medium" panose="02000000000000000000" pitchFamily="50" charset="-127"/>
                 <a:ea typeface="G마켓 산스 Medium" panose="02000000000000000000" pitchFamily="50" charset="-127"/>
               </a:rPr>
-              <a:t>번 문제에서 만들어놓은 배열 요소들의 평균을 구해보자</a:t>
-            </a:r>
-            <a:r>
-              <a:rPr lang="en-US" altLang="ko-KR" sz="3600">
-                <a:solidFill>
-                  <a:srgbClr val="FF0000"/>
-                </a:solidFill>
-                <a:latin typeface="G마켓 산스 Medium" panose="02000000000000000000" pitchFamily="50" charset="-127"/>
-                <a:ea typeface="G마켓 산스 Medium" panose="02000000000000000000" pitchFamily="50" charset="-127"/>
-              </a:rPr>
-              <a:t>.(normal)</a:t>
-            </a:r>
-          </a:p>
-          <a:p>
-            <a:r>
-              <a:rPr lang="en-US" altLang="ko-KR" sz="3600">
-                <a:solidFill>
-                  <a:srgbClr val="FF0000"/>
-                </a:solidFill>
-                <a:latin typeface="G마켓 산스 Medium" panose="02000000000000000000" pitchFamily="50" charset="-127"/>
-                <a:ea typeface="G마켓 산스 Medium" panose="02000000000000000000" pitchFamily="50" charset="-127"/>
-              </a:rPr>
-              <a:t>- </a:t>
-            </a:r>
+              <a:t>번 문제에서 </a:t>
+            </a:r>
+            <a:r>
+              <a:rPr lang="ko-KR" altLang="en-US" sz="3600" dirty="0" err="1">
+                <a:solidFill>
+                  <a:srgbClr val="4C50BC"/>
+                </a:solidFill>
+                <a:latin typeface="G마켓 산스 Medium" panose="02000000000000000000" pitchFamily="50" charset="-127"/>
+                <a:ea typeface="G마켓 산스 Medium" panose="02000000000000000000" pitchFamily="50" charset="-127"/>
+              </a:rPr>
+              <a:t>만들어놓은</a:t>
+            </a:r>
+            <a:r>
+              <a:rPr lang="ko-KR" altLang="en-US" sz="3600" dirty="0">
+                <a:solidFill>
+                  <a:srgbClr val="4C50BC"/>
+                </a:solidFill>
+                <a:latin typeface="G마켓 산스 Medium" panose="02000000000000000000" pitchFamily="50" charset="-127"/>
+                <a:ea typeface="G마켓 산스 Medium" panose="02000000000000000000" pitchFamily="50" charset="-127"/>
+              </a:rPr>
+              <a:t> 배열 요소들의 평균을 구해보자</a:t>
+            </a:r>
+            <a:endParaRPr lang="en-US" altLang="ko-KR" sz="3600" dirty="0">
+              <a:solidFill>
+                <a:srgbClr val="FF0000"/>
+              </a:solidFill>
+              <a:latin typeface="G마켓 산스 Medium" panose="02000000000000000000" pitchFamily="50" charset="-127"/>
+              <a:ea typeface="G마켓 산스 Medium" panose="02000000000000000000" pitchFamily="50" charset="-127"/>
+            </a:endParaRPr>
           </a:p>
         </p:txBody>
       </p:sp>
@@ -11962,7 +13703,7 @@
         </p:blipFill>
         <p:spPr>
           <a:xfrm>
-            <a:off x="1219200" y="1663391"/>
+            <a:off x="1219200" y="2628900"/>
             <a:ext cx="6050567" cy="5161174"/>
           </a:xfrm>
           <a:prstGeom prst="rect">
@@ -11986,7 +13727,7 @@
         </p:blipFill>
         <p:spPr>
           <a:xfrm>
-            <a:off x="9220200" y="3848100"/>
+            <a:off x="9220200" y="4813609"/>
             <a:ext cx="2800350" cy="2822933"/>
           </a:xfrm>
           <a:prstGeom prst="rect">
@@ -12021,7 +13762,7 @@
         </p:blipFill>
         <p:spPr>
           <a:xfrm>
-            <a:off x="1219200" y="4381500"/>
+            <a:off x="1219200" y="5347009"/>
             <a:ext cx="6050567" cy="2494174"/>
           </a:xfrm>
           <a:prstGeom prst="rect">
@@ -12029,6 +13770,120 @@
           </a:prstGeom>
         </p:spPr>
       </p:pic>
+      <p:sp>
+        <p:nvSpPr>
+          <p:cNvPr id="2" name="TextBox 1">
+            <a:extLst>
+              <a:ext uri="{FF2B5EF4-FFF2-40B4-BE49-F238E27FC236}">
+                <a16:creationId xmlns:a16="http://schemas.microsoft.com/office/drawing/2014/main" xmlns="" id="{70DDAF80-7105-43F4-AB6E-536A390954B1}"/>
+              </a:ext>
+            </a:extLst>
+          </p:cNvPr>
+          <p:cNvSpPr txBox="1"/>
+          <p:nvPr/>
+        </p:nvSpPr>
+        <p:spPr>
+          <a:xfrm>
+            <a:off x="304800" y="114300"/>
+            <a:ext cx="10972800" cy="923330"/>
+          </a:xfrm>
+          <a:prstGeom prst="rect">
+            <a:avLst/>
+          </a:prstGeom>
+          <a:noFill/>
+        </p:spPr>
+        <p:txBody>
+          <a:bodyPr wrap="square" rtlCol="0">
+            <a:spAutoFit/>
+          </a:bodyPr>
+          <a:lstStyle/>
+          <a:p>
+            <a:r>
+              <a:rPr lang="en-US" altLang="ko-KR" sz="5400" spc="-300" dirty="0">
+                <a:solidFill>
+                  <a:srgbClr val="4C50BC"/>
+                </a:solidFill>
+                <a:latin typeface="G마켓 산스 Bold" panose="02000000000000000000" pitchFamily="50" charset="-127"/>
+                <a:ea typeface="G마켓 산스 Bold" panose="02000000000000000000" pitchFamily="50" charset="-127"/>
+              </a:rPr>
+              <a:t>1-2 </a:t>
+            </a:r>
+            <a:r>
+              <a:rPr lang="ko-KR" altLang="en-US" sz="5400" spc="-300" dirty="0">
+                <a:solidFill>
+                  <a:srgbClr val="4C50BC"/>
+                </a:solidFill>
+                <a:latin typeface="G마켓 산스 Bold" panose="02000000000000000000" pitchFamily="50" charset="-127"/>
+                <a:ea typeface="G마켓 산스 Bold" panose="02000000000000000000" pitchFamily="50" charset="-127"/>
+              </a:rPr>
+              <a:t>실습문제</a:t>
+            </a:r>
+            <a:r>
+              <a:rPr lang="en-US" altLang="ko-KR" sz="5400" spc="-300" dirty="0">
+                <a:solidFill>
+                  <a:srgbClr val="4C50BC"/>
+                </a:solidFill>
+                <a:latin typeface="G마켓 산스 Bold" panose="02000000000000000000" pitchFamily="50" charset="-127"/>
+                <a:ea typeface="G마켓 산스 Bold" panose="02000000000000000000" pitchFamily="50" charset="-127"/>
+              </a:rPr>
+              <a:t> </a:t>
+            </a:r>
+            <a:r>
+              <a:rPr lang="en-US" altLang="ko-KR" sz="5400" spc="-300" dirty="0">
+                <a:solidFill>
+                  <a:srgbClr val="FF0000"/>
+                </a:solidFill>
+                <a:latin typeface="G마켓 산스 Bold" panose="02000000000000000000" pitchFamily="50" charset="-127"/>
+                <a:ea typeface="G마켓 산스 Bold" panose="02000000000000000000" pitchFamily="50" charset="-127"/>
+              </a:rPr>
+              <a:t>(normal)</a:t>
+            </a:r>
+          </a:p>
+        </p:txBody>
+      </p:sp>
+      <p:cxnSp>
+        <p:nvCxnSpPr>
+          <p:cNvPr id="3" name="직선 연결선 2">
+            <a:extLst>
+              <a:ext uri="{FF2B5EF4-FFF2-40B4-BE49-F238E27FC236}">
+                <a16:creationId xmlns:a16="http://schemas.microsoft.com/office/drawing/2014/main" xmlns="" id="{6C11217E-9D86-2C7C-D894-29BB5E68E175}"/>
+              </a:ext>
+            </a:extLst>
+          </p:cNvPr>
+          <p:cNvCxnSpPr>
+            <a:cxnSpLocks/>
+          </p:cNvCxnSpPr>
+          <p:nvPr/>
+        </p:nvCxnSpPr>
+        <p:spPr>
+          <a:xfrm flipH="1" flipV="1">
+            <a:off x="-13447" y="972511"/>
+            <a:ext cx="18288000" cy="65119"/>
+          </a:xfrm>
+          <a:prstGeom prst="line">
+            <a:avLst/>
+          </a:prstGeom>
+          <a:ln w="38100">
+            <a:solidFill>
+              <a:srgbClr val="4C50BC"/>
+            </a:solidFill>
+          </a:ln>
+        </p:spPr>
+        <p:style>
+          <a:lnRef idx="1">
+            <a:schemeClr val="accent1"/>
+          </a:lnRef>
+          <a:fillRef idx="0">
+            <a:schemeClr val="accent1"/>
+          </a:fillRef>
+          <a:effectRef idx="0">
+            <a:schemeClr val="accent1"/>
+          </a:effectRef>
+          <a:fontRef idx="minor">
+            <a:schemeClr val="tx1"/>
+          </a:fontRef>
+        </p:style>
+      </p:cxnSp>
     </p:spTree>
     <p:extLst>
       <p:ext uri="{BB962C8B-B14F-4D97-AF65-F5344CB8AC3E}">
@@ -12075,7 +13930,7 @@
         </p:blipFill>
         <p:spPr>
           <a:xfrm>
-            <a:off x="838200" y="1257300"/>
+            <a:off x="838200" y="2171700"/>
             <a:ext cx="7414479" cy="6324600"/>
           </a:xfrm>
           <a:prstGeom prst="rect">
@@ -12083,60 +13938,12 @@
           </a:prstGeom>
         </p:spPr>
       </p:pic>
-      <p:sp>
-        <p:nvSpPr>
-          <p:cNvPr id="5" name="TextBox 4">
-            <a:extLst>
-              <a:ext uri="{FF2B5EF4-FFF2-40B4-BE49-F238E27FC236}">
-                <a16:creationId xmlns:a16="http://schemas.microsoft.com/office/drawing/2014/main" id="{37C30BAF-D498-C798-BC14-1718488A3435}"/>
-              </a:ext>
-            </a:extLst>
-          </p:cNvPr>
-          <p:cNvSpPr txBox="1"/>
-          <p:nvPr/>
-        </p:nvSpPr>
-        <p:spPr>
-          <a:xfrm>
-            <a:off x="685800" y="170276"/>
-            <a:ext cx="3657600" cy="830997"/>
-          </a:xfrm>
-          <a:prstGeom prst="rect">
-            <a:avLst/>
-          </a:prstGeom>
-          <a:noFill/>
-        </p:spPr>
-        <p:txBody>
-          <a:bodyPr wrap="square" rtlCol="0">
-            <a:spAutoFit/>
-          </a:bodyPr>
-          <a:lstStyle/>
-          <a:p>
-            <a:r>
-              <a:rPr lang="ko-KR" altLang="en-US" sz="4800">
-                <a:solidFill>
-                  <a:srgbClr val="4C50BC"/>
-                </a:solidFill>
-                <a:latin typeface="G마켓 산스 Medium" panose="02000000000000000000" pitchFamily="50" charset="-127"/>
-                <a:ea typeface="G마켓 산스 Medium" panose="02000000000000000000" pitchFamily="50" charset="-127"/>
-              </a:rPr>
-              <a:t>해설</a:t>
-            </a:r>
-            <a:endParaRPr lang="en-US" altLang="ko-KR" sz="4800" dirty="0">
-              <a:solidFill>
-                <a:srgbClr val="4C50BC"/>
-              </a:solidFill>
-              <a:latin typeface="G마켓 산스 Medium" panose="02000000000000000000" pitchFamily="50" charset="-127"/>
-              <a:ea typeface="G마켓 산스 Medium" panose="02000000000000000000" pitchFamily="50" charset="-127"/>
-            </a:endParaRPr>
-          </a:p>
-        </p:txBody>
-      </p:sp>
       <p:cxnSp>
         <p:nvCxnSpPr>
           <p:cNvPr id="7" name="직선 화살표 연결선 6">
             <a:extLst>
               <a:ext uri="{FF2B5EF4-FFF2-40B4-BE49-F238E27FC236}">
-                <a16:creationId xmlns:a16="http://schemas.microsoft.com/office/drawing/2014/main" id="{299DF5EC-9DF4-5255-06AC-0A7CE4FF58C3}"/>
+                <a16:creationId xmlns:a16="http://schemas.microsoft.com/office/drawing/2014/main" xmlns="" id="{299DF5EC-9DF4-5255-06AC-0A7CE4FF58C3}"/>
               </a:ext>
             </a:extLst>
           </p:cNvPr>
@@ -12147,7 +13954,7 @@
         </p:nvCxnSpPr>
         <p:spPr>
           <a:xfrm>
-            <a:off x="4495800" y="6102899"/>
+            <a:off x="4495800" y="7017299"/>
             <a:ext cx="1219200" cy="0"/>
           </a:xfrm>
           <a:prstGeom prst="straightConnector1">
@@ -12177,7 +13984,7 @@
           <p:cNvPr id="8" name="직사각형 7">
             <a:extLst>
               <a:ext uri="{FF2B5EF4-FFF2-40B4-BE49-F238E27FC236}">
-                <a16:creationId xmlns:a16="http://schemas.microsoft.com/office/drawing/2014/main" id="{FFF506F9-840A-0508-4CAF-3AC711D8D5CE}"/>
+                <a16:creationId xmlns:a16="http://schemas.microsoft.com/office/drawing/2014/main" xmlns="" id="{FFF506F9-840A-0508-4CAF-3AC711D8D5CE}"/>
               </a:ext>
             </a:extLst>
           </p:cNvPr>
@@ -12186,7 +13993,7 @@
         </p:nvSpPr>
         <p:spPr>
           <a:xfrm>
-            <a:off x="1676400" y="5798099"/>
+            <a:off x="1676400" y="6712499"/>
             <a:ext cx="2819400" cy="457200"/>
           </a:xfrm>
           <a:prstGeom prst="rect">
@@ -12229,7 +14036,7 @@
           <p:cNvPr id="9" name="TextBox 8">
             <a:extLst>
               <a:ext uri="{FF2B5EF4-FFF2-40B4-BE49-F238E27FC236}">
-                <a16:creationId xmlns:a16="http://schemas.microsoft.com/office/drawing/2014/main" id="{C6D113C6-EA5C-788F-0C77-E7CE6EBB865F}"/>
+                <a16:creationId xmlns:a16="http://schemas.microsoft.com/office/drawing/2014/main" xmlns="" id="{C6D113C6-EA5C-788F-0C77-E7CE6EBB865F}"/>
               </a:ext>
             </a:extLst>
           </p:cNvPr>
@@ -12238,7 +14045,7 @@
         </p:nvSpPr>
         <p:spPr>
           <a:xfrm>
-            <a:off x="5791200" y="5798099"/>
+            <a:off x="5791200" y="6712499"/>
             <a:ext cx="6172200" cy="646331"/>
           </a:xfrm>
           <a:prstGeom prst="rect">
@@ -12287,7 +14094,7 @@
           <p:cNvPr id="10" name="직선 화살표 연결선 9">
             <a:extLst>
               <a:ext uri="{FF2B5EF4-FFF2-40B4-BE49-F238E27FC236}">
-                <a16:creationId xmlns:a16="http://schemas.microsoft.com/office/drawing/2014/main" id="{299DF5EC-9DF4-5255-06AC-0A7CE4FF58C3}"/>
+                <a16:creationId xmlns:a16="http://schemas.microsoft.com/office/drawing/2014/main" xmlns="" id="{299DF5EC-9DF4-5255-06AC-0A7CE4FF58C3}"/>
               </a:ext>
             </a:extLst>
           </p:cNvPr>
@@ -12298,7 +14105,7 @@
         </p:nvCxnSpPr>
         <p:spPr>
           <a:xfrm>
-            <a:off x="7581900" y="7235973"/>
+            <a:off x="7581900" y="8150373"/>
             <a:ext cx="1219200" cy="0"/>
           </a:xfrm>
           <a:prstGeom prst="straightConnector1">
@@ -12328,7 +14135,7 @@
           <p:cNvPr id="11" name="직사각형 10">
             <a:extLst>
               <a:ext uri="{FF2B5EF4-FFF2-40B4-BE49-F238E27FC236}">
-                <a16:creationId xmlns:a16="http://schemas.microsoft.com/office/drawing/2014/main" id="{FFF506F9-840A-0508-4CAF-3AC711D8D5CE}"/>
+                <a16:creationId xmlns:a16="http://schemas.microsoft.com/office/drawing/2014/main" xmlns="" id="{FFF506F9-840A-0508-4CAF-3AC711D8D5CE}"/>
               </a:ext>
             </a:extLst>
           </p:cNvPr>
@@ -12337,7 +14144,7 @@
         </p:nvSpPr>
         <p:spPr>
           <a:xfrm>
-            <a:off x="4762500" y="6931173"/>
+            <a:off x="4762500" y="7845573"/>
             <a:ext cx="2819400" cy="457200"/>
           </a:xfrm>
           <a:prstGeom prst="rect">
@@ -12380,7 +14187,7 @@
           <p:cNvPr id="12" name="TextBox 11">
             <a:extLst>
               <a:ext uri="{FF2B5EF4-FFF2-40B4-BE49-F238E27FC236}">
-                <a16:creationId xmlns:a16="http://schemas.microsoft.com/office/drawing/2014/main" id="{C6D113C6-EA5C-788F-0C77-E7CE6EBB865F}"/>
+                <a16:creationId xmlns:a16="http://schemas.microsoft.com/office/drawing/2014/main" xmlns="" id="{C6D113C6-EA5C-788F-0C77-E7CE6EBB865F}"/>
               </a:ext>
             </a:extLst>
           </p:cNvPr>
@@ -12389,7 +14196,7 @@
         </p:nvSpPr>
         <p:spPr>
           <a:xfrm>
-            <a:off x="8877300" y="6931173"/>
+            <a:off x="8877300" y="7845573"/>
             <a:ext cx="6362700" cy="1200329"/>
           </a:xfrm>
           <a:prstGeom prst="rect">
@@ -12433,6 +14240,120 @@
           </a:p>
         </p:txBody>
       </p:sp>
+      <p:sp>
+        <p:nvSpPr>
+          <p:cNvPr id="2" name="TextBox 1">
+            <a:extLst>
+              <a:ext uri="{FF2B5EF4-FFF2-40B4-BE49-F238E27FC236}">
+                <a16:creationId xmlns:a16="http://schemas.microsoft.com/office/drawing/2014/main" xmlns="" id="{7C7DAE4F-67C1-DE0E-29A0-40C8DBCC0819}"/>
+              </a:ext>
+            </a:extLst>
+          </p:cNvPr>
+          <p:cNvSpPr txBox="1"/>
+          <p:nvPr/>
+        </p:nvSpPr>
+        <p:spPr>
+          <a:xfrm>
+            <a:off x="304800" y="114300"/>
+            <a:ext cx="10972800" cy="923330"/>
+          </a:xfrm>
+          <a:prstGeom prst="rect">
+            <a:avLst/>
+          </a:prstGeom>
+          <a:noFill/>
+        </p:spPr>
+        <p:txBody>
+          <a:bodyPr wrap="square" rtlCol="0">
+            <a:spAutoFit/>
+          </a:bodyPr>
+          <a:lstStyle/>
+          <a:p>
+            <a:r>
+              <a:rPr lang="en-US" altLang="ko-KR" sz="5400" spc="-300" dirty="0">
+                <a:solidFill>
+                  <a:srgbClr val="4C50BC"/>
+                </a:solidFill>
+                <a:latin typeface="G마켓 산스 Bold" panose="02000000000000000000" pitchFamily="50" charset="-127"/>
+                <a:ea typeface="G마켓 산스 Bold" panose="02000000000000000000" pitchFamily="50" charset="-127"/>
+              </a:rPr>
+              <a:t>1-2 </a:t>
+            </a:r>
+            <a:r>
+              <a:rPr lang="ko-KR" altLang="en-US" sz="5400" spc="-300" dirty="0">
+                <a:solidFill>
+                  <a:srgbClr val="4C50BC"/>
+                </a:solidFill>
+                <a:latin typeface="G마켓 산스 Bold" panose="02000000000000000000" pitchFamily="50" charset="-127"/>
+                <a:ea typeface="G마켓 산스 Bold" panose="02000000000000000000" pitchFamily="50" charset="-127"/>
+              </a:rPr>
+              <a:t>문제풀이</a:t>
+            </a:r>
+            <a:r>
+              <a:rPr lang="en-US" altLang="ko-KR" sz="5400" spc="-300" dirty="0">
+                <a:solidFill>
+                  <a:srgbClr val="4C50BC"/>
+                </a:solidFill>
+                <a:latin typeface="G마켓 산스 Bold" panose="02000000000000000000" pitchFamily="50" charset="-127"/>
+                <a:ea typeface="G마켓 산스 Bold" panose="02000000000000000000" pitchFamily="50" charset="-127"/>
+              </a:rPr>
+              <a:t> </a:t>
+            </a:r>
+            <a:r>
+              <a:rPr lang="en-US" altLang="ko-KR" sz="5400" spc="-300" dirty="0">
+                <a:solidFill>
+                  <a:srgbClr val="FF0000"/>
+                </a:solidFill>
+                <a:latin typeface="G마켓 산스 Bold" panose="02000000000000000000" pitchFamily="50" charset="-127"/>
+                <a:ea typeface="G마켓 산스 Bold" panose="02000000000000000000" pitchFamily="50" charset="-127"/>
+              </a:rPr>
+              <a:t>(normal)</a:t>
+            </a:r>
+          </a:p>
+        </p:txBody>
+      </p:sp>
+      <p:cxnSp>
+        <p:nvCxnSpPr>
+          <p:cNvPr id="3" name="직선 연결선 2">
+            <a:extLst>
+              <a:ext uri="{FF2B5EF4-FFF2-40B4-BE49-F238E27FC236}">
+                <a16:creationId xmlns:a16="http://schemas.microsoft.com/office/drawing/2014/main" xmlns="" id="{4FECF1C5-0524-070A-FACB-F82F14101D1E}"/>
+              </a:ext>
+            </a:extLst>
+          </p:cNvPr>
+          <p:cNvCxnSpPr>
+            <a:cxnSpLocks/>
+          </p:cNvCxnSpPr>
+          <p:nvPr/>
+        </p:nvCxnSpPr>
+        <p:spPr>
+          <a:xfrm flipH="1" flipV="1">
+            <a:off x="-13447" y="972511"/>
+            <a:ext cx="18288000" cy="65119"/>
+          </a:xfrm>
+          <a:prstGeom prst="line">
+            <a:avLst/>
+          </a:prstGeom>
+          <a:ln w="38100">
+            <a:solidFill>
+              <a:srgbClr val="4C50BC"/>
+            </a:solidFill>
+          </a:ln>
+        </p:spPr>
+        <p:style>
+          <a:lnRef idx="1">
+            <a:schemeClr val="accent1"/>
+          </a:lnRef>
+          <a:fillRef idx="0">
+            <a:schemeClr val="accent1"/>
+          </a:fillRef>
+          <a:effectRef idx="0">
+            <a:schemeClr val="accent1"/>
+          </a:effectRef>
+          <a:fontRef idx="minor">
+            <a:schemeClr val="tx1"/>
+          </a:fontRef>
+        </p:style>
+      </p:cxnSp>
     </p:spTree>
     <p:extLst>
       <p:ext uri="{BB962C8B-B14F-4D97-AF65-F5344CB8AC3E}">
@@ -12443,6 +14364,13 @@
   <p:clrMapOvr>
     <a:masterClrMapping/>
   </p:clrMapOvr>
+  <p:timing>
+    <p:tnLst>
+      <p:par>
+        <p:cTn id="1" dur="indefinite" restart="never" nodeType="tmRoot"/>
+      </p:par>
+    </p:tnLst>
+  </p:timing>
 </p:sld>
 </file>
 
@@ -12468,7 +14396,7 @@
           <p:cNvPr id="4" name="TextBox 3">
             <a:extLst>
               <a:ext uri="{FF2B5EF4-FFF2-40B4-BE49-F238E27FC236}">
-                <a16:creationId xmlns:a16="http://schemas.microsoft.com/office/drawing/2014/main" id="{1411E83A-6F3E-13BA-B84D-07D6B1588D85}"/>
+                <a16:creationId xmlns:a16="http://schemas.microsoft.com/office/drawing/2014/main" xmlns="" id="{1411E83A-6F3E-13BA-B84D-07D6B1588D85}"/>
               </a:ext>
             </a:extLst>
           </p:cNvPr>
@@ -12477,8 +14405,8 @@
         </p:nvSpPr>
         <p:spPr>
           <a:xfrm>
-            <a:off x="762000" y="571500"/>
-            <a:ext cx="16992600" cy="1200329"/>
+            <a:off x="762000" y="1181100"/>
+            <a:ext cx="16992600" cy="646331"/>
           </a:xfrm>
           <a:prstGeom prst="rect">
             <a:avLst/>
@@ -12492,17 +14420,17 @@
           <a:lstStyle/>
           <a:p>
             <a:r>
-              <a:rPr lang="en-US" altLang="ko-KR" sz="3600">
+              <a:rPr lang="en-US" altLang="ko-KR" sz="3600" dirty="0">
                 <a:solidFill>
                   <a:srgbClr val="4C50BC"/>
                 </a:solidFill>
                 <a:latin typeface="G마켓 산스 Medium" panose="02000000000000000000" pitchFamily="50" charset="-127"/>
                 <a:ea typeface="G마켓 산스 Medium" panose="02000000000000000000" pitchFamily="50" charset="-127"/>
               </a:rPr>
-              <a:t>1-3. int </a:t>
-            </a:r>
-            <a:r>
-              <a:rPr lang="ko-KR" altLang="en-US" sz="3600">
+              <a:t>int </a:t>
+            </a:r>
+            <a:r>
+              <a:rPr lang="ko-KR" altLang="en-US" sz="3600" dirty="0">
                 <a:solidFill>
                   <a:srgbClr val="4C50BC"/>
                 </a:solidFill>
@@ -12512,7 +14440,7 @@
               <a:t>타입 길이</a:t>
             </a:r>
             <a:r>
-              <a:rPr lang="en-US" altLang="ko-KR" sz="3600">
+              <a:rPr lang="en-US" altLang="ko-KR" sz="3600" dirty="0">
                 <a:solidFill>
                   <a:srgbClr val="4C50BC"/>
                 </a:solidFill>
@@ -12522,14 +14450,24 @@
               <a:t> 10</a:t>
             </a:r>
             <a:r>
-              <a:rPr lang="ko-KR" altLang="en-US" sz="3600">
+              <a:rPr lang="ko-KR" altLang="en-US" sz="3600" dirty="0">
                 <a:solidFill>
                   <a:srgbClr val="4C50BC"/>
                 </a:solidFill>
                 <a:latin typeface="G마켓 산스 Medium" panose="02000000000000000000" pitchFamily="50" charset="-127"/>
                 <a:ea typeface="G마켓 산스 Medium" panose="02000000000000000000" pitchFamily="50" charset="-127"/>
               </a:rPr>
-              <a:t>의 </a:t>
+              <a:t>의 배열을 만들어 </a:t>
+            </a:r>
+            <a:r>
+              <a:rPr lang="ko-KR" altLang="en-US" sz="3600" dirty="0" err="1">
+                <a:solidFill>
+                  <a:srgbClr val="4C50BC"/>
+                </a:solidFill>
+                <a:latin typeface="G마켓 산스 Medium" panose="02000000000000000000" pitchFamily="50" charset="-127"/>
+                <a:ea typeface="G마켓 산스 Medium" panose="02000000000000000000" pitchFamily="50" charset="-127"/>
+              </a:rPr>
+              <a:t>임의의값을</a:t>
             </a:r>
             <a:r>
               <a:rPr lang="ko-KR" altLang="en-US" sz="3600" dirty="0">
@@ -12539,60 +14477,31 @@
                 <a:latin typeface="G마켓 산스 Medium" panose="02000000000000000000" pitchFamily="50" charset="-127"/>
                 <a:ea typeface="G마켓 산스 Medium" panose="02000000000000000000" pitchFamily="50" charset="-127"/>
               </a:rPr>
-              <a:t>배열을 </a:t>
-            </a:r>
-            <a:r>
-              <a:rPr lang="ko-KR" altLang="en-US" sz="3600">
+              <a:t> 넣고 최대값과 최소값을</a:t>
+            </a:r>
+            <a:r>
+              <a:rPr lang="en-US" altLang="ko-KR" sz="3600" dirty="0">
                 <a:solidFill>
                   <a:srgbClr val="4C50BC"/>
                 </a:solidFill>
                 <a:latin typeface="G마켓 산스 Medium" panose="02000000000000000000" pitchFamily="50" charset="-127"/>
                 <a:ea typeface="G마켓 산스 Medium" panose="02000000000000000000" pitchFamily="50" charset="-127"/>
               </a:rPr>
-              <a:t>만들어 임의의값을 넣고 최대값과 최소값을</a:t>
-            </a:r>
-            <a:r>
-              <a:rPr lang="en-US" altLang="ko-KR" sz="3600">
+              <a:t> </a:t>
+            </a:r>
+            <a:r>
+              <a:rPr lang="ko-KR" altLang="en-US" sz="3600" dirty="0">
                 <a:solidFill>
                   <a:srgbClr val="4C50BC"/>
                 </a:solidFill>
                 <a:latin typeface="G마켓 산스 Medium" panose="02000000000000000000" pitchFamily="50" charset="-127"/>
                 <a:ea typeface="G마켓 산스 Medium" panose="02000000000000000000" pitchFamily="50" charset="-127"/>
               </a:rPr>
-              <a:t> </a:t>
-            </a:r>
-            <a:r>
-              <a:rPr lang="ko-KR" altLang="en-US" sz="3600">
-                <a:solidFill>
-                  <a:srgbClr val="4C50BC"/>
-                </a:solidFill>
-                <a:latin typeface="G마켓 산스 Medium" panose="02000000000000000000" pitchFamily="50" charset="-127"/>
-                <a:ea typeface="G마켓 산스 Medium" panose="02000000000000000000" pitchFamily="50" charset="-127"/>
-              </a:rPr>
               <a:t>출력하자</a:t>
             </a:r>
-            <a:endParaRPr lang="en-US" altLang="ko-KR" sz="3600">
+            <a:endParaRPr lang="en-US" altLang="ko-KR" sz="3600" dirty="0">
               <a:solidFill>
                 <a:srgbClr val="4C50BC"/>
-              </a:solidFill>
-              <a:latin typeface="G마켓 산스 Medium" panose="02000000000000000000" pitchFamily="50" charset="-127"/>
-              <a:ea typeface="G마켓 산스 Medium" panose="02000000000000000000" pitchFamily="50" charset="-127"/>
-            </a:endParaRPr>
-          </a:p>
-          <a:p>
-            <a:r>
-              <a:rPr lang="en-US" altLang="ko-KR" sz="3600">
-                <a:solidFill>
-                  <a:srgbClr val="FF0000"/>
-                </a:solidFill>
-                <a:latin typeface="G마켓 산스 Medium" panose="02000000000000000000" pitchFamily="50" charset="-127"/>
-                <a:ea typeface="G마켓 산스 Medium" panose="02000000000000000000" pitchFamily="50" charset="-127"/>
-              </a:rPr>
-              <a:t>(normal)</a:t>
-            </a:r>
-            <a:endParaRPr lang="ko-KR" altLang="en-US" sz="3600">
-              <a:solidFill>
-                <a:srgbClr val="FF0000"/>
               </a:solidFill>
               <a:latin typeface="G마켓 산스 Medium" panose="02000000000000000000" pitchFamily="50" charset="-127"/>
               <a:ea typeface="G마켓 산스 Medium" panose="02000000000000000000" pitchFamily="50" charset="-127"/>
@@ -12616,7 +14525,7 @@
         </p:blipFill>
         <p:spPr>
           <a:xfrm>
-            <a:off x="1142999" y="2388170"/>
+            <a:off x="1142999" y="2628900"/>
             <a:ext cx="8305801" cy="6641530"/>
           </a:xfrm>
           <a:prstGeom prst="rect">
@@ -12640,7 +14549,7 @@
         </p:blipFill>
         <p:spPr>
           <a:xfrm>
-            <a:off x="9982200" y="6972300"/>
+            <a:off x="9982200" y="7213030"/>
             <a:ext cx="3105150" cy="2057400"/>
           </a:xfrm>
           <a:prstGeom prst="rect">
@@ -12675,7 +14584,7 @@
         </p:blipFill>
         <p:spPr>
           <a:xfrm>
-            <a:off x="1181100" y="3150170"/>
+            <a:off x="1181100" y="3390900"/>
             <a:ext cx="8534400" cy="5879530"/>
           </a:xfrm>
           <a:prstGeom prst="rect">
@@ -12683,6 +14592,120 @@
           </a:prstGeom>
         </p:spPr>
       </p:pic>
+      <p:sp>
+        <p:nvSpPr>
+          <p:cNvPr id="6" name="TextBox 5">
+            <a:extLst>
+              <a:ext uri="{FF2B5EF4-FFF2-40B4-BE49-F238E27FC236}">
+                <a16:creationId xmlns:a16="http://schemas.microsoft.com/office/drawing/2014/main" xmlns="" id="{D29BFDAE-1FBE-F95B-070D-55D9E72419EB}"/>
+              </a:ext>
+            </a:extLst>
+          </p:cNvPr>
+          <p:cNvSpPr txBox="1"/>
+          <p:nvPr/>
+        </p:nvSpPr>
+        <p:spPr>
+          <a:xfrm>
+            <a:off x="304800" y="114300"/>
+            <a:ext cx="10972800" cy="923330"/>
+          </a:xfrm>
+          <a:prstGeom prst="rect">
+            <a:avLst/>
+          </a:prstGeom>
+          <a:noFill/>
+        </p:spPr>
+        <p:txBody>
+          <a:bodyPr wrap="square" rtlCol="0">
+            <a:spAutoFit/>
+          </a:bodyPr>
+          <a:lstStyle/>
+          <a:p>
+            <a:r>
+              <a:rPr lang="en-US" altLang="ko-KR" sz="5400" spc="-300" dirty="0">
+                <a:solidFill>
+                  <a:srgbClr val="4C50BC"/>
+                </a:solidFill>
+                <a:latin typeface="G마켓 산스 Bold" panose="02000000000000000000" pitchFamily="50" charset="-127"/>
+                <a:ea typeface="G마켓 산스 Bold" panose="02000000000000000000" pitchFamily="50" charset="-127"/>
+              </a:rPr>
+              <a:t>1-3 </a:t>
+            </a:r>
+            <a:r>
+              <a:rPr lang="ko-KR" altLang="en-US" sz="5400" spc="-300" dirty="0">
+                <a:solidFill>
+                  <a:srgbClr val="4C50BC"/>
+                </a:solidFill>
+                <a:latin typeface="G마켓 산스 Bold" panose="02000000000000000000" pitchFamily="50" charset="-127"/>
+                <a:ea typeface="G마켓 산스 Bold" panose="02000000000000000000" pitchFamily="50" charset="-127"/>
+              </a:rPr>
+              <a:t>실습문제</a:t>
+            </a:r>
+            <a:r>
+              <a:rPr lang="en-US" altLang="ko-KR" sz="5400" spc="-300" dirty="0">
+                <a:solidFill>
+                  <a:srgbClr val="4C50BC"/>
+                </a:solidFill>
+                <a:latin typeface="G마켓 산스 Bold" panose="02000000000000000000" pitchFamily="50" charset="-127"/>
+                <a:ea typeface="G마켓 산스 Bold" panose="02000000000000000000" pitchFamily="50" charset="-127"/>
+              </a:rPr>
+              <a:t> </a:t>
+            </a:r>
+            <a:r>
+              <a:rPr lang="en-US" altLang="ko-KR" sz="5400" spc="-300" dirty="0">
+                <a:solidFill>
+                  <a:srgbClr val="FF0000"/>
+                </a:solidFill>
+                <a:latin typeface="G마켓 산스 Bold" panose="02000000000000000000" pitchFamily="50" charset="-127"/>
+                <a:ea typeface="G마켓 산스 Bold" panose="02000000000000000000" pitchFamily="50" charset="-127"/>
+              </a:rPr>
+              <a:t>(normal)</a:t>
+            </a:r>
+          </a:p>
+        </p:txBody>
+      </p:sp>
+      <p:cxnSp>
+        <p:nvCxnSpPr>
+          <p:cNvPr id="7" name="직선 연결선 6">
+            <a:extLst>
+              <a:ext uri="{FF2B5EF4-FFF2-40B4-BE49-F238E27FC236}">
+                <a16:creationId xmlns:a16="http://schemas.microsoft.com/office/drawing/2014/main" xmlns="" id="{BF15706B-FFAD-5015-93A4-DF2FFCB3DC0F}"/>
+              </a:ext>
+            </a:extLst>
+          </p:cNvPr>
+          <p:cNvCxnSpPr>
+            <a:cxnSpLocks/>
+          </p:cNvCxnSpPr>
+          <p:nvPr/>
+        </p:nvCxnSpPr>
+        <p:spPr>
+          <a:xfrm flipH="1" flipV="1">
+            <a:off x="-13447" y="972511"/>
+            <a:ext cx="18288000" cy="65119"/>
+          </a:xfrm>
+          <a:prstGeom prst="line">
+            <a:avLst/>
+          </a:prstGeom>
+          <a:ln w="38100">
+            <a:solidFill>
+              <a:srgbClr val="4C50BC"/>
+            </a:solidFill>
+          </a:ln>
+        </p:spPr>
+        <p:style>
+          <a:lnRef idx="1">
+            <a:schemeClr val="accent1"/>
+          </a:lnRef>
+          <a:fillRef idx="0">
+            <a:schemeClr val="accent1"/>
+          </a:fillRef>
+          <a:effectRef idx="0">
+            <a:schemeClr val="accent1"/>
+          </a:effectRef>
+          <a:fontRef idx="minor">
+            <a:schemeClr val="tx1"/>
+          </a:fontRef>
+        </p:style>
+      </p:cxnSp>
     </p:spTree>
     <p:extLst>
       <p:ext uri="{BB962C8B-B14F-4D97-AF65-F5344CB8AC3E}">
@@ -12804,7 +14827,7 @@
         </p:blipFill>
         <p:spPr>
           <a:xfrm>
-            <a:off x="1600200" y="1409700"/>
+            <a:off x="1600200" y="2095500"/>
             <a:ext cx="8305801" cy="6641530"/>
           </a:xfrm>
           <a:prstGeom prst="rect">
@@ -12812,60 +14835,12 @@
           </a:prstGeom>
         </p:spPr>
       </p:pic>
-      <p:sp>
-        <p:nvSpPr>
-          <p:cNvPr id="5" name="TextBox 4">
-            <a:extLst>
-              <a:ext uri="{FF2B5EF4-FFF2-40B4-BE49-F238E27FC236}">
-                <a16:creationId xmlns:a16="http://schemas.microsoft.com/office/drawing/2014/main" id="{37C30BAF-D498-C798-BC14-1718488A3435}"/>
-              </a:ext>
-            </a:extLst>
-          </p:cNvPr>
-          <p:cNvSpPr txBox="1"/>
-          <p:nvPr/>
-        </p:nvSpPr>
-        <p:spPr>
-          <a:xfrm>
-            <a:off x="685800" y="170276"/>
-            <a:ext cx="3657600" cy="830997"/>
-          </a:xfrm>
-          <a:prstGeom prst="rect">
-            <a:avLst/>
-          </a:prstGeom>
-          <a:noFill/>
-        </p:spPr>
-        <p:txBody>
-          <a:bodyPr wrap="square" rtlCol="0">
-            <a:spAutoFit/>
-          </a:bodyPr>
-          <a:lstStyle/>
-          <a:p>
-            <a:r>
-              <a:rPr lang="ko-KR" altLang="en-US" sz="4800">
-                <a:solidFill>
-                  <a:srgbClr val="4C50BC"/>
-                </a:solidFill>
-                <a:latin typeface="G마켓 산스 Medium" panose="02000000000000000000" pitchFamily="50" charset="-127"/>
-                <a:ea typeface="G마켓 산스 Medium" panose="02000000000000000000" pitchFamily="50" charset="-127"/>
-              </a:rPr>
-              <a:t>해설</a:t>
-            </a:r>
-            <a:endParaRPr lang="en-US" altLang="ko-KR" sz="4800" dirty="0">
-              <a:solidFill>
-                <a:srgbClr val="4C50BC"/>
-              </a:solidFill>
-              <a:latin typeface="G마켓 산스 Medium" panose="02000000000000000000" pitchFamily="50" charset="-127"/>
-              <a:ea typeface="G마켓 산스 Medium" panose="02000000000000000000" pitchFamily="50" charset="-127"/>
-            </a:endParaRPr>
-          </a:p>
-        </p:txBody>
-      </p:sp>
       <p:cxnSp>
         <p:nvCxnSpPr>
           <p:cNvPr id="6" name="직선 화살표 연결선 5">
             <a:extLst>
               <a:ext uri="{FF2B5EF4-FFF2-40B4-BE49-F238E27FC236}">
-                <a16:creationId xmlns:a16="http://schemas.microsoft.com/office/drawing/2014/main" id="{299DF5EC-9DF4-5255-06AC-0A7CE4FF58C3}"/>
+                <a16:creationId xmlns:a16="http://schemas.microsoft.com/office/drawing/2014/main" xmlns="" id="{299DF5EC-9DF4-5255-06AC-0A7CE4FF58C3}"/>
               </a:ext>
             </a:extLst>
           </p:cNvPr>
@@ -12876,7 +14851,7 @@
         </p:nvCxnSpPr>
         <p:spPr>
           <a:xfrm>
-            <a:off x="4210929" y="3390900"/>
+            <a:off x="4210929" y="4076700"/>
             <a:ext cx="1219200" cy="0"/>
           </a:xfrm>
           <a:prstGeom prst="straightConnector1">
@@ -12906,7 +14881,7 @@
           <p:cNvPr id="7" name="직사각형 6">
             <a:extLst>
               <a:ext uri="{FF2B5EF4-FFF2-40B4-BE49-F238E27FC236}">
-                <a16:creationId xmlns:a16="http://schemas.microsoft.com/office/drawing/2014/main" id="{FFF506F9-840A-0508-4CAF-3AC711D8D5CE}"/>
+                <a16:creationId xmlns:a16="http://schemas.microsoft.com/office/drawing/2014/main" xmlns="" id="{FFF506F9-840A-0508-4CAF-3AC711D8D5CE}"/>
               </a:ext>
             </a:extLst>
           </p:cNvPr>
@@ -12915,7 +14890,7 @@
         </p:nvSpPr>
         <p:spPr>
           <a:xfrm>
-            <a:off x="1610165" y="2971408"/>
+            <a:off x="1610165" y="3657208"/>
             <a:ext cx="2590800" cy="876692"/>
           </a:xfrm>
           <a:prstGeom prst="rect">
@@ -12958,7 +14933,7 @@
           <p:cNvPr id="8" name="TextBox 7">
             <a:extLst>
               <a:ext uri="{FF2B5EF4-FFF2-40B4-BE49-F238E27FC236}">
-                <a16:creationId xmlns:a16="http://schemas.microsoft.com/office/drawing/2014/main" id="{C6D113C6-EA5C-788F-0C77-E7CE6EBB865F}"/>
+                <a16:creationId xmlns:a16="http://schemas.microsoft.com/office/drawing/2014/main" xmlns="" id="{C6D113C6-EA5C-788F-0C77-E7CE6EBB865F}"/>
               </a:ext>
             </a:extLst>
           </p:cNvPr>
@@ -12967,7 +14942,7 @@
         </p:nvSpPr>
         <p:spPr>
           <a:xfrm>
-            <a:off x="5562600" y="2809589"/>
+            <a:off x="5562600" y="3495389"/>
             <a:ext cx="11257671" cy="1200329"/>
           </a:xfrm>
           <a:prstGeom prst="rect">
@@ -13016,7 +14991,7 @@
           <p:cNvPr id="9" name="직선 화살표 연결선 8">
             <a:extLst>
               <a:ext uri="{FF2B5EF4-FFF2-40B4-BE49-F238E27FC236}">
-                <a16:creationId xmlns:a16="http://schemas.microsoft.com/office/drawing/2014/main" id="{299DF5EC-9DF4-5255-06AC-0A7CE4FF58C3}"/>
+                <a16:creationId xmlns:a16="http://schemas.microsoft.com/office/drawing/2014/main" xmlns="" id="{299DF5EC-9DF4-5255-06AC-0A7CE4FF58C3}"/>
               </a:ext>
             </a:extLst>
           </p:cNvPr>
@@ -13027,7 +15002,7 @@
         </p:nvCxnSpPr>
         <p:spPr>
           <a:xfrm>
-            <a:off x="7792329" y="5390953"/>
+            <a:off x="7792329" y="6076753"/>
             <a:ext cx="1219200" cy="0"/>
           </a:xfrm>
           <a:prstGeom prst="straightConnector1">
@@ -13057,7 +15032,7 @@
           <p:cNvPr id="10" name="TextBox 9">
             <a:extLst>
               <a:ext uri="{FF2B5EF4-FFF2-40B4-BE49-F238E27FC236}">
-                <a16:creationId xmlns:a16="http://schemas.microsoft.com/office/drawing/2014/main" id="{C6D113C6-EA5C-788F-0C77-E7CE6EBB865F}"/>
+                <a16:creationId xmlns:a16="http://schemas.microsoft.com/office/drawing/2014/main" xmlns="" id="{C6D113C6-EA5C-788F-0C77-E7CE6EBB865F}"/>
               </a:ext>
             </a:extLst>
           </p:cNvPr>
@@ -13066,7 +15041,7 @@
         </p:nvSpPr>
         <p:spPr>
           <a:xfrm>
-            <a:off x="9144001" y="4809642"/>
+            <a:off x="9144001" y="5495442"/>
             <a:ext cx="9677400" cy="1200329"/>
           </a:xfrm>
           <a:prstGeom prst="rect">
@@ -13149,6 +15124,120 @@
           </a:p>
         </p:txBody>
       </p:sp>
+      <p:sp>
+        <p:nvSpPr>
+          <p:cNvPr id="2" name="TextBox 1">
+            <a:extLst>
+              <a:ext uri="{FF2B5EF4-FFF2-40B4-BE49-F238E27FC236}">
+                <a16:creationId xmlns:a16="http://schemas.microsoft.com/office/drawing/2014/main" xmlns="" id="{C2BB29CE-D375-5A22-8060-52CB510B6229}"/>
+              </a:ext>
+            </a:extLst>
+          </p:cNvPr>
+          <p:cNvSpPr txBox="1"/>
+          <p:nvPr/>
+        </p:nvSpPr>
+        <p:spPr>
+          <a:xfrm>
+            <a:off x="304800" y="114300"/>
+            <a:ext cx="10972800" cy="923330"/>
+          </a:xfrm>
+          <a:prstGeom prst="rect">
+            <a:avLst/>
+          </a:prstGeom>
+          <a:noFill/>
+        </p:spPr>
+        <p:txBody>
+          <a:bodyPr wrap="square" rtlCol="0">
+            <a:spAutoFit/>
+          </a:bodyPr>
+          <a:lstStyle/>
+          <a:p>
+            <a:r>
+              <a:rPr lang="en-US" altLang="ko-KR" sz="5400" spc="-300" dirty="0">
+                <a:solidFill>
+                  <a:srgbClr val="4C50BC"/>
+                </a:solidFill>
+                <a:latin typeface="G마켓 산스 Bold" panose="02000000000000000000" pitchFamily="50" charset="-127"/>
+                <a:ea typeface="G마켓 산스 Bold" panose="02000000000000000000" pitchFamily="50" charset="-127"/>
+              </a:rPr>
+              <a:t>1-3 </a:t>
+            </a:r>
+            <a:r>
+              <a:rPr lang="ko-KR" altLang="en-US" sz="5400" spc="-300" dirty="0">
+                <a:solidFill>
+                  <a:srgbClr val="4C50BC"/>
+                </a:solidFill>
+                <a:latin typeface="G마켓 산스 Bold" panose="02000000000000000000" pitchFamily="50" charset="-127"/>
+                <a:ea typeface="G마켓 산스 Bold" panose="02000000000000000000" pitchFamily="50" charset="-127"/>
+              </a:rPr>
+              <a:t>문제풀이</a:t>
+            </a:r>
+            <a:r>
+              <a:rPr lang="en-US" altLang="ko-KR" sz="5400" spc="-300" dirty="0">
+                <a:solidFill>
+                  <a:srgbClr val="4C50BC"/>
+                </a:solidFill>
+                <a:latin typeface="G마켓 산스 Bold" panose="02000000000000000000" pitchFamily="50" charset="-127"/>
+                <a:ea typeface="G마켓 산스 Bold" panose="02000000000000000000" pitchFamily="50" charset="-127"/>
+              </a:rPr>
+              <a:t> </a:t>
+            </a:r>
+            <a:r>
+              <a:rPr lang="en-US" altLang="ko-KR" sz="5400" spc="-300" dirty="0">
+                <a:solidFill>
+                  <a:srgbClr val="FF0000"/>
+                </a:solidFill>
+                <a:latin typeface="G마켓 산스 Bold" panose="02000000000000000000" pitchFamily="50" charset="-127"/>
+                <a:ea typeface="G마켓 산스 Bold" panose="02000000000000000000" pitchFamily="50" charset="-127"/>
+              </a:rPr>
+              <a:t>(normal)</a:t>
+            </a:r>
+          </a:p>
+        </p:txBody>
+      </p:sp>
+      <p:cxnSp>
+        <p:nvCxnSpPr>
+          <p:cNvPr id="3" name="직선 연결선 2">
+            <a:extLst>
+              <a:ext uri="{FF2B5EF4-FFF2-40B4-BE49-F238E27FC236}">
+                <a16:creationId xmlns:a16="http://schemas.microsoft.com/office/drawing/2014/main" xmlns="" id="{2E633B17-0E5C-4276-F42B-B2FA215BF31C}"/>
+              </a:ext>
+            </a:extLst>
+          </p:cNvPr>
+          <p:cNvCxnSpPr>
+            <a:cxnSpLocks/>
+          </p:cNvCxnSpPr>
+          <p:nvPr/>
+        </p:nvCxnSpPr>
+        <p:spPr>
+          <a:xfrm flipH="1" flipV="1">
+            <a:off x="-13447" y="972511"/>
+            <a:ext cx="18288000" cy="65119"/>
+          </a:xfrm>
+          <a:prstGeom prst="line">
+            <a:avLst/>
+          </a:prstGeom>
+          <a:ln w="38100">
+            <a:solidFill>
+              <a:srgbClr val="4C50BC"/>
+            </a:solidFill>
+          </a:ln>
+        </p:spPr>
+        <p:style>
+          <a:lnRef idx="1">
+            <a:schemeClr val="accent1"/>
+          </a:lnRef>
+          <a:fillRef idx="0">
+            <a:schemeClr val="accent1"/>
+          </a:fillRef>
+          <a:effectRef idx="0">
+            <a:schemeClr val="accent1"/>
+          </a:effectRef>
+          <a:fontRef idx="minor">
+            <a:schemeClr val="tx1"/>
+          </a:fontRef>
+        </p:style>
+      </p:cxnSp>
     </p:spTree>
     <p:extLst>
       <p:ext uri="{BB962C8B-B14F-4D97-AF65-F5344CB8AC3E}">
@@ -13159,6 +15248,13 @@
   <p:clrMapOvr>
     <a:masterClrMapping/>
   </p:clrMapOvr>
+  <p:timing>
+    <p:tnLst>
+      <p:par>
+        <p:cTn id="1" dur="indefinite" restart="never" nodeType="tmRoot"/>
+      </p:par>
+    </p:tnLst>
+  </p:timing>
 </p:sld>
 </file>
 

--- a/JavaLecture/LectureFile/java 5강 배열_정답.pptx
+++ b/JavaLecture/LectureFile/java 5강 배열_정답.pptx
@@ -5,11 +5,11 @@
     <p:sldMasterId id="2147483648" r:id="rId1"/>
   </p:sldMasterIdLst>
   <p:notesMasterIdLst>
-    <p:notesMasterId r:id="rId30"/>
+    <p:notesMasterId r:id="rId32"/>
   </p:notesMasterIdLst>
   <p:sldIdLst>
     <p:sldId id="257" r:id="rId2"/>
-    <p:sldId id="259" r:id="rId3"/>
+    <p:sldId id="258" r:id="rId3"/>
     <p:sldId id="281" r:id="rId4"/>
     <p:sldId id="516" r:id="rId5"/>
     <p:sldId id="545" r:id="rId6"/>
@@ -33,9 +33,11 @@
     <p:sldId id="555" r:id="rId24"/>
     <p:sldId id="535" r:id="rId25"/>
     <p:sldId id="526" r:id="rId26"/>
-    <p:sldId id="482" r:id="rId27"/>
-    <p:sldId id="525" r:id="rId28"/>
-    <p:sldId id="275" r:id="rId29"/>
+    <p:sldId id="557" r:id="rId27"/>
+    <p:sldId id="482" r:id="rId28"/>
+    <p:sldId id="525" r:id="rId29"/>
+    <p:sldId id="556" r:id="rId30"/>
+    <p:sldId id="275" r:id="rId31"/>
   </p:sldIdLst>
   <p:sldSz cx="18288000" cy="10287000"/>
   <p:notesSz cx="7104063" cy="10234613"/>
@@ -235,7 +237,7 @@
           <a:p>
             <a:fld id="{D79F2C30-10E1-4C46-91DC-BBDB9629E720}" type="datetimeFigureOut">
               <a:rPr lang="ko-KR" altLang="en-US" smtClean="0"/>
-              <a:t>2024-03-17</a:t>
+              <a:t>2024-03-18 Monday</a:t>
             </a:fld>
             <a:endParaRPr lang="ko-KR" altLang="en-US"/>
           </a:p>
@@ -567,7 +569,7 @@
           <a:p>
             <a:fld id="{50FC2DCF-6074-47D8-9A40-8DDAA9ED0A57}" type="slidenum">
               <a:rPr lang="ko-KR" altLang="en-US" smtClean="0"/>
-              <a:t>26</a:t>
+              <a:t>27</a:t>
             </a:fld>
             <a:endParaRPr lang="ko-KR" altLang="en-US"/>
           </a:p>
@@ -779,7 +781,7 @@
           <a:p>
             <a:fld id="{F8166F1F-CE9B-4651-A6AA-CD717754106B}" type="datetimeFigureOut">
               <a:rPr lang="en-US" smtClean="0"/>
-              <a:t>3/17/2024</a:t>
+              <a:t>3/18/2024</a:t>
             </a:fld>
             <a:endParaRPr lang="en-US"/>
           </a:p>
@@ -982,7 +984,7 @@
           <a:p>
             <a:fld id="{A76116CE-C4A3-4A05-B2D7-7C2E9A889C0F}" type="datetimeFigureOut">
               <a:rPr lang="en-US" smtClean="0"/>
-              <a:t>3/17/2024</a:t>
+              <a:t>3/18/2024</a:t>
             </a:fld>
             <a:endParaRPr lang="en-US"/>
           </a:p>
@@ -1185,7 +1187,7 @@
           <a:p>
             <a:fld id="{A76116CE-C4A3-4A05-B2D7-7C2E9A889C0F}" type="datetimeFigureOut">
               <a:rPr lang="en-US" smtClean="0"/>
-              <a:t>3/17/2024</a:t>
+              <a:t>3/18/2024</a:t>
             </a:fld>
             <a:endParaRPr lang="en-US"/>
           </a:p>
@@ -1390,7 +1392,7 @@
           <a:p>
             <a:fld id="{A76116CE-C4A3-4A05-B2D7-7C2E9A889C0F}" type="datetimeFigureOut">
               <a:rPr lang="en-US" smtClean="0"/>
-              <a:t>3/17/2024</a:t>
+              <a:t>3/18/2024</a:t>
             </a:fld>
             <a:endParaRPr lang="en-US"/>
           </a:p>
@@ -1660,7 +1662,7 @@
           <a:p>
             <a:fld id="{A76116CE-C4A3-4A05-B2D7-7C2E9A889C0F}" type="datetimeFigureOut">
               <a:rPr lang="en-US" smtClean="0"/>
-              <a:t>3/17/2024</a:t>
+              <a:t>3/18/2024</a:t>
             </a:fld>
             <a:endParaRPr lang="en-US"/>
           </a:p>
@@ -1978,7 +1980,7 @@
           <a:p>
             <a:fld id="{A76116CE-C4A3-4A05-B2D7-7C2E9A889C0F}" type="datetimeFigureOut">
               <a:rPr lang="en-US" smtClean="0"/>
-              <a:t>3/17/2024</a:t>
+              <a:t>3/18/2024</a:t>
             </a:fld>
             <a:endParaRPr lang="en-US"/>
           </a:p>
@@ -2436,7 +2438,7 @@
           <a:p>
             <a:fld id="{A76116CE-C4A3-4A05-B2D7-7C2E9A889C0F}" type="datetimeFigureOut">
               <a:rPr lang="en-US" smtClean="0"/>
-              <a:t>3/17/2024</a:t>
+              <a:t>3/18/2024</a:t>
             </a:fld>
             <a:endParaRPr lang="en-US"/>
           </a:p>
@@ -2580,7 +2582,7 @@
           <a:p>
             <a:fld id="{A76116CE-C4A3-4A05-B2D7-7C2E9A889C0F}" type="datetimeFigureOut">
               <a:rPr lang="en-US" smtClean="0"/>
-              <a:t>3/17/2024</a:t>
+              <a:t>3/18/2024</a:t>
             </a:fld>
             <a:endParaRPr lang="en-US"/>
           </a:p>
@@ -2694,7 +2696,7 @@
           <a:p>
             <a:fld id="{A76116CE-C4A3-4A05-B2D7-7C2E9A889C0F}" type="datetimeFigureOut">
               <a:rPr lang="en-US" smtClean="0"/>
-              <a:t>3/17/2024</a:t>
+              <a:t>3/18/2024</a:t>
             </a:fld>
             <a:endParaRPr lang="en-US"/>
           </a:p>
@@ -2997,7 +2999,7 @@
           <a:p>
             <a:fld id="{A76116CE-C4A3-4A05-B2D7-7C2E9A889C0F}" type="datetimeFigureOut">
               <a:rPr lang="en-US" smtClean="0"/>
-              <a:t>3/17/2024</a:t>
+              <a:t>3/18/2024</a:t>
             </a:fld>
             <a:endParaRPr lang="en-US"/>
           </a:p>
@@ -3277,7 +3279,7 @@
           <a:p>
             <a:fld id="{A76116CE-C4A3-4A05-B2D7-7C2E9A889C0F}" type="datetimeFigureOut">
               <a:rPr lang="en-US" smtClean="0"/>
-              <a:t>3/17/2024</a:t>
+              <a:t>3/18/2024</a:t>
             </a:fld>
             <a:endParaRPr lang="en-US"/>
           </a:p>
@@ -4035,7 +4037,7 @@
           <p:cNvPr id="2" name="TextBox 1">
             <a:extLst>
               <a:ext uri="{FF2B5EF4-FFF2-40B4-BE49-F238E27FC236}">
-                <a16:creationId xmlns:a16="http://schemas.microsoft.com/office/drawing/2014/main" xmlns="" id="{E9A453A8-9968-67AB-7B4A-83EEB4662AA6}"/>
+                <a16:creationId xmlns:a16="http://schemas.microsoft.com/office/drawing/2014/main" id="{E9A453A8-9968-67AB-7B4A-83EEB4662AA6}"/>
               </a:ext>
             </a:extLst>
           </p:cNvPr>
@@ -4083,7 +4085,7 @@
           <p:cNvPr id="4" name="TextBox 3">
             <a:extLst>
               <a:ext uri="{FF2B5EF4-FFF2-40B4-BE49-F238E27FC236}">
-                <a16:creationId xmlns:a16="http://schemas.microsoft.com/office/drawing/2014/main" xmlns="" id="{F4B7A35A-8AAC-4622-64BC-CAD1472D4115}"/>
+                <a16:creationId xmlns:a16="http://schemas.microsoft.com/office/drawing/2014/main" id="{F4B7A35A-8AAC-4622-64BC-CAD1472D4115}"/>
               </a:ext>
             </a:extLst>
           </p:cNvPr>
@@ -4155,7 +4157,7 @@
           <p:cNvPr id="7" name="TextBox 6">
             <a:extLst>
               <a:ext uri="{FF2B5EF4-FFF2-40B4-BE49-F238E27FC236}">
-                <a16:creationId xmlns:a16="http://schemas.microsoft.com/office/drawing/2014/main" xmlns="" id="{3ACE900A-D779-4343-6623-8588B376F0A1}"/>
+                <a16:creationId xmlns:a16="http://schemas.microsoft.com/office/drawing/2014/main" id="{3ACE900A-D779-4343-6623-8588B376F0A1}"/>
               </a:ext>
             </a:extLst>
           </p:cNvPr>
@@ -4219,7 +4221,7 @@
           <p:cNvPr id="8" name="TextBox 7">
             <a:extLst>
               <a:ext uri="{FF2B5EF4-FFF2-40B4-BE49-F238E27FC236}">
-                <a16:creationId xmlns:a16="http://schemas.microsoft.com/office/drawing/2014/main" xmlns="" id="{1411E83A-6F3E-13BA-B84D-07D6B1588D85}"/>
+                <a16:creationId xmlns:a16="http://schemas.microsoft.com/office/drawing/2014/main" id="{1411E83A-6F3E-13BA-B84D-07D6B1588D85}"/>
               </a:ext>
             </a:extLst>
           </p:cNvPr>
@@ -4434,7 +4436,7 @@
           <p:cNvPr id="5" name="TextBox 4">
             <a:extLst>
               <a:ext uri="{FF2B5EF4-FFF2-40B4-BE49-F238E27FC236}">
-                <a16:creationId xmlns:a16="http://schemas.microsoft.com/office/drawing/2014/main" xmlns="" id="{C051A91C-F355-94FB-57B4-3819945B654F}"/>
+                <a16:creationId xmlns:a16="http://schemas.microsoft.com/office/drawing/2014/main" id="{C051A91C-F355-94FB-57B4-3819945B654F}"/>
               </a:ext>
             </a:extLst>
           </p:cNvPr>
@@ -4505,7 +4507,7 @@
           <p:cNvPr id="7" name="직선 연결선 6">
             <a:extLst>
               <a:ext uri="{FF2B5EF4-FFF2-40B4-BE49-F238E27FC236}">
-                <a16:creationId xmlns:a16="http://schemas.microsoft.com/office/drawing/2014/main" xmlns="" id="{DE2CF818-22BA-58AF-128B-9060CEE8CCCD}"/>
+                <a16:creationId xmlns:a16="http://schemas.microsoft.com/office/drawing/2014/main" id="{DE2CF818-22BA-58AF-128B-9060CEE8CCCD}"/>
               </a:ext>
             </a:extLst>
           </p:cNvPr>
@@ -4553,13 +4555,6 @@
   <p:clrMapOvr>
     <a:masterClrMapping/>
   </p:clrMapOvr>
-  <p:timing>
-    <p:tnLst>
-      <p:par>
-        <p:cTn id="1" dur="indefinite" restart="never" nodeType="tmRoot"/>
-      </p:par>
-    </p:tnLst>
-  </p:timing>
 </p:sld>
 </file>
 
@@ -4585,7 +4580,7 @@
           <p:cNvPr id="4" name="TextBox 3">
             <a:extLst>
               <a:ext uri="{FF2B5EF4-FFF2-40B4-BE49-F238E27FC236}">
-                <a16:creationId xmlns:a16="http://schemas.microsoft.com/office/drawing/2014/main" xmlns="" id="{1411E83A-6F3E-13BA-B84D-07D6B1588D85}"/>
+                <a16:creationId xmlns:a16="http://schemas.microsoft.com/office/drawing/2014/main" id="{1411E83A-6F3E-13BA-B84D-07D6B1588D85}"/>
               </a:ext>
             </a:extLst>
           </p:cNvPr>
@@ -5113,7 +5108,7 @@
           <p:cNvPr id="4" name="TextBox 3">
             <a:extLst>
               <a:ext uri="{FF2B5EF4-FFF2-40B4-BE49-F238E27FC236}">
-                <a16:creationId xmlns:a16="http://schemas.microsoft.com/office/drawing/2014/main" xmlns="" id="{1411E83A-6F3E-13BA-B84D-07D6B1588D85}"/>
+                <a16:creationId xmlns:a16="http://schemas.microsoft.com/office/drawing/2014/main" id="{1411E83A-6F3E-13BA-B84D-07D6B1588D85}"/>
               </a:ext>
             </a:extLst>
           </p:cNvPr>
@@ -5359,7 +5354,7 @@
           <p:cNvPr id="4" name="TextBox 3">
             <a:extLst>
               <a:ext uri="{FF2B5EF4-FFF2-40B4-BE49-F238E27FC236}">
-                <a16:creationId xmlns:a16="http://schemas.microsoft.com/office/drawing/2014/main" xmlns="" id="{1411E83A-6F3E-13BA-B84D-07D6B1588D85}"/>
+                <a16:creationId xmlns:a16="http://schemas.microsoft.com/office/drawing/2014/main" id="{1411E83A-6F3E-13BA-B84D-07D6B1588D85}"/>
               </a:ext>
             </a:extLst>
           </p:cNvPr>
@@ -5837,7 +5832,7 @@
           <p:cNvPr id="4" name="Object 1">
             <a:extLst>
               <a:ext uri="{FF2B5EF4-FFF2-40B4-BE49-F238E27FC236}">
-                <a16:creationId xmlns:a16="http://schemas.microsoft.com/office/drawing/2014/main" xmlns="" id="{B0329035-BE76-33A8-0F2E-44624FCC1DED}"/>
+                <a16:creationId xmlns:a16="http://schemas.microsoft.com/office/drawing/2014/main" id="{B0329035-BE76-33A8-0F2E-44624FCC1DED}"/>
               </a:ext>
             </a:extLst>
           </p:cNvPr>
@@ -5867,7 +5862,7 @@
           <p:cNvPr id="7" name="그룹 1001">
             <a:extLst>
               <a:ext uri="{FF2B5EF4-FFF2-40B4-BE49-F238E27FC236}">
-                <a16:creationId xmlns:a16="http://schemas.microsoft.com/office/drawing/2014/main" xmlns="" id="{CD24CE9D-AC18-B6CD-F397-7E8E03D6FE26}"/>
+                <a16:creationId xmlns:a16="http://schemas.microsoft.com/office/drawing/2014/main" id="{CD24CE9D-AC18-B6CD-F397-7E8E03D6FE26}"/>
               </a:ext>
             </a:extLst>
           </p:cNvPr>
@@ -5887,7 +5882,7 @@
             <p:cNvPr id="8" name="Object 5">
               <a:extLst>
                 <a:ext uri="{FF2B5EF4-FFF2-40B4-BE49-F238E27FC236}">
-                  <a16:creationId xmlns:a16="http://schemas.microsoft.com/office/drawing/2014/main" xmlns="" id="{0EEF25E8-3BA8-EBAA-6DC2-66D70C3F9F4D}"/>
+                  <a16:creationId xmlns:a16="http://schemas.microsoft.com/office/drawing/2014/main" id="{0EEF25E8-3BA8-EBAA-6DC2-66D70C3F9F4D}"/>
                 </a:ext>
               </a:extLst>
             </p:cNvPr>
@@ -5918,7 +5913,7 @@
           <p:cNvPr id="9" name="그룹 1002">
             <a:extLst>
               <a:ext uri="{FF2B5EF4-FFF2-40B4-BE49-F238E27FC236}">
-                <a16:creationId xmlns:a16="http://schemas.microsoft.com/office/drawing/2014/main" xmlns="" id="{0F281BC9-DE1F-D1FE-E64C-C4640398F00C}"/>
+                <a16:creationId xmlns:a16="http://schemas.microsoft.com/office/drawing/2014/main" id="{0F281BC9-DE1F-D1FE-E64C-C4640398F00C}"/>
               </a:ext>
             </a:extLst>
           </p:cNvPr>
@@ -5938,7 +5933,7 @@
             <p:cNvPr id="10" name="Object 8">
               <a:extLst>
                 <a:ext uri="{FF2B5EF4-FFF2-40B4-BE49-F238E27FC236}">
-                  <a16:creationId xmlns:a16="http://schemas.microsoft.com/office/drawing/2014/main" xmlns="" id="{F669DCEF-04BB-7046-3F7F-5B513213556E}"/>
+                  <a16:creationId xmlns:a16="http://schemas.microsoft.com/office/drawing/2014/main" id="{F669DCEF-04BB-7046-3F7F-5B513213556E}"/>
                 </a:ext>
               </a:extLst>
             </p:cNvPr>
@@ -5969,7 +5964,7 @@
           <p:cNvPr id="11" name="그룹 1003">
             <a:extLst>
               <a:ext uri="{FF2B5EF4-FFF2-40B4-BE49-F238E27FC236}">
-                <a16:creationId xmlns:a16="http://schemas.microsoft.com/office/drawing/2014/main" xmlns="" id="{1F91EEF9-13EA-BB7F-B056-D35E7DB989AC}"/>
+                <a16:creationId xmlns:a16="http://schemas.microsoft.com/office/drawing/2014/main" id="{1F91EEF9-13EA-BB7F-B056-D35E7DB989AC}"/>
               </a:ext>
             </a:extLst>
           </p:cNvPr>
@@ -5989,7 +5984,7 @@
             <p:cNvPr id="12" name="Object 11">
               <a:extLst>
                 <a:ext uri="{FF2B5EF4-FFF2-40B4-BE49-F238E27FC236}">
-                  <a16:creationId xmlns:a16="http://schemas.microsoft.com/office/drawing/2014/main" xmlns="" id="{2CFFB217-AEFB-2C9E-5F86-6EE19510FFC6}"/>
+                  <a16:creationId xmlns:a16="http://schemas.microsoft.com/office/drawing/2014/main" id="{2CFFB217-AEFB-2C9E-5F86-6EE19510FFC6}"/>
                 </a:ext>
               </a:extLst>
             </p:cNvPr>
@@ -6020,7 +6015,7 @@
           <p:cNvPr id="13" name="그룹 1004">
             <a:extLst>
               <a:ext uri="{FF2B5EF4-FFF2-40B4-BE49-F238E27FC236}">
-                <a16:creationId xmlns:a16="http://schemas.microsoft.com/office/drawing/2014/main" xmlns="" id="{123B9C7E-94E8-E7E1-81BE-D59EA0299187}"/>
+                <a16:creationId xmlns:a16="http://schemas.microsoft.com/office/drawing/2014/main" id="{123B9C7E-94E8-E7E1-81BE-D59EA0299187}"/>
               </a:ext>
             </a:extLst>
           </p:cNvPr>
@@ -6040,7 +6035,7 @@
             <p:cNvPr id="14" name="Object 14">
               <a:extLst>
                 <a:ext uri="{FF2B5EF4-FFF2-40B4-BE49-F238E27FC236}">
-                  <a16:creationId xmlns:a16="http://schemas.microsoft.com/office/drawing/2014/main" xmlns="" id="{B6291552-2D89-A79F-7ACD-EA0EF9A4C389}"/>
+                  <a16:creationId xmlns:a16="http://schemas.microsoft.com/office/drawing/2014/main" id="{B6291552-2D89-A79F-7ACD-EA0EF9A4C389}"/>
                 </a:ext>
               </a:extLst>
             </p:cNvPr>
@@ -6071,7 +6066,7 @@
           <p:cNvPr id="15" name="TextBox 14">
             <a:extLst>
               <a:ext uri="{FF2B5EF4-FFF2-40B4-BE49-F238E27FC236}">
-                <a16:creationId xmlns:a16="http://schemas.microsoft.com/office/drawing/2014/main" xmlns="" id="{7D99763A-FC24-23F5-5BA9-D7B042E0F323}"/>
+                <a16:creationId xmlns:a16="http://schemas.microsoft.com/office/drawing/2014/main" id="{7D99763A-FC24-23F5-5BA9-D7B042E0F323}"/>
               </a:ext>
             </a:extLst>
           </p:cNvPr>
@@ -6149,7 +6144,7 @@
           <p:cNvPr id="6" name="TextBox 5">
             <a:extLst>
               <a:ext uri="{FF2B5EF4-FFF2-40B4-BE49-F238E27FC236}">
-                <a16:creationId xmlns:a16="http://schemas.microsoft.com/office/drawing/2014/main" xmlns="" id="{1411E83A-6F3E-13BA-B84D-07D6B1588D85}"/>
+                <a16:creationId xmlns:a16="http://schemas.microsoft.com/office/drawing/2014/main" id="{1411E83A-6F3E-13BA-B84D-07D6B1588D85}"/>
               </a:ext>
             </a:extLst>
           </p:cNvPr>
@@ -6498,7 +6493,7 @@
           <p:cNvPr id="3" name="TextBox 2">
             <a:extLst>
               <a:ext uri="{FF2B5EF4-FFF2-40B4-BE49-F238E27FC236}">
-                <a16:creationId xmlns:a16="http://schemas.microsoft.com/office/drawing/2014/main" xmlns="" id="{80A0D389-0AB3-0CEE-23F9-C4780ED8ACB4}"/>
+                <a16:creationId xmlns:a16="http://schemas.microsoft.com/office/drawing/2014/main" id="{80A0D389-0AB3-0CEE-23F9-C4780ED8ACB4}"/>
               </a:ext>
             </a:extLst>
           </p:cNvPr>
@@ -6569,7 +6564,7 @@
           <p:cNvPr id="5" name="직선 연결선 4">
             <a:extLst>
               <a:ext uri="{FF2B5EF4-FFF2-40B4-BE49-F238E27FC236}">
-                <a16:creationId xmlns:a16="http://schemas.microsoft.com/office/drawing/2014/main" xmlns="" id="{24584038-C298-2219-B0AB-97431AFC3D2F}"/>
+                <a16:creationId xmlns:a16="http://schemas.microsoft.com/office/drawing/2014/main" id="{24584038-C298-2219-B0AB-97431AFC3D2F}"/>
               </a:ext>
             </a:extLst>
           </p:cNvPr>
@@ -6612,7 +6607,7 @@
           <p:cNvPr id="10" name="그림 9">
             <a:extLst>
               <a:ext uri="{FF2B5EF4-FFF2-40B4-BE49-F238E27FC236}">
-                <a16:creationId xmlns:a16="http://schemas.microsoft.com/office/drawing/2014/main" xmlns="" id="{107FA112-5338-0D5B-F92C-689645D8EFCE}"/>
+                <a16:creationId xmlns:a16="http://schemas.microsoft.com/office/drawing/2014/main" id="{107FA112-5338-0D5B-F92C-689645D8EFCE}"/>
               </a:ext>
             </a:extLst>
           </p:cNvPr>
@@ -6642,7 +6637,7 @@
           <p:cNvPr id="12" name="그림 11">
             <a:extLst>
               <a:ext uri="{FF2B5EF4-FFF2-40B4-BE49-F238E27FC236}">
-                <a16:creationId xmlns:a16="http://schemas.microsoft.com/office/drawing/2014/main" xmlns="" id="{C0EE781A-783C-9338-79AB-8C8B3E79CEFD}"/>
+                <a16:creationId xmlns:a16="http://schemas.microsoft.com/office/drawing/2014/main" id="{C0EE781A-783C-9338-79AB-8C8B3E79CEFD}"/>
               </a:ext>
             </a:extLst>
           </p:cNvPr>
@@ -6672,7 +6667,7 @@
           <p:cNvPr id="14" name="그림 13">
             <a:extLst>
               <a:ext uri="{FF2B5EF4-FFF2-40B4-BE49-F238E27FC236}">
-                <a16:creationId xmlns:a16="http://schemas.microsoft.com/office/drawing/2014/main" xmlns="" id="{4FDD5994-F6DA-CFF0-8CCA-CA53A78C7871}"/>
+                <a16:creationId xmlns:a16="http://schemas.microsoft.com/office/drawing/2014/main" id="{4FDD5994-F6DA-CFF0-8CCA-CA53A78C7871}"/>
               </a:ext>
             </a:extLst>
           </p:cNvPr>
@@ -6743,7 +6738,7 @@
           <p:cNvPr id="5" name="TextBox 4">
             <a:extLst>
               <a:ext uri="{FF2B5EF4-FFF2-40B4-BE49-F238E27FC236}">
-                <a16:creationId xmlns:a16="http://schemas.microsoft.com/office/drawing/2014/main" xmlns="" id="{BCD04B46-9BB8-07FB-3BFB-C6B9A149645A}"/>
+                <a16:creationId xmlns:a16="http://schemas.microsoft.com/office/drawing/2014/main" id="{BCD04B46-9BB8-07FB-3BFB-C6B9A149645A}"/>
               </a:ext>
             </a:extLst>
           </p:cNvPr>
@@ -6814,7 +6809,7 @@
           <p:cNvPr id="6" name="직선 연결선 5">
             <a:extLst>
               <a:ext uri="{FF2B5EF4-FFF2-40B4-BE49-F238E27FC236}">
-                <a16:creationId xmlns:a16="http://schemas.microsoft.com/office/drawing/2014/main" xmlns="" id="{CE16BC46-0B44-D3AA-C964-9421697FC822}"/>
+                <a16:creationId xmlns:a16="http://schemas.microsoft.com/office/drawing/2014/main" id="{CE16BC46-0B44-D3AA-C964-9421697FC822}"/>
               </a:ext>
             </a:extLst>
           </p:cNvPr>
@@ -6857,7 +6852,7 @@
           <p:cNvPr id="7" name="그림 6">
             <a:extLst>
               <a:ext uri="{FF2B5EF4-FFF2-40B4-BE49-F238E27FC236}">
-                <a16:creationId xmlns:a16="http://schemas.microsoft.com/office/drawing/2014/main" xmlns="" id="{198B91B7-299A-94D5-4D7C-7948490ED184}"/>
+                <a16:creationId xmlns:a16="http://schemas.microsoft.com/office/drawing/2014/main" id="{198B91B7-299A-94D5-4D7C-7948490ED184}"/>
               </a:ext>
             </a:extLst>
           </p:cNvPr>
@@ -6892,13 +6887,6 @@
   <p:clrMapOvr>
     <a:masterClrMapping/>
   </p:clrMapOvr>
-  <p:timing>
-    <p:tnLst>
-      <p:par>
-        <p:cTn id="1" dur="indefinite" restart="never" nodeType="tmRoot"/>
-      </p:par>
-    </p:tnLst>
-  </p:timing>
 </p:sld>
 </file>
 
@@ -6924,7 +6912,7 @@
           <p:cNvPr id="4" name="TextBox 3">
             <a:extLst>
               <a:ext uri="{FF2B5EF4-FFF2-40B4-BE49-F238E27FC236}">
-                <a16:creationId xmlns:a16="http://schemas.microsoft.com/office/drawing/2014/main" xmlns="" id="{1411E83A-6F3E-13BA-B84D-07D6B1588D85}"/>
+                <a16:creationId xmlns:a16="http://schemas.microsoft.com/office/drawing/2014/main" id="{1411E83A-6F3E-13BA-B84D-07D6B1588D85}"/>
               </a:ext>
             </a:extLst>
           </p:cNvPr>
@@ -7085,7 +7073,7 @@
           <p:cNvPr id="9" name="TextBox 8">
             <a:extLst>
               <a:ext uri="{FF2B5EF4-FFF2-40B4-BE49-F238E27FC236}">
-                <a16:creationId xmlns:a16="http://schemas.microsoft.com/office/drawing/2014/main" xmlns="" id="{1411E83A-6F3E-13BA-B84D-07D6B1588D85}"/>
+                <a16:creationId xmlns:a16="http://schemas.microsoft.com/office/drawing/2014/main" id="{1411E83A-6F3E-13BA-B84D-07D6B1588D85}"/>
               </a:ext>
             </a:extLst>
           </p:cNvPr>
@@ -7249,7 +7237,7 @@
           <p:cNvPr id="6" name="TextBox 5">
             <a:extLst>
               <a:ext uri="{FF2B5EF4-FFF2-40B4-BE49-F238E27FC236}">
-                <a16:creationId xmlns:a16="http://schemas.microsoft.com/office/drawing/2014/main" xmlns="" id="{417B61CD-B214-53D6-569F-45B459EA47ED}"/>
+                <a16:creationId xmlns:a16="http://schemas.microsoft.com/office/drawing/2014/main" id="{417B61CD-B214-53D6-569F-45B459EA47ED}"/>
               </a:ext>
             </a:extLst>
           </p:cNvPr>
@@ -7320,7 +7308,7 @@
           <p:cNvPr id="10" name="직선 연결선 9">
             <a:extLst>
               <a:ext uri="{FF2B5EF4-FFF2-40B4-BE49-F238E27FC236}">
-                <a16:creationId xmlns:a16="http://schemas.microsoft.com/office/drawing/2014/main" xmlns="" id="{CAA79E33-7BD5-3969-8325-BA59A7DC044B}"/>
+                <a16:creationId xmlns:a16="http://schemas.microsoft.com/office/drawing/2014/main" id="{CAA79E33-7BD5-3969-8325-BA59A7DC044B}"/>
               </a:ext>
             </a:extLst>
           </p:cNvPr>
@@ -7468,7 +7456,7 @@
           <p:cNvPr id="4" name="TextBox 3">
             <a:extLst>
               <a:ext uri="{FF2B5EF4-FFF2-40B4-BE49-F238E27FC236}">
-                <a16:creationId xmlns:a16="http://schemas.microsoft.com/office/drawing/2014/main" xmlns="" id="{9B4287BB-7E0C-D060-7B51-09B88184BBE0}"/>
+                <a16:creationId xmlns:a16="http://schemas.microsoft.com/office/drawing/2014/main" id="{9B4287BB-7E0C-D060-7B51-09B88184BBE0}"/>
               </a:ext>
             </a:extLst>
           </p:cNvPr>
@@ -7539,7 +7527,7 @@
           <p:cNvPr id="5" name="직선 연결선 4">
             <a:extLst>
               <a:ext uri="{FF2B5EF4-FFF2-40B4-BE49-F238E27FC236}">
-                <a16:creationId xmlns:a16="http://schemas.microsoft.com/office/drawing/2014/main" xmlns="" id="{077BC487-9EF2-B5BD-3588-A32F5112BACE}"/>
+                <a16:creationId xmlns:a16="http://schemas.microsoft.com/office/drawing/2014/main" id="{077BC487-9EF2-B5BD-3588-A32F5112BACE}"/>
               </a:ext>
             </a:extLst>
           </p:cNvPr>
@@ -7582,7 +7570,7 @@
           <p:cNvPr id="6" name="그림 5">
             <a:extLst>
               <a:ext uri="{FF2B5EF4-FFF2-40B4-BE49-F238E27FC236}">
-                <a16:creationId xmlns:a16="http://schemas.microsoft.com/office/drawing/2014/main" xmlns="" id="{9685AE9C-7598-38E1-6423-7ABE5505A3AE}"/>
+                <a16:creationId xmlns:a16="http://schemas.microsoft.com/office/drawing/2014/main" id="{9685AE9C-7598-38E1-6423-7ABE5505A3AE}"/>
               </a:ext>
             </a:extLst>
           </p:cNvPr>
@@ -7617,13 +7605,6 @@
   <p:clrMapOvr>
     <a:masterClrMapping/>
   </p:clrMapOvr>
-  <p:timing>
-    <p:tnLst>
-      <p:par>
-        <p:cTn id="1" dur="indefinite" restart="never" nodeType="tmRoot"/>
-      </p:par>
-    </p:tnLst>
-  </p:timing>
 </p:sld>
 </file>
 
@@ -7649,7 +7630,7 @@
           <p:cNvPr id="4" name="TextBox 3">
             <a:extLst>
               <a:ext uri="{FF2B5EF4-FFF2-40B4-BE49-F238E27FC236}">
-                <a16:creationId xmlns:a16="http://schemas.microsoft.com/office/drawing/2014/main" xmlns="" id="{1411E83A-6F3E-13BA-B84D-07D6B1588D85}"/>
+                <a16:creationId xmlns:a16="http://schemas.microsoft.com/office/drawing/2014/main" id="{1411E83A-6F3E-13BA-B84D-07D6B1588D85}"/>
               </a:ext>
             </a:extLst>
           </p:cNvPr>
@@ -8038,7 +8019,7 @@
           <p:cNvPr id="2" name="TextBox 1">
             <a:extLst>
               <a:ext uri="{FF2B5EF4-FFF2-40B4-BE49-F238E27FC236}">
-                <a16:creationId xmlns:a16="http://schemas.microsoft.com/office/drawing/2014/main" xmlns="" id="{EEFFABDD-6EEB-BBC2-9D88-0B682CB7D8DA}"/>
+                <a16:creationId xmlns:a16="http://schemas.microsoft.com/office/drawing/2014/main" id="{EEFFABDD-6EEB-BBC2-9D88-0B682CB7D8DA}"/>
               </a:ext>
             </a:extLst>
           </p:cNvPr>
@@ -8109,7 +8090,7 @@
           <p:cNvPr id="3" name="직선 연결선 2">
             <a:extLst>
               <a:ext uri="{FF2B5EF4-FFF2-40B4-BE49-F238E27FC236}">
-                <a16:creationId xmlns:a16="http://schemas.microsoft.com/office/drawing/2014/main" xmlns="" id="{BE6B9DDF-DEC7-09B4-2323-D207F44F7B23}"/>
+                <a16:creationId xmlns:a16="http://schemas.microsoft.com/office/drawing/2014/main" id="{BE6B9DDF-DEC7-09B4-2323-D207F44F7B23}"/>
               </a:ext>
             </a:extLst>
           </p:cNvPr>
@@ -8162,11 +8143,11 @@
 
 <file path=ppt/slides/slide2.xml><?xml version="1.0" encoding="utf-8"?>
 <p:sld xmlns:a="http://schemas.openxmlformats.org/drawingml/2006/main" xmlns:r="http://schemas.openxmlformats.org/officeDocument/2006/relationships" xmlns:p="http://schemas.openxmlformats.org/presentationml/2006/main">
-  <p:cSld name="Slide 4">
+  <p:cSld name="Slide 3">
     <p:bg>
       <p:bgPr>
         <a:solidFill>
-          <a:srgbClr val="4C50BB"/>
+          <a:srgbClr val="FFFFFF"/>
         </a:solidFill>
         <a:effectLst/>
       </p:bgPr>
@@ -8193,9 +8174,9 @@
         </p:nvGrpSpPr>
         <p:grpSpPr>
           <a:xfrm>
-            <a:off x="16986360" y="3561542"/>
+            <a:off x="16986360" y="2195397"/>
             <a:ext cx="1432688" cy="191978"/>
-            <a:chOff x="16986360" y="3561542"/>
+            <a:chOff x="16986360" y="2195397"/>
             <a:chExt cx="1432688" cy="191978"/>
           </a:xfrm>
         </p:grpSpPr>
@@ -8215,7 +8196,7 @@
           </p:blipFill>
           <p:spPr>
             <a:xfrm>
-              <a:off x="16986360" y="3561542"/>
+              <a:off x="16986360" y="2195397"/>
               <a:ext cx="1432688" cy="191978"/>
             </a:xfrm>
             <a:prstGeom prst="rect">
@@ -8224,6 +8205,54 @@
           </p:spPr>
         </p:pic>
       </p:grpSp>
+      <p:pic>
+        <p:nvPicPr>
+          <p:cNvPr id="6" name="Object 5"/>
+          <p:cNvPicPr>
+            <a:picLocks noChangeAspect="1"/>
+          </p:cNvPicPr>
+          <p:nvPr/>
+        </p:nvPicPr>
+        <p:blipFill>
+          <a:blip r:embed="rId3" cstate="print"/>
+          <a:stretch>
+            <a:fillRect/>
+          </a:stretch>
+        </p:blipFill>
+        <p:spPr>
+          <a:xfrm>
+            <a:off x="1399461" y="4488270"/>
+            <a:ext cx="1758572" cy="1832228"/>
+          </a:xfrm>
+          <a:prstGeom prst="rect">
+            <a:avLst/>
+          </a:prstGeom>
+        </p:spPr>
+      </p:pic>
+      <p:pic>
+        <p:nvPicPr>
+          <p:cNvPr id="7" name="Object 6"/>
+          <p:cNvPicPr>
+            <a:picLocks noChangeAspect="1"/>
+          </p:cNvPicPr>
+          <p:nvPr/>
+        </p:nvPicPr>
+        <p:blipFill>
+          <a:blip r:embed="rId4" cstate="print"/>
+          <a:stretch>
+            <a:fillRect/>
+          </a:stretch>
+        </p:blipFill>
+        <p:spPr>
+          <a:xfrm>
+            <a:off x="7212477" y="4488270"/>
+            <a:ext cx="1768115" cy="1832228"/>
+          </a:xfrm>
+          <a:prstGeom prst="rect">
+            <a:avLst/>
+          </a:prstGeom>
+        </p:spPr>
+      </p:pic>
       <p:grpSp>
         <p:nvGrpSpPr>
           <p:cNvPr id="1002" name="그룹 1002"/>
@@ -8232,88 +8261,10 @@
         </p:nvGrpSpPr>
         <p:grpSpPr>
           <a:xfrm>
-            <a:off x="5686747" y="-1286436"/>
-            <a:ext cx="4461240" cy="4417966"/>
-            <a:chOff x="5686747" y="-1286436"/>
-            <a:chExt cx="4461240" cy="4417966"/>
-          </a:xfrm>
-        </p:grpSpPr>
-        <p:pic>
-          <p:nvPicPr>
-            <p:cNvPr id="6" name="Object 5"/>
-            <p:cNvPicPr>
-              <a:picLocks noChangeAspect="1"/>
-            </p:cNvPicPr>
-            <p:nvPr/>
-          </p:nvPicPr>
-          <p:blipFill>
-            <a:blip r:embed="rId3" cstate="print"/>
-            <a:stretch>
-              <a:fillRect/>
-            </a:stretch>
-          </p:blipFill>
-          <p:spPr>
-            <a:xfrm>
-              <a:off x="5686747" y="-1286436"/>
-              <a:ext cx="4461240" cy="4417966"/>
-            </a:xfrm>
-            <a:prstGeom prst="rect">
-              <a:avLst/>
-            </a:prstGeom>
-          </p:spPr>
-        </p:pic>
-      </p:grpSp>
-      <p:grpSp>
-        <p:nvGrpSpPr>
-          <p:cNvPr id="1003" name="그룹 1003"/>
-          <p:cNvGrpSpPr/>
-          <p:nvPr/>
-        </p:nvGrpSpPr>
-        <p:grpSpPr>
-          <a:xfrm>
-            <a:off x="-901071" y="6888297"/>
-            <a:ext cx="4182908" cy="4182908"/>
-            <a:chOff x="-901071" y="6888297"/>
-            <a:chExt cx="4182908" cy="4182908"/>
-          </a:xfrm>
-        </p:grpSpPr>
-        <p:pic>
-          <p:nvPicPr>
-            <p:cNvPr id="9" name="Object 8"/>
-            <p:cNvPicPr>
-              <a:picLocks noChangeAspect="1"/>
-            </p:cNvPicPr>
-            <p:nvPr/>
-          </p:nvPicPr>
-          <p:blipFill>
-            <a:blip r:embed="rId4" cstate="print"/>
-            <a:stretch>
-              <a:fillRect/>
-            </a:stretch>
-          </p:blipFill>
-          <p:spPr>
-            <a:xfrm rot="-2700000">
-              <a:off x="-901071" y="6888297"/>
-              <a:ext cx="4182908" cy="4182908"/>
-            </a:xfrm>
-            <a:prstGeom prst="rect">
-              <a:avLst/>
-            </a:prstGeom>
-          </p:spPr>
-        </p:pic>
-      </p:grpSp>
-      <p:grpSp>
-        <p:nvGrpSpPr>
-          <p:cNvPr id="1004" name="그룹 1004"/>
-          <p:cNvGrpSpPr/>
-          <p:nvPr/>
-        </p:nvGrpSpPr>
-        <p:grpSpPr>
-          <a:xfrm>
-            <a:off x="1972602" y="5957321"/>
-            <a:ext cx="3452527" cy="3419037"/>
-            <a:chOff x="1972602" y="5957321"/>
-            <a:chExt cx="3452527" cy="3419037"/>
+            <a:off x="14827311" y="6820582"/>
+            <a:ext cx="3911298" cy="3873359"/>
+            <a:chOff x="14827311" y="6820582"/>
+            <a:chExt cx="3911298" cy="3873359"/>
           </a:xfrm>
         </p:grpSpPr>
         <p:pic>
@@ -8332,8 +8283,8 @@
           </p:blipFill>
           <p:spPr>
             <a:xfrm>
-              <a:off x="1972602" y="5957321"/>
-              <a:ext cx="3452527" cy="3419037"/>
+              <a:off x="14827311" y="6820582"/>
+              <a:ext cx="3911298" cy="3873359"/>
             </a:xfrm>
             <a:prstGeom prst="rect">
               <a:avLst/>
@@ -8341,36 +8292,51 @@
           </p:spPr>
         </p:pic>
       </p:grpSp>
-      <p:pic>
-        <p:nvPicPr>
-          <p:cNvPr id="14" name="Object 13"/>
-          <p:cNvPicPr>
-            <a:picLocks noChangeAspect="1"/>
-          </p:cNvPicPr>
-          <p:nvPr/>
-        </p:nvPicPr>
-        <p:blipFill>
-          <a:blip r:embed="rId6" cstate="print"/>
-          <a:stretch>
-            <a:fillRect/>
-          </a:stretch>
-        </p:blipFill>
-        <p:spPr>
-          <a:xfrm>
-            <a:off x="13669052" y="2416536"/>
-            <a:ext cx="3674181" cy="3286626"/>
-          </a:xfrm>
-          <a:prstGeom prst="rect">
-            <a:avLst/>
-          </a:prstGeom>
-        </p:spPr>
-      </p:pic>
+      <p:grpSp>
+        <p:nvGrpSpPr>
+          <p:cNvPr id="1003" name="그룹 1003"/>
+          <p:cNvGrpSpPr/>
+          <p:nvPr/>
+        </p:nvGrpSpPr>
+        <p:grpSpPr>
+          <a:xfrm>
+            <a:off x="-600196" y="-982225"/>
+            <a:ext cx="4279052" cy="4237545"/>
+            <a:chOff x="-600196" y="-982225"/>
+            <a:chExt cx="4279052" cy="4237545"/>
+          </a:xfrm>
+        </p:grpSpPr>
+        <p:pic>
+          <p:nvPicPr>
+            <p:cNvPr id="15" name="Object 14"/>
+            <p:cNvPicPr>
+              <a:picLocks noChangeAspect="1"/>
+            </p:cNvPicPr>
+            <p:nvPr/>
+          </p:nvPicPr>
+          <p:blipFill>
+            <a:blip r:embed="rId6" cstate="print"/>
+            <a:stretch>
+              <a:fillRect/>
+            </a:stretch>
+          </p:blipFill>
+          <p:spPr>
+            <a:xfrm>
+              <a:off x="-600196" y="-982225"/>
+              <a:ext cx="4279052" cy="4237545"/>
+            </a:xfrm>
+            <a:prstGeom prst="rect">
+              <a:avLst/>
+            </a:prstGeom>
+          </p:spPr>
+        </p:pic>
+      </p:grpSp>
       <p:sp>
         <p:nvSpPr>
-          <p:cNvPr id="2" name="TextBox 1">
+          <p:cNvPr id="11" name="TextBox 10">
             <a:extLst>
               <a:ext uri="{FF2B5EF4-FFF2-40B4-BE49-F238E27FC236}">
-                <a16:creationId xmlns:a16="http://schemas.microsoft.com/office/drawing/2014/main" xmlns="" id="{8D19D88B-9541-32D7-90F1-0C45C993E21C}"/>
+                <a16:creationId xmlns:a16="http://schemas.microsoft.com/office/drawing/2014/main" id="{9F88F580-08BE-88C2-D640-13F0026591CB}"/>
               </a:ext>
             </a:extLst>
           </p:cNvPr>
@@ -8379,8 +8345,8 @@
         </p:nvSpPr>
         <p:spPr>
           <a:xfrm>
-            <a:off x="10287000" y="5254704"/>
-            <a:ext cx="7552067" cy="1107996"/>
+            <a:off x="11130204" y="1530396"/>
+            <a:ext cx="5024196" cy="1200329"/>
           </a:xfrm>
           <a:prstGeom prst="rect">
             <a:avLst/>
@@ -8394,18 +8360,259 @@
           <a:lstStyle/>
           <a:p>
             <a:r>
-              <a:rPr lang="ko-KR" altLang="en-US" sz="6600" dirty="0">
-                <a:solidFill>
-                  <a:schemeClr val="bg1"/>
+              <a:rPr lang="en-US" altLang="ko-KR" sz="7200" dirty="0">
+                <a:solidFill>
+                  <a:srgbClr val="4C50BC"/>
+                </a:solidFill>
+                <a:latin typeface="G마켓 산스 Bold" panose="02000000000000000000" pitchFamily="50" charset="-127"/>
+                <a:ea typeface="G마켓 산스 Bold" panose="02000000000000000000" pitchFamily="50" charset="-127"/>
+              </a:rPr>
+              <a:t>Part05 </a:t>
+            </a:r>
+            <a:r>
+              <a:rPr lang="ko-KR" altLang="en-US" sz="7200" dirty="0">
+                <a:solidFill>
+                  <a:srgbClr val="4C50BC"/>
+                </a:solidFill>
+                <a:latin typeface="G마켓 산스 Bold" panose="02000000000000000000" pitchFamily="50" charset="-127"/>
+                <a:ea typeface="G마켓 산스 Bold" panose="02000000000000000000" pitchFamily="50" charset="-127"/>
+              </a:rPr>
+              <a:t>배열</a:t>
+            </a:r>
+          </a:p>
+        </p:txBody>
+      </p:sp>
+      <p:sp>
+        <p:nvSpPr>
+          <p:cNvPr id="13" name="TextBox 12">
+            <a:extLst>
+              <a:ext uri="{FF2B5EF4-FFF2-40B4-BE49-F238E27FC236}">
+                <a16:creationId xmlns:a16="http://schemas.microsoft.com/office/drawing/2014/main" id="{72769C28-9BB6-DE9C-7B6F-264B77B8DD0E}"/>
+              </a:ext>
+            </a:extLst>
+          </p:cNvPr>
+          <p:cNvSpPr txBox="1"/>
+          <p:nvPr/>
+        </p:nvSpPr>
+        <p:spPr>
+          <a:xfrm>
+            <a:off x="3048000" y="5092125"/>
+            <a:ext cx="3756156" cy="584775"/>
+          </a:xfrm>
+          <a:prstGeom prst="rect">
+            <a:avLst/>
+          </a:prstGeom>
+          <a:noFill/>
+        </p:spPr>
+        <p:txBody>
+          <a:bodyPr wrap="none" rtlCol="0">
+            <a:spAutoFit/>
+          </a:bodyPr>
+          <a:lstStyle/>
+          <a:p>
+            <a:r>
+              <a:rPr lang="ko-KR" altLang="en-US" sz="3200" dirty="0">
+                <a:solidFill>
+                  <a:srgbClr val="4D4848"/>
                 </a:solidFill>
                 <a:latin typeface="G마켓 산스 Medium" panose="02000000000000000000" pitchFamily="50" charset="-127"/>
                 <a:ea typeface="G마켓 산스 Medium" panose="02000000000000000000" pitchFamily="50" charset="-127"/>
               </a:rPr>
               <a:t>배열의 선언과 생성</a:t>
             </a:r>
-            <a:endParaRPr lang="en-US" altLang="ko-KR" sz="6600" dirty="0">
+          </a:p>
+        </p:txBody>
+      </p:sp>
+      <p:sp>
+        <p:nvSpPr>
+          <p:cNvPr id="14" name="TextBox 13">
+            <a:extLst>
+              <a:ext uri="{FF2B5EF4-FFF2-40B4-BE49-F238E27FC236}">
+                <a16:creationId xmlns:a16="http://schemas.microsoft.com/office/drawing/2014/main" id="{270FBB6A-01CE-5637-78DA-58F0C974145C}"/>
+              </a:ext>
+            </a:extLst>
+          </p:cNvPr>
+          <p:cNvSpPr txBox="1"/>
+          <p:nvPr/>
+        </p:nvSpPr>
+        <p:spPr>
+          <a:xfrm>
+            <a:off x="9179922" y="5092125"/>
+            <a:ext cx="2791149" cy="584775"/>
+          </a:xfrm>
+          <a:prstGeom prst="rect">
+            <a:avLst/>
+          </a:prstGeom>
+          <a:noFill/>
+        </p:spPr>
+        <p:txBody>
+          <a:bodyPr wrap="none" rtlCol="0">
+            <a:spAutoFit/>
+          </a:bodyPr>
+          <a:lstStyle/>
+          <a:p>
+            <a:r>
+              <a:rPr lang="ko-KR" altLang="en-US" sz="3200" dirty="0">
+                <a:solidFill>
+                  <a:srgbClr val="4D4848"/>
+                </a:solidFill>
+                <a:latin typeface="G마켓 산스 Medium" panose="02000000000000000000" pitchFamily="50" charset="-127"/>
+                <a:ea typeface="G마켓 산스 Medium" panose="02000000000000000000" pitchFamily="50" charset="-127"/>
+              </a:rPr>
+              <a:t>배열의 인덱스</a:t>
+            </a:r>
+            <a:endParaRPr lang="ko-KR" altLang="en-US" sz="2400" dirty="0">
               <a:solidFill>
-                <a:schemeClr val="bg1"/>
+                <a:srgbClr val="4D4848"/>
+              </a:solidFill>
+              <a:latin typeface="G마켓 산스 Medium" panose="02000000000000000000" pitchFamily="50" charset="-127"/>
+              <a:ea typeface="G마켓 산스 Medium" panose="02000000000000000000" pitchFamily="50" charset="-127"/>
+            </a:endParaRPr>
+          </a:p>
+        </p:txBody>
+      </p:sp>
+      <p:pic>
+        <p:nvPicPr>
+          <p:cNvPr id="2" name="Object 17">
+            <a:extLst>
+              <a:ext uri="{FF2B5EF4-FFF2-40B4-BE49-F238E27FC236}">
+                <a16:creationId xmlns:a16="http://schemas.microsoft.com/office/drawing/2014/main" id="{140B283D-FE58-FA6F-6F7C-E0F1DBB62A65}"/>
+              </a:ext>
+            </a:extLst>
+          </p:cNvPr>
+          <p:cNvPicPr>
+            <a:picLocks noChangeAspect="1"/>
+          </p:cNvPicPr>
+          <p:nvPr/>
+        </p:nvPicPr>
+        <p:blipFill>
+          <a:blip r:embed="rId7" cstate="print"/>
+          <a:stretch>
+            <a:fillRect/>
+          </a:stretch>
+        </p:blipFill>
+        <p:spPr>
+          <a:xfrm>
+            <a:off x="1399461" y="6684996"/>
+            <a:ext cx="1768115" cy="1832228"/>
+          </a:xfrm>
+          <a:prstGeom prst="rect">
+            <a:avLst/>
+          </a:prstGeom>
+        </p:spPr>
+      </p:pic>
+      <p:sp>
+        <p:nvSpPr>
+          <p:cNvPr id="4" name="TextBox 3">
+            <a:extLst>
+              <a:ext uri="{FF2B5EF4-FFF2-40B4-BE49-F238E27FC236}">
+                <a16:creationId xmlns:a16="http://schemas.microsoft.com/office/drawing/2014/main" id="{2C8D0998-79BC-6FD2-59D9-8052B4A25F65}"/>
+              </a:ext>
+            </a:extLst>
+          </p:cNvPr>
+          <p:cNvSpPr txBox="1"/>
+          <p:nvPr/>
+        </p:nvSpPr>
+        <p:spPr>
+          <a:xfrm>
+            <a:off x="3126859" y="7353300"/>
+            <a:ext cx="2236510" cy="584775"/>
+          </a:xfrm>
+          <a:prstGeom prst="rect">
+            <a:avLst/>
+          </a:prstGeom>
+          <a:noFill/>
+        </p:spPr>
+        <p:txBody>
+          <a:bodyPr wrap="none" rtlCol="0">
+            <a:spAutoFit/>
+          </a:bodyPr>
+          <a:lstStyle/>
+          <a:p>
+            <a:r>
+              <a:rPr lang="ko-KR" altLang="en-US" sz="3200" dirty="0">
+                <a:solidFill>
+                  <a:srgbClr val="4D4848"/>
+                </a:solidFill>
+                <a:latin typeface="G마켓 산스 Medium" panose="02000000000000000000" pitchFamily="50" charset="-127"/>
+                <a:ea typeface="G마켓 산스 Medium" panose="02000000000000000000" pitchFamily="50" charset="-127"/>
+              </a:rPr>
+              <a:t>다차원배열</a:t>
+            </a:r>
+          </a:p>
+        </p:txBody>
+      </p:sp>
+      <p:pic>
+        <p:nvPicPr>
+          <p:cNvPr id="5" name="Object 18">
+            <a:extLst>
+              <a:ext uri="{FF2B5EF4-FFF2-40B4-BE49-F238E27FC236}">
+                <a16:creationId xmlns:a16="http://schemas.microsoft.com/office/drawing/2014/main" id="{3F58EA3E-1018-64D3-FAB2-4F6B9618FA56}"/>
+              </a:ext>
+            </a:extLst>
+          </p:cNvPr>
+          <p:cNvPicPr>
+            <a:picLocks noChangeAspect="1"/>
+          </p:cNvPicPr>
+          <p:nvPr/>
+        </p:nvPicPr>
+        <p:blipFill>
+          <a:blip r:embed="rId8" cstate="print"/>
+          <a:stretch>
+            <a:fillRect/>
+          </a:stretch>
+        </p:blipFill>
+        <p:spPr>
+          <a:xfrm>
+            <a:off x="7212477" y="6684996"/>
+            <a:ext cx="1787181" cy="1832228"/>
+          </a:xfrm>
+          <a:prstGeom prst="rect">
+            <a:avLst/>
+          </a:prstGeom>
+        </p:spPr>
+      </p:pic>
+      <p:sp>
+        <p:nvSpPr>
+          <p:cNvPr id="8" name="TextBox 7">
+            <a:extLst>
+              <a:ext uri="{FF2B5EF4-FFF2-40B4-BE49-F238E27FC236}">
+                <a16:creationId xmlns:a16="http://schemas.microsoft.com/office/drawing/2014/main" id="{681D3F16-7DCF-41AD-F5F1-0558C78C0E4D}"/>
+              </a:ext>
+            </a:extLst>
+          </p:cNvPr>
+          <p:cNvSpPr txBox="1"/>
+          <p:nvPr/>
+        </p:nvSpPr>
+        <p:spPr>
+          <a:xfrm>
+            <a:off x="9144000" y="7353300"/>
+            <a:ext cx="4343400" cy="584775"/>
+          </a:xfrm>
+          <a:prstGeom prst="rect">
+            <a:avLst/>
+          </a:prstGeom>
+          <a:noFill/>
+        </p:spPr>
+        <p:txBody>
+          <a:bodyPr wrap="square" rtlCol="0">
+            <a:spAutoFit/>
+          </a:bodyPr>
+          <a:lstStyle/>
+          <a:p>
+            <a:r>
+              <a:rPr lang="ko-KR" altLang="en-US" sz="3200">
+                <a:solidFill>
+                  <a:srgbClr val="4D4848"/>
+                </a:solidFill>
+                <a:latin typeface="G마켓 산스 Medium" panose="02000000000000000000" pitchFamily="50" charset="-127"/>
+                <a:ea typeface="G마켓 산스 Medium" panose="02000000000000000000" pitchFamily="50" charset="-127"/>
+              </a:rPr>
+              <a:t>실습 문제</a:t>
+            </a:r>
+            <a:endParaRPr lang="ko-KR" altLang="en-US" sz="3200" dirty="0">
+              <a:solidFill>
+                <a:srgbClr val="4D4848"/>
               </a:solidFill>
               <a:latin typeface="G마켓 산스 Medium" panose="02000000000000000000" pitchFamily="50" charset="-127"/>
               <a:ea typeface="G마켓 산스 Medium" panose="02000000000000000000" pitchFamily="50" charset="-127"/>
@@ -8443,7 +8650,7 @@
           <p:cNvPr id="4" name="TextBox 3">
             <a:extLst>
               <a:ext uri="{FF2B5EF4-FFF2-40B4-BE49-F238E27FC236}">
-                <a16:creationId xmlns:a16="http://schemas.microsoft.com/office/drawing/2014/main" xmlns="" id="{BC6ABEFA-A7A2-C6BE-51A5-05B61AB688B6}"/>
+                <a16:creationId xmlns:a16="http://schemas.microsoft.com/office/drawing/2014/main" id="{BC6ABEFA-A7A2-C6BE-51A5-05B61AB688B6}"/>
               </a:ext>
             </a:extLst>
           </p:cNvPr>
@@ -8514,7 +8721,7 @@
           <p:cNvPr id="5" name="직선 연결선 4">
             <a:extLst>
               <a:ext uri="{FF2B5EF4-FFF2-40B4-BE49-F238E27FC236}">
-                <a16:creationId xmlns:a16="http://schemas.microsoft.com/office/drawing/2014/main" xmlns="" id="{C5B64D82-CFE6-7016-7539-B219094DA8F4}"/>
+                <a16:creationId xmlns:a16="http://schemas.microsoft.com/office/drawing/2014/main" id="{C5B64D82-CFE6-7016-7539-B219094DA8F4}"/>
               </a:ext>
             </a:extLst>
           </p:cNvPr>
@@ -8557,7 +8764,7 @@
           <p:cNvPr id="6" name="그림 5">
             <a:extLst>
               <a:ext uri="{FF2B5EF4-FFF2-40B4-BE49-F238E27FC236}">
-                <a16:creationId xmlns:a16="http://schemas.microsoft.com/office/drawing/2014/main" xmlns="" id="{90E19BA1-8778-F4C2-614F-20710046EB59}"/>
+                <a16:creationId xmlns:a16="http://schemas.microsoft.com/office/drawing/2014/main" id="{90E19BA1-8778-F4C2-614F-20710046EB59}"/>
               </a:ext>
             </a:extLst>
           </p:cNvPr>
@@ -8587,7 +8794,7 @@
           <p:cNvPr id="7" name="그림 6">
             <a:extLst>
               <a:ext uri="{FF2B5EF4-FFF2-40B4-BE49-F238E27FC236}">
-                <a16:creationId xmlns:a16="http://schemas.microsoft.com/office/drawing/2014/main" xmlns="" id="{192A9C24-A2B1-A784-11E1-998D814F0D7F}"/>
+                <a16:creationId xmlns:a16="http://schemas.microsoft.com/office/drawing/2014/main" id="{192A9C24-A2B1-A784-11E1-998D814F0D7F}"/>
               </a:ext>
             </a:extLst>
           </p:cNvPr>
@@ -8622,13 +8829,6 @@
   <p:clrMapOvr>
     <a:masterClrMapping/>
   </p:clrMapOvr>
-  <p:timing>
-    <p:tnLst>
-      <p:par>
-        <p:cTn id="1" dur="indefinite" restart="never" nodeType="tmRoot"/>
-      </p:par>
-    </p:tnLst>
-  </p:timing>
 </p:sld>
 </file>
 
@@ -8662,7 +8862,7 @@
           <p:cNvPr id="5" name="Object 2">
             <a:extLst>
               <a:ext uri="{FF2B5EF4-FFF2-40B4-BE49-F238E27FC236}">
-                <a16:creationId xmlns:a16="http://schemas.microsoft.com/office/drawing/2014/main" xmlns="" id="{EB9768FE-76B0-709F-3C4D-0ECBB41147CD}"/>
+                <a16:creationId xmlns:a16="http://schemas.microsoft.com/office/drawing/2014/main" id="{EB9768FE-76B0-709F-3C4D-0ECBB41147CD}"/>
               </a:ext>
             </a:extLst>
           </p:cNvPr>
@@ -8692,7 +8892,7 @@
           <p:cNvPr id="7" name="그룹 1001">
             <a:extLst>
               <a:ext uri="{FF2B5EF4-FFF2-40B4-BE49-F238E27FC236}">
-                <a16:creationId xmlns:a16="http://schemas.microsoft.com/office/drawing/2014/main" xmlns="" id="{0637F47C-891C-2B90-8647-32B84C264D42}"/>
+                <a16:creationId xmlns:a16="http://schemas.microsoft.com/office/drawing/2014/main" id="{0637F47C-891C-2B90-8647-32B84C264D42}"/>
               </a:ext>
             </a:extLst>
           </p:cNvPr>
@@ -8712,7 +8912,7 @@
             <p:cNvPr id="8" name="Object 5">
               <a:extLst>
                 <a:ext uri="{FF2B5EF4-FFF2-40B4-BE49-F238E27FC236}">
-                  <a16:creationId xmlns:a16="http://schemas.microsoft.com/office/drawing/2014/main" xmlns="" id="{710F969D-8259-9328-33C3-C6DB500C60D4}"/>
+                  <a16:creationId xmlns:a16="http://schemas.microsoft.com/office/drawing/2014/main" id="{710F969D-8259-9328-33C3-C6DB500C60D4}"/>
                 </a:ext>
               </a:extLst>
             </p:cNvPr>
@@ -8743,7 +8943,7 @@
           <p:cNvPr id="9" name="그룹 1002">
             <a:extLst>
               <a:ext uri="{FF2B5EF4-FFF2-40B4-BE49-F238E27FC236}">
-                <a16:creationId xmlns:a16="http://schemas.microsoft.com/office/drawing/2014/main" xmlns="" id="{A87796A8-251B-F38A-5AE9-11F8D847B25D}"/>
+                <a16:creationId xmlns:a16="http://schemas.microsoft.com/office/drawing/2014/main" id="{A87796A8-251B-F38A-5AE9-11F8D847B25D}"/>
               </a:ext>
             </a:extLst>
           </p:cNvPr>
@@ -8763,7 +8963,7 @@
             <p:cNvPr id="10" name="Object 8">
               <a:extLst>
                 <a:ext uri="{FF2B5EF4-FFF2-40B4-BE49-F238E27FC236}">
-                  <a16:creationId xmlns:a16="http://schemas.microsoft.com/office/drawing/2014/main" xmlns="" id="{9E806C19-D323-E705-F3B8-EEABB39F0993}"/>
+                  <a16:creationId xmlns:a16="http://schemas.microsoft.com/office/drawing/2014/main" id="{9E806C19-D323-E705-F3B8-EEABB39F0993}"/>
                 </a:ext>
               </a:extLst>
             </p:cNvPr>
@@ -8794,7 +8994,7 @@
           <p:cNvPr id="11" name="그룹 1003">
             <a:extLst>
               <a:ext uri="{FF2B5EF4-FFF2-40B4-BE49-F238E27FC236}">
-                <a16:creationId xmlns:a16="http://schemas.microsoft.com/office/drawing/2014/main" xmlns="" id="{701795E0-24B6-38E6-7308-FED7AD2B6900}"/>
+                <a16:creationId xmlns:a16="http://schemas.microsoft.com/office/drawing/2014/main" id="{701795E0-24B6-38E6-7308-FED7AD2B6900}"/>
               </a:ext>
             </a:extLst>
           </p:cNvPr>
@@ -8814,7 +9014,7 @@
             <p:cNvPr id="12" name="Object 11">
               <a:extLst>
                 <a:ext uri="{FF2B5EF4-FFF2-40B4-BE49-F238E27FC236}">
-                  <a16:creationId xmlns:a16="http://schemas.microsoft.com/office/drawing/2014/main" xmlns="" id="{D8C68167-7FB5-1F8E-D53C-DEA682F465F5}"/>
+                  <a16:creationId xmlns:a16="http://schemas.microsoft.com/office/drawing/2014/main" id="{D8C68167-7FB5-1F8E-D53C-DEA682F465F5}"/>
                 </a:ext>
               </a:extLst>
             </p:cNvPr>
@@ -8845,7 +9045,7 @@
           <p:cNvPr id="13" name="그룹 1004">
             <a:extLst>
               <a:ext uri="{FF2B5EF4-FFF2-40B4-BE49-F238E27FC236}">
-                <a16:creationId xmlns:a16="http://schemas.microsoft.com/office/drawing/2014/main" xmlns="" id="{03226A72-764D-99F3-A14F-47C351CB448B}"/>
+                <a16:creationId xmlns:a16="http://schemas.microsoft.com/office/drawing/2014/main" id="{03226A72-764D-99F3-A14F-47C351CB448B}"/>
               </a:ext>
             </a:extLst>
           </p:cNvPr>
@@ -8865,7 +9065,7 @@
             <p:cNvPr id="14" name="Object 14">
               <a:extLst>
                 <a:ext uri="{FF2B5EF4-FFF2-40B4-BE49-F238E27FC236}">
-                  <a16:creationId xmlns:a16="http://schemas.microsoft.com/office/drawing/2014/main" xmlns="" id="{77C5B9A8-AEBA-093B-4CD6-4F1ECF519068}"/>
+                  <a16:creationId xmlns:a16="http://schemas.microsoft.com/office/drawing/2014/main" id="{77C5B9A8-AEBA-093B-4CD6-4F1ECF519068}"/>
                 </a:ext>
               </a:extLst>
             </p:cNvPr>
@@ -8896,7 +9096,7 @@
           <p:cNvPr id="15" name="TextBox 14">
             <a:extLst>
               <a:ext uri="{FF2B5EF4-FFF2-40B4-BE49-F238E27FC236}">
-                <a16:creationId xmlns:a16="http://schemas.microsoft.com/office/drawing/2014/main" xmlns="" id="{E44AB10B-96D7-19D1-5C7A-D2761E62F16E}"/>
+                <a16:creationId xmlns:a16="http://schemas.microsoft.com/office/drawing/2014/main" id="{E44AB10B-96D7-19D1-5C7A-D2761E62F16E}"/>
               </a:ext>
             </a:extLst>
           </p:cNvPr>
@@ -8974,7 +9174,7 @@
           <p:cNvPr id="5" name="TextBox 4">
             <a:extLst>
               <a:ext uri="{FF2B5EF4-FFF2-40B4-BE49-F238E27FC236}">
-                <a16:creationId xmlns:a16="http://schemas.microsoft.com/office/drawing/2014/main" xmlns="" id="{4EDAA912-8FA0-0F11-119B-EA9F8B36A489}"/>
+                <a16:creationId xmlns:a16="http://schemas.microsoft.com/office/drawing/2014/main" id="{4EDAA912-8FA0-0F11-119B-EA9F8B36A489}"/>
               </a:ext>
             </a:extLst>
           </p:cNvPr>
@@ -9125,7 +9325,7 @@
           <p:cNvPr id="3" name="TextBox 2">
             <a:extLst>
               <a:ext uri="{FF2B5EF4-FFF2-40B4-BE49-F238E27FC236}">
-                <a16:creationId xmlns:a16="http://schemas.microsoft.com/office/drawing/2014/main" xmlns="" id="{7191C395-A85E-B6D1-48A4-0F9CEF9E291A}"/>
+                <a16:creationId xmlns:a16="http://schemas.microsoft.com/office/drawing/2014/main" id="{7191C395-A85E-B6D1-48A4-0F9CEF9E291A}"/>
               </a:ext>
             </a:extLst>
           </p:cNvPr>
@@ -9196,7 +9396,7 @@
           <p:cNvPr id="7" name="직선 연결선 6">
             <a:extLst>
               <a:ext uri="{FF2B5EF4-FFF2-40B4-BE49-F238E27FC236}">
-                <a16:creationId xmlns:a16="http://schemas.microsoft.com/office/drawing/2014/main" xmlns="" id="{10787660-5A9E-A144-1505-B277768F2677}"/>
+                <a16:creationId xmlns:a16="http://schemas.microsoft.com/office/drawing/2014/main" id="{10787660-5A9E-A144-1505-B277768F2677}"/>
               </a:ext>
             </a:extLst>
           </p:cNvPr>
@@ -9344,7 +9544,7 @@
           <p:cNvPr id="4" name="그림 3">
             <a:extLst>
               <a:ext uri="{FF2B5EF4-FFF2-40B4-BE49-F238E27FC236}">
-                <a16:creationId xmlns:a16="http://schemas.microsoft.com/office/drawing/2014/main" xmlns="" id="{3C7547DE-B402-075C-4089-356DCA978C5E}"/>
+                <a16:creationId xmlns:a16="http://schemas.microsoft.com/office/drawing/2014/main" id="{3C7547DE-B402-075C-4089-356DCA978C5E}"/>
               </a:ext>
             </a:extLst>
           </p:cNvPr>
@@ -9374,7 +9574,7 @@
           <p:cNvPr id="5" name="TextBox 4">
             <a:extLst>
               <a:ext uri="{FF2B5EF4-FFF2-40B4-BE49-F238E27FC236}">
-                <a16:creationId xmlns:a16="http://schemas.microsoft.com/office/drawing/2014/main" xmlns="" id="{AB087E0B-B941-9AA8-BFCE-71400208FDC8}"/>
+                <a16:creationId xmlns:a16="http://schemas.microsoft.com/office/drawing/2014/main" id="{AB087E0B-B941-9AA8-BFCE-71400208FDC8}"/>
               </a:ext>
             </a:extLst>
           </p:cNvPr>
@@ -9445,7 +9645,7 @@
           <p:cNvPr id="6" name="직선 연결선 5">
             <a:extLst>
               <a:ext uri="{FF2B5EF4-FFF2-40B4-BE49-F238E27FC236}">
-                <a16:creationId xmlns:a16="http://schemas.microsoft.com/office/drawing/2014/main" xmlns="" id="{F7445ED5-3717-CD51-E5D8-274E776535C1}"/>
+                <a16:creationId xmlns:a16="http://schemas.microsoft.com/office/drawing/2014/main" id="{F7445ED5-3717-CD51-E5D8-274E776535C1}"/>
               </a:ext>
             </a:extLst>
           </p:cNvPr>
@@ -9493,13 +9693,6 @@
   <p:clrMapOvr>
     <a:masterClrMapping/>
   </p:clrMapOvr>
-  <p:timing>
-    <p:tnLst>
-      <p:par>
-        <p:cTn id="1" dur="indefinite" restart="never" nodeType="tmRoot"/>
-      </p:par>
-    </p:tnLst>
-  </p:timing>
 </p:sld>
 </file>
 
@@ -9525,7 +9718,7 @@
           <p:cNvPr id="4" name="TextBox 3">
             <a:extLst>
               <a:ext uri="{FF2B5EF4-FFF2-40B4-BE49-F238E27FC236}">
-                <a16:creationId xmlns:a16="http://schemas.microsoft.com/office/drawing/2014/main" xmlns="" id="{4EDAA912-8FA0-0F11-119B-EA9F8B36A489}"/>
+                <a16:creationId xmlns:a16="http://schemas.microsoft.com/office/drawing/2014/main" id="{4EDAA912-8FA0-0F11-119B-EA9F8B36A489}"/>
               </a:ext>
             </a:extLst>
           </p:cNvPr>
@@ -9936,12 +10129,35 @@
           </a:p>
         </p:txBody>
       </p:sp>
+      <p:pic>
+        <p:nvPicPr>
+          <p:cNvPr id="8" name="그림 7"/>
+          <p:cNvPicPr>
+            <a:picLocks noChangeAspect="1"/>
+          </p:cNvPicPr>
+          <p:nvPr/>
+        </p:nvPicPr>
+        <p:blipFill rotWithShape="1">
+          <a:blip r:embed="rId4"/>
+          <a:srcRect t="45598" r="198"/>
+          <a:stretch/>
+        </p:blipFill>
+        <p:spPr>
+          <a:xfrm>
+            <a:off x="228600" y="6232624"/>
+            <a:ext cx="8229600" cy="4727495"/>
+          </a:xfrm>
+          <a:prstGeom prst="rect">
+            <a:avLst/>
+          </a:prstGeom>
+        </p:spPr>
+      </p:pic>
       <p:sp>
         <p:nvSpPr>
           <p:cNvPr id="3" name="TextBox 2">
             <a:extLst>
               <a:ext uri="{FF2B5EF4-FFF2-40B4-BE49-F238E27FC236}">
-                <a16:creationId xmlns:a16="http://schemas.microsoft.com/office/drawing/2014/main" xmlns="" id="{6B65E608-175D-842C-9F38-4D03B52A59FA}"/>
+                <a16:creationId xmlns:a16="http://schemas.microsoft.com/office/drawing/2014/main" id="{6B65E608-175D-842C-9F38-4D03B52A59FA}"/>
               </a:ext>
             </a:extLst>
           </p:cNvPr>
@@ -10012,7 +10228,7 @@
           <p:cNvPr id="9" name="직선 연결선 8">
             <a:extLst>
               <a:ext uri="{FF2B5EF4-FFF2-40B4-BE49-F238E27FC236}">
-                <a16:creationId xmlns:a16="http://schemas.microsoft.com/office/drawing/2014/main" xmlns="" id="{41FE3355-DE37-D777-B1A5-9E1B38D06D46}"/>
+                <a16:creationId xmlns:a16="http://schemas.microsoft.com/office/drawing/2014/main" id="{41FE3355-DE37-D777-B1A5-9E1B38D06D46}"/>
               </a:ext>
             </a:extLst>
           </p:cNvPr>
@@ -10063,7 +10279,75 @@
   <p:timing>
     <p:tnLst>
       <p:par>
-        <p:cTn id="1" dur="indefinite" restart="never" nodeType="tmRoot"/>
+        <p:cTn id="1" dur="indefinite" restart="never" nodeType="tmRoot">
+          <p:childTnLst>
+            <p:seq concurrent="1" nextAc="seek">
+              <p:cTn id="2" dur="indefinite" nodeType="mainSeq">
+                <p:childTnLst>
+                  <p:par>
+                    <p:cTn id="3" fill="hold">
+                      <p:stCondLst>
+                        <p:cond delay="indefinite"/>
+                      </p:stCondLst>
+                      <p:childTnLst>
+                        <p:par>
+                          <p:cTn id="4" fill="hold">
+                            <p:stCondLst>
+                              <p:cond delay="0"/>
+                            </p:stCondLst>
+                            <p:childTnLst>
+                              <p:par>
+                                <p:cTn id="5" presetID="1" presetClass="exit" presetSubtype="0" fill="hold" nodeType="clickEffect">
+                                  <p:stCondLst>
+                                    <p:cond delay="0"/>
+                                  </p:stCondLst>
+                                  <p:childTnLst>
+                                    <p:set>
+                                      <p:cBhvr>
+                                        <p:cTn id="6" dur="1" fill="hold">
+                                          <p:stCondLst>
+                                            <p:cond delay="0"/>
+                                          </p:stCondLst>
+                                        </p:cTn>
+                                        <p:tgtEl>
+                                          <p:spTgt spid="8"/>
+                                        </p:tgtEl>
+                                        <p:attrNameLst>
+                                          <p:attrName>style.visibility</p:attrName>
+                                        </p:attrNameLst>
+                                      </p:cBhvr>
+                                      <p:to>
+                                        <p:strVal val="hidden"/>
+                                      </p:to>
+                                    </p:set>
+                                  </p:childTnLst>
+                                </p:cTn>
+                              </p:par>
+                            </p:childTnLst>
+                          </p:cTn>
+                        </p:par>
+                      </p:childTnLst>
+                    </p:cTn>
+                  </p:par>
+                </p:childTnLst>
+              </p:cTn>
+              <p:prevCondLst>
+                <p:cond evt="onPrev" delay="0">
+                  <p:tgtEl>
+                    <p:sldTgt/>
+                  </p:tgtEl>
+                </p:cond>
+              </p:prevCondLst>
+              <p:nextCondLst>
+                <p:cond evt="onNext" delay="0">
+                  <p:tgtEl>
+                    <p:sldTgt/>
+                  </p:tgtEl>
+                </p:cond>
+              </p:nextCondLst>
+            </p:seq>
+          </p:childTnLst>
+        </p:cTn>
       </p:par>
     </p:tnLst>
   </p:timing>
@@ -10092,7 +10376,7 @@
           <p:cNvPr id="5" name="그림 4">
             <a:extLst>
               <a:ext uri="{FF2B5EF4-FFF2-40B4-BE49-F238E27FC236}">
-                <a16:creationId xmlns:a16="http://schemas.microsoft.com/office/drawing/2014/main" xmlns="" id="{AD95DA57-98F2-0965-5ACD-F21A86749939}"/>
+                <a16:creationId xmlns:a16="http://schemas.microsoft.com/office/drawing/2014/main" id="{AD95DA57-98F2-0965-5ACD-F21A86749939}"/>
               </a:ext>
             </a:extLst>
           </p:cNvPr>
@@ -10122,7 +10406,7 @@
           <p:cNvPr id="7" name="그림 6">
             <a:extLst>
               <a:ext uri="{FF2B5EF4-FFF2-40B4-BE49-F238E27FC236}">
-                <a16:creationId xmlns:a16="http://schemas.microsoft.com/office/drawing/2014/main" xmlns="" id="{D8DE3990-F215-1C5B-6914-38BE4E167A7C}"/>
+                <a16:creationId xmlns:a16="http://schemas.microsoft.com/office/drawing/2014/main" id="{D8DE3990-F215-1C5B-6914-38BE4E167A7C}"/>
               </a:ext>
             </a:extLst>
           </p:cNvPr>
@@ -10176,7 +10460,7 @@
           <p:cNvPr id="4" name="TextBox 3">
             <a:extLst>
               <a:ext uri="{FF2B5EF4-FFF2-40B4-BE49-F238E27FC236}">
-                <a16:creationId xmlns:a16="http://schemas.microsoft.com/office/drawing/2014/main" xmlns="" id="{BDCECAA5-D2EE-59F0-98AE-C3A17259C44C}"/>
+                <a16:creationId xmlns:a16="http://schemas.microsoft.com/office/drawing/2014/main" id="{BDCECAA5-D2EE-59F0-98AE-C3A17259C44C}"/>
               </a:ext>
             </a:extLst>
           </p:cNvPr>
@@ -10247,7 +10531,7 @@
           <p:cNvPr id="8" name="직선 연결선 7">
             <a:extLst>
               <a:ext uri="{FF2B5EF4-FFF2-40B4-BE49-F238E27FC236}">
-                <a16:creationId xmlns:a16="http://schemas.microsoft.com/office/drawing/2014/main" xmlns="" id="{F51604AB-8742-C986-086A-A224678BB676}"/>
+                <a16:creationId xmlns:a16="http://schemas.microsoft.com/office/drawing/2014/main" id="{F51604AB-8742-C986-086A-A224678BB676}"/>
               </a:ext>
             </a:extLst>
           </p:cNvPr>
@@ -10295,13 +10579,6 @@
   <p:clrMapOvr>
     <a:masterClrMapping/>
   </p:clrMapOvr>
-  <p:timing>
-    <p:tnLst>
-      <p:par>
-        <p:cTn id="1" dur="indefinite" restart="never" nodeType="tmRoot"/>
-      </p:par>
-    </p:tnLst>
-  </p:timing>
 </p:sld>
 </file>
 
@@ -10324,10 +10601,184 @@
       </p:grpSpPr>
       <p:sp>
         <p:nvSpPr>
+          <p:cNvPr id="4" name="TextBox 3">
+            <a:extLst>
+              <a:ext uri="{FF2B5EF4-FFF2-40B4-BE49-F238E27FC236}">
+                <a16:creationId xmlns:a16="http://schemas.microsoft.com/office/drawing/2014/main" id="{BDCECAA5-D2EE-59F0-98AE-C3A17259C44C}"/>
+              </a:ext>
+            </a:extLst>
+          </p:cNvPr>
+          <p:cNvSpPr txBox="1"/>
+          <p:nvPr/>
+        </p:nvSpPr>
+        <p:spPr>
+          <a:xfrm>
+            <a:off x="304800" y="114300"/>
+            <a:ext cx="10972800" cy="923330"/>
+          </a:xfrm>
+          <a:prstGeom prst="rect">
+            <a:avLst/>
+          </a:prstGeom>
+          <a:noFill/>
+        </p:spPr>
+        <p:txBody>
+          <a:bodyPr wrap="square" rtlCol="0">
+            <a:spAutoFit/>
+          </a:bodyPr>
+          <a:lstStyle/>
+          <a:p>
+            <a:r>
+              <a:rPr lang="en-US" altLang="ko-KR" sz="5400" spc="-300" dirty="0">
+                <a:solidFill>
+                  <a:srgbClr val="4C50BC"/>
+                </a:solidFill>
+                <a:latin typeface="G마켓 산스 Bold" panose="02000000000000000000" pitchFamily="50" charset="-127"/>
+                <a:ea typeface="G마켓 산스 Bold" panose="02000000000000000000" pitchFamily="50" charset="-127"/>
+              </a:rPr>
+              <a:t>3-2 </a:t>
+            </a:r>
+            <a:r>
+              <a:rPr lang="ko-KR" altLang="en-US" sz="5400" spc="-300" dirty="0">
+                <a:solidFill>
+                  <a:srgbClr val="4C50BC"/>
+                </a:solidFill>
+                <a:latin typeface="G마켓 산스 Bold" panose="02000000000000000000" pitchFamily="50" charset="-127"/>
+                <a:ea typeface="G마켓 산스 Bold" panose="02000000000000000000" pitchFamily="50" charset="-127"/>
+              </a:rPr>
+              <a:t>문제풀이</a:t>
+            </a:r>
+            <a:r>
+              <a:rPr lang="en-US" altLang="ko-KR" sz="5400" spc="-300" dirty="0">
+                <a:solidFill>
+                  <a:srgbClr val="4C50BC"/>
+                </a:solidFill>
+                <a:latin typeface="G마켓 산스 Bold" panose="02000000000000000000" pitchFamily="50" charset="-127"/>
+                <a:ea typeface="G마켓 산스 Bold" panose="02000000000000000000" pitchFamily="50" charset="-127"/>
+              </a:rPr>
+              <a:t> </a:t>
+            </a:r>
+            <a:r>
+              <a:rPr lang="en-US" altLang="ko-KR" sz="5400" spc="-300" dirty="0">
+                <a:solidFill>
+                  <a:srgbClr val="FF0000"/>
+                </a:solidFill>
+                <a:latin typeface="G마켓 산스 Bold" panose="02000000000000000000" pitchFamily="50" charset="-127"/>
+                <a:ea typeface="G마켓 산스 Bold" panose="02000000000000000000" pitchFamily="50" charset="-127"/>
+              </a:rPr>
+              <a:t>(expert)</a:t>
+            </a:r>
+          </a:p>
+        </p:txBody>
+      </p:sp>
+      <p:cxnSp>
+        <p:nvCxnSpPr>
+          <p:cNvPr id="8" name="직선 연결선 7">
+            <a:extLst>
+              <a:ext uri="{FF2B5EF4-FFF2-40B4-BE49-F238E27FC236}">
+                <a16:creationId xmlns:a16="http://schemas.microsoft.com/office/drawing/2014/main" id="{F51604AB-8742-C986-086A-A224678BB676}"/>
+              </a:ext>
+            </a:extLst>
+          </p:cNvPr>
+          <p:cNvCxnSpPr>
+            <a:cxnSpLocks/>
+          </p:cNvCxnSpPr>
+          <p:nvPr/>
+        </p:nvCxnSpPr>
+        <p:spPr>
+          <a:xfrm flipH="1" flipV="1">
+            <a:off x="-13447" y="972511"/>
+            <a:ext cx="18288000" cy="65119"/>
+          </a:xfrm>
+          <a:prstGeom prst="line">
+            <a:avLst/>
+          </a:prstGeom>
+          <a:ln w="38100">
+            <a:solidFill>
+              <a:srgbClr val="4C50BC"/>
+            </a:solidFill>
+          </a:ln>
+        </p:spPr>
+        <p:style>
+          <a:lnRef idx="1">
+            <a:schemeClr val="accent1"/>
+          </a:lnRef>
+          <a:fillRef idx="0">
+            <a:schemeClr val="accent1"/>
+          </a:fillRef>
+          <a:effectRef idx="0">
+            <a:schemeClr val="accent1"/>
+          </a:effectRef>
+          <a:fontRef idx="minor">
+            <a:schemeClr val="tx1"/>
+          </a:fontRef>
+        </p:style>
+      </p:cxnSp>
+      <p:pic>
+        <p:nvPicPr>
+          <p:cNvPr id="9" name="그림 8">
+            <a:extLst>
+              <a:ext uri="{FF2B5EF4-FFF2-40B4-BE49-F238E27FC236}">
+                <a16:creationId xmlns:a16="http://schemas.microsoft.com/office/drawing/2014/main" id="{05B1C75B-219B-0F02-5417-41D56969612F}"/>
+              </a:ext>
+            </a:extLst>
+          </p:cNvPr>
+          <p:cNvPicPr>
+            <a:picLocks noChangeAspect="1"/>
+          </p:cNvPicPr>
+          <p:nvPr/>
+        </p:nvPicPr>
+        <p:blipFill>
+          <a:blip r:embed="rId2"/>
+          <a:stretch>
+            <a:fillRect/>
+          </a:stretch>
+        </p:blipFill>
+        <p:spPr>
+          <a:xfrm>
+            <a:off x="3180219" y="1157515"/>
+            <a:ext cx="9654085" cy="9347426"/>
+          </a:xfrm>
+          <a:prstGeom prst="rect">
+            <a:avLst/>
+          </a:prstGeom>
+        </p:spPr>
+      </p:pic>
+    </p:spTree>
+    <p:extLst>
+      <p:ext uri="{BB962C8B-B14F-4D97-AF65-F5344CB8AC3E}">
+        <p14:creationId xmlns:p14="http://schemas.microsoft.com/office/powerpoint/2010/main" val="1334909070"/>
+      </p:ext>
+    </p:extLst>
+  </p:cSld>
+  <p:clrMapOvr>
+    <a:masterClrMapping/>
+  </p:clrMapOvr>
+</p:sld>
+</file>
+
+<file path=ppt/slides/slide27.xml><?xml version="1.0" encoding="utf-8"?>
+<p:sld xmlns:a="http://schemas.openxmlformats.org/drawingml/2006/main" xmlns:r="http://schemas.openxmlformats.org/officeDocument/2006/relationships" xmlns:p="http://schemas.openxmlformats.org/presentationml/2006/main">
+  <p:cSld>
+    <p:spTree>
+      <p:nvGrpSpPr>
+        <p:cNvPr id="1" name=""/>
+        <p:cNvGrpSpPr/>
+        <p:nvPr/>
+      </p:nvGrpSpPr>
+      <p:grpSpPr>
+        <a:xfrm>
+          <a:off x="0" y="0"/>
+          <a:ext cx="0" cy="0"/>
+          <a:chOff x="0" y="0"/>
+          <a:chExt cx="0" cy="0"/>
+        </a:xfrm>
+      </p:grpSpPr>
+      <p:sp>
+        <p:nvSpPr>
           <p:cNvPr id="5" name="TextBox 4">
             <a:extLst>
               <a:ext uri="{FF2B5EF4-FFF2-40B4-BE49-F238E27FC236}">
-                <a16:creationId xmlns:a16="http://schemas.microsoft.com/office/drawing/2014/main" xmlns="" id="{4EDAA912-8FA0-0F11-119B-EA9F8B36A489}"/>
+                <a16:creationId xmlns:a16="http://schemas.microsoft.com/office/drawing/2014/main" id="{4EDAA912-8FA0-0F11-119B-EA9F8B36A489}"/>
               </a:ext>
             </a:extLst>
           </p:cNvPr>
@@ -10753,7 +11204,7 @@
           <p:cNvPr id="2" name="TextBox 1">
             <a:extLst>
               <a:ext uri="{FF2B5EF4-FFF2-40B4-BE49-F238E27FC236}">
-                <a16:creationId xmlns:a16="http://schemas.microsoft.com/office/drawing/2014/main" xmlns="" id="{60552E7E-C31D-144E-4D77-D9692DEF1483}"/>
+                <a16:creationId xmlns:a16="http://schemas.microsoft.com/office/drawing/2014/main" id="{60552E7E-C31D-144E-4D77-D9692DEF1483}"/>
               </a:ext>
             </a:extLst>
           </p:cNvPr>
@@ -10824,7 +11275,7 @@
           <p:cNvPr id="3" name="직선 연결선 2">
             <a:extLst>
               <a:ext uri="{FF2B5EF4-FFF2-40B4-BE49-F238E27FC236}">
-                <a16:creationId xmlns:a16="http://schemas.microsoft.com/office/drawing/2014/main" xmlns="" id="{AFAE97A0-7D2E-4511-D535-321D77208401}"/>
+                <a16:creationId xmlns:a16="http://schemas.microsoft.com/office/drawing/2014/main" id="{AFAE97A0-7D2E-4511-D535-321D77208401}"/>
               </a:ext>
             </a:extLst>
           </p:cNvPr>
@@ -10872,17 +11323,10 @@
   <p:clrMapOvr>
     <a:masterClrMapping/>
   </p:clrMapOvr>
-  <p:timing>
-    <p:tnLst>
-      <p:par>
-        <p:cTn id="1" dur="indefinite" restart="never" nodeType="tmRoot"/>
-      </p:par>
-    </p:tnLst>
-  </p:timing>
 </p:sld>
 </file>
 
-<file path=ppt/slides/slide27.xml><?xml version="1.0" encoding="utf-8"?>
+<file path=ppt/slides/slide28.xml><?xml version="1.0" encoding="utf-8"?>
 <p:sld xmlns:a="http://schemas.openxmlformats.org/drawingml/2006/main" xmlns:r="http://schemas.openxmlformats.org/officeDocument/2006/relationships" xmlns:p="http://schemas.openxmlformats.org/presentationml/2006/main">
   <p:cSld>
     <p:spTree>
@@ -10904,7 +11348,7 @@
           <p:cNvPr id="4" name="표 4">
             <a:extLst>
               <a:ext uri="{FF2B5EF4-FFF2-40B4-BE49-F238E27FC236}">
-                <a16:creationId xmlns:a16="http://schemas.microsoft.com/office/drawing/2014/main" xmlns="" id="{B7DFBB01-AB9E-DD70-67AA-7BE37D698AF9}"/>
+                <a16:creationId xmlns:a16="http://schemas.microsoft.com/office/drawing/2014/main" id="{B7DFBB01-AB9E-DD70-67AA-7BE37D698AF9}"/>
               </a:ext>
             </a:extLst>
           </p:cNvPr>
@@ -10933,35 +11377,35 @@
                 <a:gridCol w="1219200">
                   <a:extLst>
                     <a:ext uri="{9D8B030D-6E8A-4147-A177-3AD203B41FA5}">
-                      <a16:colId xmlns:a16="http://schemas.microsoft.com/office/drawing/2014/main" xmlns="" val="1302539182"/>
+                      <a16:colId xmlns:a16="http://schemas.microsoft.com/office/drawing/2014/main" val="1302539182"/>
                     </a:ext>
                   </a:extLst>
                 </a:gridCol>
                 <a:gridCol w="1219200">
                   <a:extLst>
                     <a:ext uri="{9D8B030D-6E8A-4147-A177-3AD203B41FA5}">
-                      <a16:colId xmlns:a16="http://schemas.microsoft.com/office/drawing/2014/main" xmlns="" val="1879632596"/>
+                      <a16:colId xmlns:a16="http://schemas.microsoft.com/office/drawing/2014/main" val="1879632596"/>
                     </a:ext>
                   </a:extLst>
                 </a:gridCol>
                 <a:gridCol w="1219200">
                   <a:extLst>
                     <a:ext uri="{9D8B030D-6E8A-4147-A177-3AD203B41FA5}">
-                      <a16:colId xmlns:a16="http://schemas.microsoft.com/office/drawing/2014/main" xmlns="" val="1717135282"/>
+                      <a16:colId xmlns:a16="http://schemas.microsoft.com/office/drawing/2014/main" val="1717135282"/>
                     </a:ext>
                   </a:extLst>
                 </a:gridCol>
                 <a:gridCol w="1219200">
                   <a:extLst>
                     <a:ext uri="{9D8B030D-6E8A-4147-A177-3AD203B41FA5}">
-                      <a16:colId xmlns:a16="http://schemas.microsoft.com/office/drawing/2014/main" xmlns="" val="2717434649"/>
+                      <a16:colId xmlns:a16="http://schemas.microsoft.com/office/drawing/2014/main" val="2717434649"/>
                     </a:ext>
                   </a:extLst>
                 </a:gridCol>
                 <a:gridCol w="1219200">
                   <a:extLst>
                     <a:ext uri="{9D8B030D-6E8A-4147-A177-3AD203B41FA5}">
-                      <a16:colId xmlns:a16="http://schemas.microsoft.com/office/drawing/2014/main" xmlns="" val="1529084302"/>
+                      <a16:colId xmlns:a16="http://schemas.microsoft.com/office/drawing/2014/main" val="1529084302"/>
                     </a:ext>
                   </a:extLst>
                 </a:gridCol>
@@ -11044,7 +11488,7 @@
                 </a:tc>
                 <a:extLst>
                   <a:ext uri="{0D108BD9-81ED-4DB2-BD59-A6C34878D82A}">
-                    <a16:rowId xmlns:a16="http://schemas.microsoft.com/office/drawing/2014/main" xmlns="" val="1520329068"/>
+                    <a16:rowId xmlns:a16="http://schemas.microsoft.com/office/drawing/2014/main" val="1520329068"/>
                   </a:ext>
                 </a:extLst>
               </a:tr>
@@ -11126,7 +11570,7 @@
                 </a:tc>
                 <a:extLst>
                   <a:ext uri="{0D108BD9-81ED-4DB2-BD59-A6C34878D82A}">
-                    <a16:rowId xmlns:a16="http://schemas.microsoft.com/office/drawing/2014/main" xmlns="" val="782089061"/>
+                    <a16:rowId xmlns:a16="http://schemas.microsoft.com/office/drawing/2014/main" val="782089061"/>
                   </a:ext>
                 </a:extLst>
               </a:tr>
@@ -11208,7 +11652,7 @@
                 </a:tc>
                 <a:extLst>
                   <a:ext uri="{0D108BD9-81ED-4DB2-BD59-A6C34878D82A}">
-                    <a16:rowId xmlns:a16="http://schemas.microsoft.com/office/drawing/2014/main" xmlns="" val="2840834484"/>
+                    <a16:rowId xmlns:a16="http://schemas.microsoft.com/office/drawing/2014/main" val="2840834484"/>
                   </a:ext>
                 </a:extLst>
               </a:tr>
@@ -11290,7 +11734,7 @@
                 </a:tc>
                 <a:extLst>
                   <a:ext uri="{0D108BD9-81ED-4DB2-BD59-A6C34878D82A}">
-                    <a16:rowId xmlns:a16="http://schemas.microsoft.com/office/drawing/2014/main" xmlns="" val="1385046644"/>
+                    <a16:rowId xmlns:a16="http://schemas.microsoft.com/office/drawing/2014/main" val="1385046644"/>
                   </a:ext>
                 </a:extLst>
               </a:tr>
@@ -11372,7 +11816,7 @@
                 </a:tc>
                 <a:extLst>
                   <a:ext uri="{0D108BD9-81ED-4DB2-BD59-A6C34878D82A}">
-                    <a16:rowId xmlns:a16="http://schemas.microsoft.com/office/drawing/2014/main" xmlns="" val="1897417928"/>
+                    <a16:rowId xmlns:a16="http://schemas.microsoft.com/office/drawing/2014/main" val="1897417928"/>
                   </a:ext>
                 </a:extLst>
               </a:tr>
@@ -11385,7 +11829,7 @@
           <p:cNvPr id="5" name="표 4">
             <a:extLst>
               <a:ext uri="{FF2B5EF4-FFF2-40B4-BE49-F238E27FC236}">
-                <a16:creationId xmlns:a16="http://schemas.microsoft.com/office/drawing/2014/main" xmlns="" id="{A6B698F4-B722-9A0F-ACD3-0418CBDEA17E}"/>
+                <a16:creationId xmlns:a16="http://schemas.microsoft.com/office/drawing/2014/main" id="{A6B698F4-B722-9A0F-ACD3-0418CBDEA17E}"/>
               </a:ext>
             </a:extLst>
           </p:cNvPr>
@@ -11414,35 +11858,35 @@
                 <a:gridCol w="1219200">
                   <a:extLst>
                     <a:ext uri="{9D8B030D-6E8A-4147-A177-3AD203B41FA5}">
-                      <a16:colId xmlns:a16="http://schemas.microsoft.com/office/drawing/2014/main" xmlns="" val="1302539182"/>
+                      <a16:colId xmlns:a16="http://schemas.microsoft.com/office/drawing/2014/main" val="1302539182"/>
                     </a:ext>
                   </a:extLst>
                 </a:gridCol>
                 <a:gridCol w="1219200">
                   <a:extLst>
                     <a:ext uri="{9D8B030D-6E8A-4147-A177-3AD203B41FA5}">
-                      <a16:colId xmlns:a16="http://schemas.microsoft.com/office/drawing/2014/main" xmlns="" val="1879632596"/>
+                      <a16:colId xmlns:a16="http://schemas.microsoft.com/office/drawing/2014/main" val="1879632596"/>
                     </a:ext>
                   </a:extLst>
                 </a:gridCol>
                 <a:gridCol w="1219200">
                   <a:extLst>
                     <a:ext uri="{9D8B030D-6E8A-4147-A177-3AD203B41FA5}">
-                      <a16:colId xmlns:a16="http://schemas.microsoft.com/office/drawing/2014/main" xmlns="" val="1717135282"/>
+                      <a16:colId xmlns:a16="http://schemas.microsoft.com/office/drawing/2014/main" val="1717135282"/>
                     </a:ext>
                   </a:extLst>
                 </a:gridCol>
                 <a:gridCol w="1219200">
                   <a:extLst>
                     <a:ext uri="{9D8B030D-6E8A-4147-A177-3AD203B41FA5}">
-                      <a16:colId xmlns:a16="http://schemas.microsoft.com/office/drawing/2014/main" xmlns="" val="2717434649"/>
+                      <a16:colId xmlns:a16="http://schemas.microsoft.com/office/drawing/2014/main" val="2717434649"/>
                     </a:ext>
                   </a:extLst>
                 </a:gridCol>
                 <a:gridCol w="1219200">
                   <a:extLst>
                     <a:ext uri="{9D8B030D-6E8A-4147-A177-3AD203B41FA5}">
-                      <a16:colId xmlns:a16="http://schemas.microsoft.com/office/drawing/2014/main" xmlns="" val="1529084302"/>
+                      <a16:colId xmlns:a16="http://schemas.microsoft.com/office/drawing/2014/main" val="1529084302"/>
                     </a:ext>
                   </a:extLst>
                 </a:gridCol>
@@ -11525,7 +11969,7 @@
                 </a:tc>
                 <a:extLst>
                   <a:ext uri="{0D108BD9-81ED-4DB2-BD59-A6C34878D82A}">
-                    <a16:rowId xmlns:a16="http://schemas.microsoft.com/office/drawing/2014/main" xmlns="" val="1520329068"/>
+                    <a16:rowId xmlns:a16="http://schemas.microsoft.com/office/drawing/2014/main" val="1520329068"/>
                   </a:ext>
                 </a:extLst>
               </a:tr>
@@ -11607,7 +12051,7 @@
                 </a:tc>
                 <a:extLst>
                   <a:ext uri="{0D108BD9-81ED-4DB2-BD59-A6C34878D82A}">
-                    <a16:rowId xmlns:a16="http://schemas.microsoft.com/office/drawing/2014/main" xmlns="" val="782089061"/>
+                    <a16:rowId xmlns:a16="http://schemas.microsoft.com/office/drawing/2014/main" val="782089061"/>
                   </a:ext>
                 </a:extLst>
               </a:tr>
@@ -11689,7 +12133,7 @@
                 </a:tc>
                 <a:extLst>
                   <a:ext uri="{0D108BD9-81ED-4DB2-BD59-A6C34878D82A}">
-                    <a16:rowId xmlns:a16="http://schemas.microsoft.com/office/drawing/2014/main" xmlns="" val="2840834484"/>
+                    <a16:rowId xmlns:a16="http://schemas.microsoft.com/office/drawing/2014/main" val="2840834484"/>
                   </a:ext>
                 </a:extLst>
               </a:tr>
@@ -11771,7 +12215,7 @@
                 </a:tc>
                 <a:extLst>
                   <a:ext uri="{0D108BD9-81ED-4DB2-BD59-A6C34878D82A}">
-                    <a16:rowId xmlns:a16="http://schemas.microsoft.com/office/drawing/2014/main" xmlns="" val="1385046644"/>
+                    <a16:rowId xmlns:a16="http://schemas.microsoft.com/office/drawing/2014/main" val="1385046644"/>
                   </a:ext>
                 </a:extLst>
               </a:tr>
@@ -11853,7 +12297,7 @@
                 </a:tc>
                 <a:extLst>
                   <a:ext uri="{0D108BD9-81ED-4DB2-BD59-A6C34878D82A}">
-                    <a16:rowId xmlns:a16="http://schemas.microsoft.com/office/drawing/2014/main" xmlns="" val="1897417928"/>
+                    <a16:rowId xmlns:a16="http://schemas.microsoft.com/office/drawing/2014/main" val="1897417928"/>
                   </a:ext>
                 </a:extLst>
               </a:tr>
@@ -11866,7 +12310,7 @@
           <p:cNvPr id="6" name="TextBox 5">
             <a:extLst>
               <a:ext uri="{FF2B5EF4-FFF2-40B4-BE49-F238E27FC236}">
-                <a16:creationId xmlns:a16="http://schemas.microsoft.com/office/drawing/2014/main" xmlns="" id="{D85B8E4F-19BC-2095-4103-3EC32909ED8B}"/>
+                <a16:creationId xmlns:a16="http://schemas.microsoft.com/office/drawing/2014/main" id="{D85B8E4F-19BC-2095-4103-3EC32909ED8B}"/>
               </a:ext>
             </a:extLst>
           </p:cNvPr>
@@ -11924,7 +12368,7 @@
           <p:cNvPr id="7" name="TextBox 6">
             <a:extLst>
               <a:ext uri="{FF2B5EF4-FFF2-40B4-BE49-F238E27FC236}">
-                <a16:creationId xmlns:a16="http://schemas.microsoft.com/office/drawing/2014/main" xmlns="" id="{55A373CC-6CE8-7E17-2FD2-4161AF3CFB2F}"/>
+                <a16:creationId xmlns:a16="http://schemas.microsoft.com/office/drawing/2014/main" id="{55A373CC-6CE8-7E17-2FD2-4161AF3CFB2F}"/>
               </a:ext>
             </a:extLst>
           </p:cNvPr>
@@ -11982,7 +12426,7 @@
           <p:cNvPr id="2" name="TextBox 1">
             <a:extLst>
               <a:ext uri="{FF2B5EF4-FFF2-40B4-BE49-F238E27FC236}">
-                <a16:creationId xmlns:a16="http://schemas.microsoft.com/office/drawing/2014/main" xmlns="" id="{83C9241C-5B6A-22C7-6190-274AB86A14A8}"/>
+                <a16:creationId xmlns:a16="http://schemas.microsoft.com/office/drawing/2014/main" id="{83C9241C-5B6A-22C7-6190-274AB86A14A8}"/>
               </a:ext>
             </a:extLst>
           </p:cNvPr>
@@ -12053,7 +12497,7 @@
           <p:cNvPr id="3" name="직선 연결선 2">
             <a:extLst>
               <a:ext uri="{FF2B5EF4-FFF2-40B4-BE49-F238E27FC236}">
-                <a16:creationId xmlns:a16="http://schemas.microsoft.com/office/drawing/2014/main" xmlns="" id="{786E59C1-03AA-E4F9-0DFF-7BA60C6342BD}"/>
+                <a16:creationId xmlns:a16="http://schemas.microsoft.com/office/drawing/2014/main" id="{786E59C1-03AA-E4F9-0DFF-7BA60C6342BD}"/>
               </a:ext>
             </a:extLst>
           </p:cNvPr>
@@ -12101,27 +12545,12 @@
   <p:clrMapOvr>
     <a:masterClrMapping/>
   </p:clrMapOvr>
-  <p:timing>
-    <p:tnLst>
-      <p:par>
-        <p:cTn id="1" dur="indefinite" restart="never" nodeType="tmRoot"/>
-      </p:par>
-    </p:tnLst>
-  </p:timing>
 </p:sld>
 </file>
 
-<file path=ppt/slides/slide28.xml><?xml version="1.0" encoding="utf-8"?>
+<file path=ppt/slides/slide29.xml><?xml version="1.0" encoding="utf-8"?>
 <p:sld xmlns:a="http://schemas.openxmlformats.org/drawingml/2006/main" xmlns:r="http://schemas.openxmlformats.org/officeDocument/2006/relationships" xmlns:p="http://schemas.openxmlformats.org/presentationml/2006/main">
-  <p:cSld name="Slide 20">
-    <p:bg>
-      <p:bgPr>
-        <a:solidFill>
-          <a:srgbClr val="4C50BB"/>
-        </a:solidFill>
-        <a:effectLst/>
-      </p:bgPr>
-    </p:bg>
+  <p:cSld>
     <p:spTree>
       <p:nvGrpSpPr>
         <p:cNvPr id="1" name=""/>
@@ -12136,270 +12565,12 @@
           <a:chExt cx="0" cy="0"/>
         </a:xfrm>
       </p:grpSpPr>
-      <p:grpSp>
-        <p:nvGrpSpPr>
-          <p:cNvPr id="1001" name="그룹 1001"/>
-          <p:cNvGrpSpPr/>
-          <p:nvPr/>
-        </p:nvGrpSpPr>
-        <p:grpSpPr>
-          <a:xfrm>
-            <a:off x="17068073" y="8290746"/>
-            <a:ext cx="2147094" cy="191978"/>
-            <a:chOff x="17068073" y="8290746"/>
-            <a:chExt cx="2147094" cy="191978"/>
-          </a:xfrm>
-        </p:grpSpPr>
-        <p:pic>
-          <p:nvPicPr>
-            <p:cNvPr id="3" name="Object 2"/>
-            <p:cNvPicPr>
-              <a:picLocks noChangeAspect="1"/>
-            </p:cNvPicPr>
-            <p:nvPr/>
-          </p:nvPicPr>
-          <p:blipFill>
-            <a:blip r:embed="rId2" cstate="print"/>
-            <a:stretch>
-              <a:fillRect/>
-            </a:stretch>
-          </p:blipFill>
-          <p:spPr>
-            <a:xfrm>
-              <a:off x="17068073" y="8290746"/>
-              <a:ext cx="2147094" cy="191978"/>
-            </a:xfrm>
-            <a:prstGeom prst="rect">
-              <a:avLst/>
-            </a:prstGeom>
-          </p:spPr>
-        </p:pic>
-      </p:grpSp>
-      <p:grpSp>
-        <p:nvGrpSpPr>
-          <p:cNvPr id="1002" name="그룹 1002"/>
-          <p:cNvGrpSpPr/>
-          <p:nvPr/>
-        </p:nvGrpSpPr>
-        <p:grpSpPr>
-          <a:xfrm>
-            <a:off x="-159165" y="2132538"/>
-            <a:ext cx="6123451" cy="191978"/>
-            <a:chOff x="-159165" y="2132538"/>
-            <a:chExt cx="6123451" cy="191978"/>
-          </a:xfrm>
-        </p:grpSpPr>
-        <p:pic>
-          <p:nvPicPr>
-            <p:cNvPr id="6" name="Object 5"/>
-            <p:cNvPicPr>
-              <a:picLocks noChangeAspect="1"/>
-            </p:cNvPicPr>
-            <p:nvPr/>
-          </p:nvPicPr>
-          <p:blipFill>
-            <a:blip r:embed="rId3" cstate="print"/>
-            <a:stretch>
-              <a:fillRect/>
-            </a:stretch>
-          </p:blipFill>
-          <p:spPr>
-            <a:xfrm rot="-10800000">
-              <a:off x="-159165" y="2132538"/>
-              <a:ext cx="6123451" cy="191978"/>
-            </a:xfrm>
-            <a:prstGeom prst="rect">
-              <a:avLst/>
-            </a:prstGeom>
-          </p:spPr>
-        </p:pic>
-      </p:grpSp>
-      <p:pic>
-        <p:nvPicPr>
-          <p:cNvPr id="8" name="Object 7"/>
-          <p:cNvPicPr>
-            <a:picLocks noChangeAspect="1"/>
-          </p:cNvPicPr>
-          <p:nvPr/>
-        </p:nvPicPr>
-        <p:blipFill>
-          <a:blip r:embed="rId4" cstate="print"/>
-          <a:stretch>
-            <a:fillRect/>
-          </a:stretch>
-        </p:blipFill>
-        <p:spPr>
-          <a:xfrm>
-            <a:off x="1435154" y="1816061"/>
-            <a:ext cx="8946667" cy="7503307"/>
-          </a:xfrm>
-          <a:prstGeom prst="rect">
-            <a:avLst/>
-          </a:prstGeom>
-        </p:spPr>
-      </p:pic>
-      <p:grpSp>
-        <p:nvGrpSpPr>
-          <p:cNvPr id="1003" name="그룹 1003"/>
-          <p:cNvGrpSpPr/>
-          <p:nvPr/>
-        </p:nvGrpSpPr>
-        <p:grpSpPr>
-          <a:xfrm>
-            <a:off x="14201487" y="-793619"/>
-            <a:ext cx="5013680" cy="4965048"/>
-            <a:chOff x="14201487" y="-793619"/>
-            <a:chExt cx="5013680" cy="4965048"/>
-          </a:xfrm>
-        </p:grpSpPr>
-        <p:pic>
-          <p:nvPicPr>
-            <p:cNvPr id="10" name="Object 9"/>
-            <p:cNvPicPr>
-              <a:picLocks noChangeAspect="1"/>
-            </p:cNvPicPr>
-            <p:nvPr/>
-          </p:nvPicPr>
-          <p:blipFill>
-            <a:blip r:embed="rId5" cstate="print"/>
-            <a:stretch>
-              <a:fillRect/>
-            </a:stretch>
-          </p:blipFill>
-          <p:spPr>
-            <a:xfrm>
-              <a:off x="14201487" y="-793619"/>
-              <a:ext cx="5013680" cy="4965048"/>
-            </a:xfrm>
-            <a:prstGeom prst="rect">
-              <a:avLst/>
-            </a:prstGeom>
-          </p:spPr>
-        </p:pic>
-      </p:grpSp>
-      <p:grpSp>
-        <p:nvGrpSpPr>
-          <p:cNvPr id="1004" name="그룹 1004"/>
-          <p:cNvGrpSpPr/>
-          <p:nvPr/>
-        </p:nvGrpSpPr>
-        <p:grpSpPr>
-          <a:xfrm>
-            <a:off x="1504762" y="6159972"/>
-            <a:ext cx="3591960" cy="3557118"/>
-            <a:chOff x="1504762" y="6159972"/>
-            <a:chExt cx="3591960" cy="3557118"/>
-          </a:xfrm>
-        </p:grpSpPr>
-        <p:pic>
-          <p:nvPicPr>
-            <p:cNvPr id="13" name="Object 12"/>
-            <p:cNvPicPr>
-              <a:picLocks noChangeAspect="1"/>
-            </p:cNvPicPr>
-            <p:nvPr/>
-          </p:nvPicPr>
-          <p:blipFill>
-            <a:blip r:embed="rId6" cstate="print"/>
-            <a:stretch>
-              <a:fillRect/>
-            </a:stretch>
-          </p:blipFill>
-          <p:spPr>
-            <a:xfrm>
-              <a:off x="1504762" y="6159972"/>
-              <a:ext cx="3591960" cy="3557118"/>
-            </a:xfrm>
-            <a:prstGeom prst="rect">
-              <a:avLst/>
-            </a:prstGeom>
-          </p:spPr>
-        </p:pic>
-      </p:grpSp>
-      <p:grpSp>
-        <p:nvGrpSpPr>
-          <p:cNvPr id="1005" name="그룹 1005"/>
-          <p:cNvGrpSpPr/>
-          <p:nvPr/>
-        </p:nvGrpSpPr>
-        <p:grpSpPr>
-          <a:xfrm>
-            <a:off x="-1490827" y="7194398"/>
-            <a:ext cx="4258895" cy="4258895"/>
-            <a:chOff x="-1490827" y="7194398"/>
-            <a:chExt cx="4258895" cy="4258895"/>
-          </a:xfrm>
-        </p:grpSpPr>
-        <p:pic>
-          <p:nvPicPr>
-            <p:cNvPr id="16" name="Object 15"/>
-            <p:cNvPicPr>
-              <a:picLocks noChangeAspect="1"/>
-            </p:cNvPicPr>
-            <p:nvPr/>
-          </p:nvPicPr>
-          <p:blipFill>
-            <a:blip r:embed="rId7" cstate="print"/>
-            <a:stretch>
-              <a:fillRect/>
-            </a:stretch>
-          </p:blipFill>
-          <p:spPr>
-            <a:xfrm rot="2700000">
-              <a:off x="-1490827" y="7194398"/>
-              <a:ext cx="4258895" cy="4258895"/>
-            </a:xfrm>
-            <a:prstGeom prst="rect">
-              <a:avLst/>
-            </a:prstGeom>
-          </p:spPr>
-        </p:pic>
-      </p:grpSp>
-      <p:grpSp>
-        <p:nvGrpSpPr>
-          <p:cNvPr id="1006" name="그룹 1006"/>
-          <p:cNvGrpSpPr/>
-          <p:nvPr/>
-        </p:nvGrpSpPr>
-        <p:grpSpPr>
-          <a:xfrm>
-            <a:off x="14236022" y="2461029"/>
-            <a:ext cx="4258895" cy="4258895"/>
-            <a:chOff x="14236022" y="2461029"/>
-            <a:chExt cx="4258895" cy="4258895"/>
-          </a:xfrm>
-        </p:grpSpPr>
-        <p:pic>
-          <p:nvPicPr>
-            <p:cNvPr id="22" name="Object 21"/>
-            <p:cNvPicPr>
-              <a:picLocks noChangeAspect="1"/>
-            </p:cNvPicPr>
-            <p:nvPr/>
-          </p:nvPicPr>
-          <p:blipFill>
-            <a:blip r:embed="rId8" cstate="print"/>
-            <a:stretch>
-              <a:fillRect/>
-            </a:stretch>
-          </p:blipFill>
-          <p:spPr>
-            <a:xfrm rot="2700000">
-              <a:off x="14236022" y="2461029"/>
-              <a:ext cx="4258895" cy="4258895"/>
-            </a:xfrm>
-            <a:prstGeom prst="rect">
-              <a:avLst/>
-            </a:prstGeom>
-          </p:spPr>
-        </p:pic>
-      </p:grpSp>
       <p:sp>
         <p:nvSpPr>
           <p:cNvPr id="2" name="TextBox 1">
             <a:extLst>
               <a:ext uri="{FF2B5EF4-FFF2-40B4-BE49-F238E27FC236}">
-                <a16:creationId xmlns:a16="http://schemas.microsoft.com/office/drawing/2014/main" xmlns="" id="{715D88A2-BD52-978B-A00A-540446126E3D}"/>
+                <a16:creationId xmlns:a16="http://schemas.microsoft.com/office/drawing/2014/main" id="{83C9241C-5B6A-22C7-6190-274AB86A14A8}"/>
               </a:ext>
             </a:extLst>
           </p:cNvPr>
@@ -12408,8 +12579,8 @@
         </p:nvSpPr>
         <p:spPr>
           <a:xfrm>
-            <a:off x="15011400" y="8648279"/>
-            <a:ext cx="2743200" cy="584775"/>
+            <a:off x="304800" y="114300"/>
+            <a:ext cx="10972800" cy="923330"/>
           </a:xfrm>
           <a:prstGeom prst="rect">
             <a:avLst/>
@@ -12417,32 +12588,163 @@
           <a:noFill/>
         </p:spPr>
         <p:txBody>
-          <a:bodyPr wrap="square">
+          <a:bodyPr wrap="square" rtlCol="0">
             <a:spAutoFit/>
           </a:bodyPr>
           <a:lstStyle/>
           <a:p>
             <a:r>
-              <a:rPr lang="ko-KR" altLang="en-US" sz="3200">
-                <a:solidFill>
-                  <a:schemeClr val="bg1"/>
-                </a:solidFill>
-                <a:latin typeface="G마켓 산스 Light" panose="02000000000000000000" pitchFamily="50" charset="-127"/>
-                <a:ea typeface="G마켓 산스 Light" panose="02000000000000000000" pitchFamily="50" charset="-127"/>
-              </a:rPr>
-              <a:t>강사 박주병</a:t>
-            </a:r>
-            <a:endParaRPr lang="en-US" altLang="ko-KR" sz="2000">
-              <a:solidFill>
-                <a:schemeClr val="bg1"/>
-              </a:solidFill>
-              <a:latin typeface="G마켓 산스 Light" panose="02000000000000000000" pitchFamily="50" charset="-127"/>
-              <a:ea typeface="G마켓 산스 Light" panose="02000000000000000000" pitchFamily="50" charset="-127"/>
-            </a:endParaRPr>
+              <a:rPr lang="en-US" altLang="ko-KR" sz="5400" spc="-300" dirty="0">
+                <a:solidFill>
+                  <a:srgbClr val="4C50BC"/>
+                </a:solidFill>
+                <a:latin typeface="G마켓 산스 Bold" panose="02000000000000000000" pitchFamily="50" charset="-127"/>
+                <a:ea typeface="G마켓 산스 Bold" panose="02000000000000000000" pitchFamily="50" charset="-127"/>
+              </a:rPr>
+              <a:t>3-3 </a:t>
+            </a:r>
+            <a:r>
+              <a:rPr lang="ko-KR" altLang="en-US" sz="5400" spc="-300" dirty="0">
+                <a:solidFill>
+                  <a:srgbClr val="4C50BC"/>
+                </a:solidFill>
+                <a:latin typeface="G마켓 산스 Bold" panose="02000000000000000000" pitchFamily="50" charset="-127"/>
+                <a:ea typeface="G마켓 산스 Bold" panose="02000000000000000000" pitchFamily="50" charset="-127"/>
+              </a:rPr>
+              <a:t>문제풀이</a:t>
+            </a:r>
+            <a:r>
+              <a:rPr lang="en-US" altLang="ko-KR" sz="5400" spc="-300" dirty="0">
+                <a:solidFill>
+                  <a:srgbClr val="4C50BC"/>
+                </a:solidFill>
+                <a:latin typeface="G마켓 산스 Bold" panose="02000000000000000000" pitchFamily="50" charset="-127"/>
+                <a:ea typeface="G마켓 산스 Bold" panose="02000000000000000000" pitchFamily="50" charset="-127"/>
+              </a:rPr>
+              <a:t> </a:t>
+            </a:r>
+            <a:r>
+              <a:rPr lang="en-US" altLang="ko-KR" sz="5400" spc="-300" dirty="0">
+                <a:solidFill>
+                  <a:srgbClr val="FF0000"/>
+                </a:solidFill>
+                <a:latin typeface="G마켓 산스 Bold" panose="02000000000000000000" pitchFamily="50" charset="-127"/>
+                <a:ea typeface="G마켓 산스 Bold" panose="02000000000000000000" pitchFamily="50" charset="-127"/>
+              </a:rPr>
+              <a:t>(expert)</a:t>
+            </a:r>
           </a:p>
         </p:txBody>
       </p:sp>
+      <p:cxnSp>
+        <p:nvCxnSpPr>
+          <p:cNvPr id="3" name="직선 연결선 2">
+            <a:extLst>
+              <a:ext uri="{FF2B5EF4-FFF2-40B4-BE49-F238E27FC236}">
+                <a16:creationId xmlns:a16="http://schemas.microsoft.com/office/drawing/2014/main" id="{786E59C1-03AA-E4F9-0DFF-7BA60C6342BD}"/>
+              </a:ext>
+            </a:extLst>
+          </p:cNvPr>
+          <p:cNvCxnSpPr>
+            <a:cxnSpLocks/>
+          </p:cNvCxnSpPr>
+          <p:nvPr/>
+        </p:nvCxnSpPr>
+        <p:spPr>
+          <a:xfrm flipH="1" flipV="1">
+            <a:off x="-13447" y="972511"/>
+            <a:ext cx="18288000" cy="65119"/>
+          </a:xfrm>
+          <a:prstGeom prst="line">
+            <a:avLst/>
+          </a:prstGeom>
+          <a:ln w="38100">
+            <a:solidFill>
+              <a:srgbClr val="4C50BC"/>
+            </a:solidFill>
+          </a:ln>
+        </p:spPr>
+        <p:style>
+          <a:lnRef idx="1">
+            <a:schemeClr val="accent1"/>
+          </a:lnRef>
+          <a:fillRef idx="0">
+            <a:schemeClr val="accent1"/>
+          </a:fillRef>
+          <a:effectRef idx="0">
+            <a:schemeClr val="accent1"/>
+          </a:effectRef>
+          <a:fontRef idx="minor">
+            <a:schemeClr val="tx1"/>
+          </a:fontRef>
+        </p:style>
+      </p:cxnSp>
+      <p:pic>
+        <p:nvPicPr>
+          <p:cNvPr id="10" name="그림 9">
+            <a:extLst>
+              <a:ext uri="{FF2B5EF4-FFF2-40B4-BE49-F238E27FC236}">
+                <a16:creationId xmlns:a16="http://schemas.microsoft.com/office/drawing/2014/main" id="{A3451B48-DCFA-8F2E-B2FF-8E5F4EB6B0F5}"/>
+              </a:ext>
+            </a:extLst>
+          </p:cNvPr>
+          <p:cNvPicPr>
+            <a:picLocks noChangeAspect="1"/>
+          </p:cNvPicPr>
+          <p:nvPr/>
+        </p:nvPicPr>
+        <p:blipFill>
+          <a:blip r:embed="rId2"/>
+          <a:stretch>
+            <a:fillRect/>
+          </a:stretch>
+        </p:blipFill>
+        <p:spPr>
+          <a:xfrm>
+            <a:off x="284930" y="1197233"/>
+            <a:ext cx="10992670" cy="8774081"/>
+          </a:xfrm>
+          <a:prstGeom prst="rect">
+            <a:avLst/>
+          </a:prstGeom>
+        </p:spPr>
+      </p:pic>
+      <p:pic>
+        <p:nvPicPr>
+          <p:cNvPr id="12" name="그림 11">
+            <a:extLst>
+              <a:ext uri="{FF2B5EF4-FFF2-40B4-BE49-F238E27FC236}">
+                <a16:creationId xmlns:a16="http://schemas.microsoft.com/office/drawing/2014/main" id="{5855F788-CDD1-1E2B-5BE6-1509405F4C34}"/>
+              </a:ext>
+            </a:extLst>
+          </p:cNvPr>
+          <p:cNvPicPr>
+            <a:picLocks noChangeAspect="1"/>
+          </p:cNvPicPr>
+          <p:nvPr/>
+        </p:nvPicPr>
+        <p:blipFill>
+          <a:blip r:embed="rId3"/>
+          <a:stretch>
+            <a:fillRect/>
+          </a:stretch>
+        </p:blipFill>
+        <p:spPr>
+          <a:xfrm>
+            <a:off x="8737421" y="1072101"/>
+            <a:ext cx="9169579" cy="9265096"/>
+          </a:xfrm>
+          <a:prstGeom prst="rect">
+            <a:avLst/>
+          </a:prstGeom>
+        </p:spPr>
+      </p:pic>
     </p:spTree>
+    <p:extLst>
+      <p:ext uri="{BB962C8B-B14F-4D97-AF65-F5344CB8AC3E}">
+        <p14:creationId xmlns:p14="http://schemas.microsoft.com/office/powerpoint/2010/main" val="3247298315"/>
+      </p:ext>
+    </p:extLst>
   </p:cSld>
   <p:clrMapOvr>
     <a:masterClrMapping/>
@@ -12660,7 +12962,7 @@
           <p:cNvPr id="2" name="TextBox 1">
             <a:extLst>
               <a:ext uri="{FF2B5EF4-FFF2-40B4-BE49-F238E27FC236}">
-                <a16:creationId xmlns:a16="http://schemas.microsoft.com/office/drawing/2014/main" xmlns="" id="{76F36AE5-79B5-0B9F-E510-1C27AAC4B649}"/>
+                <a16:creationId xmlns:a16="http://schemas.microsoft.com/office/drawing/2014/main" id="{76F36AE5-79B5-0B9F-E510-1C27AAC4B649}"/>
               </a:ext>
             </a:extLst>
           </p:cNvPr>
@@ -12709,6 +13011,345 @@
         <p14:creationId xmlns:p14="http://schemas.microsoft.com/office/powerpoint/2010/main" val="52312865"/>
       </p:ext>
     </p:extLst>
+  </p:cSld>
+  <p:clrMapOvr>
+    <a:masterClrMapping/>
+  </p:clrMapOvr>
+</p:sld>
+</file>
+
+<file path=ppt/slides/slide30.xml><?xml version="1.0" encoding="utf-8"?>
+<p:sld xmlns:a="http://schemas.openxmlformats.org/drawingml/2006/main" xmlns:r="http://schemas.openxmlformats.org/officeDocument/2006/relationships" xmlns:p="http://schemas.openxmlformats.org/presentationml/2006/main">
+  <p:cSld name="Slide 20">
+    <p:bg>
+      <p:bgPr>
+        <a:solidFill>
+          <a:srgbClr val="4C50BB"/>
+        </a:solidFill>
+        <a:effectLst/>
+      </p:bgPr>
+    </p:bg>
+    <p:spTree>
+      <p:nvGrpSpPr>
+        <p:cNvPr id="1" name=""/>
+        <p:cNvGrpSpPr/>
+        <p:nvPr/>
+      </p:nvGrpSpPr>
+      <p:grpSpPr>
+        <a:xfrm>
+          <a:off x="0" y="0"/>
+          <a:ext cx="0" cy="0"/>
+          <a:chOff x="0" y="0"/>
+          <a:chExt cx="0" cy="0"/>
+        </a:xfrm>
+      </p:grpSpPr>
+      <p:grpSp>
+        <p:nvGrpSpPr>
+          <p:cNvPr id="1001" name="그룹 1001"/>
+          <p:cNvGrpSpPr/>
+          <p:nvPr/>
+        </p:nvGrpSpPr>
+        <p:grpSpPr>
+          <a:xfrm>
+            <a:off x="17068073" y="8290746"/>
+            <a:ext cx="2147094" cy="191978"/>
+            <a:chOff x="17068073" y="8290746"/>
+            <a:chExt cx="2147094" cy="191978"/>
+          </a:xfrm>
+        </p:grpSpPr>
+        <p:pic>
+          <p:nvPicPr>
+            <p:cNvPr id="3" name="Object 2"/>
+            <p:cNvPicPr>
+              <a:picLocks noChangeAspect="1"/>
+            </p:cNvPicPr>
+            <p:nvPr/>
+          </p:nvPicPr>
+          <p:blipFill>
+            <a:blip r:embed="rId2" cstate="print"/>
+            <a:stretch>
+              <a:fillRect/>
+            </a:stretch>
+          </p:blipFill>
+          <p:spPr>
+            <a:xfrm>
+              <a:off x="17068073" y="8290746"/>
+              <a:ext cx="2147094" cy="191978"/>
+            </a:xfrm>
+            <a:prstGeom prst="rect">
+              <a:avLst/>
+            </a:prstGeom>
+          </p:spPr>
+        </p:pic>
+      </p:grpSp>
+      <p:grpSp>
+        <p:nvGrpSpPr>
+          <p:cNvPr id="1002" name="그룹 1002"/>
+          <p:cNvGrpSpPr/>
+          <p:nvPr/>
+        </p:nvGrpSpPr>
+        <p:grpSpPr>
+          <a:xfrm>
+            <a:off x="-159165" y="2132538"/>
+            <a:ext cx="6123451" cy="191978"/>
+            <a:chOff x="-159165" y="2132538"/>
+            <a:chExt cx="6123451" cy="191978"/>
+          </a:xfrm>
+        </p:grpSpPr>
+        <p:pic>
+          <p:nvPicPr>
+            <p:cNvPr id="6" name="Object 5"/>
+            <p:cNvPicPr>
+              <a:picLocks noChangeAspect="1"/>
+            </p:cNvPicPr>
+            <p:nvPr/>
+          </p:nvPicPr>
+          <p:blipFill>
+            <a:blip r:embed="rId3" cstate="print"/>
+            <a:stretch>
+              <a:fillRect/>
+            </a:stretch>
+          </p:blipFill>
+          <p:spPr>
+            <a:xfrm rot="-10800000">
+              <a:off x="-159165" y="2132538"/>
+              <a:ext cx="6123451" cy="191978"/>
+            </a:xfrm>
+            <a:prstGeom prst="rect">
+              <a:avLst/>
+            </a:prstGeom>
+          </p:spPr>
+        </p:pic>
+      </p:grpSp>
+      <p:pic>
+        <p:nvPicPr>
+          <p:cNvPr id="8" name="Object 7"/>
+          <p:cNvPicPr>
+            <a:picLocks noChangeAspect="1"/>
+          </p:cNvPicPr>
+          <p:nvPr/>
+        </p:nvPicPr>
+        <p:blipFill>
+          <a:blip r:embed="rId4" cstate="print"/>
+          <a:stretch>
+            <a:fillRect/>
+          </a:stretch>
+        </p:blipFill>
+        <p:spPr>
+          <a:xfrm>
+            <a:off x="1435154" y="1816061"/>
+            <a:ext cx="8946667" cy="7503307"/>
+          </a:xfrm>
+          <a:prstGeom prst="rect">
+            <a:avLst/>
+          </a:prstGeom>
+        </p:spPr>
+      </p:pic>
+      <p:grpSp>
+        <p:nvGrpSpPr>
+          <p:cNvPr id="1003" name="그룹 1003"/>
+          <p:cNvGrpSpPr/>
+          <p:nvPr/>
+        </p:nvGrpSpPr>
+        <p:grpSpPr>
+          <a:xfrm>
+            <a:off x="14201487" y="-793619"/>
+            <a:ext cx="5013680" cy="4965048"/>
+            <a:chOff x="14201487" y="-793619"/>
+            <a:chExt cx="5013680" cy="4965048"/>
+          </a:xfrm>
+        </p:grpSpPr>
+        <p:pic>
+          <p:nvPicPr>
+            <p:cNvPr id="10" name="Object 9"/>
+            <p:cNvPicPr>
+              <a:picLocks noChangeAspect="1"/>
+            </p:cNvPicPr>
+            <p:nvPr/>
+          </p:nvPicPr>
+          <p:blipFill>
+            <a:blip r:embed="rId5" cstate="print"/>
+            <a:stretch>
+              <a:fillRect/>
+            </a:stretch>
+          </p:blipFill>
+          <p:spPr>
+            <a:xfrm>
+              <a:off x="14201487" y="-793619"/>
+              <a:ext cx="5013680" cy="4965048"/>
+            </a:xfrm>
+            <a:prstGeom prst="rect">
+              <a:avLst/>
+            </a:prstGeom>
+          </p:spPr>
+        </p:pic>
+      </p:grpSp>
+      <p:grpSp>
+        <p:nvGrpSpPr>
+          <p:cNvPr id="1004" name="그룹 1004"/>
+          <p:cNvGrpSpPr/>
+          <p:nvPr/>
+        </p:nvGrpSpPr>
+        <p:grpSpPr>
+          <a:xfrm>
+            <a:off x="1504762" y="6159972"/>
+            <a:ext cx="3591960" cy="3557118"/>
+            <a:chOff x="1504762" y="6159972"/>
+            <a:chExt cx="3591960" cy="3557118"/>
+          </a:xfrm>
+        </p:grpSpPr>
+        <p:pic>
+          <p:nvPicPr>
+            <p:cNvPr id="13" name="Object 12"/>
+            <p:cNvPicPr>
+              <a:picLocks noChangeAspect="1"/>
+            </p:cNvPicPr>
+            <p:nvPr/>
+          </p:nvPicPr>
+          <p:blipFill>
+            <a:blip r:embed="rId6" cstate="print"/>
+            <a:stretch>
+              <a:fillRect/>
+            </a:stretch>
+          </p:blipFill>
+          <p:spPr>
+            <a:xfrm>
+              <a:off x="1504762" y="6159972"/>
+              <a:ext cx="3591960" cy="3557118"/>
+            </a:xfrm>
+            <a:prstGeom prst="rect">
+              <a:avLst/>
+            </a:prstGeom>
+          </p:spPr>
+        </p:pic>
+      </p:grpSp>
+      <p:grpSp>
+        <p:nvGrpSpPr>
+          <p:cNvPr id="1005" name="그룹 1005"/>
+          <p:cNvGrpSpPr/>
+          <p:nvPr/>
+        </p:nvGrpSpPr>
+        <p:grpSpPr>
+          <a:xfrm>
+            <a:off x="-1490827" y="7194398"/>
+            <a:ext cx="4258895" cy="4258895"/>
+            <a:chOff x="-1490827" y="7194398"/>
+            <a:chExt cx="4258895" cy="4258895"/>
+          </a:xfrm>
+        </p:grpSpPr>
+        <p:pic>
+          <p:nvPicPr>
+            <p:cNvPr id="16" name="Object 15"/>
+            <p:cNvPicPr>
+              <a:picLocks noChangeAspect="1"/>
+            </p:cNvPicPr>
+            <p:nvPr/>
+          </p:nvPicPr>
+          <p:blipFill>
+            <a:blip r:embed="rId7" cstate="print"/>
+            <a:stretch>
+              <a:fillRect/>
+            </a:stretch>
+          </p:blipFill>
+          <p:spPr>
+            <a:xfrm rot="2700000">
+              <a:off x="-1490827" y="7194398"/>
+              <a:ext cx="4258895" cy="4258895"/>
+            </a:xfrm>
+            <a:prstGeom prst="rect">
+              <a:avLst/>
+            </a:prstGeom>
+          </p:spPr>
+        </p:pic>
+      </p:grpSp>
+      <p:grpSp>
+        <p:nvGrpSpPr>
+          <p:cNvPr id="1006" name="그룹 1006"/>
+          <p:cNvGrpSpPr/>
+          <p:nvPr/>
+        </p:nvGrpSpPr>
+        <p:grpSpPr>
+          <a:xfrm>
+            <a:off x="14236022" y="2461029"/>
+            <a:ext cx="4258895" cy="4258895"/>
+            <a:chOff x="14236022" y="2461029"/>
+            <a:chExt cx="4258895" cy="4258895"/>
+          </a:xfrm>
+        </p:grpSpPr>
+        <p:pic>
+          <p:nvPicPr>
+            <p:cNvPr id="22" name="Object 21"/>
+            <p:cNvPicPr>
+              <a:picLocks noChangeAspect="1"/>
+            </p:cNvPicPr>
+            <p:nvPr/>
+          </p:nvPicPr>
+          <p:blipFill>
+            <a:blip r:embed="rId8" cstate="print"/>
+            <a:stretch>
+              <a:fillRect/>
+            </a:stretch>
+          </p:blipFill>
+          <p:spPr>
+            <a:xfrm rot="2700000">
+              <a:off x="14236022" y="2461029"/>
+              <a:ext cx="4258895" cy="4258895"/>
+            </a:xfrm>
+            <a:prstGeom prst="rect">
+              <a:avLst/>
+            </a:prstGeom>
+          </p:spPr>
+        </p:pic>
+      </p:grpSp>
+      <p:sp>
+        <p:nvSpPr>
+          <p:cNvPr id="2" name="TextBox 1">
+            <a:extLst>
+              <a:ext uri="{FF2B5EF4-FFF2-40B4-BE49-F238E27FC236}">
+                <a16:creationId xmlns:a16="http://schemas.microsoft.com/office/drawing/2014/main" id="{715D88A2-BD52-978B-A00A-540446126E3D}"/>
+              </a:ext>
+            </a:extLst>
+          </p:cNvPr>
+          <p:cNvSpPr txBox="1"/>
+          <p:nvPr/>
+        </p:nvSpPr>
+        <p:spPr>
+          <a:xfrm>
+            <a:off x="15011400" y="8648279"/>
+            <a:ext cx="2743200" cy="584775"/>
+          </a:xfrm>
+          <a:prstGeom prst="rect">
+            <a:avLst/>
+          </a:prstGeom>
+          <a:noFill/>
+        </p:spPr>
+        <p:txBody>
+          <a:bodyPr wrap="square">
+            <a:spAutoFit/>
+          </a:bodyPr>
+          <a:lstStyle/>
+          <a:p>
+            <a:r>
+              <a:rPr lang="ko-KR" altLang="en-US" sz="3200">
+                <a:solidFill>
+                  <a:schemeClr val="bg1"/>
+                </a:solidFill>
+                <a:latin typeface="G마켓 산스 Light" panose="02000000000000000000" pitchFamily="50" charset="-127"/>
+                <a:ea typeface="G마켓 산스 Light" panose="02000000000000000000" pitchFamily="50" charset="-127"/>
+              </a:rPr>
+              <a:t>강사 박주병</a:t>
+            </a:r>
+            <a:endParaRPr lang="en-US" altLang="ko-KR" sz="2000">
+              <a:solidFill>
+                <a:schemeClr val="bg1"/>
+              </a:solidFill>
+              <a:latin typeface="G마켓 산스 Light" panose="02000000000000000000" pitchFamily="50" charset="-127"/>
+              <a:ea typeface="G마켓 산스 Light" panose="02000000000000000000" pitchFamily="50" charset="-127"/>
+            </a:endParaRPr>
+          </a:p>
+        </p:txBody>
+      </p:sp>
+    </p:spTree>
   </p:cSld>
   <p:clrMapOvr>
     <a:masterClrMapping/>
@@ -12738,7 +13379,7 @@
           <p:cNvPr id="7" name="TextBox 6">
             <a:extLst>
               <a:ext uri="{FF2B5EF4-FFF2-40B4-BE49-F238E27FC236}">
-                <a16:creationId xmlns:a16="http://schemas.microsoft.com/office/drawing/2014/main" xmlns="" id="{1411E83A-6F3E-13BA-B84D-07D6B1588D85}"/>
+                <a16:creationId xmlns:a16="http://schemas.microsoft.com/office/drawing/2014/main" id="{1411E83A-6F3E-13BA-B84D-07D6B1588D85}"/>
               </a:ext>
             </a:extLst>
           </p:cNvPr>
@@ -12869,7 +13510,7 @@
           <p:cNvPr id="3" name="TextBox 2">
             <a:extLst>
               <a:ext uri="{FF2B5EF4-FFF2-40B4-BE49-F238E27FC236}">
-                <a16:creationId xmlns:a16="http://schemas.microsoft.com/office/drawing/2014/main" xmlns="" id="{C1E2B109-28E2-3BCB-DC3A-258A3EF33665}"/>
+                <a16:creationId xmlns:a16="http://schemas.microsoft.com/office/drawing/2014/main" id="{C1E2B109-28E2-3BCB-DC3A-258A3EF33665}"/>
               </a:ext>
             </a:extLst>
           </p:cNvPr>
@@ -12940,7 +13581,7 @@
           <p:cNvPr id="5" name="직선 연결선 4">
             <a:extLst>
               <a:ext uri="{FF2B5EF4-FFF2-40B4-BE49-F238E27FC236}">
-                <a16:creationId xmlns:a16="http://schemas.microsoft.com/office/drawing/2014/main" xmlns="" id="{E6528D13-3D53-55D8-A01A-AAF1B7EE7712}"/>
+                <a16:creationId xmlns:a16="http://schemas.microsoft.com/office/drawing/2014/main" id="{E6528D13-3D53-55D8-A01A-AAF1B7EE7712}"/>
               </a:ext>
             </a:extLst>
           </p:cNvPr>
@@ -13037,7 +13678,7 @@
           <p:cNvPr id="6" name="직선 화살표 연결선 5">
             <a:extLst>
               <a:ext uri="{FF2B5EF4-FFF2-40B4-BE49-F238E27FC236}">
-                <a16:creationId xmlns:a16="http://schemas.microsoft.com/office/drawing/2014/main" xmlns="" id="{299DF5EC-9DF4-5255-06AC-0A7CE4FF58C3}"/>
+                <a16:creationId xmlns:a16="http://schemas.microsoft.com/office/drawing/2014/main" id="{299DF5EC-9DF4-5255-06AC-0A7CE4FF58C3}"/>
               </a:ext>
             </a:extLst>
           </p:cNvPr>
@@ -13078,7 +13719,7 @@
           <p:cNvPr id="7" name="TextBox 6">
             <a:extLst>
               <a:ext uri="{FF2B5EF4-FFF2-40B4-BE49-F238E27FC236}">
-                <a16:creationId xmlns:a16="http://schemas.microsoft.com/office/drawing/2014/main" xmlns="" id="{C6D113C6-EA5C-788F-0C77-E7CE6EBB865F}"/>
+                <a16:creationId xmlns:a16="http://schemas.microsoft.com/office/drawing/2014/main" id="{C6D113C6-EA5C-788F-0C77-E7CE6EBB865F}"/>
               </a:ext>
             </a:extLst>
           </p:cNvPr>
@@ -13156,7 +13797,7 @@
           <p:cNvPr id="9" name="직선 화살표 연결선 8">
             <a:extLst>
               <a:ext uri="{FF2B5EF4-FFF2-40B4-BE49-F238E27FC236}">
-                <a16:creationId xmlns:a16="http://schemas.microsoft.com/office/drawing/2014/main" xmlns="" id="{299DF5EC-9DF4-5255-06AC-0A7CE4FF58C3}"/>
+                <a16:creationId xmlns:a16="http://schemas.microsoft.com/office/drawing/2014/main" id="{299DF5EC-9DF4-5255-06AC-0A7CE4FF58C3}"/>
               </a:ext>
             </a:extLst>
           </p:cNvPr>
@@ -13197,7 +13838,7 @@
           <p:cNvPr id="10" name="TextBox 9">
             <a:extLst>
               <a:ext uri="{FF2B5EF4-FFF2-40B4-BE49-F238E27FC236}">
-                <a16:creationId xmlns:a16="http://schemas.microsoft.com/office/drawing/2014/main" xmlns="" id="{C6D113C6-EA5C-788F-0C77-E7CE6EBB865F}"/>
+                <a16:creationId xmlns:a16="http://schemas.microsoft.com/office/drawing/2014/main" id="{C6D113C6-EA5C-788F-0C77-E7CE6EBB865F}"/>
               </a:ext>
             </a:extLst>
           </p:cNvPr>
@@ -13275,7 +13916,7 @@
           <p:cNvPr id="12" name="직선 화살표 연결선 11">
             <a:extLst>
               <a:ext uri="{FF2B5EF4-FFF2-40B4-BE49-F238E27FC236}">
-                <a16:creationId xmlns:a16="http://schemas.microsoft.com/office/drawing/2014/main" xmlns="" id="{299DF5EC-9DF4-5255-06AC-0A7CE4FF58C3}"/>
+                <a16:creationId xmlns:a16="http://schemas.microsoft.com/office/drawing/2014/main" id="{299DF5EC-9DF4-5255-06AC-0A7CE4FF58C3}"/>
               </a:ext>
             </a:extLst>
           </p:cNvPr>
@@ -13316,7 +13957,7 @@
           <p:cNvPr id="13" name="TextBox 12">
             <a:extLst>
               <a:ext uri="{FF2B5EF4-FFF2-40B4-BE49-F238E27FC236}">
-                <a16:creationId xmlns:a16="http://schemas.microsoft.com/office/drawing/2014/main" xmlns="" id="{C6D113C6-EA5C-788F-0C77-E7CE6EBB865F}"/>
+                <a16:creationId xmlns:a16="http://schemas.microsoft.com/office/drawing/2014/main" id="{C6D113C6-EA5C-788F-0C77-E7CE6EBB865F}"/>
               </a:ext>
             </a:extLst>
           </p:cNvPr>
@@ -13364,7 +14005,7 @@
           <p:cNvPr id="14" name="직선 화살표 연결선 13">
             <a:extLst>
               <a:ext uri="{FF2B5EF4-FFF2-40B4-BE49-F238E27FC236}">
-                <a16:creationId xmlns:a16="http://schemas.microsoft.com/office/drawing/2014/main" xmlns="" id="{299DF5EC-9DF4-5255-06AC-0A7CE4FF58C3}"/>
+                <a16:creationId xmlns:a16="http://schemas.microsoft.com/office/drawing/2014/main" id="{299DF5EC-9DF4-5255-06AC-0A7CE4FF58C3}"/>
               </a:ext>
             </a:extLst>
           </p:cNvPr>
@@ -13405,7 +14046,7 @@
           <p:cNvPr id="15" name="TextBox 14">
             <a:extLst>
               <a:ext uri="{FF2B5EF4-FFF2-40B4-BE49-F238E27FC236}">
-                <a16:creationId xmlns:a16="http://schemas.microsoft.com/office/drawing/2014/main" xmlns="" id="{C6D113C6-EA5C-788F-0C77-E7CE6EBB865F}"/>
+                <a16:creationId xmlns:a16="http://schemas.microsoft.com/office/drawing/2014/main" id="{C6D113C6-EA5C-788F-0C77-E7CE6EBB865F}"/>
               </a:ext>
             </a:extLst>
           </p:cNvPr>
@@ -13463,7 +14104,7 @@
           <p:cNvPr id="2" name="TextBox 1">
             <a:extLst>
               <a:ext uri="{FF2B5EF4-FFF2-40B4-BE49-F238E27FC236}">
-                <a16:creationId xmlns:a16="http://schemas.microsoft.com/office/drawing/2014/main" xmlns="" id="{2061F97D-D8E9-F1D1-3FF7-8DA03F1C2FF6}"/>
+                <a16:creationId xmlns:a16="http://schemas.microsoft.com/office/drawing/2014/main" id="{2061F97D-D8E9-F1D1-3FF7-8DA03F1C2FF6}"/>
               </a:ext>
             </a:extLst>
           </p:cNvPr>
@@ -13534,7 +14175,7 @@
           <p:cNvPr id="3" name="직선 연결선 2">
             <a:extLst>
               <a:ext uri="{FF2B5EF4-FFF2-40B4-BE49-F238E27FC236}">
-                <a16:creationId xmlns:a16="http://schemas.microsoft.com/office/drawing/2014/main" xmlns="" id="{621AB981-BC49-7418-906C-AC1508981F9A}"/>
+                <a16:creationId xmlns:a16="http://schemas.microsoft.com/office/drawing/2014/main" id="{621AB981-BC49-7418-906C-AC1508981F9A}"/>
               </a:ext>
             </a:extLst>
           </p:cNvPr>
@@ -13582,13 +14223,6 @@
   <p:clrMapOvr>
     <a:masterClrMapping/>
   </p:clrMapOvr>
-  <p:timing>
-    <p:tnLst>
-      <p:par>
-        <p:cTn id="1" dur="indefinite" restart="never" nodeType="tmRoot"/>
-      </p:par>
-    </p:tnLst>
-  </p:timing>
 </p:sld>
 </file>
 
@@ -13614,7 +14248,7 @@
           <p:cNvPr id="4" name="TextBox 3">
             <a:extLst>
               <a:ext uri="{FF2B5EF4-FFF2-40B4-BE49-F238E27FC236}">
-                <a16:creationId xmlns:a16="http://schemas.microsoft.com/office/drawing/2014/main" xmlns="" id="{1411E83A-6F3E-13BA-B84D-07D6B1588D85}"/>
+                <a16:creationId xmlns:a16="http://schemas.microsoft.com/office/drawing/2014/main" id="{1411E83A-6F3E-13BA-B84D-07D6B1588D85}"/>
               </a:ext>
             </a:extLst>
           </p:cNvPr>
@@ -13775,7 +14409,7 @@
           <p:cNvPr id="2" name="TextBox 1">
             <a:extLst>
               <a:ext uri="{FF2B5EF4-FFF2-40B4-BE49-F238E27FC236}">
-                <a16:creationId xmlns:a16="http://schemas.microsoft.com/office/drawing/2014/main" xmlns="" id="{70DDAF80-7105-43F4-AB6E-536A390954B1}"/>
+                <a16:creationId xmlns:a16="http://schemas.microsoft.com/office/drawing/2014/main" id="{70DDAF80-7105-43F4-AB6E-536A390954B1}"/>
               </a:ext>
             </a:extLst>
           </p:cNvPr>
@@ -13846,7 +14480,7 @@
           <p:cNvPr id="3" name="직선 연결선 2">
             <a:extLst>
               <a:ext uri="{FF2B5EF4-FFF2-40B4-BE49-F238E27FC236}">
-                <a16:creationId xmlns:a16="http://schemas.microsoft.com/office/drawing/2014/main" xmlns="" id="{6C11217E-9D86-2C7C-D894-29BB5E68E175}"/>
+                <a16:creationId xmlns:a16="http://schemas.microsoft.com/office/drawing/2014/main" id="{6C11217E-9D86-2C7C-D894-29BB5E68E175}"/>
               </a:ext>
             </a:extLst>
           </p:cNvPr>
@@ -13943,7 +14577,7 @@
           <p:cNvPr id="7" name="직선 화살표 연결선 6">
             <a:extLst>
               <a:ext uri="{FF2B5EF4-FFF2-40B4-BE49-F238E27FC236}">
-                <a16:creationId xmlns:a16="http://schemas.microsoft.com/office/drawing/2014/main" xmlns="" id="{299DF5EC-9DF4-5255-06AC-0A7CE4FF58C3}"/>
+                <a16:creationId xmlns:a16="http://schemas.microsoft.com/office/drawing/2014/main" id="{299DF5EC-9DF4-5255-06AC-0A7CE4FF58C3}"/>
               </a:ext>
             </a:extLst>
           </p:cNvPr>
@@ -13984,7 +14618,7 @@
           <p:cNvPr id="8" name="직사각형 7">
             <a:extLst>
               <a:ext uri="{FF2B5EF4-FFF2-40B4-BE49-F238E27FC236}">
-                <a16:creationId xmlns:a16="http://schemas.microsoft.com/office/drawing/2014/main" xmlns="" id="{FFF506F9-840A-0508-4CAF-3AC711D8D5CE}"/>
+                <a16:creationId xmlns:a16="http://schemas.microsoft.com/office/drawing/2014/main" id="{FFF506F9-840A-0508-4CAF-3AC711D8D5CE}"/>
               </a:ext>
             </a:extLst>
           </p:cNvPr>
@@ -14036,7 +14670,7 @@
           <p:cNvPr id="9" name="TextBox 8">
             <a:extLst>
               <a:ext uri="{FF2B5EF4-FFF2-40B4-BE49-F238E27FC236}">
-                <a16:creationId xmlns:a16="http://schemas.microsoft.com/office/drawing/2014/main" xmlns="" id="{C6D113C6-EA5C-788F-0C77-E7CE6EBB865F}"/>
+                <a16:creationId xmlns:a16="http://schemas.microsoft.com/office/drawing/2014/main" id="{C6D113C6-EA5C-788F-0C77-E7CE6EBB865F}"/>
               </a:ext>
             </a:extLst>
           </p:cNvPr>
@@ -14094,7 +14728,7 @@
           <p:cNvPr id="10" name="직선 화살표 연결선 9">
             <a:extLst>
               <a:ext uri="{FF2B5EF4-FFF2-40B4-BE49-F238E27FC236}">
-                <a16:creationId xmlns:a16="http://schemas.microsoft.com/office/drawing/2014/main" xmlns="" id="{299DF5EC-9DF4-5255-06AC-0A7CE4FF58C3}"/>
+                <a16:creationId xmlns:a16="http://schemas.microsoft.com/office/drawing/2014/main" id="{299DF5EC-9DF4-5255-06AC-0A7CE4FF58C3}"/>
               </a:ext>
             </a:extLst>
           </p:cNvPr>
@@ -14135,7 +14769,7 @@
           <p:cNvPr id="11" name="직사각형 10">
             <a:extLst>
               <a:ext uri="{FF2B5EF4-FFF2-40B4-BE49-F238E27FC236}">
-                <a16:creationId xmlns:a16="http://schemas.microsoft.com/office/drawing/2014/main" xmlns="" id="{FFF506F9-840A-0508-4CAF-3AC711D8D5CE}"/>
+                <a16:creationId xmlns:a16="http://schemas.microsoft.com/office/drawing/2014/main" id="{FFF506F9-840A-0508-4CAF-3AC711D8D5CE}"/>
               </a:ext>
             </a:extLst>
           </p:cNvPr>
@@ -14187,7 +14821,7 @@
           <p:cNvPr id="12" name="TextBox 11">
             <a:extLst>
               <a:ext uri="{FF2B5EF4-FFF2-40B4-BE49-F238E27FC236}">
-                <a16:creationId xmlns:a16="http://schemas.microsoft.com/office/drawing/2014/main" xmlns="" id="{C6D113C6-EA5C-788F-0C77-E7CE6EBB865F}"/>
+                <a16:creationId xmlns:a16="http://schemas.microsoft.com/office/drawing/2014/main" id="{C6D113C6-EA5C-788F-0C77-E7CE6EBB865F}"/>
               </a:ext>
             </a:extLst>
           </p:cNvPr>
@@ -14245,7 +14879,7 @@
           <p:cNvPr id="2" name="TextBox 1">
             <a:extLst>
               <a:ext uri="{FF2B5EF4-FFF2-40B4-BE49-F238E27FC236}">
-                <a16:creationId xmlns:a16="http://schemas.microsoft.com/office/drawing/2014/main" xmlns="" id="{7C7DAE4F-67C1-DE0E-29A0-40C8DBCC0819}"/>
+                <a16:creationId xmlns:a16="http://schemas.microsoft.com/office/drawing/2014/main" id="{7C7DAE4F-67C1-DE0E-29A0-40C8DBCC0819}"/>
               </a:ext>
             </a:extLst>
           </p:cNvPr>
@@ -14316,7 +14950,7 @@
           <p:cNvPr id="3" name="직선 연결선 2">
             <a:extLst>
               <a:ext uri="{FF2B5EF4-FFF2-40B4-BE49-F238E27FC236}">
-                <a16:creationId xmlns:a16="http://schemas.microsoft.com/office/drawing/2014/main" xmlns="" id="{4FECF1C5-0524-070A-FACB-F82F14101D1E}"/>
+                <a16:creationId xmlns:a16="http://schemas.microsoft.com/office/drawing/2014/main" id="{4FECF1C5-0524-070A-FACB-F82F14101D1E}"/>
               </a:ext>
             </a:extLst>
           </p:cNvPr>
@@ -14364,13 +14998,6 @@
   <p:clrMapOvr>
     <a:masterClrMapping/>
   </p:clrMapOvr>
-  <p:timing>
-    <p:tnLst>
-      <p:par>
-        <p:cTn id="1" dur="indefinite" restart="never" nodeType="tmRoot"/>
-      </p:par>
-    </p:tnLst>
-  </p:timing>
 </p:sld>
 </file>
 
@@ -14396,7 +15023,7 @@
           <p:cNvPr id="4" name="TextBox 3">
             <a:extLst>
               <a:ext uri="{FF2B5EF4-FFF2-40B4-BE49-F238E27FC236}">
-                <a16:creationId xmlns:a16="http://schemas.microsoft.com/office/drawing/2014/main" xmlns="" id="{1411E83A-6F3E-13BA-B84D-07D6B1588D85}"/>
+                <a16:creationId xmlns:a16="http://schemas.microsoft.com/office/drawing/2014/main" id="{1411E83A-6F3E-13BA-B84D-07D6B1588D85}"/>
               </a:ext>
             </a:extLst>
           </p:cNvPr>
@@ -14597,7 +15224,7 @@
           <p:cNvPr id="6" name="TextBox 5">
             <a:extLst>
               <a:ext uri="{FF2B5EF4-FFF2-40B4-BE49-F238E27FC236}">
-                <a16:creationId xmlns:a16="http://schemas.microsoft.com/office/drawing/2014/main" xmlns="" id="{D29BFDAE-1FBE-F95B-070D-55D9E72419EB}"/>
+                <a16:creationId xmlns:a16="http://schemas.microsoft.com/office/drawing/2014/main" id="{D29BFDAE-1FBE-F95B-070D-55D9E72419EB}"/>
               </a:ext>
             </a:extLst>
           </p:cNvPr>
@@ -14668,7 +15295,7 @@
           <p:cNvPr id="7" name="직선 연결선 6">
             <a:extLst>
               <a:ext uri="{FF2B5EF4-FFF2-40B4-BE49-F238E27FC236}">
-                <a16:creationId xmlns:a16="http://schemas.microsoft.com/office/drawing/2014/main" xmlns="" id="{BF15706B-FFAD-5015-93A4-DF2FFCB3DC0F}"/>
+                <a16:creationId xmlns:a16="http://schemas.microsoft.com/office/drawing/2014/main" id="{BF15706B-FFAD-5015-93A4-DF2FFCB3DC0F}"/>
               </a:ext>
             </a:extLst>
           </p:cNvPr>
@@ -14840,7 +15467,7 @@
           <p:cNvPr id="6" name="직선 화살표 연결선 5">
             <a:extLst>
               <a:ext uri="{FF2B5EF4-FFF2-40B4-BE49-F238E27FC236}">
-                <a16:creationId xmlns:a16="http://schemas.microsoft.com/office/drawing/2014/main" xmlns="" id="{299DF5EC-9DF4-5255-06AC-0A7CE4FF58C3}"/>
+                <a16:creationId xmlns:a16="http://schemas.microsoft.com/office/drawing/2014/main" id="{299DF5EC-9DF4-5255-06AC-0A7CE4FF58C3}"/>
               </a:ext>
             </a:extLst>
           </p:cNvPr>
@@ -14881,7 +15508,7 @@
           <p:cNvPr id="7" name="직사각형 6">
             <a:extLst>
               <a:ext uri="{FF2B5EF4-FFF2-40B4-BE49-F238E27FC236}">
-                <a16:creationId xmlns:a16="http://schemas.microsoft.com/office/drawing/2014/main" xmlns="" id="{FFF506F9-840A-0508-4CAF-3AC711D8D5CE}"/>
+                <a16:creationId xmlns:a16="http://schemas.microsoft.com/office/drawing/2014/main" id="{FFF506F9-840A-0508-4CAF-3AC711D8D5CE}"/>
               </a:ext>
             </a:extLst>
           </p:cNvPr>
@@ -14933,7 +15560,7 @@
           <p:cNvPr id="8" name="TextBox 7">
             <a:extLst>
               <a:ext uri="{FF2B5EF4-FFF2-40B4-BE49-F238E27FC236}">
-                <a16:creationId xmlns:a16="http://schemas.microsoft.com/office/drawing/2014/main" xmlns="" id="{C6D113C6-EA5C-788F-0C77-E7CE6EBB865F}"/>
+                <a16:creationId xmlns:a16="http://schemas.microsoft.com/office/drawing/2014/main" id="{C6D113C6-EA5C-788F-0C77-E7CE6EBB865F}"/>
               </a:ext>
             </a:extLst>
           </p:cNvPr>
@@ -14991,7 +15618,7 @@
           <p:cNvPr id="9" name="직선 화살표 연결선 8">
             <a:extLst>
               <a:ext uri="{FF2B5EF4-FFF2-40B4-BE49-F238E27FC236}">
-                <a16:creationId xmlns:a16="http://schemas.microsoft.com/office/drawing/2014/main" xmlns="" id="{299DF5EC-9DF4-5255-06AC-0A7CE4FF58C3}"/>
+                <a16:creationId xmlns:a16="http://schemas.microsoft.com/office/drawing/2014/main" id="{299DF5EC-9DF4-5255-06AC-0A7CE4FF58C3}"/>
               </a:ext>
             </a:extLst>
           </p:cNvPr>
@@ -15032,7 +15659,7 @@
           <p:cNvPr id="10" name="TextBox 9">
             <a:extLst>
               <a:ext uri="{FF2B5EF4-FFF2-40B4-BE49-F238E27FC236}">
-                <a16:creationId xmlns:a16="http://schemas.microsoft.com/office/drawing/2014/main" xmlns="" id="{C6D113C6-EA5C-788F-0C77-E7CE6EBB865F}"/>
+                <a16:creationId xmlns:a16="http://schemas.microsoft.com/office/drawing/2014/main" id="{C6D113C6-EA5C-788F-0C77-E7CE6EBB865F}"/>
               </a:ext>
             </a:extLst>
           </p:cNvPr>
@@ -15129,7 +15756,7 @@
           <p:cNvPr id="2" name="TextBox 1">
             <a:extLst>
               <a:ext uri="{FF2B5EF4-FFF2-40B4-BE49-F238E27FC236}">
-                <a16:creationId xmlns:a16="http://schemas.microsoft.com/office/drawing/2014/main" xmlns="" id="{C2BB29CE-D375-5A22-8060-52CB510B6229}"/>
+                <a16:creationId xmlns:a16="http://schemas.microsoft.com/office/drawing/2014/main" id="{C2BB29CE-D375-5A22-8060-52CB510B6229}"/>
               </a:ext>
             </a:extLst>
           </p:cNvPr>
@@ -15200,7 +15827,7 @@
           <p:cNvPr id="3" name="직선 연결선 2">
             <a:extLst>
               <a:ext uri="{FF2B5EF4-FFF2-40B4-BE49-F238E27FC236}">
-                <a16:creationId xmlns:a16="http://schemas.microsoft.com/office/drawing/2014/main" xmlns="" id="{2E633B17-0E5C-4276-F42B-B2FA215BF31C}"/>
+                <a16:creationId xmlns:a16="http://schemas.microsoft.com/office/drawing/2014/main" id="{2E633B17-0E5C-4276-F42B-B2FA215BF31C}"/>
               </a:ext>
             </a:extLst>
           </p:cNvPr>
@@ -15248,13 +15875,6 @@
   <p:clrMapOvr>
     <a:masterClrMapping/>
   </p:clrMapOvr>
-  <p:timing>
-    <p:tnLst>
-      <p:par>
-        <p:cTn id="1" dur="indefinite" restart="never" nodeType="tmRoot"/>
-      </p:par>
-    </p:tnLst>
-  </p:timing>
 </p:sld>
 </file>
 
